--- a/最終.pptx
+++ b/最終.pptx
@@ -192,7 +192,6 @@
           </a:p>
         </c:rich>
       </c:tx>
-      <c:layout/>
       <c:overlay val="0"/>
       <c:spPr>
         <a:noFill/>
@@ -692,7 +691,6 @@
               </a:p>
             </c:rich>
           </c:tx>
-          <c:layout/>
           <c:overlay val="0"/>
           <c:spPr>
             <a:noFill/>
@@ -931,7 +929,6 @@
     </c:plotArea>
     <c:legend>
       <c:legendPos val="b"/>
-      <c:layout/>
       <c:overlay val="0"/>
       <c:spPr>
         <a:noFill/>
@@ -1028,7 +1025,6 @@
           </a:p>
         </c:rich>
       </c:tx>
-      <c:layout/>
       <c:overlay val="0"/>
       <c:spPr>
         <a:noFill/>
@@ -1528,7 +1524,6 @@
               </a:p>
             </c:rich>
           </c:tx>
-          <c:layout/>
           <c:overlay val="0"/>
           <c:spPr>
             <a:noFill/>
@@ -1767,7 +1762,6 @@
     </c:plotArea>
     <c:legend>
       <c:legendPos val="b"/>
-      <c:layout/>
       <c:overlay val="0"/>
       <c:spPr>
         <a:noFill/>
@@ -4930,17 +4924,17 @@
     </dgm:pt>
   </dgm:ptLst>
   <dgm:cxnLst>
+    <dgm:cxn modelId="{E5217933-D44C-439B-BF42-1EE0750B1B64}" type="presOf" srcId="{2F89E49D-30B0-4E19-B38B-3415DD8C4B18}" destId="{E5D80F06-C62C-43DB-AB23-8117423EF244}" srcOrd="0" destOrd="0" presId="urn:microsoft.com/office/officeart/2005/8/layout/default"/>
+    <dgm:cxn modelId="{BBA8049F-5FA1-4A66-A925-5271FFB2C70F}" type="presOf" srcId="{5FF50D15-EEF2-4E54-844D-DCC874125DA9}" destId="{9834240E-A5C4-4BAA-A521-6A332B09299A}" srcOrd="0" destOrd="0" presId="urn:microsoft.com/office/officeart/2005/8/layout/default"/>
+    <dgm:cxn modelId="{919CB1D9-9719-4264-9BF0-3953DF24FDDC}" type="presOf" srcId="{3F7AA621-FC65-46F0-84DC-2EE1BC2589BC}" destId="{D0D63E52-83A4-4071-B9C7-4237BA726D00}" srcOrd="0" destOrd="0" presId="urn:microsoft.com/office/officeart/2005/8/layout/default"/>
+    <dgm:cxn modelId="{E74F22F0-6D72-4D36-858B-B63802AD1D55}" srcId="{3F7AA621-FC65-46F0-84DC-2EE1BC2589BC}" destId="{92E1FBF1-24A8-4EF7-BFDD-8DC84AF1C62E}" srcOrd="0" destOrd="0" parTransId="{5053B24D-D182-476C-8F15-ACD1186ED0D3}" sibTransId="{CCEA63A9-58F4-494D-8328-A6AFDF22120C}"/>
     <dgm:cxn modelId="{FB58C129-3579-4B85-99D5-FFC6534E15D3}" type="presOf" srcId="{2CBF723B-87A0-4FA7-80E5-FF37F3DF6489}" destId="{5C136041-2953-488A-9493-F3D53F685869}" srcOrd="0" destOrd="0" presId="urn:microsoft.com/office/officeart/2005/8/layout/default"/>
-    <dgm:cxn modelId="{FBEAAE79-5A4E-49D0-AAD0-A2A3909DC080}" type="presOf" srcId="{B17A19BC-7286-4F00-9F03-8015463ADB08}" destId="{17617896-E2C1-45EC-85CD-71C85D6E3BE7}" srcOrd="0" destOrd="0" presId="urn:microsoft.com/office/officeart/2005/8/layout/default"/>
-    <dgm:cxn modelId="{3DEDA61E-6DA5-4162-8C85-360E893796A1}" type="presOf" srcId="{92E1FBF1-24A8-4EF7-BFDD-8DC84AF1C62E}" destId="{FF51E2CD-24B2-471B-81DA-D090E143E4A8}" srcOrd="0" destOrd="0" presId="urn:microsoft.com/office/officeart/2005/8/layout/default"/>
-    <dgm:cxn modelId="{707D72EA-3D51-483B-B151-549DB46C2259}" srcId="{3F7AA621-FC65-46F0-84DC-2EE1BC2589BC}" destId="{2F89E49D-30B0-4E19-B38B-3415DD8C4B18}" srcOrd="1" destOrd="0" parTransId="{27EA4BC3-D805-4AFE-B6CE-DFABE214537A}" sibTransId="{F1195D0B-067E-4FDA-87AA-D03A1EF8137C}"/>
     <dgm:cxn modelId="{3C966366-360B-4EAB-96AB-48F331F76A32}" srcId="{3F7AA621-FC65-46F0-84DC-2EE1BC2589BC}" destId="{2CBF723B-87A0-4FA7-80E5-FF37F3DF6489}" srcOrd="4" destOrd="0" parTransId="{EE2AD8BA-7D7E-4D62-B518-9833D72A1A6D}" sibTransId="{0BE5C2C3-7EF8-4389-950F-5AB5266227A6}"/>
     <dgm:cxn modelId="{A9E038A6-3F6F-4D8F-8C0F-44DEBCD3A5ED}" srcId="{3F7AA621-FC65-46F0-84DC-2EE1BC2589BC}" destId="{B17A19BC-7286-4F00-9F03-8015463ADB08}" srcOrd="3" destOrd="0" parTransId="{81DACC49-9373-475A-81CA-73B4B0EC2810}" sibTransId="{1492B47F-7578-485F-9E2E-02C67E80D8D6}"/>
+    <dgm:cxn modelId="{3DEDA61E-6DA5-4162-8C85-360E893796A1}" type="presOf" srcId="{92E1FBF1-24A8-4EF7-BFDD-8DC84AF1C62E}" destId="{FF51E2CD-24B2-471B-81DA-D090E143E4A8}" srcOrd="0" destOrd="0" presId="urn:microsoft.com/office/officeart/2005/8/layout/default"/>
     <dgm:cxn modelId="{1BF09F79-01F6-4E77-8D22-DFF209A10990}" srcId="{3F7AA621-FC65-46F0-84DC-2EE1BC2589BC}" destId="{5FF50D15-EEF2-4E54-844D-DCC874125DA9}" srcOrd="2" destOrd="0" parTransId="{2C743C0D-0DD6-4231-B5DC-473495A2A3DF}" sibTransId="{87016D5D-9258-44A4-8D9C-5B8FDC622B2C}"/>
-    <dgm:cxn modelId="{BBA8049F-5FA1-4A66-A925-5271FFB2C70F}" type="presOf" srcId="{5FF50D15-EEF2-4E54-844D-DCC874125DA9}" destId="{9834240E-A5C4-4BAA-A521-6A332B09299A}" srcOrd="0" destOrd="0" presId="urn:microsoft.com/office/officeart/2005/8/layout/default"/>
-    <dgm:cxn modelId="{E5217933-D44C-439B-BF42-1EE0750B1B64}" type="presOf" srcId="{2F89E49D-30B0-4E19-B38B-3415DD8C4B18}" destId="{E5D80F06-C62C-43DB-AB23-8117423EF244}" srcOrd="0" destOrd="0" presId="urn:microsoft.com/office/officeart/2005/8/layout/default"/>
-    <dgm:cxn modelId="{919CB1D9-9719-4264-9BF0-3953DF24FDDC}" type="presOf" srcId="{3F7AA621-FC65-46F0-84DC-2EE1BC2589BC}" destId="{D0D63E52-83A4-4071-B9C7-4237BA726D00}" srcOrd="0" destOrd="0" presId="urn:microsoft.com/office/officeart/2005/8/layout/default"/>
-    <dgm:cxn modelId="{E74F22F0-6D72-4D36-858B-B63802AD1D55}" srcId="{3F7AA621-FC65-46F0-84DC-2EE1BC2589BC}" destId="{92E1FBF1-24A8-4EF7-BFDD-8DC84AF1C62E}" srcOrd="0" destOrd="0" parTransId="{5053B24D-D182-476C-8F15-ACD1186ED0D3}" sibTransId="{CCEA63A9-58F4-494D-8328-A6AFDF22120C}"/>
+    <dgm:cxn modelId="{FBEAAE79-5A4E-49D0-AAD0-A2A3909DC080}" type="presOf" srcId="{B17A19BC-7286-4F00-9F03-8015463ADB08}" destId="{17617896-E2C1-45EC-85CD-71C85D6E3BE7}" srcOrd="0" destOrd="0" presId="urn:microsoft.com/office/officeart/2005/8/layout/default"/>
+    <dgm:cxn modelId="{707D72EA-3D51-483B-B151-549DB46C2259}" srcId="{3F7AA621-FC65-46F0-84DC-2EE1BC2589BC}" destId="{2F89E49D-30B0-4E19-B38B-3415DD8C4B18}" srcOrd="1" destOrd="0" parTransId="{27EA4BC3-D805-4AFE-B6CE-DFABE214537A}" sibTransId="{F1195D0B-067E-4FDA-87AA-D03A1EF8137C}"/>
     <dgm:cxn modelId="{FF7AF0C2-D568-4177-B6C9-317783C5C03B}" type="presParOf" srcId="{D0D63E52-83A4-4071-B9C7-4237BA726D00}" destId="{FF51E2CD-24B2-471B-81DA-D090E143E4A8}" srcOrd="0" destOrd="0" presId="urn:microsoft.com/office/officeart/2005/8/layout/default"/>
     <dgm:cxn modelId="{6444E862-D51D-403D-8AE5-A29691AB6030}" type="presParOf" srcId="{D0D63E52-83A4-4071-B9C7-4237BA726D00}" destId="{F0D474E1-7C40-46B5-B94A-DF92D8DAED93}" srcOrd="1" destOrd="0" presId="urn:microsoft.com/office/officeart/2005/8/layout/default"/>
     <dgm:cxn modelId="{DC6BD285-2627-4A47-8690-C0B7906453BC}" type="presParOf" srcId="{D0D63E52-83A4-4071-B9C7-4237BA726D00}" destId="{E5D80F06-C62C-43DB-AB23-8117423EF244}" srcOrd="2" destOrd="0" presId="urn:microsoft.com/office/officeart/2005/8/layout/default"/>
@@ -10150,11 +10144,7 @@
           <a:p>
             <a:r>
               <a:rPr kumimoji="1" lang="ja-JP" altLang="en-US" b="1" dirty="0" smtClean="0"/>
-              <a:t>こちらが、バーンアップチャートです</a:t>
-            </a:r>
-            <a:r>
-              <a:rPr kumimoji="1" lang="ja-JP" altLang="en-US" b="1" dirty="0" smtClean="0"/>
-              <a:t>。</a:t>
+              <a:t>こちらが、バーンアップチャートです。</a:t>
             </a:r>
             <a:endParaRPr kumimoji="1" lang="en-US" altLang="ja-JP" b="1" dirty="0" smtClean="0"/>
           </a:p>
@@ -10240,15 +10230,7 @@
             </a:r>
             <a:r>
               <a:rPr kumimoji="1" lang="ja-JP" altLang="en-US" b="1" dirty="0" smtClean="0"/>
-              <a:t>スプリント目が終了しており、作業は完了したものの、コスト</a:t>
-            </a:r>
-            <a:r>
-              <a:rPr kumimoji="1" lang="ja-JP" altLang="en-US" b="1" dirty="0" smtClean="0"/>
-              <a:t>の超過が発生</a:t>
-            </a:r>
-            <a:r>
-              <a:rPr kumimoji="1" lang="ja-JP" altLang="en-US" b="1" dirty="0" smtClean="0"/>
-              <a:t>してしまいました。</a:t>
+              <a:t>スプリント目が終了しており、作業は完了したものの、コストの超過が発生してしまいました。</a:t>
             </a:r>
             <a:endParaRPr kumimoji="1" lang="en-US" altLang="ja-JP" b="1" dirty="0" smtClean="0"/>
           </a:p>
@@ -15399,11 +15381,7 @@
             <a:pPr algn="r"/>
             <a:r>
               <a:rPr lang="ja-JP" altLang="en-US" b="1" dirty="0" smtClean="0"/>
-              <a:t>赤岡       </a:t>
-            </a:r>
-            <a:r>
-              <a:rPr lang="ja-JP" altLang="en-US" b="1" dirty="0" smtClean="0"/>
-              <a:t>武 </a:t>
+              <a:t>赤岡       武 </a:t>
             </a:r>
             <a:endParaRPr lang="en-US" altLang="ja-JP" b="1" dirty="0" smtClean="0"/>
           </a:p>
@@ -16236,7 +16214,6 @@
               <a:rPr lang="ja-JP" altLang="en-US" sz="4400" b="1" dirty="0" smtClean="0"/>
               <a:t>納期・・・バーンアップチャート</a:t>
             </a:r>
-            <a:endParaRPr lang="ja-JP" altLang="en-US" sz="4400" b="1" dirty="0" smtClean="0"/>
           </a:p>
         </p:txBody>
       </p:sp>
@@ -17187,7 +17164,6 @@
               <a:rPr lang="ja-JP" altLang="en-US" sz="4400" b="1" dirty="0" smtClean="0"/>
               <a:t>と想定</a:t>
             </a:r>
-            <a:endParaRPr lang="ja-JP" altLang="en-US" sz="4400" b="1" dirty="0" smtClean="0"/>
           </a:p>
         </p:txBody>
       </p:sp>
@@ -20588,15 +20564,7 @@
                   <a:srgbClr val="FF0000"/>
                 </a:solidFill>
               </a:rPr>
-              <a:t>計画書</a:t>
-            </a:r>
-            <a:r>
-              <a:rPr lang="ja-JP" altLang="en-US" sz="4800" b="1" dirty="0" smtClean="0">
-                <a:solidFill>
-                  <a:srgbClr val="FF0000"/>
-                </a:solidFill>
-              </a:rPr>
-              <a:t>の見積りを多めにとることです！</a:t>
+              <a:t>計画書の見積りを多めにとることです！</a:t>
             </a:r>
             <a:endParaRPr kumimoji="1" lang="en-US" altLang="ja-JP" sz="4800" b="1" dirty="0" smtClean="0">
               <a:solidFill>
@@ -20818,11 +20786,7 @@
             </a:r>
             <a:r>
               <a:rPr lang="en-US" altLang="ja-JP" sz="4000" b="1" dirty="0" smtClean="0"/>
-              <a:t>5</a:t>
-            </a:r>
-            <a:r>
-              <a:rPr lang="en-US" altLang="ja-JP" sz="4000" b="1" dirty="0" smtClean="0"/>
-              <a:t>.QCD</a:t>
+              <a:t>5.QCD</a:t>
             </a:r>
           </a:p>
           <a:p>
@@ -20863,19 +20827,19 @@
             </a:r>
             <a:r>
               <a:rPr lang="ja-JP" altLang="en-US" sz="4000" b="1" dirty="0" smtClean="0"/>
-              <a:t>選択したチーム課題</a:t>
-            </a:r>
-            <a:r>
-              <a:rPr lang="ja-JP" altLang="en-US" sz="4000" b="1" dirty="0" smtClean="0"/>
-              <a:t>　 </a:t>
+              <a:t>選択したチーム課題　 </a:t>
             </a:r>
             <a:r>
               <a:rPr lang="en-US" altLang="ja-JP" sz="4000" b="1" dirty="0" smtClean="0"/>
-              <a:t>4.</a:t>
-            </a:r>
-            <a:r>
-              <a:rPr lang="ja-JP" altLang="en-US" sz="4000" b="1" dirty="0" smtClean="0"/>
-              <a:t>完成体</a:t>
+              <a:t>4</a:t>
+            </a:r>
+            <a:r>
+              <a:rPr lang="en-US" altLang="ja-JP" sz="4000" b="1" dirty="0" smtClean="0"/>
+              <a:t>.</a:t>
+            </a:r>
+            <a:r>
+              <a:rPr lang="ja-JP" altLang="en-US" sz="4000" b="1" dirty="0"/>
+              <a:t>成果物</a:t>
             </a:r>
             <a:endParaRPr lang="en-US" altLang="ja-JP" sz="4000" dirty="0" smtClean="0"/>
           </a:p>

--- a/最終.pptx
+++ b/最終.pptx
@@ -192,6 +192,7 @@
           </a:p>
         </c:rich>
       </c:tx>
+      <c:layout/>
       <c:overlay val="0"/>
       <c:spPr>
         <a:noFill/>
@@ -691,6 +692,7 @@
               </a:p>
             </c:rich>
           </c:tx>
+          <c:layout/>
           <c:overlay val="0"/>
           <c:spPr>
             <a:noFill/>
@@ -929,6 +931,7 @@
     </c:plotArea>
     <c:legend>
       <c:legendPos val="b"/>
+      <c:layout/>
       <c:overlay val="0"/>
       <c:spPr>
         <a:noFill/>
@@ -1025,6 +1028,7 @@
           </a:p>
         </c:rich>
       </c:tx>
+      <c:layout/>
       <c:overlay val="0"/>
       <c:spPr>
         <a:noFill/>
@@ -1524,6 +1528,7 @@
               </a:p>
             </c:rich>
           </c:tx>
+          <c:layout/>
           <c:overlay val="0"/>
           <c:spPr>
             <a:noFill/>
@@ -1762,6 +1767,7 @@
     </c:plotArea>
     <c:legend>
       <c:legendPos val="b"/>
+      <c:layout/>
       <c:overlay val="0"/>
       <c:spPr>
         <a:noFill/>
@@ -9909,21 +9915,37 @@
           <a:p>
             <a:r>
               <a:rPr kumimoji="1" lang="ja-JP" altLang="en-US" b="1" dirty="0" smtClean="0"/>
-              <a:t>１～４であれば、改善策を検討し、実行します。</a:t>
+              <a:t>１～４であれば、改善策を検討し</a:t>
+            </a:r>
+            <a:r>
+              <a:rPr kumimoji="1" lang="ja-JP" altLang="en-US" b="1" dirty="0" smtClean="0"/>
+              <a:t>、改善します</a:t>
+            </a:r>
+            <a:r>
+              <a:rPr kumimoji="1" lang="ja-JP" altLang="en-US" b="1" dirty="0" smtClean="0"/>
+              <a:t>。</a:t>
             </a:r>
             <a:endParaRPr kumimoji="1" lang="en-US" altLang="ja-JP" b="1" dirty="0" smtClean="0"/>
           </a:p>
           <a:p>
             <a:r>
               <a:rPr kumimoji="1" lang="ja-JP" altLang="en-US" b="1" dirty="0" smtClean="0"/>
-              <a:t>５～６であれば、基本的な要件は満たしていると考えます。</a:t>
+              <a:t>５～６であれば、基本的な要件は満たしていると</a:t>
+            </a:r>
+            <a:r>
+              <a:rPr kumimoji="1" lang="ja-JP" altLang="en-US" b="1" dirty="0" smtClean="0"/>
+              <a:t>考え、可能であれば改善します。</a:t>
             </a:r>
             <a:endParaRPr kumimoji="1" lang="en-US" altLang="ja-JP" b="1" dirty="0" smtClean="0"/>
           </a:p>
           <a:p>
             <a:r>
               <a:rPr kumimoji="1" lang="ja-JP" altLang="en-US" b="1" dirty="0" smtClean="0"/>
-              <a:t>７～１０であれば、要件を満たしていると考えます。</a:t>
+              <a:t>７～１０であれば、要件を満たしていると</a:t>
+            </a:r>
+            <a:r>
+              <a:rPr kumimoji="1" lang="ja-JP" altLang="en-US" b="1" dirty="0" smtClean="0"/>
+              <a:t>考え、改善はしません。</a:t>
             </a:r>
             <a:endParaRPr kumimoji="1" lang="en-US" altLang="ja-JP" b="1" dirty="0" smtClean="0"/>
           </a:p>
@@ -10585,6 +10607,10 @@
             <a:endParaRPr kumimoji="1" lang="en-US" altLang="ja-JP" b="1" dirty="0" smtClean="0"/>
           </a:p>
           <a:p>
+            <a:r>
+              <a:rPr kumimoji="1" lang="ja-JP" altLang="en-US" dirty="0" smtClean="0"/>
+              <a:t>プロジェクト前半では、</a:t>
+            </a:r>
             <a:endParaRPr kumimoji="1" lang="ja-JP" altLang="en-US" dirty="0"/>
           </a:p>
         </p:txBody>
@@ -10686,106 +10712,6 @@
               <a:tabLst/>
               <a:defRPr/>
             </a:pPr>
-            <a:r>
-              <a:rPr kumimoji="1" lang="ja-JP" altLang="en-US" b="1" dirty="0" smtClean="0"/>
-              <a:t>次は後半の流れについてです。前半での遅れの理由は、計画書の見積りが不十分なために遅れが生じてしまいましたが</a:t>
-            </a:r>
-            <a:endParaRPr kumimoji="1" lang="en-US" altLang="ja-JP" b="1" dirty="0" smtClean="0"/>
-          </a:p>
-          <a:p>
-            <a:pPr marL="0" marR="0" indent="0" algn="l" defTabSz="914400" rtl="0" eaLnBrk="1" fontAlgn="auto" latinLnBrk="0" hangingPunct="1">
-              <a:lnSpc>
-                <a:spcPct val="100000"/>
-              </a:lnSpc>
-              <a:spcBef>
-                <a:spcPts val="0"/>
-              </a:spcBef>
-              <a:spcAft>
-                <a:spcPts val="0"/>
-              </a:spcAft>
-              <a:buClrTx/>
-              <a:buSzTx/>
-              <a:buFontTx/>
-              <a:buNone/>
-              <a:tabLst/>
-              <a:defRPr/>
-            </a:pPr>
-            <a:r>
-              <a:rPr kumimoji="1" lang="ja-JP" altLang="en-US" b="1" dirty="0" smtClean="0"/>
-              <a:t>後半は前半の進捗遅れの対応として、外部設計などの作成を多めに見積もることで遅れを繰り返さないようにする。</a:t>
-            </a:r>
-            <a:endParaRPr kumimoji="1" lang="en-US" altLang="ja-JP" b="1" dirty="0" smtClean="0"/>
-          </a:p>
-          <a:p>
-            <a:pPr marL="0" marR="0" indent="0" algn="l" defTabSz="914400" rtl="0" eaLnBrk="1" fontAlgn="auto" latinLnBrk="0" hangingPunct="1">
-              <a:lnSpc>
-                <a:spcPct val="100000"/>
-              </a:lnSpc>
-              <a:spcBef>
-                <a:spcPts val="0"/>
-              </a:spcBef>
-              <a:spcAft>
-                <a:spcPts val="0"/>
-              </a:spcAft>
-              <a:buClrTx/>
-              <a:buSzTx/>
-              <a:buFontTx/>
-              <a:buNone/>
-              <a:tabLst/>
-              <a:defRPr/>
-            </a:pPr>
-            <a:r>
-              <a:rPr kumimoji="1" lang="ja-JP" altLang="en-US" b="1" dirty="0" smtClean="0"/>
-              <a:t>メンバー間でのホウレンソウを心掛けるとともに、役割の分担を行い個々の実力アップにつなげていきたいと考えています。</a:t>
-            </a:r>
-            <a:endParaRPr kumimoji="1" lang="en-US" altLang="ja-JP" b="1" dirty="0" smtClean="0"/>
-          </a:p>
-          <a:p>
-            <a:pPr marL="0" marR="0" indent="0" algn="l" defTabSz="914400" rtl="0" eaLnBrk="1" fontAlgn="auto" latinLnBrk="0" hangingPunct="1">
-              <a:lnSpc>
-                <a:spcPct val="100000"/>
-              </a:lnSpc>
-              <a:spcBef>
-                <a:spcPts val="0"/>
-              </a:spcBef>
-              <a:spcAft>
-                <a:spcPts val="0"/>
-              </a:spcAft>
-              <a:buClrTx/>
-              <a:buSzTx/>
-              <a:buFontTx/>
-              <a:buNone/>
-              <a:tabLst/>
-              <a:defRPr/>
-            </a:pPr>
-            <a:r>
-              <a:rPr kumimoji="1" lang="ja-JP" altLang="en-US" b="1" dirty="0" smtClean="0"/>
-              <a:t>また、メンバー全員が揃って作業できる時間が少なかったため、</a:t>
-            </a:r>
-            <a:endParaRPr kumimoji="1" lang="en-US" altLang="ja-JP" b="1" dirty="0" smtClean="0"/>
-          </a:p>
-          <a:p>
-            <a:pPr marL="0" marR="0" indent="0" algn="l" defTabSz="914400" rtl="0" eaLnBrk="1" fontAlgn="auto" latinLnBrk="0" hangingPunct="1">
-              <a:lnSpc>
-                <a:spcPct val="100000"/>
-              </a:lnSpc>
-              <a:spcBef>
-                <a:spcPts val="0"/>
-              </a:spcBef>
-              <a:spcAft>
-                <a:spcPts val="0"/>
-              </a:spcAft>
-              <a:buClrTx/>
-              <a:buSzTx/>
-              <a:buFontTx/>
-              <a:buNone/>
-              <a:tabLst/>
-              <a:defRPr/>
-            </a:pPr>
-            <a:r>
-              <a:rPr kumimoji="1" lang="ja-JP" altLang="en-US" b="1" dirty="0" smtClean="0"/>
-              <a:t>個々のスケジュールを調整して集まる日を決めて集まるように検討していこうと思います。</a:t>
-            </a:r>
             <a:endParaRPr kumimoji="1" lang="en-US" altLang="ja-JP" b="1" dirty="0" smtClean="0"/>
           </a:p>
         </p:txBody>
@@ -11089,7 +11015,11 @@
             </a:pPr>
             <a:r>
               <a:rPr kumimoji="1" lang="ja-JP" altLang="en-US" b="1" dirty="0" smtClean="0"/>
-              <a:t>こちらが過去問・シラバス、こちらが実験や演習などの成果物、こちらが時間割へのリンクとなっています。</a:t>
+              <a:t>こちらが過去問・シラバス、こちらが実験や演習などの成果物、こちらが時間割へのリンクとなっています</a:t>
+            </a:r>
+            <a:r>
+              <a:rPr kumimoji="1" lang="ja-JP" altLang="en-US" b="1" dirty="0" smtClean="0"/>
+              <a:t>。</a:t>
             </a:r>
             <a:endParaRPr kumimoji="1" lang="en-US" altLang="ja-JP" b="1" dirty="0" smtClean="0"/>
           </a:p>
@@ -11113,7 +11043,7 @@
             </a:pPr>
             <a:r>
               <a:rPr kumimoji="1" lang="ja-JP" altLang="en-US" b="1" dirty="0" smtClean="0"/>
-              <a:t>試作段階のため、完成しておりませんが、各ページへの遷移はできるようになっております。</a:t>
+              <a:t>こちらが過去問メニューとなります。先生の名前が一覧で表示されており、</a:t>
             </a:r>
             <a:endParaRPr kumimoji="1" lang="en-US" altLang="ja-JP" b="1" dirty="0" smtClean="0"/>
           </a:p>
@@ -11135,9 +11065,101 @@
               <a:tabLst/>
               <a:defRPr/>
             </a:pPr>
+            <a:endParaRPr kumimoji="1" lang="en-US" altLang="ja-JP" b="1" dirty="0" smtClean="0"/>
+          </a:p>
+          <a:p>
+            <a:pPr marL="0" marR="0" indent="0" algn="l" defTabSz="914400" rtl="0" eaLnBrk="1" fontAlgn="auto" latinLnBrk="0" hangingPunct="1">
+              <a:lnSpc>
+                <a:spcPct val="100000"/>
+              </a:lnSpc>
+              <a:spcBef>
+                <a:spcPts val="0"/>
+              </a:spcBef>
+              <a:spcAft>
+                <a:spcPts val="0"/>
+              </a:spcAft>
+              <a:buClrTx/>
+              <a:buSzTx/>
+              <a:buFontTx/>
+              <a:buNone/>
+              <a:tabLst/>
+              <a:defRPr/>
+            </a:pPr>
             <a:r>
               <a:rPr kumimoji="1" lang="ja-JP" altLang="en-US" b="1" dirty="0" smtClean="0"/>
-              <a:t>また当サイトは、ツイッターアカウントを作成しており、</a:t>
+              <a:t>こちらが過去の演習の成果物のメニューとなっています。各研究室とグループ名が一覧で表示されています。こちらの検索フォームに、自分の探している研究室やグループ名を入力し、検索します。</a:t>
+            </a:r>
+            <a:endParaRPr kumimoji="1" lang="en-US" altLang="ja-JP" b="1" dirty="0" smtClean="0"/>
+          </a:p>
+          <a:p>
+            <a:pPr marL="0" marR="0" indent="0" algn="l" defTabSz="914400" rtl="0" eaLnBrk="1" fontAlgn="auto" latinLnBrk="0" hangingPunct="1">
+              <a:lnSpc>
+                <a:spcPct val="100000"/>
+              </a:lnSpc>
+              <a:spcBef>
+                <a:spcPts val="0"/>
+              </a:spcBef>
+              <a:spcAft>
+                <a:spcPts val="0"/>
+              </a:spcAft>
+              <a:buClrTx/>
+              <a:buSzTx/>
+              <a:buFontTx/>
+              <a:buNone/>
+              <a:tabLst/>
+              <a:defRPr/>
+            </a:pPr>
+            <a:r>
+              <a:rPr kumimoji="1" lang="ja-JP" altLang="en-US" b="1" dirty="0" smtClean="0"/>
+              <a:t>検索結果はこのように一覧で表示されます。演習の資料がこのように表示されます。</a:t>
+            </a:r>
+            <a:endParaRPr kumimoji="1" lang="en-US" altLang="ja-JP" b="1" dirty="0" smtClean="0"/>
+          </a:p>
+          <a:p>
+            <a:pPr marL="0" marR="0" indent="0" algn="l" defTabSz="914400" rtl="0" eaLnBrk="1" fontAlgn="auto" latinLnBrk="0" hangingPunct="1">
+              <a:lnSpc>
+                <a:spcPct val="100000"/>
+              </a:lnSpc>
+              <a:spcBef>
+                <a:spcPts val="0"/>
+              </a:spcBef>
+              <a:spcAft>
+                <a:spcPts val="0"/>
+              </a:spcAft>
+              <a:buClrTx/>
+              <a:buSzTx/>
+              <a:buFontTx/>
+              <a:buNone/>
+              <a:tabLst/>
+              <a:defRPr/>
+            </a:pPr>
+            <a:endParaRPr kumimoji="1" lang="en-US" altLang="ja-JP" b="1" dirty="0" smtClean="0"/>
+          </a:p>
+          <a:p>
+            <a:pPr marL="0" marR="0" indent="0" algn="l" defTabSz="914400" rtl="0" eaLnBrk="1" fontAlgn="auto" latinLnBrk="0" hangingPunct="1">
+              <a:lnSpc>
+                <a:spcPct val="100000"/>
+              </a:lnSpc>
+              <a:spcBef>
+                <a:spcPts val="0"/>
+              </a:spcBef>
+              <a:spcAft>
+                <a:spcPts val="0"/>
+              </a:spcAft>
+              <a:buClrTx/>
+              <a:buSzTx/>
+              <a:buFontTx/>
+              <a:buNone/>
+              <a:tabLst/>
+              <a:defRPr/>
+            </a:pPr>
+            <a:r>
+              <a:rPr kumimoji="1" lang="ja-JP" altLang="en-US" b="1" dirty="0" smtClean="0"/>
+              <a:t>また</a:t>
+            </a:r>
+            <a:r>
+              <a:rPr kumimoji="1" lang="ja-JP" altLang="en-US" b="1" dirty="0" smtClean="0"/>
+              <a:t>当サイトは、ツイッターアカウントを作成しており、</a:t>
             </a:r>
             <a:endParaRPr kumimoji="1" lang="en-US" altLang="ja-JP" b="1" dirty="0" smtClean="0"/>
           </a:p>
@@ -11805,7 +11827,15 @@
           <a:p>
             <a:r>
               <a:rPr kumimoji="1" lang="ja-JP" altLang="en-US" b="1" dirty="0" smtClean="0"/>
-              <a:t>次に主な機能になります。</a:t>
+              <a:t>次</a:t>
+            </a:r>
+            <a:r>
+              <a:rPr kumimoji="1" lang="ja-JP" altLang="en-US" b="1" dirty="0" smtClean="0"/>
+              <a:t>に実装した機能</a:t>
+            </a:r>
+            <a:r>
+              <a:rPr kumimoji="1" lang="ja-JP" altLang="en-US" b="1" dirty="0" smtClean="0"/>
+              <a:t>になります。</a:t>
             </a:r>
             <a:endParaRPr kumimoji="1" lang="en-US" altLang="ja-JP" b="1" dirty="0" smtClean="0"/>
           </a:p>
@@ -15474,8 +15504,8 @@
         </p:blipFill>
         <p:spPr>
           <a:xfrm>
-            <a:off x="0" y="4167050"/>
-            <a:ext cx="1554480" cy="2690949"/>
+            <a:off x="3963677" y="-46916"/>
+            <a:ext cx="3907336" cy="6763961"/>
           </a:xfrm>
           <a:prstGeom prst="rect">
             <a:avLst/>
@@ -15539,14 +15569,16 @@
         </p:nvSpPr>
         <p:spPr/>
         <p:txBody>
-          <a:bodyPr/>
+          <a:bodyPr>
+            <a:normAutofit/>
+          </a:bodyPr>
           <a:lstStyle/>
           <a:p>
             <a:r>
-              <a:rPr lang="ja-JP" altLang="en-US" b="1" dirty="0" smtClean="0"/>
+              <a:rPr lang="ja-JP" altLang="en-US" sz="5400" b="1" dirty="0" smtClean="0"/>
               <a:t>選択したチーム課題</a:t>
             </a:r>
-            <a:endParaRPr kumimoji="1" lang="ja-JP" altLang="en-US" b="1" dirty="0">
+            <a:endParaRPr kumimoji="1" lang="ja-JP" altLang="en-US" sz="5400" b="1" dirty="0">
               <a:ea typeface="HGP創英角ｺﾞｼｯｸUB" panose="020B0900000000000000" pitchFamily="50" charset="-128"/>
             </a:endParaRPr>
           </a:p>
@@ -16070,18 +16102,20 @@
         </p:nvSpPr>
         <p:spPr/>
         <p:txBody>
-          <a:bodyPr/>
+          <a:bodyPr>
+            <a:normAutofit/>
+          </a:bodyPr>
           <a:lstStyle/>
           <a:p>
             <a:r>
-              <a:rPr kumimoji="1" lang="en-US" altLang="ja-JP" b="1" dirty="0" smtClean="0"/>
+              <a:rPr kumimoji="1" lang="en-US" altLang="ja-JP" sz="5400" b="1" dirty="0" smtClean="0"/>
               <a:t>PM</a:t>
             </a:r>
             <a:r>
-              <a:rPr kumimoji="1" lang="ja-JP" altLang="en-US" b="1" dirty="0" smtClean="0"/>
+              <a:rPr kumimoji="1" lang="ja-JP" altLang="en-US" sz="5400" b="1" dirty="0" smtClean="0"/>
               <a:t>評価</a:t>
             </a:r>
-            <a:endParaRPr kumimoji="1" lang="ja-JP" altLang="en-US" b="1" dirty="0"/>
+            <a:endParaRPr kumimoji="1" lang="ja-JP" altLang="en-US" sz="5400" b="1" dirty="0"/>
           </a:p>
         </p:txBody>
       </p:sp>
@@ -16274,18 +16308,20 @@
         </p:nvSpPr>
         <p:spPr/>
         <p:txBody>
-          <a:bodyPr/>
+          <a:bodyPr>
+            <a:normAutofit/>
+          </a:bodyPr>
           <a:lstStyle/>
           <a:p>
             <a:r>
-              <a:rPr kumimoji="1" lang="en-US" altLang="ja-JP" b="1" dirty="0" smtClean="0"/>
+              <a:rPr kumimoji="1" lang="en-US" altLang="ja-JP" sz="5400" b="1" dirty="0" smtClean="0"/>
               <a:t>QCD</a:t>
             </a:r>
             <a:r>
-              <a:rPr kumimoji="1" lang="ja-JP" altLang="en-US" b="1" dirty="0" smtClean="0"/>
+              <a:rPr kumimoji="1" lang="ja-JP" altLang="en-US" sz="5400" b="1" dirty="0" smtClean="0"/>
               <a:t>・品質</a:t>
             </a:r>
-            <a:endParaRPr kumimoji="1" lang="ja-JP" altLang="en-US" b="1" dirty="0"/>
+            <a:endParaRPr kumimoji="1" lang="ja-JP" altLang="en-US" sz="5400" b="1" dirty="0"/>
           </a:p>
         </p:txBody>
       </p:sp>
@@ -16424,14 +16460,16 @@
         </p:nvSpPr>
         <p:spPr/>
         <p:txBody>
-          <a:bodyPr/>
+          <a:bodyPr>
+            <a:normAutofit/>
+          </a:bodyPr>
           <a:lstStyle/>
           <a:p>
             <a:r>
-              <a:rPr lang="ja-JP" altLang="en-US" b="1" dirty="0" smtClean="0"/>
+              <a:rPr lang="ja-JP" altLang="en-US" sz="5400" b="1" dirty="0" smtClean="0"/>
               <a:t>品質管理</a:t>
             </a:r>
-            <a:endParaRPr kumimoji="1" lang="ja-JP" altLang="en-US" b="1" dirty="0"/>
+            <a:endParaRPr kumimoji="1" lang="ja-JP" altLang="en-US" sz="5400" b="1" dirty="0"/>
           </a:p>
         </p:txBody>
       </p:sp>
@@ -17063,18 +17101,20 @@
         </p:nvSpPr>
         <p:spPr/>
         <p:txBody>
-          <a:bodyPr/>
+          <a:bodyPr>
+            <a:normAutofit/>
+          </a:bodyPr>
           <a:lstStyle/>
           <a:p>
             <a:r>
-              <a:rPr kumimoji="1" lang="en-US" altLang="ja-JP" b="1" dirty="0" smtClean="0"/>
+              <a:rPr kumimoji="1" lang="en-US" altLang="ja-JP" sz="5400" b="1" dirty="0" smtClean="0"/>
               <a:t>QCD</a:t>
             </a:r>
             <a:r>
-              <a:rPr kumimoji="1" lang="ja-JP" altLang="en-US" b="1" dirty="0" smtClean="0"/>
+              <a:rPr kumimoji="1" lang="ja-JP" altLang="en-US" sz="5400" b="1" dirty="0" smtClean="0"/>
               <a:t>・コスト</a:t>
             </a:r>
-            <a:endParaRPr kumimoji="1" lang="ja-JP" altLang="en-US" b="1" dirty="0"/>
+            <a:endParaRPr kumimoji="1" lang="ja-JP" altLang="en-US" sz="5400" b="1" dirty="0"/>
           </a:p>
         </p:txBody>
       </p:sp>
@@ -17162,8 +17202,26 @@
             </a:r>
             <a:r>
               <a:rPr lang="ja-JP" altLang="en-US" sz="4400" b="1" dirty="0" smtClean="0"/>
-              <a:t>と想定</a:t>
-            </a:r>
+              <a:t>と</a:t>
+            </a:r>
+            <a:r>
+              <a:rPr lang="ja-JP" altLang="en-US" sz="4400" b="1" dirty="0" smtClean="0"/>
+              <a:t>想定し、</a:t>
+            </a:r>
+            <a:endParaRPr lang="en-US" altLang="ja-JP" sz="4400" b="1" dirty="0" smtClean="0"/>
+          </a:p>
+          <a:p>
+            <a:pPr marL="0" indent="0">
+              <a:lnSpc>
+                <a:spcPct val="150000"/>
+              </a:lnSpc>
+              <a:buNone/>
+            </a:pPr>
+            <a:r>
+              <a:rPr lang="ja-JP" altLang="en-US" sz="4400" b="1" dirty="0" smtClean="0"/>
+              <a:t>評価を行う</a:t>
+            </a:r>
+            <a:endParaRPr lang="ja-JP" altLang="en-US" sz="4400" b="1" dirty="0" smtClean="0"/>
           </a:p>
         </p:txBody>
       </p:sp>
@@ -18120,18 +18178,20 @@
         </p:nvSpPr>
         <p:spPr/>
         <p:txBody>
-          <a:bodyPr/>
+          <a:bodyPr>
+            <a:normAutofit/>
+          </a:bodyPr>
           <a:lstStyle/>
           <a:p>
             <a:r>
-              <a:rPr kumimoji="1" lang="en-US" altLang="ja-JP" b="1" dirty="0" smtClean="0"/>
+              <a:rPr kumimoji="1" lang="en-US" altLang="ja-JP" sz="5400" b="1" dirty="0" smtClean="0"/>
               <a:t>QCD</a:t>
             </a:r>
             <a:r>
-              <a:rPr kumimoji="1" lang="ja-JP" altLang="en-US" b="1" dirty="0" smtClean="0"/>
+              <a:rPr kumimoji="1" lang="ja-JP" altLang="en-US" sz="5400" b="1" dirty="0" smtClean="0"/>
               <a:t>・納期</a:t>
             </a:r>
-            <a:endParaRPr kumimoji="1" lang="ja-JP" altLang="en-US" b="1" dirty="0"/>
+            <a:endParaRPr kumimoji="1" lang="ja-JP" altLang="en-US" sz="5400" b="1" dirty="0"/>
           </a:p>
         </p:txBody>
       </p:sp>
@@ -18283,14 +18343,20 @@
         </p:nvSpPr>
         <p:spPr/>
         <p:txBody>
-          <a:bodyPr/>
+          <a:bodyPr>
+            <a:normAutofit/>
+          </a:bodyPr>
           <a:lstStyle/>
           <a:p>
             <a:r>
-              <a:rPr lang="ja-JP" altLang="en-US" b="1" dirty="0" smtClean="0"/>
-              <a:t>進捗管理方法</a:t>
-            </a:r>
-            <a:endParaRPr kumimoji="1" lang="ja-JP" altLang="en-US" b="1" dirty="0"/>
+              <a:rPr lang="ja-JP" altLang="en-US" sz="5400" b="1" dirty="0" smtClean="0"/>
+              <a:t>進捗</a:t>
+            </a:r>
+            <a:r>
+              <a:rPr lang="ja-JP" altLang="en-US" sz="5400" b="1" dirty="0" smtClean="0"/>
+              <a:t>管理</a:t>
+            </a:r>
+            <a:endParaRPr kumimoji="1" lang="ja-JP" altLang="en-US" sz="5400" b="1" dirty="0"/>
           </a:p>
         </p:txBody>
       </p:sp>
@@ -20481,14 +20547,16 @@
         </p:nvSpPr>
         <p:spPr/>
         <p:txBody>
-          <a:bodyPr/>
+          <a:bodyPr>
+            <a:normAutofit/>
+          </a:bodyPr>
           <a:lstStyle/>
           <a:p>
             <a:r>
-              <a:rPr lang="ja-JP" altLang="en-US" b="1" dirty="0" smtClean="0"/>
+              <a:rPr lang="ja-JP" altLang="en-US" sz="5400" b="1" dirty="0" smtClean="0"/>
               <a:t>振り返り</a:t>
             </a:r>
-            <a:endParaRPr kumimoji="1" lang="ja-JP" altLang="en-US" dirty="0"/>
+            <a:endParaRPr kumimoji="1" lang="ja-JP" altLang="en-US" sz="5400" dirty="0"/>
           </a:p>
         </p:txBody>
       </p:sp>
@@ -20515,65 +20583,6 @@
           </a:p>
         </p:txBody>
       </p:sp>
-      <p:sp>
-        <p:nvSpPr>
-          <p:cNvPr id="3" name="テキスト ボックス 2"/>
-          <p:cNvSpPr txBox="1"/>
-          <p:nvPr/>
-        </p:nvSpPr>
-        <p:spPr>
-          <a:xfrm>
-            <a:off x="838200" y="1997839"/>
-            <a:ext cx="11264622" cy="3323987"/>
-          </a:xfrm>
-          <a:prstGeom prst="rect">
-            <a:avLst/>
-          </a:prstGeom>
-          <a:noFill/>
-        </p:spPr>
-        <p:txBody>
-          <a:bodyPr wrap="none" rtlCol="0">
-            <a:spAutoFit/>
-          </a:bodyPr>
-          <a:lstStyle/>
-          <a:p>
-            <a:pPr>
-              <a:lnSpc>
-                <a:spcPct val="250000"/>
-              </a:lnSpc>
-            </a:pPr>
-            <a:r>
-              <a:rPr kumimoji="1" lang="ja-JP" altLang="en-US" sz="3600" b="1" dirty="0" smtClean="0"/>
-              <a:t>今後の対応として</a:t>
-            </a:r>
-            <a:r>
-              <a:rPr lang="en-US" altLang="ja-JP" sz="3600" b="1" dirty="0" smtClean="0"/>
-              <a:t>…</a:t>
-            </a:r>
-            <a:endParaRPr kumimoji="1" lang="en-US" altLang="ja-JP" sz="3600" b="1" dirty="0" smtClean="0"/>
-          </a:p>
-          <a:p>
-            <a:pPr>
-              <a:lnSpc>
-                <a:spcPct val="250000"/>
-              </a:lnSpc>
-            </a:pPr>
-            <a:r>
-              <a:rPr lang="ja-JP" altLang="en-US" sz="4800" b="1" dirty="0" smtClean="0">
-                <a:solidFill>
-                  <a:srgbClr val="FF0000"/>
-                </a:solidFill>
-              </a:rPr>
-              <a:t>計画書の見積りを多めにとることです！</a:t>
-            </a:r>
-            <a:endParaRPr kumimoji="1" lang="en-US" altLang="ja-JP" sz="4800" b="1" dirty="0" smtClean="0">
-              <a:solidFill>
-                <a:srgbClr val="FF0000"/>
-              </a:solidFill>
-            </a:endParaRPr>
-          </a:p>
-        </p:txBody>
-      </p:sp>
     </p:spTree>
     <p:extLst>
       <p:ext uri="{BB962C8B-B14F-4D97-AF65-F5344CB8AC3E}">
@@ -20587,91 +20596,7 @@
   <p:timing>
     <p:tnLst>
       <p:par>
-        <p:cTn id="1" dur="indefinite" restart="never" nodeType="tmRoot">
-          <p:childTnLst>
-            <p:seq concurrent="1" nextAc="seek">
-              <p:cTn id="2" dur="indefinite" nodeType="mainSeq">
-                <p:childTnLst>
-                  <p:par>
-                    <p:cTn id="3" fill="hold">
-                      <p:stCondLst>
-                        <p:cond delay="indefinite"/>
-                      </p:stCondLst>
-                      <p:childTnLst>
-                        <p:par>
-                          <p:cTn id="4" fill="hold">
-                            <p:stCondLst>
-                              <p:cond delay="0"/>
-                            </p:stCondLst>
-                            <p:childTnLst>
-                              <p:par>
-                                <p:cTn id="5" presetID="10" presetClass="entr" presetSubtype="0" fill="hold" nodeType="clickEffect">
-                                  <p:stCondLst>
-                                    <p:cond delay="0"/>
-                                  </p:stCondLst>
-                                  <p:childTnLst>
-                                    <p:set>
-                                      <p:cBhvr>
-                                        <p:cTn id="6" dur="1" fill="hold">
-                                          <p:stCondLst>
-                                            <p:cond delay="0"/>
-                                          </p:stCondLst>
-                                        </p:cTn>
-                                        <p:tgtEl>
-                                          <p:spTgt spid="3">
-                                            <p:txEl>
-                                              <p:pRg st="1" end="1"/>
-                                            </p:txEl>
-                                          </p:spTgt>
-                                        </p:tgtEl>
-                                        <p:attrNameLst>
-                                          <p:attrName>style.visibility</p:attrName>
-                                        </p:attrNameLst>
-                                      </p:cBhvr>
-                                      <p:to>
-                                        <p:strVal val="visible"/>
-                                      </p:to>
-                                    </p:set>
-                                    <p:animEffect transition="in" filter="fade">
-                                      <p:cBhvr>
-                                        <p:cTn id="7" dur="500"/>
-                                        <p:tgtEl>
-                                          <p:spTgt spid="3">
-                                            <p:txEl>
-                                              <p:pRg st="1" end="1"/>
-                                            </p:txEl>
-                                          </p:spTgt>
-                                        </p:tgtEl>
-                                      </p:cBhvr>
-                                    </p:animEffect>
-                                  </p:childTnLst>
-                                </p:cTn>
-                              </p:par>
-                            </p:childTnLst>
-                          </p:cTn>
-                        </p:par>
-                      </p:childTnLst>
-                    </p:cTn>
-                  </p:par>
-                </p:childTnLst>
-              </p:cTn>
-              <p:prevCondLst>
-                <p:cond evt="onPrev" delay="0">
-                  <p:tgtEl>
-                    <p:sldTgt/>
-                  </p:tgtEl>
-                </p:cond>
-              </p:prevCondLst>
-              <p:nextCondLst>
-                <p:cond evt="onNext" delay="0">
-                  <p:tgtEl>
-                    <p:sldTgt/>
-                  </p:tgtEl>
-                </p:cond>
-              </p:nextCondLst>
-            </p:seq>
-          </p:childTnLst>
-        </p:cTn>
+        <p:cTn id="1" dur="indefinite" restart="never" nodeType="tmRoot"/>
       </p:par>
     </p:tnLst>
   </p:timing>
@@ -20730,14 +20655,16 @@
         </p:nvSpPr>
         <p:spPr/>
         <p:txBody>
-          <a:bodyPr/>
+          <a:bodyPr>
+            <a:normAutofit/>
+          </a:bodyPr>
           <a:lstStyle/>
           <a:p>
             <a:r>
-              <a:rPr lang="ja-JP" altLang="en-US" b="1" dirty="0" smtClean="0"/>
+              <a:rPr lang="ja-JP" altLang="en-US" sz="5400" b="1" dirty="0" smtClean="0"/>
               <a:t>目次</a:t>
             </a:r>
-            <a:endParaRPr kumimoji="1" lang="ja-JP" altLang="en-US" b="1" dirty="0">
+            <a:endParaRPr kumimoji="1" lang="ja-JP" altLang="en-US" sz="5400" b="1" dirty="0">
               <a:latin typeface="HGP創英角ｺﾞｼｯｸUB" panose="020B0900000000000000" pitchFamily="50" charset="-128"/>
               <a:ea typeface="HGP創英角ｺﾞｼｯｸUB" panose="020B0900000000000000" pitchFamily="50" charset="-128"/>
             </a:endParaRPr>
@@ -20798,15 +20725,39 @@
             </a:pPr>
             <a:r>
               <a:rPr lang="en-US" altLang="ja-JP" sz="4000" b="1" dirty="0" smtClean="0"/>
-              <a:t>2.</a:t>
+              <a:t>2</a:t>
+            </a:r>
+            <a:r>
+              <a:rPr lang="en-US" altLang="ja-JP" sz="4000" b="1" dirty="0" smtClean="0"/>
+              <a:t>.</a:t>
+            </a:r>
+            <a:r>
+              <a:rPr lang="ja-JP" altLang="en-US" sz="4000" b="1" dirty="0"/>
+              <a:t>実装</a:t>
             </a:r>
             <a:r>
               <a:rPr lang="ja-JP" altLang="en-US" sz="4000" b="1" dirty="0" smtClean="0"/>
-              <a:t>主な機能　　　　　　</a:t>
+              <a:t>した</a:t>
+            </a:r>
+            <a:r>
+              <a:rPr lang="ja-JP" altLang="en-US" sz="4000" b="1" dirty="0" smtClean="0"/>
+              <a:t>機能</a:t>
+            </a:r>
+            <a:r>
+              <a:rPr lang="ja-JP" altLang="en-US" sz="4000" b="1" dirty="0" smtClean="0"/>
+              <a:t>　　　</a:t>
+            </a:r>
+            <a:r>
+              <a:rPr lang="ja-JP" altLang="en-US" sz="4000" b="1" dirty="0" smtClean="0"/>
+              <a:t>　</a:t>
             </a:r>
             <a:r>
               <a:rPr lang="en-US" altLang="ja-JP" sz="4000" b="1" dirty="0" smtClean="0"/>
-              <a:t>6.</a:t>
+              <a:t>6</a:t>
+            </a:r>
+            <a:r>
+              <a:rPr lang="en-US" altLang="ja-JP" sz="4000" b="1" dirty="0" smtClean="0"/>
+              <a:t>.</a:t>
             </a:r>
             <a:r>
               <a:rPr lang="ja-JP" altLang="en-US" sz="4000" b="1" dirty="0" smtClean="0"/>
@@ -20831,11 +20782,7 @@
             </a:r>
             <a:r>
               <a:rPr lang="en-US" altLang="ja-JP" sz="4000" b="1" dirty="0" smtClean="0"/>
-              <a:t>4</a:t>
-            </a:r>
-            <a:r>
-              <a:rPr lang="en-US" altLang="ja-JP" sz="4000" b="1" dirty="0" smtClean="0"/>
-              <a:t>.</a:t>
+              <a:t>4.</a:t>
             </a:r>
             <a:r>
               <a:rPr lang="ja-JP" altLang="en-US" sz="4000" b="1" dirty="0"/>
@@ -21112,25 +21059,6 @@
           </a:prstGeom>
         </p:spPr>
       </p:pic>
-      <p:sp>
-        <p:nvSpPr>
-          <p:cNvPr id="4" name="タイトル 3"/>
-          <p:cNvSpPr>
-            <a:spLocks noGrp="1"/>
-          </p:cNvSpPr>
-          <p:nvPr>
-            <p:ph type="title"/>
-          </p:nvPr>
-        </p:nvSpPr>
-        <p:spPr/>
-        <p:txBody>
-          <a:bodyPr/>
-          <a:lstStyle/>
-          <a:p>
-            <a:endParaRPr kumimoji="1" lang="ja-JP" altLang="en-US"/>
-          </a:p>
-        </p:txBody>
-      </p:sp>
     </p:spTree>
     <p:extLst>
       <p:ext uri="{BB962C8B-B14F-4D97-AF65-F5344CB8AC3E}">
@@ -21180,18 +21108,20 @@
         </p:nvSpPr>
         <p:spPr/>
         <p:txBody>
-          <a:bodyPr/>
+          <a:bodyPr>
+            <a:normAutofit/>
+          </a:bodyPr>
           <a:lstStyle/>
           <a:p>
             <a:r>
-              <a:rPr kumimoji="1" lang="ja-JP" altLang="en-US" b="1" dirty="0" smtClean="0"/>
+              <a:rPr kumimoji="1" lang="ja-JP" altLang="en-US" sz="5400" b="1" dirty="0" smtClean="0"/>
               <a:t>プロジェクト</a:t>
             </a:r>
             <a:r>
-              <a:rPr lang="ja-JP" altLang="en-US" b="1" dirty="0"/>
+              <a:rPr lang="ja-JP" altLang="en-US" sz="5400" b="1" dirty="0"/>
               <a:t>背景</a:t>
             </a:r>
-            <a:endParaRPr kumimoji="1" lang="ja-JP" altLang="en-US" b="1" dirty="0"/>
+            <a:endParaRPr kumimoji="1" lang="ja-JP" altLang="en-US" sz="5400" b="1" dirty="0"/>
           </a:p>
         </p:txBody>
       </p:sp>
@@ -21450,18 +21380,20 @@
         </p:nvSpPr>
         <p:spPr/>
         <p:txBody>
-          <a:bodyPr/>
+          <a:bodyPr>
+            <a:normAutofit/>
+          </a:bodyPr>
           <a:lstStyle/>
           <a:p>
             <a:r>
-              <a:rPr kumimoji="1" lang="ja-JP" altLang="en-US" b="1" dirty="0" smtClean="0"/>
+              <a:rPr kumimoji="1" lang="ja-JP" altLang="en-US" sz="5400" b="1" dirty="0" smtClean="0"/>
               <a:t>プロジェクト</a:t>
             </a:r>
             <a:r>
-              <a:rPr lang="ja-JP" altLang="en-US" b="1" dirty="0"/>
+              <a:rPr lang="ja-JP" altLang="en-US" sz="5400" b="1" dirty="0"/>
               <a:t>背景</a:t>
             </a:r>
-            <a:endParaRPr kumimoji="1" lang="ja-JP" altLang="en-US" b="1" dirty="0"/>
+            <a:endParaRPr kumimoji="1" lang="ja-JP" altLang="en-US" sz="5400" b="1" dirty="0"/>
           </a:p>
         </p:txBody>
       </p:sp>
@@ -23299,7 +23231,7 @@
         </p:nvSpPr>
         <p:spPr>
           <a:xfrm>
-            <a:off x="3272446" y="1334459"/>
+            <a:off x="3272446" y="1491215"/>
             <a:ext cx="5724644" cy="646331"/>
           </a:xfrm>
           <a:prstGeom prst="rect">
@@ -23765,18 +23697,20 @@
         </p:nvSpPr>
         <p:spPr/>
         <p:txBody>
-          <a:bodyPr/>
+          <a:bodyPr>
+            <a:normAutofit/>
+          </a:bodyPr>
           <a:lstStyle/>
           <a:p>
             <a:r>
-              <a:rPr kumimoji="1" lang="ja-JP" altLang="en-US" b="1" dirty="0" smtClean="0"/>
+              <a:rPr kumimoji="1" lang="ja-JP" altLang="en-US" sz="5400" b="1" dirty="0" smtClean="0"/>
               <a:t>プロジェクト</a:t>
             </a:r>
             <a:r>
-              <a:rPr lang="ja-JP" altLang="en-US" b="1" dirty="0"/>
+              <a:rPr lang="ja-JP" altLang="en-US" sz="5400" b="1" dirty="0"/>
               <a:t>目的</a:t>
             </a:r>
-            <a:endParaRPr kumimoji="1" lang="ja-JP" altLang="en-US" b="1" dirty="0"/>
+            <a:endParaRPr kumimoji="1" lang="ja-JP" altLang="en-US" sz="5400" b="1" dirty="0"/>
           </a:p>
         </p:txBody>
       </p:sp>
@@ -24173,18 +24107,20 @@
         </p:nvSpPr>
         <p:spPr/>
         <p:txBody>
-          <a:bodyPr/>
+          <a:bodyPr>
+            <a:normAutofit/>
+          </a:bodyPr>
           <a:lstStyle/>
           <a:p>
             <a:r>
-              <a:rPr kumimoji="1" lang="ja-JP" altLang="en-US" b="1" dirty="0" smtClean="0"/>
+              <a:rPr kumimoji="1" lang="ja-JP" altLang="en-US" sz="5400" b="1" dirty="0" smtClean="0"/>
               <a:t>プロジェクト</a:t>
             </a:r>
             <a:r>
-              <a:rPr lang="ja-JP" altLang="en-US" b="1" dirty="0"/>
+              <a:rPr lang="ja-JP" altLang="en-US" sz="5400" b="1" dirty="0"/>
               <a:t>目的</a:t>
             </a:r>
-            <a:endParaRPr kumimoji="1" lang="ja-JP" altLang="en-US" b="1" dirty="0"/>
+            <a:endParaRPr kumimoji="1" lang="ja-JP" altLang="en-US" sz="5400" b="1" dirty="0"/>
           </a:p>
         </p:txBody>
       </p:sp>
@@ -24240,13 +24176,10 @@
           </a:bodyPr>
           <a:lstStyle/>
           <a:p>
+            <a:pPr algn="ctr"/>
             <a:r>
               <a:rPr lang="ja-JP" altLang="en-US" sz="3200" b="1" dirty="0" smtClean="0"/>
-              <a:t>過去問・シラバス</a:t>
-            </a:r>
-            <a:r>
-              <a:rPr kumimoji="1" lang="ja-JP" altLang="en-US" sz="3200" b="1" dirty="0" smtClean="0"/>
-              <a:t>を選択</a:t>
+              <a:t>検索フォーム入力</a:t>
             </a:r>
             <a:endParaRPr kumimoji="1" lang="ja-JP" altLang="en-US" sz="3200" b="1" dirty="0"/>
           </a:p>
@@ -24397,309 +24330,114 @@
           </a:p>
         </p:txBody>
       </p:sp>
-      <p:grpSp>
-        <p:nvGrpSpPr>
-          <p:cNvPr id="4" name="グループ化 3"/>
-          <p:cNvGrpSpPr/>
+      <p:sp>
+        <p:nvSpPr>
+          <p:cNvPr id="50" name="正方形/長方形 49"/>
+          <p:cNvSpPr/>
           <p:nvPr/>
-        </p:nvGrpSpPr>
-        <p:grpSpPr>
+        </p:nvSpPr>
+        <p:spPr>
           <a:xfrm>
             <a:off x="4706060" y="2012497"/>
             <a:ext cx="2779880" cy="3727631"/>
-            <a:chOff x="4706060" y="2012497"/>
-            <a:chExt cx="2779880" cy="3727631"/>
           </a:xfrm>
-        </p:grpSpPr>
-        <p:sp>
-          <p:nvSpPr>
-            <p:cNvPr id="50" name="正方形/長方形 49"/>
-            <p:cNvSpPr/>
-            <p:nvPr/>
-          </p:nvSpPr>
-          <p:spPr>
-            <a:xfrm>
-              <a:off x="4706060" y="2012497"/>
-              <a:ext cx="2779880" cy="3727631"/>
-            </a:xfrm>
-            <a:prstGeom prst="rect">
-              <a:avLst/>
-            </a:prstGeom>
+          <a:prstGeom prst="rect">
+            <a:avLst/>
+          </a:prstGeom>
+          <a:solidFill>
+            <a:schemeClr val="bg1"/>
+          </a:solidFill>
+          <a:ln>
             <a:solidFill>
-              <a:schemeClr val="bg1"/>
+              <a:schemeClr val="tx1"/>
             </a:solidFill>
-            <a:ln>
+          </a:ln>
+        </p:spPr>
+        <p:style>
+          <a:lnRef idx="2">
+            <a:schemeClr val="accent1">
+              <a:shade val="50000"/>
+            </a:schemeClr>
+          </a:lnRef>
+          <a:fillRef idx="1">
+            <a:schemeClr val="accent1"/>
+          </a:fillRef>
+          <a:effectRef idx="0">
+            <a:schemeClr val="accent1"/>
+          </a:effectRef>
+          <a:fontRef idx="minor">
+            <a:schemeClr val="lt1"/>
+          </a:fontRef>
+        </p:style>
+        <p:txBody>
+          <a:bodyPr rtlCol="0" anchor="ctr"/>
+          <a:lstStyle/>
+          <a:p>
+            <a:pPr algn="ctr"/>
+            <a:endParaRPr kumimoji="1" lang="en-US" altLang="ja-JP" b="1" dirty="0" smtClean="0">
               <a:solidFill>
                 <a:schemeClr val="tx1"/>
               </a:solidFill>
-            </a:ln>
-          </p:spPr>
-          <p:style>
-            <a:lnRef idx="2">
-              <a:schemeClr val="accent1">
-                <a:shade val="50000"/>
-              </a:schemeClr>
-            </a:lnRef>
-            <a:fillRef idx="1">
-              <a:schemeClr val="accent1"/>
-            </a:fillRef>
-            <a:effectRef idx="0">
-              <a:schemeClr val="accent1"/>
-            </a:effectRef>
-            <a:fontRef idx="minor">
-              <a:schemeClr val="lt1"/>
-            </a:fontRef>
-          </p:style>
-          <p:txBody>
-            <a:bodyPr rtlCol="0" anchor="ctr"/>
-            <a:lstStyle/>
-            <a:p>
-              <a:pPr algn="ctr"/>
-              <a:endParaRPr kumimoji="1" lang="en-US" altLang="ja-JP" b="1" dirty="0" smtClean="0">
-                <a:solidFill>
-                  <a:schemeClr val="tx1"/>
-                </a:solidFill>
-              </a:endParaRPr>
-            </a:p>
-            <a:p>
-              <a:pPr algn="ctr"/>
-              <a:endParaRPr lang="en-US" altLang="ja-JP" b="1" dirty="0">
-                <a:solidFill>
-                  <a:schemeClr val="tx1"/>
-                </a:solidFill>
-              </a:endParaRPr>
-            </a:p>
-            <a:p>
-              <a:pPr algn="ctr"/>
-              <a:endParaRPr kumimoji="1" lang="en-US" altLang="ja-JP" b="1" dirty="0" smtClean="0">
-                <a:solidFill>
-                  <a:schemeClr val="tx1"/>
-                </a:solidFill>
-              </a:endParaRPr>
-            </a:p>
-            <a:p>
-              <a:pPr algn="ctr"/>
-              <a:endParaRPr lang="en-US" altLang="ja-JP" b="1" dirty="0">
-                <a:solidFill>
-                  <a:schemeClr val="tx1"/>
-                </a:solidFill>
-              </a:endParaRPr>
-            </a:p>
-            <a:p>
-              <a:pPr algn="ctr"/>
-              <a:endParaRPr kumimoji="1" lang="en-US" altLang="ja-JP" b="1" dirty="0" smtClean="0">
-                <a:solidFill>
-                  <a:schemeClr val="tx1"/>
-                </a:solidFill>
-              </a:endParaRPr>
-            </a:p>
-            <a:p>
-              <a:pPr algn="ctr"/>
-              <a:endParaRPr lang="en-US" altLang="ja-JP" b="1" dirty="0">
-                <a:solidFill>
-                  <a:schemeClr val="tx1"/>
-                </a:solidFill>
-              </a:endParaRPr>
-            </a:p>
-            <a:p>
-              <a:pPr algn="ctr"/>
-              <a:endParaRPr lang="en-US" altLang="ja-JP" b="1" dirty="0">
-                <a:solidFill>
-                  <a:schemeClr val="tx1"/>
-                </a:solidFill>
-              </a:endParaRPr>
-            </a:p>
-            <a:p>
-              <a:pPr algn="ctr"/>
-              <a:endParaRPr lang="en-US" altLang="ja-JP" b="1" dirty="0" smtClean="0">
-                <a:solidFill>
-                  <a:schemeClr val="tx1"/>
-                </a:solidFill>
-              </a:endParaRPr>
-            </a:p>
-          </p:txBody>
-        </p:sp>
-        <p:sp>
-          <p:nvSpPr>
-            <p:cNvPr id="34" name="正方形/長方形 33"/>
-            <p:cNvSpPr/>
-            <p:nvPr/>
-          </p:nvSpPr>
-          <p:spPr>
-            <a:xfrm>
-              <a:off x="5180995" y="2545346"/>
-              <a:ext cx="1865190" cy="1253428"/>
-            </a:xfrm>
-            <a:prstGeom prst="rect">
-              <a:avLst/>
-            </a:prstGeom>
-            <a:solidFill>
-              <a:schemeClr val="bg1"/>
-            </a:solidFill>
-            <a:ln>
+            </a:endParaRPr>
+          </a:p>
+          <a:p>
+            <a:pPr algn="ctr"/>
+            <a:endParaRPr lang="en-US" altLang="ja-JP" b="1" dirty="0">
               <a:solidFill>
                 <a:schemeClr val="tx1"/>
               </a:solidFill>
-            </a:ln>
-          </p:spPr>
-          <p:style>
-            <a:lnRef idx="2">
-              <a:schemeClr val="accent1">
-                <a:shade val="50000"/>
-              </a:schemeClr>
-            </a:lnRef>
-            <a:fillRef idx="1">
-              <a:schemeClr val="accent1"/>
-            </a:fillRef>
-            <a:effectRef idx="0">
-              <a:schemeClr val="accent1"/>
-            </a:effectRef>
-            <a:fontRef idx="minor">
-              <a:schemeClr val="lt1"/>
-            </a:fontRef>
-          </p:style>
-          <p:txBody>
-            <a:bodyPr rtlCol="0" anchor="ctr"/>
-            <a:lstStyle/>
-            <a:p>
-              <a:pPr algn="ctr"/>
-              <a:r>
-                <a:rPr kumimoji="1" lang="ja-JP" altLang="en-US" sz="2800" b="1" dirty="0" smtClean="0">
-                  <a:solidFill>
-                    <a:schemeClr val="tx1"/>
-                  </a:solidFill>
-                </a:rPr>
-                <a:t>過去問</a:t>
-              </a:r>
-              <a:endParaRPr kumimoji="1" lang="en-US" altLang="ja-JP" sz="2800" b="1" dirty="0" smtClean="0">
-                <a:solidFill>
-                  <a:schemeClr val="tx1"/>
-                </a:solidFill>
-              </a:endParaRPr>
-            </a:p>
-            <a:p>
-              <a:pPr algn="ctr"/>
-              <a:r>
-                <a:rPr kumimoji="1" lang="ja-JP" altLang="en-US" sz="2800" b="1" dirty="0" smtClean="0">
-                  <a:solidFill>
-                    <a:schemeClr val="tx1"/>
-                  </a:solidFill>
-                </a:rPr>
-                <a:t>シラバス</a:t>
-              </a:r>
-              <a:endParaRPr kumimoji="1" lang="ja-JP" altLang="en-US" sz="2800" b="1" dirty="0">
-                <a:solidFill>
-                  <a:schemeClr val="tx1"/>
-                </a:solidFill>
-              </a:endParaRPr>
-            </a:p>
-          </p:txBody>
-        </p:sp>
-        <p:sp>
-          <p:nvSpPr>
-            <p:cNvPr id="44" name="正方形/長方形 43"/>
-            <p:cNvSpPr/>
-            <p:nvPr/>
-          </p:nvSpPr>
-          <p:spPr>
-            <a:xfrm>
-              <a:off x="5180995" y="4267789"/>
-              <a:ext cx="951518" cy="723112"/>
-            </a:xfrm>
-            <a:prstGeom prst="rect">
-              <a:avLst/>
-            </a:prstGeom>
-            <a:solidFill>
-              <a:schemeClr val="bg1"/>
-            </a:solidFill>
-            <a:ln>
+            </a:endParaRPr>
+          </a:p>
+          <a:p>
+            <a:pPr algn="ctr"/>
+            <a:endParaRPr kumimoji="1" lang="en-US" altLang="ja-JP" b="1" dirty="0" smtClean="0">
               <a:solidFill>
                 <a:schemeClr val="tx1"/>
               </a:solidFill>
-            </a:ln>
-          </p:spPr>
-          <p:style>
-            <a:lnRef idx="2">
-              <a:schemeClr val="accent1">
-                <a:shade val="50000"/>
-              </a:schemeClr>
-            </a:lnRef>
-            <a:fillRef idx="1">
-              <a:schemeClr val="accent1"/>
-            </a:fillRef>
-            <a:effectRef idx="0">
-              <a:schemeClr val="accent1"/>
-            </a:effectRef>
-            <a:fontRef idx="minor">
-              <a:schemeClr val="lt1"/>
-            </a:fontRef>
-          </p:style>
-          <p:txBody>
-            <a:bodyPr rtlCol="0" anchor="ctr"/>
-            <a:lstStyle/>
-            <a:p>
-              <a:pPr algn="ctr"/>
-              <a:endParaRPr kumimoji="1" lang="ja-JP" altLang="en-US" sz="2000" b="1" dirty="0">
-                <a:solidFill>
-                  <a:schemeClr val="tx1"/>
-                </a:solidFill>
-              </a:endParaRPr>
-            </a:p>
-          </p:txBody>
-        </p:sp>
-        <p:sp>
-          <p:nvSpPr>
-            <p:cNvPr id="45" name="正方形/長方形 44"/>
-            <p:cNvSpPr/>
-            <p:nvPr/>
-          </p:nvSpPr>
-          <p:spPr>
-            <a:xfrm>
-              <a:off x="6145092" y="4267789"/>
-              <a:ext cx="901093" cy="723112"/>
-            </a:xfrm>
-            <a:prstGeom prst="rect">
-              <a:avLst/>
-            </a:prstGeom>
-            <a:solidFill>
-              <a:schemeClr val="bg1"/>
-            </a:solidFill>
-            <a:ln>
+            </a:endParaRPr>
+          </a:p>
+          <a:p>
+            <a:pPr algn="ctr"/>
+            <a:endParaRPr lang="en-US" altLang="ja-JP" b="1" dirty="0">
               <a:solidFill>
                 <a:schemeClr val="tx1"/>
               </a:solidFill>
-            </a:ln>
-          </p:spPr>
-          <p:style>
-            <a:lnRef idx="2">
-              <a:schemeClr val="accent1">
-                <a:shade val="50000"/>
-              </a:schemeClr>
-            </a:lnRef>
-            <a:fillRef idx="1">
-              <a:schemeClr val="accent1"/>
-            </a:fillRef>
-            <a:effectRef idx="0">
-              <a:schemeClr val="accent1"/>
-            </a:effectRef>
-            <a:fontRef idx="minor">
-              <a:schemeClr val="lt1"/>
-            </a:fontRef>
-          </p:style>
-          <p:txBody>
-            <a:bodyPr rtlCol="0" anchor="ctr"/>
-            <a:lstStyle/>
-            <a:p>
-              <a:pPr algn="ctr"/>
-              <a:endParaRPr kumimoji="1" lang="ja-JP" altLang="en-US" sz="2000" b="1" dirty="0">
-                <a:solidFill>
-                  <a:schemeClr val="tx1"/>
-                </a:solidFill>
-              </a:endParaRPr>
-            </a:p>
-          </p:txBody>
-        </p:sp>
-      </p:grpSp>
+            </a:endParaRPr>
+          </a:p>
+          <a:p>
+            <a:pPr algn="ctr"/>
+            <a:endParaRPr kumimoji="1" lang="en-US" altLang="ja-JP" b="1" dirty="0" smtClean="0">
+              <a:solidFill>
+                <a:schemeClr val="tx1"/>
+              </a:solidFill>
+            </a:endParaRPr>
+          </a:p>
+          <a:p>
+            <a:pPr algn="ctr"/>
+            <a:endParaRPr lang="en-US" altLang="ja-JP" b="1" dirty="0">
+              <a:solidFill>
+                <a:schemeClr val="tx1"/>
+              </a:solidFill>
+            </a:endParaRPr>
+          </a:p>
+          <a:p>
+            <a:pPr algn="ctr"/>
+            <a:endParaRPr lang="en-US" altLang="ja-JP" b="1" dirty="0">
+              <a:solidFill>
+                <a:schemeClr val="tx1"/>
+              </a:solidFill>
+            </a:endParaRPr>
+          </a:p>
+          <a:p>
+            <a:pPr algn="ctr"/>
+            <a:endParaRPr lang="en-US" altLang="ja-JP" b="1" dirty="0" smtClean="0">
+              <a:solidFill>
+                <a:schemeClr val="tx1"/>
+              </a:solidFill>
+            </a:endParaRPr>
+          </a:p>
+        </p:txBody>
+      </p:sp>
       <p:sp>
         <p:nvSpPr>
           <p:cNvPr id="47" name="正方形/長方形 46"/>
@@ -25143,7 +24881,7 @@
         </p:nvSpPr>
         <p:spPr>
           <a:xfrm>
-            <a:off x="2128608" y="1273932"/>
+            <a:off x="2128608" y="1391499"/>
             <a:ext cx="8032968" cy="646331"/>
           </a:xfrm>
           <a:prstGeom prst="rect">
@@ -25267,6 +25005,136 @@
           </a:p>
         </p:txBody>
       </p:sp>
+      <p:sp>
+        <p:nvSpPr>
+          <p:cNvPr id="7" name="正方形/長方形 6"/>
+          <p:cNvSpPr/>
+          <p:nvPr/>
+        </p:nvSpPr>
+        <p:spPr>
+          <a:xfrm>
+            <a:off x="5146766" y="3708168"/>
+            <a:ext cx="1957288" cy="393566"/>
+          </a:xfrm>
+          <a:prstGeom prst="rect">
+            <a:avLst/>
+          </a:prstGeom>
+          <a:solidFill>
+            <a:schemeClr val="bg1">
+              <a:lumMod val="95000"/>
+            </a:schemeClr>
+          </a:solidFill>
+          <a:ln>
+            <a:solidFill>
+              <a:schemeClr val="tx1"/>
+            </a:solidFill>
+          </a:ln>
+        </p:spPr>
+        <p:style>
+          <a:lnRef idx="2">
+            <a:schemeClr val="accent1">
+              <a:shade val="50000"/>
+            </a:schemeClr>
+          </a:lnRef>
+          <a:fillRef idx="1">
+            <a:schemeClr val="accent1"/>
+          </a:fillRef>
+          <a:effectRef idx="0">
+            <a:schemeClr val="accent1"/>
+          </a:effectRef>
+          <a:fontRef idx="minor">
+            <a:schemeClr val="lt1"/>
+          </a:fontRef>
+        </p:style>
+        <p:txBody>
+          <a:bodyPr rtlCol="0" anchor="ctr"/>
+          <a:lstStyle/>
+          <a:p>
+            <a:pPr algn="ctr"/>
+            <a:r>
+              <a:rPr kumimoji="1" lang="ja-JP" altLang="en-US" b="1" dirty="0" smtClean="0">
+                <a:solidFill>
+                  <a:schemeClr val="tx1"/>
+                </a:solidFill>
+              </a:rPr>
+              <a:t>検索する</a:t>
+            </a:r>
+            <a:endParaRPr kumimoji="1" lang="ja-JP" altLang="en-US" b="1" dirty="0">
+              <a:solidFill>
+                <a:schemeClr val="tx1"/>
+              </a:solidFill>
+            </a:endParaRPr>
+          </a:p>
+        </p:txBody>
+      </p:sp>
+      <p:sp>
+        <p:nvSpPr>
+          <p:cNvPr id="24" name="正方形/長方形 23"/>
+          <p:cNvSpPr/>
+          <p:nvPr/>
+        </p:nvSpPr>
+        <p:spPr>
+          <a:xfrm>
+            <a:off x="4887887" y="2965349"/>
+            <a:ext cx="2514409" cy="446496"/>
+          </a:xfrm>
+          <a:prstGeom prst="rect">
+            <a:avLst/>
+          </a:prstGeom>
+          <a:solidFill>
+            <a:schemeClr val="bg1"/>
+          </a:solidFill>
+          <a:ln>
+            <a:solidFill>
+              <a:schemeClr val="tx1"/>
+            </a:solidFill>
+          </a:ln>
+        </p:spPr>
+        <p:style>
+          <a:lnRef idx="2">
+            <a:schemeClr val="accent1">
+              <a:shade val="50000"/>
+            </a:schemeClr>
+          </a:lnRef>
+          <a:fillRef idx="1">
+            <a:schemeClr val="accent1"/>
+          </a:fillRef>
+          <a:effectRef idx="0">
+            <a:schemeClr val="accent1"/>
+          </a:effectRef>
+          <a:fontRef idx="minor">
+            <a:schemeClr val="lt1"/>
+          </a:fontRef>
+        </p:style>
+        <p:txBody>
+          <a:bodyPr rtlCol="0" anchor="ctr"/>
+          <a:lstStyle/>
+          <a:p>
+            <a:pPr algn="ctr"/>
+            <a:r>
+              <a:rPr kumimoji="1" lang="ja-JP" altLang="en-US" sz="2000" b="1" dirty="0" smtClean="0">
+                <a:solidFill>
+                  <a:schemeClr val="tx1"/>
+                </a:solidFill>
+              </a:rPr>
+              <a:t>〇〇</a:t>
+            </a:r>
+            <a:r>
+              <a:rPr kumimoji="1" lang="ja-JP" altLang="en-US" sz="2000" b="1" dirty="0" smtClean="0">
+                <a:solidFill>
+                  <a:schemeClr val="tx1"/>
+                </a:solidFill>
+              </a:rPr>
+              <a:t>先生</a:t>
+            </a:r>
+            <a:endParaRPr kumimoji="1" lang="ja-JP" altLang="en-US" sz="2000" b="1" dirty="0">
+              <a:solidFill>
+                <a:schemeClr val="tx1"/>
+              </a:solidFill>
+            </a:endParaRPr>
+          </a:p>
+        </p:txBody>
+      </p:sp>
     </p:spTree>
     <p:extLst>
       <p:ext uri="{BB962C8B-B14F-4D97-AF65-F5344CB8AC3E}">
@@ -25289,6 +25157,9 @@
                     <p:cTn id="3" fill="hold">
                       <p:stCondLst>
                         <p:cond delay="indefinite"/>
+                        <p:cond evt="onBegin" delay="0">
+                          <p:tn val="2"/>
+                        </p:cond>
                       </p:stCondLst>
                       <p:childTnLst>
                         <p:par>
@@ -25298,7 +25169,7 @@
                             </p:stCondLst>
                             <p:childTnLst>
                               <p:par>
-                                <p:cTn id="5" presetID="10" presetClass="entr" presetSubtype="0" fill="hold" nodeType="clickEffect">
+                                <p:cTn id="5" presetID="10" presetClass="entr" presetSubtype="0" fill="hold" grpId="0" nodeType="withEffect">
                                   <p:stCondLst>
                                     <p:cond delay="0"/>
                                   </p:stCondLst>
@@ -25311,7 +25182,7 @@
                                           </p:stCondLst>
                                         </p:cTn>
                                         <p:tgtEl>
-                                          <p:spTgt spid="4"/>
+                                          <p:spTgt spid="3"/>
                                         </p:tgtEl>
                                         <p:attrNameLst>
                                           <p:attrName>style.visibility</p:attrName>
@@ -25325,7 +25196,7 @@
                                       <p:cBhvr>
                                         <p:cTn id="7" dur="500"/>
                                         <p:tgtEl>
-                                          <p:spTgt spid="4"/>
+                                          <p:spTgt spid="3"/>
                                         </p:tgtEl>
                                       </p:cBhvr>
                                     </p:animEffect>
@@ -25346,7 +25217,7 @@
                                           </p:stCondLst>
                                         </p:cTn>
                                         <p:tgtEl>
-                                          <p:spTgt spid="3"/>
+                                          <p:spTgt spid="23"/>
                                         </p:tgtEl>
                                         <p:attrNameLst>
                                           <p:attrName>style.visibility</p:attrName>
@@ -25359,41 +25230,6 @@
                                     <p:animEffect transition="in" filter="fade">
                                       <p:cBhvr>
                                         <p:cTn id="10" dur="500"/>
-                                        <p:tgtEl>
-                                          <p:spTgt spid="3"/>
-                                        </p:tgtEl>
-                                      </p:cBhvr>
-                                    </p:animEffect>
-                                  </p:childTnLst>
-                                </p:cTn>
-                              </p:par>
-                              <p:par>
-                                <p:cTn id="11" presetID="10" presetClass="entr" presetSubtype="0" fill="hold" grpId="0" nodeType="withEffect">
-                                  <p:stCondLst>
-                                    <p:cond delay="0"/>
-                                  </p:stCondLst>
-                                  <p:childTnLst>
-                                    <p:set>
-                                      <p:cBhvr>
-                                        <p:cTn id="12" dur="1" fill="hold">
-                                          <p:stCondLst>
-                                            <p:cond delay="0"/>
-                                          </p:stCondLst>
-                                        </p:cTn>
-                                        <p:tgtEl>
-                                          <p:spTgt spid="23"/>
-                                        </p:tgtEl>
-                                        <p:attrNameLst>
-                                          <p:attrName>style.visibility</p:attrName>
-                                        </p:attrNameLst>
-                                      </p:cBhvr>
-                                      <p:to>
-                                        <p:strVal val="visible"/>
-                                      </p:to>
-                                    </p:set>
-                                    <p:animEffect transition="in" filter="fade">
-                                      <p:cBhvr>
-                                        <p:cTn id="13" dur="500"/>
                                         <p:tgtEl>
                                           <p:spTgt spid="23"/>
                                         </p:tgtEl>
@@ -25409,26 +25245,26 @@
                     </p:cTn>
                   </p:par>
                   <p:par>
-                    <p:cTn id="14" fill="hold">
+                    <p:cTn id="11" fill="hold">
                       <p:stCondLst>
                         <p:cond delay="indefinite"/>
                       </p:stCondLst>
                       <p:childTnLst>
                         <p:par>
-                          <p:cTn id="15" fill="hold">
+                          <p:cTn id="12" fill="hold">
                             <p:stCondLst>
                               <p:cond delay="0"/>
                             </p:stCondLst>
                             <p:childTnLst>
                               <p:par>
-                                <p:cTn id="16" presetID="10" presetClass="entr" presetSubtype="0" fill="hold" nodeType="clickEffect">
+                                <p:cTn id="13" presetID="10" presetClass="entr" presetSubtype="0" fill="hold" nodeType="clickEffect">
                                   <p:stCondLst>
                                     <p:cond delay="0"/>
                                   </p:stCondLst>
                                   <p:childTnLst>
                                     <p:set>
                                       <p:cBhvr>
-                                        <p:cTn id="17" dur="1" fill="hold">
+                                        <p:cTn id="14" dur="1" fill="hold">
                                           <p:stCondLst>
                                             <p:cond delay="0"/>
                                           </p:stCondLst>
@@ -25446,7 +25282,7 @@
                                     </p:set>
                                     <p:animEffect transition="in" filter="fade">
                                       <p:cBhvr>
-                                        <p:cTn id="18" dur="500"/>
+                                        <p:cTn id="15" dur="500"/>
                                         <p:tgtEl>
                                           <p:spTgt spid="5"/>
                                         </p:tgtEl>
@@ -25456,14 +25292,14 @@
                                 </p:cTn>
                               </p:par>
                               <p:par>
-                                <p:cTn id="19" presetID="10" presetClass="entr" presetSubtype="0" fill="hold" grpId="0" nodeType="withEffect">
+                                <p:cTn id="16" presetID="10" presetClass="entr" presetSubtype="0" fill="hold" grpId="0" nodeType="withEffect">
                                   <p:stCondLst>
                                     <p:cond delay="0"/>
                                   </p:stCondLst>
                                   <p:childTnLst>
                                     <p:set>
                                       <p:cBhvr>
-                                        <p:cTn id="20" dur="1" fill="hold">
+                                        <p:cTn id="17" dur="1" fill="hold">
                                           <p:stCondLst>
                                             <p:cond delay="0"/>
                                           </p:stCondLst>
@@ -25481,7 +25317,7 @@
                                     </p:set>
                                     <p:animEffect transition="in" filter="fade">
                                       <p:cBhvr>
-                                        <p:cTn id="21" dur="500"/>
+                                        <p:cTn id="18" dur="500"/>
                                         <p:tgtEl>
                                           <p:spTgt spid="41"/>
                                         </p:tgtEl>
@@ -25578,14 +25414,24 @@
         </p:nvSpPr>
         <p:spPr/>
         <p:txBody>
-          <a:bodyPr/>
+          <a:bodyPr>
+            <a:normAutofit/>
+          </a:bodyPr>
           <a:lstStyle/>
           <a:p>
             <a:r>
-              <a:rPr kumimoji="1" lang="ja-JP" altLang="en-US" b="1" dirty="0" smtClean="0"/>
-              <a:t>主な機能</a:t>
-            </a:r>
-            <a:endParaRPr kumimoji="1" lang="ja-JP" altLang="en-US" b="1" dirty="0"/>
+              <a:rPr lang="ja-JP" altLang="en-US" sz="5400" b="1" dirty="0"/>
+              <a:t>実装</a:t>
+            </a:r>
+            <a:r>
+              <a:rPr lang="ja-JP" altLang="en-US" sz="5400" b="1" dirty="0" smtClean="0"/>
+              <a:t>した</a:t>
+            </a:r>
+            <a:r>
+              <a:rPr kumimoji="1" lang="ja-JP" altLang="en-US" sz="5400" b="1" dirty="0" smtClean="0"/>
+              <a:t>機能</a:t>
+            </a:r>
+            <a:endParaRPr kumimoji="1" lang="ja-JP" altLang="en-US" sz="5400" b="1" dirty="0"/>
           </a:p>
         </p:txBody>
       </p:sp>
@@ -26237,14 +26083,16 @@
         </p:nvSpPr>
         <p:spPr/>
         <p:txBody>
-          <a:bodyPr/>
+          <a:bodyPr>
+            <a:normAutofit/>
+          </a:bodyPr>
           <a:lstStyle/>
           <a:p>
             <a:r>
-              <a:rPr lang="ja-JP" altLang="en-US" b="1" dirty="0" smtClean="0"/>
+              <a:rPr lang="ja-JP" altLang="en-US" sz="5400" b="1" dirty="0" smtClean="0"/>
               <a:t>選択したチーム課題</a:t>
             </a:r>
-            <a:endParaRPr kumimoji="1" lang="ja-JP" altLang="en-US" b="1" dirty="0">
+            <a:endParaRPr kumimoji="1" lang="ja-JP" altLang="en-US" sz="5400" b="1" dirty="0">
               <a:ea typeface="HGP創英角ｺﾞｼｯｸUB" panose="020B0900000000000000" pitchFamily="50" charset="-128"/>
             </a:endParaRPr>
           </a:p>
@@ -26654,14 +26502,16 @@
         </p:nvSpPr>
         <p:spPr/>
         <p:txBody>
-          <a:bodyPr/>
+          <a:bodyPr>
+            <a:normAutofit/>
+          </a:bodyPr>
           <a:lstStyle/>
           <a:p>
             <a:r>
-              <a:rPr lang="ja-JP" altLang="en-US" b="1" dirty="0" smtClean="0"/>
+              <a:rPr lang="ja-JP" altLang="en-US" sz="5400" b="1" dirty="0" smtClean="0"/>
               <a:t>アジャイル開発</a:t>
             </a:r>
-            <a:endParaRPr kumimoji="1" lang="ja-JP" altLang="en-US" b="1" dirty="0">
+            <a:endParaRPr kumimoji="1" lang="ja-JP" altLang="en-US" sz="5400" b="1" dirty="0">
               <a:ea typeface="HGP創英角ｺﾞｼｯｸUB" panose="020B0900000000000000" pitchFamily="50" charset="-128"/>
             </a:endParaRPr>
           </a:p>

--- a/最終.pptx
+++ b/最終.pptx
@@ -29,8 +29,8 @@
     <p:sldId id="261" r:id="rId17"/>
     <p:sldId id="276" r:id="rId18"/>
     <p:sldId id="297" r:id="rId19"/>
-    <p:sldId id="287" r:id="rId20"/>
-    <p:sldId id="281" r:id="rId21"/>
+    <p:sldId id="281" r:id="rId20"/>
+    <p:sldId id="287" r:id="rId21"/>
     <p:sldId id="282" r:id="rId22"/>
   </p:sldIdLst>
   <p:sldSz cx="12192000" cy="6858000"/>
@@ -9915,37 +9915,21 @@
           <a:p>
             <a:r>
               <a:rPr kumimoji="1" lang="ja-JP" altLang="en-US" b="1" dirty="0" smtClean="0"/>
-              <a:t>１～４であれば、改善策を検討し</a:t>
-            </a:r>
+              <a:t>１～４であれば、改善策を検討し、改善します。</a:t>
+            </a:r>
+            <a:endParaRPr kumimoji="1" lang="en-US" altLang="ja-JP" b="1" dirty="0" smtClean="0"/>
+          </a:p>
+          <a:p>
             <a:r>
               <a:rPr kumimoji="1" lang="ja-JP" altLang="en-US" b="1" dirty="0" smtClean="0"/>
-              <a:t>、改善します</a:t>
-            </a:r>
+              <a:t>５～６であれば、基本的な要件は満たしていると考え、可能であれば改善します。</a:t>
+            </a:r>
+            <a:endParaRPr kumimoji="1" lang="en-US" altLang="ja-JP" b="1" dirty="0" smtClean="0"/>
+          </a:p>
+          <a:p>
             <a:r>
               <a:rPr kumimoji="1" lang="ja-JP" altLang="en-US" b="1" dirty="0" smtClean="0"/>
-              <a:t>。</a:t>
-            </a:r>
-            <a:endParaRPr kumimoji="1" lang="en-US" altLang="ja-JP" b="1" dirty="0" smtClean="0"/>
-          </a:p>
-          <a:p>
-            <a:r>
-              <a:rPr kumimoji="1" lang="ja-JP" altLang="en-US" b="1" dirty="0" smtClean="0"/>
-              <a:t>５～６であれば、基本的な要件は満たしていると</a:t>
-            </a:r>
-            <a:r>
-              <a:rPr kumimoji="1" lang="ja-JP" altLang="en-US" b="1" dirty="0" smtClean="0"/>
-              <a:t>考え、可能であれば改善します。</a:t>
-            </a:r>
-            <a:endParaRPr kumimoji="1" lang="en-US" altLang="ja-JP" b="1" dirty="0" smtClean="0"/>
-          </a:p>
-          <a:p>
-            <a:r>
-              <a:rPr kumimoji="1" lang="ja-JP" altLang="en-US" b="1" dirty="0" smtClean="0"/>
-              <a:t>７～１０であれば、要件を満たしていると</a:t>
-            </a:r>
-            <a:r>
-              <a:rPr kumimoji="1" lang="ja-JP" altLang="en-US" b="1" dirty="0" smtClean="0"/>
-              <a:t>考え、改善はしません。</a:t>
+              <a:t>７～１０であれば、要件を満たしていると考え、改善はしません。</a:t>
             </a:r>
             <a:endParaRPr kumimoji="1" lang="en-US" altLang="ja-JP" b="1" dirty="0" smtClean="0"/>
           </a:p>
@@ -10712,6 +10696,290 @@
               <a:tabLst/>
               <a:defRPr/>
             </a:pPr>
+            <a:r>
+              <a:rPr kumimoji="1" lang="ja-JP" altLang="en-US" b="1" dirty="0" smtClean="0"/>
+              <a:t>ただいまからデモを交えて具体的に説明します。</a:t>
+            </a:r>
+            <a:endParaRPr kumimoji="1" lang="en-US" altLang="ja-JP" b="1" dirty="0" smtClean="0"/>
+          </a:p>
+          <a:p>
+            <a:pPr marL="0" marR="0" indent="0" algn="l" defTabSz="914400" rtl="0" eaLnBrk="1" fontAlgn="auto" latinLnBrk="0" hangingPunct="1">
+              <a:lnSpc>
+                <a:spcPct val="100000"/>
+              </a:lnSpc>
+              <a:spcBef>
+                <a:spcPts val="0"/>
+              </a:spcBef>
+              <a:spcAft>
+                <a:spcPts val="0"/>
+              </a:spcAft>
+              <a:buClrTx/>
+              <a:buSzTx/>
+              <a:buFontTx/>
+              <a:buNone/>
+              <a:tabLst/>
+              <a:defRPr/>
+            </a:pPr>
+            <a:r>
+              <a:rPr kumimoji="1" lang="ja-JP" altLang="en-US" b="1" dirty="0" smtClean="0"/>
+              <a:t>こちらが現在の試作品で、トップページになります。</a:t>
+            </a:r>
+            <a:endParaRPr kumimoji="1" lang="en-US" altLang="ja-JP" b="1" dirty="0" smtClean="0"/>
+          </a:p>
+          <a:p>
+            <a:pPr marL="0" marR="0" indent="0" algn="l" defTabSz="914400" rtl="0" eaLnBrk="1" fontAlgn="auto" latinLnBrk="0" hangingPunct="1">
+              <a:lnSpc>
+                <a:spcPct val="100000"/>
+              </a:lnSpc>
+              <a:spcBef>
+                <a:spcPts val="0"/>
+              </a:spcBef>
+              <a:spcAft>
+                <a:spcPts val="0"/>
+              </a:spcAft>
+              <a:buClrTx/>
+              <a:buSzTx/>
+              <a:buFontTx/>
+              <a:buNone/>
+              <a:tabLst/>
+              <a:defRPr/>
+            </a:pPr>
+            <a:endParaRPr kumimoji="1" lang="en-US" altLang="ja-JP" b="1" dirty="0" smtClean="0"/>
+          </a:p>
+          <a:p>
+            <a:pPr marL="0" marR="0" indent="0" algn="l" defTabSz="914400" rtl="0" eaLnBrk="1" fontAlgn="auto" latinLnBrk="0" hangingPunct="1">
+              <a:lnSpc>
+                <a:spcPct val="100000"/>
+              </a:lnSpc>
+              <a:spcBef>
+                <a:spcPts val="0"/>
+              </a:spcBef>
+              <a:spcAft>
+                <a:spcPts val="0"/>
+              </a:spcAft>
+              <a:buClrTx/>
+              <a:buSzTx/>
+              <a:buFontTx/>
+              <a:buNone/>
+              <a:tabLst/>
+              <a:defRPr/>
+            </a:pPr>
+            <a:r>
+              <a:rPr kumimoji="1" lang="ja-JP" altLang="en-US" b="1" dirty="0" smtClean="0"/>
+              <a:t>・下までスクロール・</a:t>
+            </a:r>
+            <a:endParaRPr kumimoji="1" lang="en-US" altLang="ja-JP" b="1" dirty="0" smtClean="0"/>
+          </a:p>
+          <a:p>
+            <a:pPr marL="0" marR="0" indent="0" algn="l" defTabSz="914400" rtl="0" eaLnBrk="1" fontAlgn="auto" latinLnBrk="0" hangingPunct="1">
+              <a:lnSpc>
+                <a:spcPct val="100000"/>
+              </a:lnSpc>
+              <a:spcBef>
+                <a:spcPts val="0"/>
+              </a:spcBef>
+              <a:spcAft>
+                <a:spcPts val="0"/>
+              </a:spcAft>
+              <a:buClrTx/>
+              <a:buSzTx/>
+              <a:buFontTx/>
+              <a:buNone/>
+              <a:tabLst/>
+              <a:defRPr/>
+            </a:pPr>
+            <a:endParaRPr kumimoji="1" lang="en-US" altLang="ja-JP" b="1" dirty="0" smtClean="0"/>
+          </a:p>
+          <a:p>
+            <a:pPr marL="0" marR="0" indent="0" algn="l" defTabSz="914400" rtl="0" eaLnBrk="1" fontAlgn="auto" latinLnBrk="0" hangingPunct="1">
+              <a:lnSpc>
+                <a:spcPct val="100000"/>
+              </a:lnSpc>
+              <a:spcBef>
+                <a:spcPts val="0"/>
+              </a:spcBef>
+              <a:spcAft>
+                <a:spcPts val="0"/>
+              </a:spcAft>
+              <a:buClrTx/>
+              <a:buSzTx/>
+              <a:buFontTx/>
+              <a:buNone/>
+              <a:tabLst/>
+              <a:defRPr/>
+            </a:pPr>
+            <a:r>
+              <a:rPr kumimoji="1" lang="ja-JP" altLang="en-US" b="1" dirty="0" smtClean="0"/>
+              <a:t>こちらが過去問・シラバス、こちらが実験や演習などの成果物、こちらが時間割へのリンクとなっています。</a:t>
+            </a:r>
+            <a:endParaRPr kumimoji="1" lang="en-US" altLang="ja-JP" b="1" dirty="0" smtClean="0"/>
+          </a:p>
+          <a:p>
+            <a:pPr marL="0" marR="0" indent="0" algn="l" defTabSz="914400" rtl="0" eaLnBrk="1" fontAlgn="auto" latinLnBrk="0" hangingPunct="1">
+              <a:lnSpc>
+                <a:spcPct val="100000"/>
+              </a:lnSpc>
+              <a:spcBef>
+                <a:spcPts val="0"/>
+              </a:spcBef>
+              <a:spcAft>
+                <a:spcPts val="0"/>
+              </a:spcAft>
+              <a:buClrTx/>
+              <a:buSzTx/>
+              <a:buFontTx/>
+              <a:buNone/>
+              <a:tabLst/>
+              <a:defRPr/>
+            </a:pPr>
+            <a:r>
+              <a:rPr kumimoji="1" lang="ja-JP" altLang="en-US" b="1" dirty="0" smtClean="0"/>
+              <a:t>こちらが過去問メニューとなります。先生の名前が一覧で表示されており、</a:t>
+            </a:r>
+            <a:endParaRPr kumimoji="1" lang="en-US" altLang="ja-JP" b="1" dirty="0" smtClean="0"/>
+          </a:p>
+          <a:p>
+            <a:pPr marL="0" marR="0" indent="0" algn="l" defTabSz="914400" rtl="0" eaLnBrk="1" fontAlgn="auto" latinLnBrk="0" hangingPunct="1">
+              <a:lnSpc>
+                <a:spcPct val="100000"/>
+              </a:lnSpc>
+              <a:spcBef>
+                <a:spcPts val="0"/>
+              </a:spcBef>
+              <a:spcAft>
+                <a:spcPts val="0"/>
+              </a:spcAft>
+              <a:buClrTx/>
+              <a:buSzTx/>
+              <a:buFontTx/>
+              <a:buNone/>
+              <a:tabLst/>
+              <a:defRPr/>
+            </a:pPr>
+            <a:endParaRPr kumimoji="1" lang="en-US" altLang="ja-JP" b="1" dirty="0" smtClean="0"/>
+          </a:p>
+          <a:p>
+            <a:pPr marL="0" marR="0" indent="0" algn="l" defTabSz="914400" rtl="0" eaLnBrk="1" fontAlgn="auto" latinLnBrk="0" hangingPunct="1">
+              <a:lnSpc>
+                <a:spcPct val="100000"/>
+              </a:lnSpc>
+              <a:spcBef>
+                <a:spcPts val="0"/>
+              </a:spcBef>
+              <a:spcAft>
+                <a:spcPts val="0"/>
+              </a:spcAft>
+              <a:buClrTx/>
+              <a:buSzTx/>
+              <a:buFontTx/>
+              <a:buNone/>
+              <a:tabLst/>
+              <a:defRPr/>
+            </a:pPr>
+            <a:r>
+              <a:rPr kumimoji="1" lang="ja-JP" altLang="en-US" b="1" dirty="0" smtClean="0"/>
+              <a:t>こちらが過去の演習の成果物のメニューとなっています。各研究室とグループ名が一覧で表示されています。こちらの検索フォームに、自分の探している研究室やグループ名を入力し、検索します。</a:t>
+            </a:r>
+            <a:endParaRPr kumimoji="1" lang="en-US" altLang="ja-JP" b="1" dirty="0" smtClean="0"/>
+          </a:p>
+          <a:p>
+            <a:pPr marL="0" marR="0" indent="0" algn="l" defTabSz="914400" rtl="0" eaLnBrk="1" fontAlgn="auto" latinLnBrk="0" hangingPunct="1">
+              <a:lnSpc>
+                <a:spcPct val="100000"/>
+              </a:lnSpc>
+              <a:spcBef>
+                <a:spcPts val="0"/>
+              </a:spcBef>
+              <a:spcAft>
+                <a:spcPts val="0"/>
+              </a:spcAft>
+              <a:buClrTx/>
+              <a:buSzTx/>
+              <a:buFontTx/>
+              <a:buNone/>
+              <a:tabLst/>
+              <a:defRPr/>
+            </a:pPr>
+            <a:r>
+              <a:rPr kumimoji="1" lang="ja-JP" altLang="en-US" b="1" dirty="0" smtClean="0"/>
+              <a:t>検索結果はこのように一覧で表示されます。演習の資料がこのように表示されます。</a:t>
+            </a:r>
+            <a:endParaRPr kumimoji="1" lang="en-US" altLang="ja-JP" b="1" dirty="0" smtClean="0"/>
+          </a:p>
+          <a:p>
+            <a:pPr marL="0" marR="0" indent="0" algn="l" defTabSz="914400" rtl="0" eaLnBrk="1" fontAlgn="auto" latinLnBrk="0" hangingPunct="1">
+              <a:lnSpc>
+                <a:spcPct val="100000"/>
+              </a:lnSpc>
+              <a:spcBef>
+                <a:spcPts val="0"/>
+              </a:spcBef>
+              <a:spcAft>
+                <a:spcPts val="0"/>
+              </a:spcAft>
+              <a:buClrTx/>
+              <a:buSzTx/>
+              <a:buFontTx/>
+              <a:buNone/>
+              <a:tabLst/>
+              <a:defRPr/>
+            </a:pPr>
+            <a:endParaRPr kumimoji="1" lang="en-US" altLang="ja-JP" b="1" dirty="0" smtClean="0"/>
+          </a:p>
+          <a:p>
+            <a:pPr marL="0" marR="0" indent="0" algn="l" defTabSz="914400" rtl="0" eaLnBrk="1" fontAlgn="auto" latinLnBrk="0" hangingPunct="1">
+              <a:lnSpc>
+                <a:spcPct val="100000"/>
+              </a:lnSpc>
+              <a:spcBef>
+                <a:spcPts val="0"/>
+              </a:spcBef>
+              <a:spcAft>
+                <a:spcPts val="0"/>
+              </a:spcAft>
+              <a:buClrTx/>
+              <a:buSzTx/>
+              <a:buFontTx/>
+              <a:buNone/>
+              <a:tabLst/>
+              <a:defRPr/>
+            </a:pPr>
+            <a:r>
+              <a:rPr kumimoji="1" lang="ja-JP" altLang="en-US" b="1" dirty="0" smtClean="0"/>
+              <a:t>また当サイトは、ツイッターアカウントを作成しており、</a:t>
+            </a:r>
+            <a:endParaRPr kumimoji="1" lang="en-US" altLang="ja-JP" b="1" dirty="0" smtClean="0"/>
+          </a:p>
+          <a:p>
+            <a:pPr marL="0" marR="0" indent="0" algn="l" defTabSz="914400" rtl="0" eaLnBrk="1" fontAlgn="auto" latinLnBrk="0" hangingPunct="1">
+              <a:lnSpc>
+                <a:spcPct val="100000"/>
+              </a:lnSpc>
+              <a:spcBef>
+                <a:spcPts val="0"/>
+              </a:spcBef>
+              <a:spcAft>
+                <a:spcPts val="0"/>
+              </a:spcAft>
+              <a:buClrTx/>
+              <a:buSzTx/>
+              <a:buFontTx/>
+              <a:buNone/>
+              <a:tabLst/>
+              <a:defRPr/>
+            </a:pPr>
+            <a:r>
+              <a:rPr kumimoji="1" lang="ja-JP" altLang="en-US" b="1" dirty="0" smtClean="0"/>
+              <a:t>こちらのツイッター</a:t>
+            </a:r>
+            <a:r>
+              <a:rPr kumimoji="1" lang="en-US" altLang="ja-JP" b="1" dirty="0" smtClean="0"/>
+              <a:t>API</a:t>
+            </a:r>
+            <a:r>
+              <a:rPr kumimoji="1" lang="ja-JP" altLang="en-US" b="1" dirty="0" smtClean="0"/>
+              <a:t>では、サイトや各成果物の掲載情報の更新情報などを随時、参考できるようにしました。</a:t>
+            </a:r>
             <a:endParaRPr kumimoji="1" lang="en-US" altLang="ja-JP" b="1" dirty="0" smtClean="0"/>
           </a:p>
         </p:txBody>
@@ -10742,7 +11010,7 @@
     </p:spTree>
     <p:extLst>
       <p:ext uri="{BB962C8B-B14F-4D97-AF65-F5344CB8AC3E}">
-        <p14:creationId xmlns:p14="http://schemas.microsoft.com/office/powerpoint/2010/main" val="3747848430"/>
+        <p14:creationId xmlns:p14="http://schemas.microsoft.com/office/powerpoint/2010/main" val="1638028123"/>
       </p:ext>
     </p:extLst>
   </p:cSld>
@@ -10798,7 +11066,23 @@
           <a:p>
             <a:r>
               <a:rPr kumimoji="1" lang="ja-JP" altLang="en-US" b="1" dirty="0" smtClean="0"/>
-              <a:t>今回はこの８つのことについて話していきます。</a:t>
+              <a:t>今回は</a:t>
+            </a:r>
+            <a:r>
+              <a:rPr kumimoji="1" lang="ja-JP" altLang="en-US" b="1" dirty="0" smtClean="0"/>
+              <a:t>この</a:t>
+            </a:r>
+            <a:r>
+              <a:rPr kumimoji="1" lang="en-US" altLang="ja-JP" b="1" dirty="0" smtClean="0"/>
+              <a:t>6</a:t>
+            </a:r>
+            <a:r>
+              <a:rPr kumimoji="1" lang="ja-JP" altLang="en-US" b="1" dirty="0" err="1" smtClean="0"/>
+              <a:t>つの</a:t>
+            </a:r>
+            <a:r>
+              <a:rPr kumimoji="1" lang="ja-JP" altLang="en-US" b="1" dirty="0" smtClean="0"/>
+              <a:t>ことについて話していきます。</a:t>
             </a:r>
             <a:endParaRPr kumimoji="1" lang="ja-JP" altLang="en-US" b="1" dirty="0"/>
           </a:p>
@@ -10901,298 +11185,6 @@
               <a:tabLst/>
               <a:defRPr/>
             </a:pPr>
-            <a:r>
-              <a:rPr kumimoji="1" lang="ja-JP" altLang="en-US" b="1" dirty="0" smtClean="0"/>
-              <a:t>ただいまからデモを交えて具体的に説明します。</a:t>
-            </a:r>
-            <a:endParaRPr kumimoji="1" lang="en-US" altLang="ja-JP" b="1" dirty="0" smtClean="0"/>
-          </a:p>
-          <a:p>
-            <a:pPr marL="0" marR="0" indent="0" algn="l" defTabSz="914400" rtl="0" eaLnBrk="1" fontAlgn="auto" latinLnBrk="0" hangingPunct="1">
-              <a:lnSpc>
-                <a:spcPct val="100000"/>
-              </a:lnSpc>
-              <a:spcBef>
-                <a:spcPts val="0"/>
-              </a:spcBef>
-              <a:spcAft>
-                <a:spcPts val="0"/>
-              </a:spcAft>
-              <a:buClrTx/>
-              <a:buSzTx/>
-              <a:buFontTx/>
-              <a:buNone/>
-              <a:tabLst/>
-              <a:defRPr/>
-            </a:pPr>
-            <a:r>
-              <a:rPr kumimoji="1" lang="ja-JP" altLang="en-US" b="1" dirty="0" smtClean="0"/>
-              <a:t>こちらが現在の試作品で、トップページになります。</a:t>
-            </a:r>
-            <a:endParaRPr kumimoji="1" lang="en-US" altLang="ja-JP" b="1" dirty="0" smtClean="0"/>
-          </a:p>
-          <a:p>
-            <a:pPr marL="0" marR="0" indent="0" algn="l" defTabSz="914400" rtl="0" eaLnBrk="1" fontAlgn="auto" latinLnBrk="0" hangingPunct="1">
-              <a:lnSpc>
-                <a:spcPct val="100000"/>
-              </a:lnSpc>
-              <a:spcBef>
-                <a:spcPts val="0"/>
-              </a:spcBef>
-              <a:spcAft>
-                <a:spcPts val="0"/>
-              </a:spcAft>
-              <a:buClrTx/>
-              <a:buSzTx/>
-              <a:buFontTx/>
-              <a:buNone/>
-              <a:tabLst/>
-              <a:defRPr/>
-            </a:pPr>
-            <a:endParaRPr kumimoji="1" lang="en-US" altLang="ja-JP" b="1" dirty="0" smtClean="0"/>
-          </a:p>
-          <a:p>
-            <a:pPr marL="0" marR="0" indent="0" algn="l" defTabSz="914400" rtl="0" eaLnBrk="1" fontAlgn="auto" latinLnBrk="0" hangingPunct="1">
-              <a:lnSpc>
-                <a:spcPct val="100000"/>
-              </a:lnSpc>
-              <a:spcBef>
-                <a:spcPts val="0"/>
-              </a:spcBef>
-              <a:spcAft>
-                <a:spcPts val="0"/>
-              </a:spcAft>
-              <a:buClrTx/>
-              <a:buSzTx/>
-              <a:buFontTx/>
-              <a:buNone/>
-              <a:tabLst/>
-              <a:defRPr/>
-            </a:pPr>
-            <a:r>
-              <a:rPr kumimoji="1" lang="ja-JP" altLang="en-US" b="1" dirty="0" smtClean="0"/>
-              <a:t>・下までスクロール・</a:t>
-            </a:r>
-            <a:endParaRPr kumimoji="1" lang="en-US" altLang="ja-JP" b="1" dirty="0" smtClean="0"/>
-          </a:p>
-          <a:p>
-            <a:pPr marL="0" marR="0" indent="0" algn="l" defTabSz="914400" rtl="0" eaLnBrk="1" fontAlgn="auto" latinLnBrk="0" hangingPunct="1">
-              <a:lnSpc>
-                <a:spcPct val="100000"/>
-              </a:lnSpc>
-              <a:spcBef>
-                <a:spcPts val="0"/>
-              </a:spcBef>
-              <a:spcAft>
-                <a:spcPts val="0"/>
-              </a:spcAft>
-              <a:buClrTx/>
-              <a:buSzTx/>
-              <a:buFontTx/>
-              <a:buNone/>
-              <a:tabLst/>
-              <a:defRPr/>
-            </a:pPr>
-            <a:endParaRPr kumimoji="1" lang="en-US" altLang="ja-JP" b="1" dirty="0" smtClean="0"/>
-          </a:p>
-          <a:p>
-            <a:pPr marL="0" marR="0" indent="0" algn="l" defTabSz="914400" rtl="0" eaLnBrk="1" fontAlgn="auto" latinLnBrk="0" hangingPunct="1">
-              <a:lnSpc>
-                <a:spcPct val="100000"/>
-              </a:lnSpc>
-              <a:spcBef>
-                <a:spcPts val="0"/>
-              </a:spcBef>
-              <a:spcAft>
-                <a:spcPts val="0"/>
-              </a:spcAft>
-              <a:buClrTx/>
-              <a:buSzTx/>
-              <a:buFontTx/>
-              <a:buNone/>
-              <a:tabLst/>
-              <a:defRPr/>
-            </a:pPr>
-            <a:r>
-              <a:rPr kumimoji="1" lang="ja-JP" altLang="en-US" b="1" dirty="0" smtClean="0"/>
-              <a:t>こちらが過去問・シラバス、こちらが実験や演習などの成果物、こちらが時間割へのリンクとなっています</a:t>
-            </a:r>
-            <a:r>
-              <a:rPr kumimoji="1" lang="ja-JP" altLang="en-US" b="1" dirty="0" smtClean="0"/>
-              <a:t>。</a:t>
-            </a:r>
-            <a:endParaRPr kumimoji="1" lang="en-US" altLang="ja-JP" b="1" dirty="0" smtClean="0"/>
-          </a:p>
-          <a:p>
-            <a:pPr marL="0" marR="0" indent="0" algn="l" defTabSz="914400" rtl="0" eaLnBrk="1" fontAlgn="auto" latinLnBrk="0" hangingPunct="1">
-              <a:lnSpc>
-                <a:spcPct val="100000"/>
-              </a:lnSpc>
-              <a:spcBef>
-                <a:spcPts val="0"/>
-              </a:spcBef>
-              <a:spcAft>
-                <a:spcPts val="0"/>
-              </a:spcAft>
-              <a:buClrTx/>
-              <a:buSzTx/>
-              <a:buFontTx/>
-              <a:buNone/>
-              <a:tabLst/>
-              <a:defRPr/>
-            </a:pPr>
-            <a:r>
-              <a:rPr kumimoji="1" lang="ja-JP" altLang="en-US" b="1" dirty="0" smtClean="0"/>
-              <a:t>こちらが過去問メニューとなります。先生の名前が一覧で表示されており、</a:t>
-            </a:r>
-            <a:endParaRPr kumimoji="1" lang="en-US" altLang="ja-JP" b="1" dirty="0" smtClean="0"/>
-          </a:p>
-          <a:p>
-            <a:pPr marL="0" marR="0" indent="0" algn="l" defTabSz="914400" rtl="0" eaLnBrk="1" fontAlgn="auto" latinLnBrk="0" hangingPunct="1">
-              <a:lnSpc>
-                <a:spcPct val="100000"/>
-              </a:lnSpc>
-              <a:spcBef>
-                <a:spcPts val="0"/>
-              </a:spcBef>
-              <a:spcAft>
-                <a:spcPts val="0"/>
-              </a:spcAft>
-              <a:buClrTx/>
-              <a:buSzTx/>
-              <a:buFontTx/>
-              <a:buNone/>
-              <a:tabLst/>
-              <a:defRPr/>
-            </a:pPr>
-            <a:endParaRPr kumimoji="1" lang="en-US" altLang="ja-JP" b="1" dirty="0" smtClean="0"/>
-          </a:p>
-          <a:p>
-            <a:pPr marL="0" marR="0" indent="0" algn="l" defTabSz="914400" rtl="0" eaLnBrk="1" fontAlgn="auto" latinLnBrk="0" hangingPunct="1">
-              <a:lnSpc>
-                <a:spcPct val="100000"/>
-              </a:lnSpc>
-              <a:spcBef>
-                <a:spcPts val="0"/>
-              </a:spcBef>
-              <a:spcAft>
-                <a:spcPts val="0"/>
-              </a:spcAft>
-              <a:buClrTx/>
-              <a:buSzTx/>
-              <a:buFontTx/>
-              <a:buNone/>
-              <a:tabLst/>
-              <a:defRPr/>
-            </a:pPr>
-            <a:r>
-              <a:rPr kumimoji="1" lang="ja-JP" altLang="en-US" b="1" dirty="0" smtClean="0"/>
-              <a:t>こちらが過去の演習の成果物のメニューとなっています。各研究室とグループ名が一覧で表示されています。こちらの検索フォームに、自分の探している研究室やグループ名を入力し、検索します。</a:t>
-            </a:r>
-            <a:endParaRPr kumimoji="1" lang="en-US" altLang="ja-JP" b="1" dirty="0" smtClean="0"/>
-          </a:p>
-          <a:p>
-            <a:pPr marL="0" marR="0" indent="0" algn="l" defTabSz="914400" rtl="0" eaLnBrk="1" fontAlgn="auto" latinLnBrk="0" hangingPunct="1">
-              <a:lnSpc>
-                <a:spcPct val="100000"/>
-              </a:lnSpc>
-              <a:spcBef>
-                <a:spcPts val="0"/>
-              </a:spcBef>
-              <a:spcAft>
-                <a:spcPts val="0"/>
-              </a:spcAft>
-              <a:buClrTx/>
-              <a:buSzTx/>
-              <a:buFontTx/>
-              <a:buNone/>
-              <a:tabLst/>
-              <a:defRPr/>
-            </a:pPr>
-            <a:r>
-              <a:rPr kumimoji="1" lang="ja-JP" altLang="en-US" b="1" dirty="0" smtClean="0"/>
-              <a:t>検索結果はこのように一覧で表示されます。演習の資料がこのように表示されます。</a:t>
-            </a:r>
-            <a:endParaRPr kumimoji="1" lang="en-US" altLang="ja-JP" b="1" dirty="0" smtClean="0"/>
-          </a:p>
-          <a:p>
-            <a:pPr marL="0" marR="0" indent="0" algn="l" defTabSz="914400" rtl="0" eaLnBrk="1" fontAlgn="auto" latinLnBrk="0" hangingPunct="1">
-              <a:lnSpc>
-                <a:spcPct val="100000"/>
-              </a:lnSpc>
-              <a:spcBef>
-                <a:spcPts val="0"/>
-              </a:spcBef>
-              <a:spcAft>
-                <a:spcPts val="0"/>
-              </a:spcAft>
-              <a:buClrTx/>
-              <a:buSzTx/>
-              <a:buFontTx/>
-              <a:buNone/>
-              <a:tabLst/>
-              <a:defRPr/>
-            </a:pPr>
-            <a:endParaRPr kumimoji="1" lang="en-US" altLang="ja-JP" b="1" dirty="0" smtClean="0"/>
-          </a:p>
-          <a:p>
-            <a:pPr marL="0" marR="0" indent="0" algn="l" defTabSz="914400" rtl="0" eaLnBrk="1" fontAlgn="auto" latinLnBrk="0" hangingPunct="1">
-              <a:lnSpc>
-                <a:spcPct val="100000"/>
-              </a:lnSpc>
-              <a:spcBef>
-                <a:spcPts val="0"/>
-              </a:spcBef>
-              <a:spcAft>
-                <a:spcPts val="0"/>
-              </a:spcAft>
-              <a:buClrTx/>
-              <a:buSzTx/>
-              <a:buFontTx/>
-              <a:buNone/>
-              <a:tabLst/>
-              <a:defRPr/>
-            </a:pPr>
-            <a:r>
-              <a:rPr kumimoji="1" lang="ja-JP" altLang="en-US" b="1" dirty="0" smtClean="0"/>
-              <a:t>また</a:t>
-            </a:r>
-            <a:r>
-              <a:rPr kumimoji="1" lang="ja-JP" altLang="en-US" b="1" dirty="0" smtClean="0"/>
-              <a:t>当サイトは、ツイッターアカウントを作成しており、</a:t>
-            </a:r>
-            <a:endParaRPr kumimoji="1" lang="en-US" altLang="ja-JP" b="1" dirty="0" smtClean="0"/>
-          </a:p>
-          <a:p>
-            <a:pPr marL="0" marR="0" indent="0" algn="l" defTabSz="914400" rtl="0" eaLnBrk="1" fontAlgn="auto" latinLnBrk="0" hangingPunct="1">
-              <a:lnSpc>
-                <a:spcPct val="100000"/>
-              </a:lnSpc>
-              <a:spcBef>
-                <a:spcPts val="0"/>
-              </a:spcBef>
-              <a:spcAft>
-                <a:spcPts val="0"/>
-              </a:spcAft>
-              <a:buClrTx/>
-              <a:buSzTx/>
-              <a:buFontTx/>
-              <a:buNone/>
-              <a:tabLst/>
-              <a:defRPr/>
-            </a:pPr>
-            <a:r>
-              <a:rPr kumimoji="1" lang="ja-JP" altLang="en-US" b="1" dirty="0" smtClean="0"/>
-              <a:t>こちらのツイッター</a:t>
-            </a:r>
-            <a:r>
-              <a:rPr kumimoji="1" lang="en-US" altLang="ja-JP" b="1" dirty="0" smtClean="0"/>
-              <a:t>API</a:t>
-            </a:r>
-            <a:r>
-              <a:rPr kumimoji="1" lang="ja-JP" altLang="en-US" b="1" dirty="0" smtClean="0"/>
-              <a:t>では、サイトや各成果物の掲載情報の更新情報などを随時、参考できるようにしました。</a:t>
-            </a:r>
             <a:endParaRPr kumimoji="1" lang="en-US" altLang="ja-JP" b="1" dirty="0" smtClean="0"/>
           </a:p>
         </p:txBody>
@@ -11223,7 +11215,7 @@
     </p:spTree>
     <p:extLst>
       <p:ext uri="{BB962C8B-B14F-4D97-AF65-F5344CB8AC3E}">
-        <p14:creationId xmlns:p14="http://schemas.microsoft.com/office/powerpoint/2010/main" val="1638028123"/>
+        <p14:creationId xmlns:p14="http://schemas.microsoft.com/office/powerpoint/2010/main" val="3747848430"/>
       </p:ext>
     </p:extLst>
   </p:cSld>
@@ -11732,7 +11724,15 @@
           <a:p>
             <a:r>
               <a:rPr kumimoji="1" lang="ja-JP" altLang="en-US" b="1" dirty="0" smtClean="0"/>
-              <a:t>ページ開いて、「過去問・シラバス」をクリック、授業を選択、この</a:t>
+              <a:t>ページ開いて</a:t>
+            </a:r>
+            <a:r>
+              <a:rPr kumimoji="1" lang="ja-JP" altLang="en-US" b="1" dirty="0" smtClean="0"/>
+              <a:t>、キーワードを検索、</a:t>
+            </a:r>
+            <a:r>
+              <a:rPr kumimoji="1" lang="ja-JP" altLang="en-US" b="1" dirty="0" smtClean="0"/>
+              <a:t>授業を選択、この</a:t>
             </a:r>
             <a:r>
               <a:rPr kumimoji="1" lang="en-US" altLang="ja-JP" b="1" dirty="0" smtClean="0"/>
@@ -11827,15 +11827,7 @@
           <a:p>
             <a:r>
               <a:rPr kumimoji="1" lang="ja-JP" altLang="en-US" b="1" dirty="0" smtClean="0"/>
-              <a:t>次</a:t>
-            </a:r>
-            <a:r>
-              <a:rPr kumimoji="1" lang="ja-JP" altLang="en-US" b="1" dirty="0" smtClean="0"/>
-              <a:t>に実装した機能</a:t>
-            </a:r>
-            <a:r>
-              <a:rPr kumimoji="1" lang="ja-JP" altLang="en-US" b="1" dirty="0" smtClean="0"/>
-              <a:t>になります。</a:t>
+              <a:t>次に実装した機能になります。</a:t>
             </a:r>
             <a:endParaRPr kumimoji="1" lang="en-US" altLang="ja-JP" b="1" dirty="0" smtClean="0"/>
           </a:p>
@@ -15504,8 +15496,8 @@
         </p:blipFill>
         <p:spPr>
           <a:xfrm>
-            <a:off x="3963677" y="-46916"/>
-            <a:ext cx="3907336" cy="6763961"/>
+            <a:off x="0" y="4153989"/>
+            <a:ext cx="1560513" cy="2704011"/>
           </a:xfrm>
           <a:prstGeom prst="rect">
             <a:avLst/>
@@ -16216,7 +16208,11 @@
             </a:r>
             <a:r>
               <a:rPr lang="ja-JP" altLang="en-US" sz="4400" b="1" dirty="0" smtClean="0"/>
-              <a:t>・・・バーンアップチャート</a:t>
+              <a:t>・・</a:t>
+            </a:r>
+            <a:r>
+              <a:rPr lang="ja-JP" altLang="en-US" sz="4400" b="1" dirty="0" smtClean="0"/>
+              <a:t>・チェックシート</a:t>
             </a:r>
             <a:endParaRPr lang="en-US" altLang="ja-JP" sz="4400" b="1" dirty="0" smtClean="0"/>
           </a:p>
@@ -16233,7 +16229,11 @@
             </a:r>
             <a:r>
               <a:rPr lang="ja-JP" altLang="en-US" sz="4400" b="1" dirty="0" smtClean="0"/>
-              <a:t>・・・プロダクトオーナーの評価</a:t>
+              <a:t>・・</a:t>
+            </a:r>
+            <a:r>
+              <a:rPr lang="ja-JP" altLang="en-US" sz="4400" b="1" dirty="0" smtClean="0"/>
+              <a:t>・バーンアップチャート</a:t>
             </a:r>
             <a:endParaRPr lang="en-US" altLang="ja-JP" sz="4400" b="1" dirty="0" smtClean="0"/>
           </a:p>
@@ -16246,8 +16246,9 @@
             </a:pPr>
             <a:r>
               <a:rPr lang="ja-JP" altLang="en-US" sz="4400" b="1" dirty="0" smtClean="0"/>
-              <a:t>納期・・・バーンアップチャート</a:t>
-            </a:r>
+              <a:t>納期・・・スプリント評価</a:t>
+            </a:r>
+            <a:endParaRPr lang="ja-JP" altLang="en-US" sz="4400" b="1" dirty="0" smtClean="0"/>
           </a:p>
         </p:txBody>
       </p:sp>
@@ -16505,14 +16506,14 @@
           <p:nvPr>
             <p:extLst>
               <p:ext uri="{D42A27DB-BD31-4B8C-83A1-F6EECF244321}">
-                <p14:modId xmlns:p14="http://schemas.microsoft.com/office/powerpoint/2010/main" val="165571431"/>
+                <p14:modId xmlns:p14="http://schemas.microsoft.com/office/powerpoint/2010/main" val="2672386892"/>
               </p:ext>
             </p:extLst>
           </p:nvPr>
         </p:nvGraphicFramePr>
         <p:xfrm>
           <a:off x="582386" y="1690688"/>
-          <a:ext cx="5513614" cy="4253188"/>
+          <a:ext cx="5513614" cy="4067244"/>
         </p:xfrm>
         <a:graphic>
           <a:graphicData uri="http://schemas.openxmlformats.org/drawingml/2006/table">
@@ -16536,7 +16537,7 @@
                   </a:extLst>
                 </a:gridCol>
               </a:tblGrid>
-              <a:tr h="1063297">
+              <a:tr h="677874">
                 <a:tc>
                   <a:txBody>
                     <a:bodyPr/>
@@ -16713,7 +16714,7 @@
                   </a:ext>
                 </a:extLst>
               </a:tr>
-              <a:tr h="1063297">
+              <a:tr h="677874">
                 <a:tc>
                   <a:txBody>
                     <a:bodyPr/>
@@ -16784,7 +16785,7 @@
                   </a:ext>
                 </a:extLst>
               </a:tr>
-              <a:tr h="1063297">
+              <a:tr h="677874">
                 <a:tc>
                   <a:txBody>
                     <a:bodyPr/>
@@ -16855,7 +16856,7 @@
                   </a:ext>
                 </a:extLst>
               </a:tr>
-              <a:tr h="1063297">
+              <a:tr h="677874">
                 <a:tc>
                   <a:txBody>
                     <a:bodyPr/>
@@ -16926,6 +16927,230 @@
                   </a:ext>
                 </a:extLst>
               </a:tr>
+              <a:tr h="677874">
+                <a:tc>
+                  <a:txBody>
+                    <a:bodyPr/>
+                    <a:lstStyle/>
+                    <a:p>
+                      <a:endParaRPr kumimoji="1" lang="ja-JP" altLang="en-US" sz="2800" b="1" dirty="0"/>
+                    </a:p>
+                  </a:txBody>
+                  <a:tcPr>
+                    <a:lnL w="12700" cap="flat" cmpd="sng" algn="ctr">
+                      <a:solidFill>
+                        <a:schemeClr val="tx1"/>
+                      </a:solidFill>
+                      <a:prstDash val="solid"/>
+                      <a:round/>
+                      <a:headEnd type="none" w="med" len="med"/>
+                      <a:tailEnd type="none" w="med" len="med"/>
+                    </a:lnL>
+                    <a:lnR w="12700" cap="flat" cmpd="sng" algn="ctr">
+                      <a:solidFill>
+                        <a:schemeClr val="tx1"/>
+                      </a:solidFill>
+                      <a:prstDash val="solid"/>
+                      <a:round/>
+                      <a:headEnd type="none" w="med" len="med"/>
+                      <a:tailEnd type="none" w="med" len="med"/>
+                    </a:lnR>
+                    <a:lnT w="12700" cap="flat" cmpd="sng" algn="ctr">
+                      <a:solidFill>
+                        <a:schemeClr val="tx1"/>
+                      </a:solidFill>
+                      <a:prstDash val="solid"/>
+                      <a:round/>
+                      <a:headEnd type="none" w="med" len="med"/>
+                      <a:tailEnd type="none" w="med" len="med"/>
+                    </a:lnT>
+                    <a:lnB w="12700" cap="flat" cmpd="sng" algn="ctr">
+                      <a:solidFill>
+                        <a:schemeClr val="tx1"/>
+                      </a:solidFill>
+                      <a:prstDash val="solid"/>
+                      <a:round/>
+                      <a:headEnd type="none" w="med" len="med"/>
+                      <a:tailEnd type="none" w="med" len="med"/>
+                    </a:lnB>
+                    <a:solidFill>
+                      <a:schemeClr val="bg1"/>
+                    </a:solidFill>
+                  </a:tcPr>
+                </a:tc>
+                <a:tc>
+                  <a:txBody>
+                    <a:bodyPr/>
+                    <a:lstStyle/>
+                    <a:p>
+                      <a:pPr algn="l"/>
+                      <a:endParaRPr kumimoji="1" lang="en-US" altLang="ja-JP" sz="2800" dirty="0" smtClean="0">
+                        <a:solidFill>
+                          <a:srgbClr val="FF0000"/>
+                        </a:solidFill>
+                      </a:endParaRPr>
+                    </a:p>
+                  </a:txBody>
+                  <a:tcPr anchor="ctr">
+                    <a:lnL w="12700" cap="flat" cmpd="sng" algn="ctr">
+                      <a:solidFill>
+                        <a:schemeClr val="tx1"/>
+                      </a:solidFill>
+                      <a:prstDash val="solid"/>
+                      <a:round/>
+                      <a:headEnd type="none" w="med" len="med"/>
+                      <a:tailEnd type="none" w="med" len="med"/>
+                    </a:lnL>
+                    <a:lnR w="12700" cap="flat" cmpd="sng" algn="ctr">
+                      <a:solidFill>
+                        <a:schemeClr val="tx1"/>
+                      </a:solidFill>
+                      <a:prstDash val="solid"/>
+                      <a:round/>
+                      <a:headEnd type="none" w="med" len="med"/>
+                      <a:tailEnd type="none" w="med" len="med"/>
+                    </a:lnR>
+                    <a:lnT w="12700" cap="flat" cmpd="sng" algn="ctr">
+                      <a:solidFill>
+                        <a:schemeClr val="tx1"/>
+                      </a:solidFill>
+                      <a:prstDash val="solid"/>
+                      <a:round/>
+                      <a:headEnd type="none" w="med" len="med"/>
+                      <a:tailEnd type="none" w="med" len="med"/>
+                    </a:lnT>
+                    <a:lnB w="12700" cap="flat" cmpd="sng" algn="ctr">
+                      <a:solidFill>
+                        <a:schemeClr val="tx1"/>
+                      </a:solidFill>
+                      <a:prstDash val="solid"/>
+                      <a:round/>
+                      <a:headEnd type="none" w="med" len="med"/>
+                      <a:tailEnd type="none" w="med" len="med"/>
+                    </a:lnB>
+                    <a:solidFill>
+                      <a:schemeClr val="bg1"/>
+                    </a:solidFill>
+                  </a:tcPr>
+                </a:tc>
+                <a:extLst>
+                  <a:ext uri="{0D108BD9-81ED-4DB2-BD59-A6C34878D82A}">
+                    <a16:rowId xmlns:a16="http://schemas.microsoft.com/office/drawing/2014/main" val="2945848032"/>
+                  </a:ext>
+                </a:extLst>
+              </a:tr>
+              <a:tr h="677874">
+                <a:tc>
+                  <a:txBody>
+                    <a:bodyPr/>
+                    <a:lstStyle/>
+                    <a:p>
+                      <a:endParaRPr kumimoji="1" lang="ja-JP" altLang="en-US" sz="2800" b="1" dirty="0"/>
+                    </a:p>
+                  </a:txBody>
+                  <a:tcPr>
+                    <a:lnL w="12700" cap="flat" cmpd="sng" algn="ctr">
+                      <a:solidFill>
+                        <a:schemeClr val="tx1"/>
+                      </a:solidFill>
+                      <a:prstDash val="solid"/>
+                      <a:round/>
+                      <a:headEnd type="none" w="med" len="med"/>
+                      <a:tailEnd type="none" w="med" len="med"/>
+                    </a:lnL>
+                    <a:lnR w="12700" cap="flat" cmpd="sng" algn="ctr">
+                      <a:solidFill>
+                        <a:schemeClr val="tx1"/>
+                      </a:solidFill>
+                      <a:prstDash val="solid"/>
+                      <a:round/>
+                      <a:headEnd type="none" w="med" len="med"/>
+                      <a:tailEnd type="none" w="med" len="med"/>
+                    </a:lnR>
+                    <a:lnT w="12700" cap="flat" cmpd="sng" algn="ctr">
+                      <a:solidFill>
+                        <a:schemeClr val="tx1"/>
+                      </a:solidFill>
+                      <a:prstDash val="solid"/>
+                      <a:round/>
+                      <a:headEnd type="none" w="med" len="med"/>
+                      <a:tailEnd type="none" w="med" len="med"/>
+                    </a:lnT>
+                    <a:lnB w="12700" cap="flat" cmpd="sng" algn="ctr">
+                      <a:solidFill>
+                        <a:schemeClr val="tx1"/>
+                      </a:solidFill>
+                      <a:prstDash val="solid"/>
+                      <a:round/>
+                      <a:headEnd type="none" w="med" len="med"/>
+                      <a:tailEnd type="none" w="med" len="med"/>
+                    </a:lnB>
+                    <a:solidFill>
+                      <a:schemeClr val="bg1"/>
+                    </a:solidFill>
+                  </a:tcPr>
+                </a:tc>
+                <a:tc>
+                  <a:txBody>
+                    <a:bodyPr/>
+                    <a:lstStyle/>
+                    <a:p>
+                      <a:pPr algn="l"/>
+                      <a:endParaRPr kumimoji="1" lang="en-US" altLang="ja-JP" sz="2800" dirty="0" smtClean="0">
+                        <a:solidFill>
+                          <a:srgbClr val="FF0000"/>
+                        </a:solidFill>
+                      </a:endParaRPr>
+                    </a:p>
+                  </a:txBody>
+                  <a:tcPr anchor="ctr">
+                    <a:lnL w="12700" cap="flat" cmpd="sng" algn="ctr">
+                      <a:solidFill>
+                        <a:schemeClr val="tx1"/>
+                      </a:solidFill>
+                      <a:prstDash val="solid"/>
+                      <a:round/>
+                      <a:headEnd type="none" w="med" len="med"/>
+                      <a:tailEnd type="none" w="med" len="med"/>
+                    </a:lnL>
+                    <a:lnR w="12700" cap="flat" cmpd="sng" algn="ctr">
+                      <a:solidFill>
+                        <a:schemeClr val="tx1"/>
+                      </a:solidFill>
+                      <a:prstDash val="solid"/>
+                      <a:round/>
+                      <a:headEnd type="none" w="med" len="med"/>
+                      <a:tailEnd type="none" w="med" len="med"/>
+                    </a:lnR>
+                    <a:lnT w="12700" cap="flat" cmpd="sng" algn="ctr">
+                      <a:solidFill>
+                        <a:schemeClr val="tx1"/>
+                      </a:solidFill>
+                      <a:prstDash val="solid"/>
+                      <a:round/>
+                      <a:headEnd type="none" w="med" len="med"/>
+                      <a:tailEnd type="none" w="med" len="med"/>
+                    </a:lnT>
+                    <a:lnB w="12700" cap="flat" cmpd="sng" algn="ctr">
+                      <a:solidFill>
+                        <a:schemeClr val="tx1"/>
+                      </a:solidFill>
+                      <a:prstDash val="solid"/>
+                      <a:round/>
+                      <a:headEnd type="none" w="med" len="med"/>
+                      <a:tailEnd type="none" w="med" len="med"/>
+                    </a:lnB>
+                    <a:solidFill>
+                      <a:schemeClr val="bg1"/>
+                    </a:solidFill>
+                  </a:tcPr>
+                </a:tc>
+                <a:extLst>
+                  <a:ext uri="{0D108BD9-81ED-4DB2-BD59-A6C34878D82A}">
+                    <a16:rowId xmlns:a16="http://schemas.microsoft.com/office/drawing/2014/main" val="3027470615"/>
+                  </a:ext>
+                </a:extLst>
+              </a:tr>
             </a:tbl>
           </a:graphicData>
         </a:graphic>
@@ -17202,11 +17427,7 @@
             </a:r>
             <a:r>
               <a:rPr lang="ja-JP" altLang="en-US" sz="4400" b="1" dirty="0" smtClean="0"/>
-              <a:t>と</a:t>
-            </a:r>
-            <a:r>
-              <a:rPr lang="ja-JP" altLang="en-US" sz="4400" b="1" dirty="0" smtClean="0"/>
-              <a:t>想定し、</a:t>
+              <a:t>と想定し、</a:t>
             </a:r>
             <a:endParaRPr lang="en-US" altLang="ja-JP" sz="4400" b="1" dirty="0" smtClean="0"/>
           </a:p>
@@ -17221,7 +17442,6 @@
               <a:rPr lang="ja-JP" altLang="en-US" sz="4400" b="1" dirty="0" smtClean="0"/>
               <a:t>評価を行う</a:t>
             </a:r>
-            <a:endParaRPr lang="ja-JP" altLang="en-US" sz="4400" b="1" dirty="0" smtClean="0"/>
           </a:p>
         </p:txBody>
       </p:sp>
@@ -18350,11 +18570,7 @@
           <a:p>
             <a:r>
               <a:rPr lang="ja-JP" altLang="en-US" sz="5400" b="1" dirty="0" smtClean="0"/>
-              <a:t>進捗</a:t>
-            </a:r>
-            <a:r>
-              <a:rPr lang="ja-JP" altLang="en-US" sz="5400" b="1" dirty="0" smtClean="0"/>
-              <a:t>管理</a:t>
+              <a:t>進捗管理</a:t>
             </a:r>
             <a:endParaRPr kumimoji="1" lang="ja-JP" altLang="en-US" sz="5400" b="1" dirty="0"/>
           </a:p>
@@ -20512,9 +20728,63 @@
           <a:chExt cx="0" cy="0"/>
         </a:xfrm>
       </p:grpSpPr>
+      <p:sp>
+        <p:nvSpPr>
+          <p:cNvPr id="5" name="タイトル 4"/>
+          <p:cNvSpPr>
+            <a:spLocks noGrp="1"/>
+          </p:cNvSpPr>
+          <p:nvPr>
+            <p:ph type="title"/>
+          </p:nvPr>
+        </p:nvSpPr>
+        <p:spPr>
+          <a:xfrm>
+            <a:off x="838200" y="2766218"/>
+            <a:ext cx="10515600" cy="1325563"/>
+          </a:xfrm>
+        </p:spPr>
+        <p:txBody>
+          <a:bodyPr>
+            <a:normAutofit/>
+          </a:bodyPr>
+          <a:lstStyle/>
+          <a:p>
+            <a:pPr algn="ctr"/>
+            <a:r>
+              <a:rPr kumimoji="1" lang="ja-JP" altLang="en-US" sz="8800" b="1" dirty="0" smtClean="0"/>
+              <a:t>完成体</a:t>
+            </a:r>
+            <a:endParaRPr kumimoji="1" lang="ja-JP" altLang="en-US" sz="8800" b="1" dirty="0"/>
+          </a:p>
+        </p:txBody>
+      </p:sp>
+      <p:sp>
+        <p:nvSpPr>
+          <p:cNvPr id="10" name="スライド番号プレースホルダー 9"/>
+          <p:cNvSpPr>
+            <a:spLocks noGrp="1"/>
+          </p:cNvSpPr>
+          <p:nvPr>
+            <p:ph type="sldNum" sz="quarter" idx="12"/>
+          </p:nvPr>
+        </p:nvSpPr>
+        <p:spPr/>
+        <p:txBody>
+          <a:bodyPr/>
+          <a:lstStyle/>
+          <a:p>
+            <a:r>
+              <a:rPr lang="en-US" altLang="ja-JP" sz="3600" dirty="0"/>
+              <a:t>7</a:t>
+            </a:r>
+            <a:endParaRPr kumimoji="1" lang="ja-JP" altLang="en-US" sz="3600" dirty="0"/>
+          </a:p>
+        </p:txBody>
+      </p:sp>
       <p:pic>
         <p:nvPicPr>
-          <p:cNvPr id="5" name="図 4"/>
+          <p:cNvPr id="4" name="図 3"/>
           <p:cNvPicPr>
             <a:picLocks noChangeAspect="1"/>
           </p:cNvPicPr>
@@ -20527,66 +20797,18 @@
         </p:blipFill>
         <p:spPr>
           <a:xfrm>
-            <a:off x="0" y="4467497"/>
-            <a:ext cx="1554480" cy="2390502"/>
+            <a:off x="0" y="4167050"/>
+            <a:ext cx="1554480" cy="2690949"/>
           </a:xfrm>
           <a:prstGeom prst="rect">
             <a:avLst/>
           </a:prstGeom>
         </p:spPr>
       </p:pic>
-      <p:sp>
-        <p:nvSpPr>
-          <p:cNvPr id="2" name="タイトル 1"/>
-          <p:cNvSpPr>
-            <a:spLocks noGrp="1"/>
-          </p:cNvSpPr>
-          <p:nvPr>
-            <p:ph type="title"/>
-          </p:nvPr>
-        </p:nvSpPr>
-        <p:spPr/>
-        <p:txBody>
-          <a:bodyPr>
-            <a:normAutofit/>
-          </a:bodyPr>
-          <a:lstStyle/>
-          <a:p>
-            <a:r>
-              <a:rPr lang="ja-JP" altLang="en-US" sz="5400" b="1" dirty="0" smtClean="0"/>
-              <a:t>振り返り</a:t>
-            </a:r>
-            <a:endParaRPr kumimoji="1" lang="ja-JP" altLang="en-US" sz="5400" dirty="0"/>
-          </a:p>
-        </p:txBody>
-      </p:sp>
-      <p:sp>
-        <p:nvSpPr>
-          <p:cNvPr id="7" name="スライド番号プレースホルダー 6"/>
-          <p:cNvSpPr>
-            <a:spLocks noGrp="1"/>
-          </p:cNvSpPr>
-          <p:nvPr>
-            <p:ph type="sldNum" sz="quarter" idx="12"/>
-          </p:nvPr>
-        </p:nvSpPr>
-        <p:spPr/>
-        <p:txBody>
-          <a:bodyPr/>
-          <a:lstStyle/>
-          <a:p>
-            <a:r>
-              <a:rPr kumimoji="1" lang="en-US" altLang="ja-JP" sz="3600" dirty="0" smtClean="0"/>
-              <a:t>14</a:t>
-            </a:r>
-            <a:endParaRPr kumimoji="1" lang="ja-JP" altLang="en-US" sz="3600" dirty="0"/>
-          </a:p>
-        </p:txBody>
-      </p:sp>
     </p:spTree>
     <p:extLst>
       <p:ext uri="{BB962C8B-B14F-4D97-AF65-F5344CB8AC3E}">
-        <p14:creationId xmlns:p14="http://schemas.microsoft.com/office/powerpoint/2010/main" val="3898732731"/>
+        <p14:creationId xmlns:p14="http://schemas.microsoft.com/office/powerpoint/2010/main" val="2403032415"/>
       </p:ext>
     </p:extLst>
   </p:cSld>
@@ -20712,9 +20934,18 @@
               <a:t>概要　　</a:t>
             </a:r>
             <a:r>
+              <a:rPr lang="en-US" altLang="ja-JP" sz="4000" b="1" dirty="0"/>
+              <a:t>4</a:t>
+            </a:r>
+            <a:r>
               <a:rPr lang="en-US" altLang="ja-JP" sz="4000" b="1" dirty="0" smtClean="0"/>
-              <a:t>5.QCD</a:t>
-            </a:r>
+              <a:t>.QCD</a:t>
+            </a:r>
+            <a:r>
+              <a:rPr lang="ja-JP" altLang="en-US" sz="4000" b="1" dirty="0" smtClean="0"/>
+              <a:t>評価</a:t>
+            </a:r>
+            <a:endParaRPr lang="en-US" altLang="ja-JP" sz="4000" b="1" dirty="0" smtClean="0"/>
           </a:p>
           <a:p>
             <a:pPr marL="0" indent="0">
@@ -20725,11 +20956,7 @@
             </a:pPr>
             <a:r>
               <a:rPr lang="en-US" altLang="ja-JP" sz="4000" b="1" dirty="0" smtClean="0"/>
-              <a:t>2</a:t>
-            </a:r>
-            <a:r>
-              <a:rPr lang="en-US" altLang="ja-JP" sz="4000" b="1" dirty="0" smtClean="0"/>
-              <a:t>.</a:t>
+              <a:t>2.</a:t>
             </a:r>
             <a:r>
               <a:rPr lang="ja-JP" altLang="en-US" sz="4000" b="1" dirty="0"/>
@@ -20737,23 +20964,11 @@
             </a:r>
             <a:r>
               <a:rPr lang="ja-JP" altLang="en-US" sz="4000" b="1" dirty="0" smtClean="0"/>
-              <a:t>した</a:t>
-            </a:r>
-            <a:r>
-              <a:rPr lang="ja-JP" altLang="en-US" sz="4000" b="1" dirty="0" smtClean="0"/>
-              <a:t>機能</a:t>
-            </a:r>
-            <a:r>
-              <a:rPr lang="ja-JP" altLang="en-US" sz="4000" b="1" dirty="0" smtClean="0"/>
-              <a:t>　　　</a:t>
-            </a:r>
-            <a:r>
-              <a:rPr lang="ja-JP" altLang="en-US" sz="4000" b="1" dirty="0" smtClean="0"/>
-              <a:t>　</a:t>
-            </a:r>
-            <a:r>
-              <a:rPr lang="en-US" altLang="ja-JP" sz="4000" b="1" dirty="0" smtClean="0"/>
-              <a:t>6</a:t>
+              <a:t>した機能　　　　</a:t>
+            </a:r>
+            <a:r>
+              <a:rPr lang="en-US" altLang="ja-JP" sz="4000" b="1" dirty="0"/>
+              <a:t>5</a:t>
             </a:r>
             <a:r>
               <a:rPr lang="en-US" altLang="ja-JP" sz="4000" b="1" dirty="0" smtClean="0"/>
@@ -20781,8 +20996,12 @@
               <a:t>選択したチーム課題　 </a:t>
             </a:r>
             <a:r>
+              <a:rPr lang="en-US" altLang="ja-JP" sz="4000" b="1" dirty="0"/>
+              <a:t>6</a:t>
+            </a:r>
+            <a:r>
               <a:rPr lang="en-US" altLang="ja-JP" sz="4000" b="1" dirty="0" smtClean="0"/>
-              <a:t>4.</a:t>
+              <a:t>.</a:t>
             </a:r>
             <a:r>
               <a:rPr lang="ja-JP" altLang="en-US" sz="4000" b="1" dirty="0"/>
@@ -20859,63 +21078,9 @@
           <a:chExt cx="0" cy="0"/>
         </a:xfrm>
       </p:grpSpPr>
-      <p:sp>
-        <p:nvSpPr>
-          <p:cNvPr id="5" name="タイトル 4"/>
-          <p:cNvSpPr>
-            <a:spLocks noGrp="1"/>
-          </p:cNvSpPr>
-          <p:nvPr>
-            <p:ph type="title"/>
-          </p:nvPr>
-        </p:nvSpPr>
-        <p:spPr>
-          <a:xfrm>
-            <a:off x="838200" y="2766218"/>
-            <a:ext cx="10515600" cy="1325563"/>
-          </a:xfrm>
-        </p:spPr>
-        <p:txBody>
-          <a:bodyPr>
-            <a:normAutofit/>
-          </a:bodyPr>
-          <a:lstStyle/>
-          <a:p>
-            <a:pPr algn="ctr"/>
-            <a:r>
-              <a:rPr kumimoji="1" lang="ja-JP" altLang="en-US" sz="8800" b="1" dirty="0" smtClean="0"/>
-              <a:t>完成体</a:t>
-            </a:r>
-            <a:endParaRPr kumimoji="1" lang="ja-JP" altLang="en-US" sz="8800" b="1" dirty="0"/>
-          </a:p>
-        </p:txBody>
-      </p:sp>
-      <p:sp>
-        <p:nvSpPr>
-          <p:cNvPr id="10" name="スライド番号プレースホルダー 9"/>
-          <p:cNvSpPr>
-            <a:spLocks noGrp="1"/>
-          </p:cNvSpPr>
-          <p:nvPr>
-            <p:ph type="sldNum" sz="quarter" idx="12"/>
-          </p:nvPr>
-        </p:nvSpPr>
-        <p:spPr/>
-        <p:txBody>
-          <a:bodyPr/>
-          <a:lstStyle/>
-          <a:p>
-            <a:r>
-              <a:rPr lang="en-US" altLang="ja-JP" sz="3600" dirty="0"/>
-              <a:t>7</a:t>
-            </a:r>
-            <a:endParaRPr kumimoji="1" lang="ja-JP" altLang="en-US" sz="3600" dirty="0"/>
-          </a:p>
-        </p:txBody>
-      </p:sp>
       <p:pic>
         <p:nvPicPr>
-          <p:cNvPr id="4" name="図 3"/>
+          <p:cNvPr id="5" name="図 4"/>
           <p:cNvPicPr>
             <a:picLocks noChangeAspect="1"/>
           </p:cNvPicPr>
@@ -20928,18 +21093,66 @@
         </p:blipFill>
         <p:spPr>
           <a:xfrm>
-            <a:off x="0" y="4167050"/>
-            <a:ext cx="1554480" cy="2690949"/>
+            <a:off x="0" y="4467497"/>
+            <a:ext cx="1554480" cy="2390502"/>
           </a:xfrm>
           <a:prstGeom prst="rect">
             <a:avLst/>
           </a:prstGeom>
         </p:spPr>
       </p:pic>
+      <p:sp>
+        <p:nvSpPr>
+          <p:cNvPr id="2" name="タイトル 1"/>
+          <p:cNvSpPr>
+            <a:spLocks noGrp="1"/>
+          </p:cNvSpPr>
+          <p:nvPr>
+            <p:ph type="title"/>
+          </p:nvPr>
+        </p:nvSpPr>
+        <p:spPr/>
+        <p:txBody>
+          <a:bodyPr>
+            <a:normAutofit/>
+          </a:bodyPr>
+          <a:lstStyle/>
+          <a:p>
+            <a:r>
+              <a:rPr lang="ja-JP" altLang="en-US" sz="5400" b="1" dirty="0" smtClean="0"/>
+              <a:t>振り返り</a:t>
+            </a:r>
+            <a:endParaRPr kumimoji="1" lang="ja-JP" altLang="en-US" sz="5400" dirty="0"/>
+          </a:p>
+        </p:txBody>
+      </p:sp>
+      <p:sp>
+        <p:nvSpPr>
+          <p:cNvPr id="7" name="スライド番号プレースホルダー 6"/>
+          <p:cNvSpPr>
+            <a:spLocks noGrp="1"/>
+          </p:cNvSpPr>
+          <p:nvPr>
+            <p:ph type="sldNum" sz="quarter" idx="12"/>
+          </p:nvPr>
+        </p:nvSpPr>
+        <p:spPr/>
+        <p:txBody>
+          <a:bodyPr/>
+          <a:lstStyle/>
+          <a:p>
+            <a:r>
+              <a:rPr kumimoji="1" lang="en-US" altLang="ja-JP" sz="3600" dirty="0" smtClean="0"/>
+              <a:t>14</a:t>
+            </a:r>
+            <a:endParaRPr kumimoji="1" lang="ja-JP" altLang="en-US" sz="3600" dirty="0"/>
+          </a:p>
+        </p:txBody>
+      </p:sp>
     </p:spTree>
     <p:extLst>
       <p:ext uri="{BB962C8B-B14F-4D97-AF65-F5344CB8AC3E}">
-        <p14:creationId xmlns:p14="http://schemas.microsoft.com/office/powerpoint/2010/main" val="2403032415"/>
+        <p14:creationId xmlns:p14="http://schemas.microsoft.com/office/powerpoint/2010/main" val="3898732731"/>
       </p:ext>
     </p:extLst>
   </p:cSld>
@@ -25117,15 +25330,7 @@
                   <a:schemeClr val="tx1"/>
                 </a:solidFill>
               </a:rPr>
-              <a:t>〇〇</a:t>
-            </a:r>
-            <a:r>
-              <a:rPr kumimoji="1" lang="ja-JP" altLang="en-US" sz="2000" b="1" dirty="0" smtClean="0">
-                <a:solidFill>
-                  <a:schemeClr val="tx1"/>
-                </a:solidFill>
-              </a:rPr>
-              <a:t>先生</a:t>
+              <a:t>〇〇先生</a:t>
             </a:r>
             <a:endParaRPr kumimoji="1" lang="ja-JP" altLang="en-US" sz="2000" b="1" dirty="0">
               <a:solidFill>
@@ -26624,7 +26829,11 @@
             </a:pPr>
             <a:r>
               <a:rPr lang="ja-JP" altLang="en-US" sz="3800" b="1" dirty="0" smtClean="0"/>
-              <a:t>　あまり馴染みがない</a:t>
+              <a:t>　あまり馴染みが</a:t>
+            </a:r>
+            <a:r>
+              <a:rPr lang="ja-JP" altLang="en-US" sz="3800" b="1" dirty="0" smtClean="0"/>
+              <a:t>ない</a:t>
             </a:r>
             <a:endParaRPr lang="en-US" altLang="ja-JP" sz="3800" b="1" dirty="0" smtClean="0"/>
           </a:p>

--- a/最終.pptx
+++ b/最終.pptx
@@ -29,8 +29,8 @@
     <p:sldId id="261" r:id="rId17"/>
     <p:sldId id="276" r:id="rId18"/>
     <p:sldId id="297" r:id="rId19"/>
-    <p:sldId id="281" r:id="rId20"/>
-    <p:sldId id="287" r:id="rId21"/>
+    <p:sldId id="287" r:id="rId20"/>
+    <p:sldId id="281" r:id="rId21"/>
     <p:sldId id="282" r:id="rId22"/>
   </p:sldIdLst>
   <p:sldSz cx="12192000" cy="6858000"/>
@@ -9693,6 +9693,40 @@
           <a:bodyPr/>
           <a:lstStyle/>
           <a:p>
+            <a:r>
+              <a:rPr kumimoji="1" lang="ja-JP" altLang="en-US" b="1" dirty="0" smtClean="0"/>
+              <a:t>次に</a:t>
+            </a:r>
+            <a:r>
+              <a:rPr kumimoji="1" lang="en-US" altLang="ja-JP" b="1" dirty="0" smtClean="0"/>
+              <a:t>PM</a:t>
+            </a:r>
+            <a:r>
+              <a:rPr kumimoji="1" lang="ja-JP" altLang="en-US" b="1" dirty="0" smtClean="0"/>
+              <a:t>評価についてです。</a:t>
+            </a:r>
+            <a:endParaRPr kumimoji="1" lang="en-US" altLang="ja-JP" b="1" dirty="0" smtClean="0"/>
+          </a:p>
+          <a:p>
+            <a:r>
+              <a:rPr kumimoji="1" lang="ja-JP" altLang="en-US" b="1" dirty="0" smtClean="0"/>
+              <a:t>評価は</a:t>
+            </a:r>
+            <a:r>
+              <a:rPr kumimoji="1" lang="en-US" altLang="ja-JP" b="1" dirty="0" smtClean="0"/>
+              <a:t>QCD</a:t>
+            </a:r>
+            <a:r>
+              <a:rPr kumimoji="1" lang="ja-JP" altLang="en-US" b="1" dirty="0" smtClean="0"/>
+              <a:t>の観点から行います。</a:t>
+            </a:r>
+            <a:endParaRPr kumimoji="1" lang="en-US" altLang="ja-JP" b="1" dirty="0" smtClean="0"/>
+          </a:p>
+          <a:p>
+            <a:r>
+              <a:rPr kumimoji="1" lang="ja-JP" altLang="en-US" b="1" dirty="0" smtClean="0"/>
+              <a:t>品質はパレート図とプロダクトオーナー評価、コストはバーンアップチャートで納期はスプリント評価を行います。</a:t>
+            </a:r>
             <a:endParaRPr kumimoji="1" lang="en-US" altLang="ja-JP" b="1" dirty="0" smtClean="0"/>
           </a:p>
         </p:txBody>
@@ -9777,6 +9811,30 @@
           <a:bodyPr/>
           <a:lstStyle/>
           <a:p>
+            <a:pPr marL="0" marR="0" indent="0" algn="l" defTabSz="914400" rtl="0" eaLnBrk="1" fontAlgn="auto" latinLnBrk="0" hangingPunct="1">
+              <a:lnSpc>
+                <a:spcPct val="100000"/>
+              </a:lnSpc>
+              <a:spcBef>
+                <a:spcPts val="0"/>
+              </a:spcBef>
+              <a:spcAft>
+                <a:spcPts val="0"/>
+              </a:spcAft>
+              <a:buClrTx/>
+              <a:buSzTx/>
+              <a:buFontTx/>
+              <a:buNone/>
+              <a:tabLst/>
+              <a:defRPr/>
+            </a:pPr>
+            <a:r>
+              <a:rPr kumimoji="1" lang="ja-JP" altLang="en-US" b="1" dirty="0" smtClean="0"/>
+              <a:t>次に品質についてです。</a:t>
+            </a:r>
+            <a:endParaRPr kumimoji="1" lang="en-US" altLang="ja-JP" b="1" dirty="0" smtClean="0"/>
+          </a:p>
+          <a:p>
             <a:endParaRPr kumimoji="1" lang="en-US" altLang="ja-JP" b="1" dirty="0" smtClean="0"/>
           </a:p>
         </p:txBody>
@@ -9863,14 +9921,18 @@
           <a:p>
             <a:r>
               <a:rPr kumimoji="1" lang="ja-JP" altLang="en-US" b="1" dirty="0" smtClean="0"/>
-              <a:t>次に品質管理についてです。</a:t>
+              <a:t>次はプロダクトオーナー評価についてです。</a:t>
             </a:r>
             <a:endParaRPr kumimoji="1" lang="en-US" altLang="ja-JP" b="1" dirty="0" smtClean="0"/>
           </a:p>
           <a:p>
             <a:r>
               <a:rPr kumimoji="1" lang="ja-JP" altLang="en-US" b="1" dirty="0" smtClean="0"/>
-              <a:t>各スプリント終了ごとにプロダクトオーナーに評価を行ってもらいます。</a:t>
+              <a:t>各スプリント</a:t>
+            </a:r>
+            <a:r>
+              <a:rPr kumimoji="1" lang="ja-JP" altLang="en-US" b="1" dirty="0" smtClean="0"/>
+              <a:t>終了ごとにプロダクトオーナーに評価を行ってもらいます。</a:t>
             </a:r>
             <a:endParaRPr kumimoji="1" lang="en-US" altLang="ja-JP" b="1" dirty="0" smtClean="0"/>
           </a:p>
@@ -9913,23 +9975,77 @@
             <a:endParaRPr kumimoji="1" lang="en-US" altLang="ja-JP" b="1" dirty="0" smtClean="0"/>
           </a:p>
           <a:p>
+            <a:pPr marL="0" marR="0" indent="0" algn="l" defTabSz="914400" rtl="0" eaLnBrk="1" fontAlgn="auto" latinLnBrk="0" hangingPunct="1">
+              <a:lnSpc>
+                <a:spcPct val="100000"/>
+              </a:lnSpc>
+              <a:spcBef>
+                <a:spcPts val="0"/>
+              </a:spcBef>
+              <a:spcAft>
+                <a:spcPts val="0"/>
+              </a:spcAft>
+              <a:buClrTx/>
+              <a:buSzTx/>
+              <a:buFontTx/>
+              <a:buNone/>
+              <a:tabLst/>
+              <a:defRPr/>
+            </a:pPr>
+            <a:r>
+              <a:rPr kumimoji="1" lang="en-US" altLang="ja-JP" b="1" dirty="0" smtClean="0"/>
+              <a:t>A</a:t>
+            </a:r>
             <a:r>
               <a:rPr kumimoji="1" lang="ja-JP" altLang="en-US" b="1" dirty="0" smtClean="0"/>
-              <a:t>１～４であれば、改善策を検討し、改善します。</a:t>
+              <a:t>であれば、要件を満たしていると考え、改善はしません。</a:t>
             </a:r>
             <a:endParaRPr kumimoji="1" lang="en-US" altLang="ja-JP" b="1" dirty="0" smtClean="0"/>
           </a:p>
           <a:p>
+            <a:pPr marL="0" marR="0" indent="0" algn="l" defTabSz="914400" rtl="0" eaLnBrk="1" fontAlgn="auto" latinLnBrk="0" hangingPunct="1">
+              <a:lnSpc>
+                <a:spcPct val="100000"/>
+              </a:lnSpc>
+              <a:spcBef>
+                <a:spcPts val="0"/>
+              </a:spcBef>
+              <a:spcAft>
+                <a:spcPts val="0"/>
+              </a:spcAft>
+              <a:buClrTx/>
+              <a:buSzTx/>
+              <a:buFontTx/>
+              <a:buNone/>
+              <a:tabLst/>
+              <a:defRPr/>
+            </a:pPr>
+            <a:r>
+              <a:rPr kumimoji="1" lang="en-US" altLang="ja-JP" b="1" dirty="0" smtClean="0"/>
+              <a:t>B</a:t>
+            </a:r>
             <a:r>
               <a:rPr kumimoji="1" lang="ja-JP" altLang="en-US" b="1" dirty="0" smtClean="0"/>
-              <a:t>５～６であれば、基本的な要件は満たしていると考え、可能であれば改善します。</a:t>
+              <a:t>であれば、基本的な要件は満たしていると考え、可能であれば改善します。</a:t>
             </a:r>
             <a:endParaRPr kumimoji="1" lang="en-US" altLang="ja-JP" b="1" dirty="0" smtClean="0"/>
           </a:p>
           <a:p>
             <a:r>
+              <a:rPr kumimoji="1" lang="en-US" altLang="ja-JP" b="1" dirty="0" smtClean="0"/>
+              <a:t>C</a:t>
+            </a:r>
+            <a:r>
               <a:rPr kumimoji="1" lang="ja-JP" altLang="en-US" b="1" dirty="0" smtClean="0"/>
-              <a:t>７～１０であれば、要件を満たしていると考え、改善はしません。</a:t>
+              <a:t>で</a:t>
+            </a:r>
+            <a:r>
+              <a:rPr kumimoji="1" lang="ja-JP" altLang="en-US" b="1" dirty="0" smtClean="0"/>
+              <a:t>あれば、改善策を検討し、改善します</a:t>
+            </a:r>
+            <a:r>
+              <a:rPr kumimoji="1" lang="ja-JP" altLang="en-US" b="1" dirty="0" smtClean="0"/>
+              <a:t>。</a:t>
             </a:r>
             <a:endParaRPr kumimoji="1" lang="en-US" altLang="ja-JP" b="1" dirty="0" smtClean="0"/>
           </a:p>
@@ -10017,7 +10133,18 @@
           <a:p>
             <a:r>
               <a:rPr kumimoji="1" lang="ja-JP" altLang="en-US" b="1" dirty="0" smtClean="0"/>
-              <a:t>コスト評価には、バーンアップチャートを用います。</a:t>
+              <a:t>次にコストについてです。</a:t>
+            </a:r>
+            <a:endParaRPr kumimoji="1" lang="en-US" altLang="ja-JP" b="1" dirty="0" smtClean="0"/>
+          </a:p>
+          <a:p>
+            <a:r>
+              <a:rPr kumimoji="1" lang="ja-JP" altLang="en-US" b="1" dirty="0" smtClean="0"/>
+              <a:t>コスト</a:t>
+            </a:r>
+            <a:r>
+              <a:rPr kumimoji="1" lang="ja-JP" altLang="en-US" b="1" dirty="0" smtClean="0"/>
+              <a:t>評価には、バーンアップチャートを用います。</a:t>
             </a:r>
             <a:endParaRPr kumimoji="1" lang="en-US" altLang="ja-JP" b="1" dirty="0" smtClean="0"/>
           </a:p>
@@ -10051,7 +10178,18 @@
             </a:r>
             <a:r>
               <a:rPr kumimoji="1" lang="ja-JP" altLang="en-US" b="1" dirty="0" smtClean="0"/>
-              <a:t>は終了した作業の見積り時間の累計を、</a:t>
+              <a:t>は終了した作業の見積り時間の</a:t>
+            </a:r>
+            <a:r>
+              <a:rPr kumimoji="1" lang="ja-JP" altLang="en-US" b="1" dirty="0" smtClean="0"/>
+              <a:t>累計です。</a:t>
+            </a:r>
+            <a:endParaRPr kumimoji="1" lang="en-US" altLang="ja-JP" b="1" dirty="0" smtClean="0"/>
+          </a:p>
+          <a:p>
+            <a:r>
+              <a:rPr kumimoji="1" lang="ja-JP" altLang="en-US" b="1" dirty="0" smtClean="0"/>
+              <a:t>バーンアップチャートを</a:t>
             </a:r>
             <a:r>
               <a:rPr kumimoji="1" lang="en-US" altLang="ja-JP" b="1" dirty="0" smtClean="0"/>
@@ -10059,11 +10197,8 @@
             </a:r>
             <a:r>
               <a:rPr kumimoji="1" lang="ja-JP" altLang="en-US" b="1" dirty="0" smtClean="0"/>
-              <a:t>と仮定し</a:t>
-            </a:r>
-            <a:endParaRPr kumimoji="1" lang="en-US" altLang="ja-JP" b="1" dirty="0" smtClean="0"/>
-          </a:p>
-          <a:p>
+              <a:t>と想定し、</a:t>
+            </a:r>
             <a:endParaRPr kumimoji="1" lang="en-US" altLang="ja-JP" b="1" dirty="0" smtClean="0"/>
           </a:p>
         </p:txBody>
@@ -10171,12 +10306,12 @@
               <a:t>PV</a:t>
             </a:r>
             <a:r>
-              <a:rPr kumimoji="1" lang="ja-JP" altLang="en-US" b="1" dirty="0" err="1" smtClean="0"/>
-              <a:t>、</a:t>
+              <a:rPr kumimoji="1" lang="ja-JP" altLang="en-US" b="1" smtClean="0"/>
+              <a:t>、黄色</a:t>
             </a:r>
             <a:r>
               <a:rPr kumimoji="1" lang="ja-JP" altLang="en-US" b="1" dirty="0" smtClean="0"/>
-              <a:t>黄色の線が</a:t>
+              <a:t>の線が</a:t>
             </a:r>
             <a:r>
               <a:rPr kumimoji="1" lang="en-US" altLang="ja-JP" b="1" dirty="0" smtClean="0"/>
@@ -10347,7 +10482,11 @@
           <a:p>
             <a:r>
               <a:rPr kumimoji="1" lang="ja-JP" altLang="en-US" b="1" dirty="0" smtClean="0"/>
-              <a:t>次に進捗管理について説明します。</a:t>
+              <a:t>次</a:t>
+            </a:r>
+            <a:r>
+              <a:rPr kumimoji="1" lang="ja-JP" altLang="en-US" b="1" dirty="0" smtClean="0"/>
+              <a:t>に納期についてです。</a:t>
             </a:r>
             <a:endParaRPr kumimoji="1" lang="en-US" altLang="ja-JP" b="1" dirty="0" smtClean="0"/>
           </a:p>
@@ -10586,16 +10725,13 @@
           <a:p>
             <a:r>
               <a:rPr kumimoji="1" lang="ja-JP" altLang="en-US" b="1" dirty="0" smtClean="0"/>
-              <a:t>こちらが、バーンアップチャートです。</a:t>
+              <a:t>こちらが、バーンアップチャートです</a:t>
+            </a:r>
+            <a:r>
+              <a:rPr kumimoji="1" lang="ja-JP" altLang="en-US" b="1" dirty="0" smtClean="0"/>
+              <a:t>。</a:t>
             </a:r>
             <a:endParaRPr kumimoji="1" lang="en-US" altLang="ja-JP" b="1" dirty="0" smtClean="0"/>
-          </a:p>
-          <a:p>
-            <a:r>
-              <a:rPr kumimoji="1" lang="ja-JP" altLang="en-US" dirty="0" smtClean="0"/>
-              <a:t>プロジェクト前半では、</a:t>
-            </a:r>
-            <a:endParaRPr kumimoji="1" lang="ja-JP" altLang="en-US" dirty="0"/>
           </a:p>
         </p:txBody>
       </p:sp>
@@ -10696,290 +10832,6 @@
               <a:tabLst/>
               <a:defRPr/>
             </a:pPr>
-            <a:r>
-              <a:rPr kumimoji="1" lang="ja-JP" altLang="en-US" b="1" dirty="0" smtClean="0"/>
-              <a:t>ただいまからデモを交えて具体的に説明します。</a:t>
-            </a:r>
-            <a:endParaRPr kumimoji="1" lang="en-US" altLang="ja-JP" b="1" dirty="0" smtClean="0"/>
-          </a:p>
-          <a:p>
-            <a:pPr marL="0" marR="0" indent="0" algn="l" defTabSz="914400" rtl="0" eaLnBrk="1" fontAlgn="auto" latinLnBrk="0" hangingPunct="1">
-              <a:lnSpc>
-                <a:spcPct val="100000"/>
-              </a:lnSpc>
-              <a:spcBef>
-                <a:spcPts val="0"/>
-              </a:spcBef>
-              <a:spcAft>
-                <a:spcPts val="0"/>
-              </a:spcAft>
-              <a:buClrTx/>
-              <a:buSzTx/>
-              <a:buFontTx/>
-              <a:buNone/>
-              <a:tabLst/>
-              <a:defRPr/>
-            </a:pPr>
-            <a:r>
-              <a:rPr kumimoji="1" lang="ja-JP" altLang="en-US" b="1" dirty="0" smtClean="0"/>
-              <a:t>こちらが現在の試作品で、トップページになります。</a:t>
-            </a:r>
-            <a:endParaRPr kumimoji="1" lang="en-US" altLang="ja-JP" b="1" dirty="0" smtClean="0"/>
-          </a:p>
-          <a:p>
-            <a:pPr marL="0" marR="0" indent="0" algn="l" defTabSz="914400" rtl="0" eaLnBrk="1" fontAlgn="auto" latinLnBrk="0" hangingPunct="1">
-              <a:lnSpc>
-                <a:spcPct val="100000"/>
-              </a:lnSpc>
-              <a:spcBef>
-                <a:spcPts val="0"/>
-              </a:spcBef>
-              <a:spcAft>
-                <a:spcPts val="0"/>
-              </a:spcAft>
-              <a:buClrTx/>
-              <a:buSzTx/>
-              <a:buFontTx/>
-              <a:buNone/>
-              <a:tabLst/>
-              <a:defRPr/>
-            </a:pPr>
-            <a:endParaRPr kumimoji="1" lang="en-US" altLang="ja-JP" b="1" dirty="0" smtClean="0"/>
-          </a:p>
-          <a:p>
-            <a:pPr marL="0" marR="0" indent="0" algn="l" defTabSz="914400" rtl="0" eaLnBrk="1" fontAlgn="auto" latinLnBrk="0" hangingPunct="1">
-              <a:lnSpc>
-                <a:spcPct val="100000"/>
-              </a:lnSpc>
-              <a:spcBef>
-                <a:spcPts val="0"/>
-              </a:spcBef>
-              <a:spcAft>
-                <a:spcPts val="0"/>
-              </a:spcAft>
-              <a:buClrTx/>
-              <a:buSzTx/>
-              <a:buFontTx/>
-              <a:buNone/>
-              <a:tabLst/>
-              <a:defRPr/>
-            </a:pPr>
-            <a:r>
-              <a:rPr kumimoji="1" lang="ja-JP" altLang="en-US" b="1" dirty="0" smtClean="0"/>
-              <a:t>・下までスクロール・</a:t>
-            </a:r>
-            <a:endParaRPr kumimoji="1" lang="en-US" altLang="ja-JP" b="1" dirty="0" smtClean="0"/>
-          </a:p>
-          <a:p>
-            <a:pPr marL="0" marR="0" indent="0" algn="l" defTabSz="914400" rtl="0" eaLnBrk="1" fontAlgn="auto" latinLnBrk="0" hangingPunct="1">
-              <a:lnSpc>
-                <a:spcPct val="100000"/>
-              </a:lnSpc>
-              <a:spcBef>
-                <a:spcPts val="0"/>
-              </a:spcBef>
-              <a:spcAft>
-                <a:spcPts val="0"/>
-              </a:spcAft>
-              <a:buClrTx/>
-              <a:buSzTx/>
-              <a:buFontTx/>
-              <a:buNone/>
-              <a:tabLst/>
-              <a:defRPr/>
-            </a:pPr>
-            <a:endParaRPr kumimoji="1" lang="en-US" altLang="ja-JP" b="1" dirty="0" smtClean="0"/>
-          </a:p>
-          <a:p>
-            <a:pPr marL="0" marR="0" indent="0" algn="l" defTabSz="914400" rtl="0" eaLnBrk="1" fontAlgn="auto" latinLnBrk="0" hangingPunct="1">
-              <a:lnSpc>
-                <a:spcPct val="100000"/>
-              </a:lnSpc>
-              <a:spcBef>
-                <a:spcPts val="0"/>
-              </a:spcBef>
-              <a:spcAft>
-                <a:spcPts val="0"/>
-              </a:spcAft>
-              <a:buClrTx/>
-              <a:buSzTx/>
-              <a:buFontTx/>
-              <a:buNone/>
-              <a:tabLst/>
-              <a:defRPr/>
-            </a:pPr>
-            <a:r>
-              <a:rPr kumimoji="1" lang="ja-JP" altLang="en-US" b="1" dirty="0" smtClean="0"/>
-              <a:t>こちらが過去問・シラバス、こちらが実験や演習などの成果物、こちらが時間割へのリンクとなっています。</a:t>
-            </a:r>
-            <a:endParaRPr kumimoji="1" lang="en-US" altLang="ja-JP" b="1" dirty="0" smtClean="0"/>
-          </a:p>
-          <a:p>
-            <a:pPr marL="0" marR="0" indent="0" algn="l" defTabSz="914400" rtl="0" eaLnBrk="1" fontAlgn="auto" latinLnBrk="0" hangingPunct="1">
-              <a:lnSpc>
-                <a:spcPct val="100000"/>
-              </a:lnSpc>
-              <a:spcBef>
-                <a:spcPts val="0"/>
-              </a:spcBef>
-              <a:spcAft>
-                <a:spcPts val="0"/>
-              </a:spcAft>
-              <a:buClrTx/>
-              <a:buSzTx/>
-              <a:buFontTx/>
-              <a:buNone/>
-              <a:tabLst/>
-              <a:defRPr/>
-            </a:pPr>
-            <a:r>
-              <a:rPr kumimoji="1" lang="ja-JP" altLang="en-US" b="1" dirty="0" smtClean="0"/>
-              <a:t>こちらが過去問メニューとなります。先生の名前が一覧で表示されており、</a:t>
-            </a:r>
-            <a:endParaRPr kumimoji="1" lang="en-US" altLang="ja-JP" b="1" dirty="0" smtClean="0"/>
-          </a:p>
-          <a:p>
-            <a:pPr marL="0" marR="0" indent="0" algn="l" defTabSz="914400" rtl="0" eaLnBrk="1" fontAlgn="auto" latinLnBrk="0" hangingPunct="1">
-              <a:lnSpc>
-                <a:spcPct val="100000"/>
-              </a:lnSpc>
-              <a:spcBef>
-                <a:spcPts val="0"/>
-              </a:spcBef>
-              <a:spcAft>
-                <a:spcPts val="0"/>
-              </a:spcAft>
-              <a:buClrTx/>
-              <a:buSzTx/>
-              <a:buFontTx/>
-              <a:buNone/>
-              <a:tabLst/>
-              <a:defRPr/>
-            </a:pPr>
-            <a:endParaRPr kumimoji="1" lang="en-US" altLang="ja-JP" b="1" dirty="0" smtClean="0"/>
-          </a:p>
-          <a:p>
-            <a:pPr marL="0" marR="0" indent="0" algn="l" defTabSz="914400" rtl="0" eaLnBrk="1" fontAlgn="auto" latinLnBrk="0" hangingPunct="1">
-              <a:lnSpc>
-                <a:spcPct val="100000"/>
-              </a:lnSpc>
-              <a:spcBef>
-                <a:spcPts val="0"/>
-              </a:spcBef>
-              <a:spcAft>
-                <a:spcPts val="0"/>
-              </a:spcAft>
-              <a:buClrTx/>
-              <a:buSzTx/>
-              <a:buFontTx/>
-              <a:buNone/>
-              <a:tabLst/>
-              <a:defRPr/>
-            </a:pPr>
-            <a:r>
-              <a:rPr kumimoji="1" lang="ja-JP" altLang="en-US" b="1" dirty="0" smtClean="0"/>
-              <a:t>こちらが過去の演習の成果物のメニューとなっています。各研究室とグループ名が一覧で表示されています。こちらの検索フォームに、自分の探している研究室やグループ名を入力し、検索します。</a:t>
-            </a:r>
-            <a:endParaRPr kumimoji="1" lang="en-US" altLang="ja-JP" b="1" dirty="0" smtClean="0"/>
-          </a:p>
-          <a:p>
-            <a:pPr marL="0" marR="0" indent="0" algn="l" defTabSz="914400" rtl="0" eaLnBrk="1" fontAlgn="auto" latinLnBrk="0" hangingPunct="1">
-              <a:lnSpc>
-                <a:spcPct val="100000"/>
-              </a:lnSpc>
-              <a:spcBef>
-                <a:spcPts val="0"/>
-              </a:spcBef>
-              <a:spcAft>
-                <a:spcPts val="0"/>
-              </a:spcAft>
-              <a:buClrTx/>
-              <a:buSzTx/>
-              <a:buFontTx/>
-              <a:buNone/>
-              <a:tabLst/>
-              <a:defRPr/>
-            </a:pPr>
-            <a:r>
-              <a:rPr kumimoji="1" lang="ja-JP" altLang="en-US" b="1" dirty="0" smtClean="0"/>
-              <a:t>検索結果はこのように一覧で表示されます。演習の資料がこのように表示されます。</a:t>
-            </a:r>
-            <a:endParaRPr kumimoji="1" lang="en-US" altLang="ja-JP" b="1" dirty="0" smtClean="0"/>
-          </a:p>
-          <a:p>
-            <a:pPr marL="0" marR="0" indent="0" algn="l" defTabSz="914400" rtl="0" eaLnBrk="1" fontAlgn="auto" latinLnBrk="0" hangingPunct="1">
-              <a:lnSpc>
-                <a:spcPct val="100000"/>
-              </a:lnSpc>
-              <a:spcBef>
-                <a:spcPts val="0"/>
-              </a:spcBef>
-              <a:spcAft>
-                <a:spcPts val="0"/>
-              </a:spcAft>
-              <a:buClrTx/>
-              <a:buSzTx/>
-              <a:buFontTx/>
-              <a:buNone/>
-              <a:tabLst/>
-              <a:defRPr/>
-            </a:pPr>
-            <a:endParaRPr kumimoji="1" lang="en-US" altLang="ja-JP" b="1" dirty="0" smtClean="0"/>
-          </a:p>
-          <a:p>
-            <a:pPr marL="0" marR="0" indent="0" algn="l" defTabSz="914400" rtl="0" eaLnBrk="1" fontAlgn="auto" latinLnBrk="0" hangingPunct="1">
-              <a:lnSpc>
-                <a:spcPct val="100000"/>
-              </a:lnSpc>
-              <a:spcBef>
-                <a:spcPts val="0"/>
-              </a:spcBef>
-              <a:spcAft>
-                <a:spcPts val="0"/>
-              </a:spcAft>
-              <a:buClrTx/>
-              <a:buSzTx/>
-              <a:buFontTx/>
-              <a:buNone/>
-              <a:tabLst/>
-              <a:defRPr/>
-            </a:pPr>
-            <a:r>
-              <a:rPr kumimoji="1" lang="ja-JP" altLang="en-US" b="1" dirty="0" smtClean="0"/>
-              <a:t>また当サイトは、ツイッターアカウントを作成しており、</a:t>
-            </a:r>
-            <a:endParaRPr kumimoji="1" lang="en-US" altLang="ja-JP" b="1" dirty="0" smtClean="0"/>
-          </a:p>
-          <a:p>
-            <a:pPr marL="0" marR="0" indent="0" algn="l" defTabSz="914400" rtl="0" eaLnBrk="1" fontAlgn="auto" latinLnBrk="0" hangingPunct="1">
-              <a:lnSpc>
-                <a:spcPct val="100000"/>
-              </a:lnSpc>
-              <a:spcBef>
-                <a:spcPts val="0"/>
-              </a:spcBef>
-              <a:spcAft>
-                <a:spcPts val="0"/>
-              </a:spcAft>
-              <a:buClrTx/>
-              <a:buSzTx/>
-              <a:buFontTx/>
-              <a:buNone/>
-              <a:tabLst/>
-              <a:defRPr/>
-            </a:pPr>
-            <a:r>
-              <a:rPr kumimoji="1" lang="ja-JP" altLang="en-US" b="1" dirty="0" smtClean="0"/>
-              <a:t>こちらのツイッター</a:t>
-            </a:r>
-            <a:r>
-              <a:rPr kumimoji="1" lang="en-US" altLang="ja-JP" b="1" dirty="0" smtClean="0"/>
-              <a:t>API</a:t>
-            </a:r>
-            <a:r>
-              <a:rPr kumimoji="1" lang="ja-JP" altLang="en-US" b="1" dirty="0" smtClean="0"/>
-              <a:t>では、サイトや各成果物の掲載情報の更新情報などを随時、参考できるようにしました。</a:t>
-            </a:r>
             <a:endParaRPr kumimoji="1" lang="en-US" altLang="ja-JP" b="1" dirty="0" smtClean="0"/>
           </a:p>
         </p:txBody>
@@ -11010,7 +10862,7 @@
     </p:spTree>
     <p:extLst>
       <p:ext uri="{BB962C8B-B14F-4D97-AF65-F5344CB8AC3E}">
-        <p14:creationId xmlns:p14="http://schemas.microsoft.com/office/powerpoint/2010/main" val="1638028123"/>
+        <p14:creationId xmlns:p14="http://schemas.microsoft.com/office/powerpoint/2010/main" val="3747848430"/>
       </p:ext>
     </p:extLst>
   </p:cSld>
@@ -11066,11 +10918,7 @@
           <a:p>
             <a:r>
               <a:rPr kumimoji="1" lang="ja-JP" altLang="en-US" b="1" dirty="0" smtClean="0"/>
-              <a:t>今回は</a:t>
-            </a:r>
-            <a:r>
-              <a:rPr kumimoji="1" lang="ja-JP" altLang="en-US" b="1" dirty="0" smtClean="0"/>
-              <a:t>この</a:t>
+              <a:t>今回はこの</a:t>
             </a:r>
             <a:r>
               <a:rPr kumimoji="1" lang="en-US" altLang="ja-JP" b="1" dirty="0" smtClean="0"/>
@@ -11078,11 +10926,11 @@
             </a:r>
             <a:r>
               <a:rPr kumimoji="1" lang="ja-JP" altLang="en-US" b="1" dirty="0" err="1" smtClean="0"/>
-              <a:t>つの</a:t>
+              <a:t>つにつ</a:t>
             </a:r>
             <a:r>
               <a:rPr kumimoji="1" lang="ja-JP" altLang="en-US" b="1" dirty="0" smtClean="0"/>
-              <a:t>ことについて話していきます。</a:t>
+              <a:t>いて話していきます。</a:t>
             </a:r>
             <a:endParaRPr kumimoji="1" lang="ja-JP" altLang="en-US" b="1" dirty="0"/>
           </a:p>
@@ -11185,6 +11033,354 @@
               <a:tabLst/>
               <a:defRPr/>
             </a:pPr>
+            <a:r>
+              <a:rPr kumimoji="1" lang="ja-JP" altLang="en-US" b="1" dirty="0" smtClean="0"/>
+              <a:t>ただいまからデモを交えて具体的に説明します。</a:t>
+            </a:r>
+            <a:endParaRPr kumimoji="1" lang="en-US" altLang="ja-JP" b="1" dirty="0" smtClean="0"/>
+          </a:p>
+          <a:p>
+            <a:pPr marL="0" marR="0" indent="0" algn="l" defTabSz="914400" rtl="0" eaLnBrk="1" fontAlgn="auto" latinLnBrk="0" hangingPunct="1">
+              <a:lnSpc>
+                <a:spcPct val="100000"/>
+              </a:lnSpc>
+              <a:spcBef>
+                <a:spcPts val="0"/>
+              </a:spcBef>
+              <a:spcAft>
+                <a:spcPts val="0"/>
+              </a:spcAft>
+              <a:buClrTx/>
+              <a:buSzTx/>
+              <a:buFontTx/>
+              <a:buNone/>
+              <a:tabLst/>
+              <a:defRPr/>
+            </a:pPr>
+            <a:r>
+              <a:rPr kumimoji="1" lang="ja-JP" altLang="en-US" b="1" dirty="0" smtClean="0"/>
+              <a:t>こちらが現在の試作品で、トップページになります。</a:t>
+            </a:r>
+            <a:endParaRPr kumimoji="1" lang="en-US" altLang="ja-JP" b="1" dirty="0" smtClean="0"/>
+          </a:p>
+          <a:p>
+            <a:pPr marL="0" marR="0" indent="0" algn="l" defTabSz="914400" rtl="0" eaLnBrk="1" fontAlgn="auto" latinLnBrk="0" hangingPunct="1">
+              <a:lnSpc>
+                <a:spcPct val="100000"/>
+              </a:lnSpc>
+              <a:spcBef>
+                <a:spcPts val="0"/>
+              </a:spcBef>
+              <a:spcAft>
+                <a:spcPts val="0"/>
+              </a:spcAft>
+              <a:buClrTx/>
+              <a:buSzTx/>
+              <a:buFontTx/>
+              <a:buNone/>
+              <a:tabLst/>
+              <a:defRPr/>
+            </a:pPr>
+            <a:endParaRPr kumimoji="1" lang="en-US" altLang="ja-JP" b="1" dirty="0" smtClean="0"/>
+          </a:p>
+          <a:p>
+            <a:pPr marL="0" marR="0" indent="0" algn="l" defTabSz="914400" rtl="0" eaLnBrk="1" fontAlgn="auto" latinLnBrk="0" hangingPunct="1">
+              <a:lnSpc>
+                <a:spcPct val="100000"/>
+              </a:lnSpc>
+              <a:spcBef>
+                <a:spcPts val="0"/>
+              </a:spcBef>
+              <a:spcAft>
+                <a:spcPts val="0"/>
+              </a:spcAft>
+              <a:buClrTx/>
+              <a:buSzTx/>
+              <a:buFontTx/>
+              <a:buNone/>
+              <a:tabLst/>
+              <a:defRPr/>
+            </a:pPr>
+            <a:r>
+              <a:rPr kumimoji="1" lang="ja-JP" altLang="en-US" b="1" dirty="0" smtClean="0"/>
+              <a:t>こちら</a:t>
+            </a:r>
+            <a:r>
+              <a:rPr kumimoji="1" lang="ja-JP" altLang="en-US" b="1" dirty="0" smtClean="0"/>
+              <a:t>が過去問・シラバス、こちらが実験や演習などの成果物、こちらが時間割へのリンクとなっています</a:t>
+            </a:r>
+            <a:r>
+              <a:rPr kumimoji="1" lang="ja-JP" altLang="en-US" b="1" dirty="0" smtClean="0"/>
+              <a:t>。</a:t>
+            </a:r>
+            <a:endParaRPr kumimoji="1" lang="en-US" altLang="ja-JP" b="1" dirty="0" smtClean="0"/>
+          </a:p>
+          <a:p>
+            <a:pPr marL="0" marR="0" indent="0" algn="l" defTabSz="914400" rtl="0" eaLnBrk="1" fontAlgn="auto" latinLnBrk="0" hangingPunct="1">
+              <a:lnSpc>
+                <a:spcPct val="100000"/>
+              </a:lnSpc>
+              <a:spcBef>
+                <a:spcPts val="0"/>
+              </a:spcBef>
+              <a:spcAft>
+                <a:spcPts val="0"/>
+              </a:spcAft>
+              <a:buClrTx/>
+              <a:buSzTx/>
+              <a:buFontTx/>
+              <a:buNone/>
+              <a:tabLst/>
+              <a:defRPr/>
+            </a:pPr>
+            <a:endParaRPr kumimoji="1" lang="en-US" altLang="ja-JP" b="1" dirty="0" smtClean="0"/>
+          </a:p>
+          <a:p>
+            <a:pPr marL="0" marR="0" indent="0" algn="l" defTabSz="914400" rtl="0" eaLnBrk="1" fontAlgn="auto" latinLnBrk="0" hangingPunct="1">
+              <a:lnSpc>
+                <a:spcPct val="100000"/>
+              </a:lnSpc>
+              <a:spcBef>
+                <a:spcPts val="0"/>
+              </a:spcBef>
+              <a:spcAft>
+                <a:spcPts val="0"/>
+              </a:spcAft>
+              <a:buClrTx/>
+              <a:buSzTx/>
+              <a:buFontTx/>
+              <a:buNone/>
+              <a:tabLst/>
+              <a:defRPr/>
+            </a:pPr>
+            <a:r>
+              <a:rPr kumimoji="1" lang="ja-JP" altLang="en-US" b="1" dirty="0" smtClean="0"/>
+              <a:t>こちらが過去問メニューとなります。先生の名前が一覧で表示されており</a:t>
+            </a:r>
+            <a:r>
+              <a:rPr kumimoji="1" lang="ja-JP" altLang="en-US" b="1" dirty="0" smtClean="0"/>
+              <a:t>、クリックすると授業の詳細ページに飛び、過去問画像は表示されます。</a:t>
+            </a:r>
+            <a:endParaRPr kumimoji="1" lang="en-US" altLang="ja-JP" b="1" dirty="0" smtClean="0"/>
+          </a:p>
+          <a:p>
+            <a:pPr marL="0" marR="0" indent="0" algn="l" defTabSz="914400" rtl="0" eaLnBrk="1" fontAlgn="auto" latinLnBrk="0" hangingPunct="1">
+              <a:lnSpc>
+                <a:spcPct val="100000"/>
+              </a:lnSpc>
+              <a:spcBef>
+                <a:spcPts val="0"/>
+              </a:spcBef>
+              <a:spcAft>
+                <a:spcPts val="0"/>
+              </a:spcAft>
+              <a:buClrTx/>
+              <a:buSzTx/>
+              <a:buFontTx/>
+              <a:buNone/>
+              <a:tabLst/>
+              <a:defRPr/>
+            </a:pPr>
+            <a:endParaRPr kumimoji="1" lang="en-US" altLang="ja-JP" b="1" dirty="0" smtClean="0"/>
+          </a:p>
+          <a:p>
+            <a:pPr marL="0" marR="0" indent="0" algn="l" defTabSz="914400" rtl="0" eaLnBrk="1" fontAlgn="auto" latinLnBrk="0" hangingPunct="1">
+              <a:lnSpc>
+                <a:spcPct val="100000"/>
+              </a:lnSpc>
+              <a:spcBef>
+                <a:spcPts val="0"/>
+              </a:spcBef>
+              <a:spcAft>
+                <a:spcPts val="0"/>
+              </a:spcAft>
+              <a:buClrTx/>
+              <a:buSzTx/>
+              <a:buFontTx/>
+              <a:buNone/>
+              <a:tabLst/>
+              <a:defRPr/>
+            </a:pPr>
+            <a:r>
+              <a:rPr kumimoji="1" lang="ja-JP" altLang="en-US" b="1" dirty="0" smtClean="0"/>
+              <a:t>こちらが過去の演習の成果物のメニューとなっています。各研究室とグループ名が一覧で表示されています。こちらの検索フォームに、自分の探している研究室やグループ名を入力し、検索します。</a:t>
+            </a:r>
+            <a:endParaRPr kumimoji="1" lang="en-US" altLang="ja-JP" b="1" dirty="0" smtClean="0"/>
+          </a:p>
+          <a:p>
+            <a:pPr marL="0" marR="0" indent="0" algn="l" defTabSz="914400" rtl="0" eaLnBrk="1" fontAlgn="auto" latinLnBrk="0" hangingPunct="1">
+              <a:lnSpc>
+                <a:spcPct val="100000"/>
+              </a:lnSpc>
+              <a:spcBef>
+                <a:spcPts val="0"/>
+              </a:spcBef>
+              <a:spcAft>
+                <a:spcPts val="0"/>
+              </a:spcAft>
+              <a:buClrTx/>
+              <a:buSzTx/>
+              <a:buFontTx/>
+              <a:buNone/>
+              <a:tabLst/>
+              <a:defRPr/>
+            </a:pPr>
+            <a:r>
+              <a:rPr kumimoji="1" lang="ja-JP" altLang="en-US" b="1" dirty="0" smtClean="0"/>
+              <a:t>検索結果はこのように一覧で表示されます</a:t>
+            </a:r>
+            <a:r>
+              <a:rPr kumimoji="1" lang="ja-JP" altLang="en-US" b="1" dirty="0" smtClean="0"/>
+              <a:t>。演習</a:t>
+            </a:r>
+            <a:r>
+              <a:rPr kumimoji="1" lang="ja-JP" altLang="en-US" b="1" dirty="0" smtClean="0"/>
+              <a:t>の資料がこのように表示されます。</a:t>
+            </a:r>
+            <a:endParaRPr kumimoji="1" lang="en-US" altLang="ja-JP" b="1" dirty="0" smtClean="0"/>
+          </a:p>
+          <a:p>
+            <a:pPr marL="0" marR="0" indent="0" algn="l" defTabSz="914400" rtl="0" eaLnBrk="1" fontAlgn="auto" latinLnBrk="0" hangingPunct="1">
+              <a:lnSpc>
+                <a:spcPct val="100000"/>
+              </a:lnSpc>
+              <a:spcBef>
+                <a:spcPts val="0"/>
+              </a:spcBef>
+              <a:spcAft>
+                <a:spcPts val="0"/>
+              </a:spcAft>
+              <a:buClrTx/>
+              <a:buSzTx/>
+              <a:buFontTx/>
+              <a:buNone/>
+              <a:tabLst/>
+              <a:defRPr/>
+            </a:pPr>
+            <a:endParaRPr kumimoji="1" lang="en-US" altLang="ja-JP" b="1" dirty="0" smtClean="0"/>
+          </a:p>
+          <a:p>
+            <a:pPr marL="0" marR="0" indent="0" algn="l" defTabSz="914400" rtl="0" eaLnBrk="1" fontAlgn="auto" latinLnBrk="0" hangingPunct="1">
+              <a:lnSpc>
+                <a:spcPct val="100000"/>
+              </a:lnSpc>
+              <a:spcBef>
+                <a:spcPts val="0"/>
+              </a:spcBef>
+              <a:spcAft>
+                <a:spcPts val="0"/>
+              </a:spcAft>
+              <a:buClrTx/>
+              <a:buSzTx/>
+              <a:buFontTx/>
+              <a:buNone/>
+              <a:tabLst/>
+              <a:defRPr/>
+            </a:pPr>
+            <a:r>
+              <a:rPr kumimoji="1" lang="ja-JP" altLang="en-US" b="1" dirty="0" smtClean="0"/>
+              <a:t>こちらが時間割のメニューとなっています。</a:t>
+            </a:r>
+            <a:endParaRPr kumimoji="1" lang="en-US" altLang="ja-JP" b="1" dirty="0" smtClean="0"/>
+          </a:p>
+          <a:p>
+            <a:pPr marL="0" marR="0" indent="0" algn="l" defTabSz="914400" rtl="0" eaLnBrk="1" fontAlgn="auto" latinLnBrk="0" hangingPunct="1">
+              <a:lnSpc>
+                <a:spcPct val="100000"/>
+              </a:lnSpc>
+              <a:spcBef>
+                <a:spcPts val="0"/>
+              </a:spcBef>
+              <a:spcAft>
+                <a:spcPts val="0"/>
+              </a:spcAft>
+              <a:buClrTx/>
+              <a:buSzTx/>
+              <a:buFontTx/>
+              <a:buNone/>
+              <a:tabLst/>
+              <a:defRPr/>
+            </a:pPr>
+            <a:r>
+              <a:rPr kumimoji="1" lang="ja-JP" altLang="en-US" b="1" dirty="0" smtClean="0"/>
+              <a:t>セメスターが一覧で表示され、このように時間割画像が表示されます。</a:t>
+            </a:r>
+            <a:endParaRPr kumimoji="1" lang="en-US" altLang="ja-JP" b="1" dirty="0" smtClean="0"/>
+          </a:p>
+          <a:p>
+            <a:pPr marL="0" marR="0" indent="0" algn="l" defTabSz="914400" rtl="0" eaLnBrk="1" fontAlgn="auto" latinLnBrk="0" hangingPunct="1">
+              <a:lnSpc>
+                <a:spcPct val="100000"/>
+              </a:lnSpc>
+              <a:spcBef>
+                <a:spcPts val="0"/>
+              </a:spcBef>
+              <a:spcAft>
+                <a:spcPts val="0"/>
+              </a:spcAft>
+              <a:buClrTx/>
+              <a:buSzTx/>
+              <a:buFontTx/>
+              <a:buNone/>
+              <a:tabLst/>
+              <a:defRPr/>
+            </a:pPr>
+            <a:endParaRPr kumimoji="1" lang="en-US" altLang="ja-JP" b="1" dirty="0" smtClean="0"/>
+          </a:p>
+          <a:p>
+            <a:pPr marL="0" marR="0" indent="0" algn="l" defTabSz="914400" rtl="0" eaLnBrk="1" fontAlgn="auto" latinLnBrk="0" hangingPunct="1">
+              <a:lnSpc>
+                <a:spcPct val="100000"/>
+              </a:lnSpc>
+              <a:spcBef>
+                <a:spcPts val="0"/>
+              </a:spcBef>
+              <a:spcAft>
+                <a:spcPts val="0"/>
+              </a:spcAft>
+              <a:buClrTx/>
+              <a:buSzTx/>
+              <a:buFontTx/>
+              <a:buNone/>
+              <a:tabLst/>
+              <a:defRPr/>
+            </a:pPr>
+            <a:r>
+              <a:rPr kumimoji="1" lang="ja-JP" altLang="en-US" b="1" dirty="0" smtClean="0"/>
+              <a:t>また当サイトは、ツイッターアカウントを作成しており、</a:t>
+            </a:r>
+            <a:endParaRPr kumimoji="1" lang="en-US" altLang="ja-JP" b="1" dirty="0" smtClean="0"/>
+          </a:p>
+          <a:p>
+            <a:pPr marL="0" marR="0" indent="0" algn="l" defTabSz="914400" rtl="0" eaLnBrk="1" fontAlgn="auto" latinLnBrk="0" hangingPunct="1">
+              <a:lnSpc>
+                <a:spcPct val="100000"/>
+              </a:lnSpc>
+              <a:spcBef>
+                <a:spcPts val="0"/>
+              </a:spcBef>
+              <a:spcAft>
+                <a:spcPts val="0"/>
+              </a:spcAft>
+              <a:buClrTx/>
+              <a:buSzTx/>
+              <a:buFontTx/>
+              <a:buNone/>
+              <a:tabLst/>
+              <a:defRPr/>
+            </a:pPr>
+            <a:r>
+              <a:rPr kumimoji="1" lang="ja-JP" altLang="en-US" b="1" dirty="0" smtClean="0"/>
+              <a:t>こちらのツイッター</a:t>
+            </a:r>
+            <a:r>
+              <a:rPr kumimoji="1" lang="en-US" altLang="ja-JP" b="1" dirty="0" smtClean="0"/>
+              <a:t>API</a:t>
+            </a:r>
+            <a:r>
+              <a:rPr kumimoji="1" lang="ja-JP" altLang="en-US" b="1" dirty="0" smtClean="0"/>
+              <a:t>では、サイトや各成果物の掲載情報の更新情報などを随時、参考できるようにしました。</a:t>
+            </a:r>
             <a:endParaRPr kumimoji="1" lang="en-US" altLang="ja-JP" b="1" dirty="0" smtClean="0"/>
           </a:p>
         </p:txBody>
@@ -11215,7 +11411,7 @@
     </p:spTree>
     <p:extLst>
       <p:ext uri="{BB962C8B-B14F-4D97-AF65-F5344CB8AC3E}">
-        <p14:creationId xmlns:p14="http://schemas.microsoft.com/office/powerpoint/2010/main" val="3747848430"/>
+        <p14:creationId xmlns:p14="http://schemas.microsoft.com/office/powerpoint/2010/main" val="1638028123"/>
       </p:ext>
     </p:extLst>
   </p:cSld>
@@ -11724,15 +11920,7 @@
           <a:p>
             <a:r>
               <a:rPr kumimoji="1" lang="ja-JP" altLang="en-US" b="1" dirty="0" smtClean="0"/>
-              <a:t>ページ開いて</a:t>
-            </a:r>
-            <a:r>
-              <a:rPr kumimoji="1" lang="ja-JP" altLang="en-US" b="1" dirty="0" smtClean="0"/>
-              <a:t>、キーワードを検索、</a:t>
-            </a:r>
-            <a:r>
-              <a:rPr kumimoji="1" lang="ja-JP" altLang="en-US" b="1" dirty="0" smtClean="0"/>
-              <a:t>授業を選択、この</a:t>
+              <a:t>ページ開いて、キーワードを検索、授業を選択、この</a:t>
             </a:r>
             <a:r>
               <a:rPr kumimoji="1" lang="en-US" altLang="ja-JP" b="1" dirty="0" smtClean="0"/>
@@ -11740,7 +11928,15 @@
             </a:r>
             <a:r>
               <a:rPr kumimoji="1" lang="ja-JP" altLang="en-US" b="1" dirty="0" smtClean="0"/>
-              <a:t>ステップで自分の見たい過去問。シラバスを見ることができます。</a:t>
+              <a:t>ステップで自分の見たい過去</a:t>
+            </a:r>
+            <a:r>
+              <a:rPr kumimoji="1" lang="ja-JP" altLang="en-US" b="1" dirty="0" smtClean="0"/>
+              <a:t>問・シラバス</a:t>
+            </a:r>
+            <a:r>
+              <a:rPr kumimoji="1" lang="ja-JP" altLang="en-US" b="1" dirty="0" smtClean="0"/>
+              <a:t>を見ることができます。</a:t>
             </a:r>
           </a:p>
         </p:txBody>
@@ -16175,7 +16371,7 @@
         </p:spPr>
         <p:txBody>
           <a:bodyPr>
-            <a:normAutofit lnSpcReduction="10000"/>
+            <a:normAutofit/>
           </a:bodyPr>
           <a:lstStyle/>
           <a:p>
@@ -16186,14 +16382,14 @@
               <a:buNone/>
             </a:pPr>
             <a:r>
-              <a:rPr lang="en-US" altLang="ja-JP" sz="4400" b="1" dirty="0" smtClean="0"/>
+              <a:rPr lang="en-US" altLang="ja-JP" sz="3600" b="1" dirty="0" smtClean="0"/>
               <a:t>QCD</a:t>
             </a:r>
             <a:r>
-              <a:rPr lang="ja-JP" altLang="en-US" sz="4400" b="1" dirty="0" smtClean="0"/>
+              <a:rPr lang="ja-JP" altLang="en-US" sz="3600" b="1" dirty="0" smtClean="0"/>
               <a:t>の観点から行う</a:t>
             </a:r>
-            <a:endParaRPr lang="en-US" altLang="ja-JP" sz="4400" b="1" dirty="0" smtClean="0"/>
+            <a:endParaRPr lang="en-US" altLang="ja-JP" sz="3600" b="1" dirty="0" smtClean="0"/>
           </a:p>
           <a:p>
             <a:pPr marL="0" indent="0">
@@ -16203,18 +16399,22 @@
               <a:buNone/>
             </a:pPr>
             <a:r>
-              <a:rPr lang="ja-JP" altLang="en-US" sz="4400" b="1" dirty="0"/>
-              <a:t>品質</a:t>
-            </a:r>
-            <a:r>
-              <a:rPr lang="ja-JP" altLang="en-US" sz="4400" b="1" dirty="0" smtClean="0"/>
-              <a:t>・・</a:t>
-            </a:r>
-            <a:r>
-              <a:rPr lang="ja-JP" altLang="en-US" sz="4400" b="1" dirty="0" smtClean="0"/>
-              <a:t>・チェックシート</a:t>
-            </a:r>
-            <a:endParaRPr lang="en-US" altLang="ja-JP" sz="4400" b="1" dirty="0" smtClean="0"/>
+              <a:rPr lang="ja-JP" altLang="en-US" sz="3600" b="1" dirty="0" smtClean="0"/>
+              <a:t>品質・</a:t>
+            </a:r>
+            <a:r>
+              <a:rPr lang="ja-JP" altLang="en-US" sz="3600" b="1" dirty="0" smtClean="0"/>
+              <a:t>・</a:t>
+            </a:r>
+            <a:r>
+              <a:rPr lang="ja-JP" altLang="en-US" sz="3600" b="1" dirty="0" smtClean="0"/>
+              <a:t>・</a:t>
+            </a:r>
+            <a:r>
+              <a:rPr lang="ja-JP" altLang="en-US" sz="3600" b="1" dirty="0" smtClean="0"/>
+              <a:t>パレート図、プロダクトオーナー評価</a:t>
+            </a:r>
+            <a:endParaRPr lang="en-US" altLang="ja-JP" sz="3600" b="1" dirty="0" smtClean="0"/>
           </a:p>
           <a:p>
             <a:pPr marL="0" indent="0">
@@ -16224,18 +16424,14 @@
               <a:buNone/>
             </a:pPr>
             <a:r>
-              <a:rPr lang="ja-JP" altLang="en-US" sz="4400" b="1" dirty="0"/>
+              <a:rPr lang="ja-JP" altLang="en-US" sz="3600" b="1" dirty="0"/>
               <a:t>コスト</a:t>
             </a:r>
             <a:r>
-              <a:rPr lang="ja-JP" altLang="en-US" sz="4400" b="1" dirty="0" smtClean="0"/>
-              <a:t>・・</a:t>
-            </a:r>
-            <a:r>
-              <a:rPr lang="ja-JP" altLang="en-US" sz="4400" b="1" dirty="0" smtClean="0"/>
-              <a:t>・バーンアップチャート</a:t>
-            </a:r>
-            <a:endParaRPr lang="en-US" altLang="ja-JP" sz="4400" b="1" dirty="0" smtClean="0"/>
+              <a:rPr lang="ja-JP" altLang="en-US" sz="3600" b="1" dirty="0" smtClean="0"/>
+              <a:t>・・・バーンアップチャート</a:t>
+            </a:r>
+            <a:endParaRPr lang="en-US" altLang="ja-JP" sz="3600" b="1" dirty="0" smtClean="0"/>
           </a:p>
           <a:p>
             <a:pPr marL="0" indent="0">
@@ -16245,10 +16441,9 @@
               <a:buNone/>
             </a:pPr>
             <a:r>
-              <a:rPr lang="ja-JP" altLang="en-US" sz="4400" b="1" dirty="0" smtClean="0"/>
+              <a:rPr lang="ja-JP" altLang="en-US" sz="3600" b="1" dirty="0" smtClean="0"/>
               <a:t>納期・・・スプリント評価</a:t>
             </a:r>
-            <a:endParaRPr lang="ja-JP" altLang="en-US" sz="4400" b="1" dirty="0" smtClean="0"/>
           </a:p>
         </p:txBody>
       </p:sp>
@@ -16506,14 +16701,14 @@
           <p:nvPr>
             <p:extLst>
               <p:ext uri="{D42A27DB-BD31-4B8C-83A1-F6EECF244321}">
-                <p14:modId xmlns:p14="http://schemas.microsoft.com/office/powerpoint/2010/main" val="2672386892"/>
+                <p14:modId xmlns:p14="http://schemas.microsoft.com/office/powerpoint/2010/main" val="636170233"/>
               </p:ext>
             </p:extLst>
           </p:nvPr>
         </p:nvGraphicFramePr>
         <p:xfrm>
-          <a:off x="582386" y="1690688"/>
-          <a:ext cx="5513614" cy="4067244"/>
+          <a:off x="582386" y="1690686"/>
+          <a:ext cx="5513614" cy="4377604"/>
         </p:xfrm>
         <a:graphic>
           <a:graphicData uri="http://schemas.openxmlformats.org/drawingml/2006/table">
@@ -16537,7 +16732,7 @@
                   </a:extLst>
                 </a:gridCol>
               </a:tblGrid>
-              <a:tr h="677874">
+              <a:tr h="1094401">
                 <a:tc>
                   <a:txBody>
                     <a:bodyPr/>
@@ -16601,15 +16796,27 @@
                       <a:pPr algn="l"/>
                       <a:r>
                         <a:rPr kumimoji="1" lang="en-US" altLang="ja-JP" sz="2800" dirty="0" smtClean="0"/>
-                        <a:t>1 ~ 4 … </a:t>
+                        <a:t>7 ~</a:t>
                       </a:r>
                       <a:r>
-                        <a:rPr kumimoji="1" lang="ja-JP" altLang="en-US" sz="2800" dirty="0" smtClean="0">
+                        <a:rPr kumimoji="1" lang="en-US" altLang="ja-JP" sz="2800" baseline="0" dirty="0" smtClean="0"/>
+                        <a:t> </a:t>
+                      </a:r>
+                      <a:r>
+                        <a:rPr kumimoji="1" lang="en-US" altLang="ja-JP" sz="2800" dirty="0" smtClean="0"/>
+                        <a:t>10 …</a:t>
+                      </a:r>
+                      <a:r>
+                        <a:rPr kumimoji="1" lang="en-US" altLang="ja-JP" sz="2800" baseline="0" dirty="0" smtClean="0"/>
+                        <a:t>  </a:t>
+                      </a:r>
+                      <a:r>
+                        <a:rPr kumimoji="1" lang="en-US" altLang="ja-JP" sz="2800" dirty="0" smtClean="0">
                           <a:solidFill>
                             <a:srgbClr val="FF0000"/>
                           </a:solidFill>
                         </a:rPr>
-                        <a:t>要改善</a:t>
+                        <a:t>A</a:t>
                       </a:r>
                       <a:endParaRPr kumimoji="1" lang="en-US" altLang="ja-JP" sz="2800" dirty="0" smtClean="0">
                         <a:solidFill>
@@ -16625,15 +16832,19 @@
                       <a:pPr algn="l"/>
                       <a:r>
                         <a:rPr kumimoji="1" lang="en-US" altLang="ja-JP" sz="2800" dirty="0" smtClean="0"/>
-                        <a:t>5 ~ 6 …   </a:t>
+                        <a:t>5 ~ </a:t>
                       </a:r>
                       <a:r>
-                        <a:rPr kumimoji="1" lang="ja-JP" altLang="en-US" sz="2800" dirty="0" smtClean="0">
+                        <a:rPr kumimoji="1" lang="en-US" altLang="ja-JP" sz="2800" dirty="0" smtClean="0"/>
+                        <a:t> 6  …  </a:t>
+                      </a:r>
+                      <a:r>
+                        <a:rPr kumimoji="1" lang="en-US" altLang="ja-JP" sz="2800" dirty="0" smtClean="0">
                           <a:solidFill>
                             <a:srgbClr val="FF0000"/>
                           </a:solidFill>
                         </a:rPr>
-                        <a:t>改善</a:t>
+                        <a:t>B</a:t>
                       </a:r>
                       <a:endParaRPr kumimoji="1" lang="en-US" altLang="ja-JP" sz="2800" dirty="0" smtClean="0">
                         <a:solidFill>
@@ -16649,15 +16860,15 @@
                       <a:pPr algn="l"/>
                       <a:r>
                         <a:rPr kumimoji="1" lang="en-US" altLang="ja-JP" sz="2800" dirty="0" smtClean="0"/>
-                        <a:t>7 ~10…   </a:t>
+                        <a:t>1 ~  4  …  </a:t>
                       </a:r>
                       <a:r>
-                        <a:rPr kumimoji="1" lang="ja-JP" altLang="en-US" sz="2800" dirty="0" smtClean="0">
+                        <a:rPr kumimoji="1" lang="en-US" altLang="ja-JP" sz="2800" dirty="0" smtClean="0">
                           <a:solidFill>
                             <a:srgbClr val="FF0000"/>
                           </a:solidFill>
                         </a:rPr>
-                        <a:t>合格</a:t>
+                        <a:t>C</a:t>
                       </a:r>
                       <a:endParaRPr kumimoji="1" lang="en-US" altLang="ja-JP" sz="2800" dirty="0" smtClean="0">
                         <a:solidFill>
@@ -16714,7 +16925,7 @@
                   </a:ext>
                 </a:extLst>
               </a:tr>
-              <a:tr h="677874">
+              <a:tr h="1094401">
                 <a:tc>
                   <a:txBody>
                     <a:bodyPr/>
@@ -16785,7 +16996,7 @@
                   </a:ext>
                 </a:extLst>
               </a:tr>
-              <a:tr h="677874">
+              <a:tr h="1094401">
                 <a:tc>
                   <a:txBody>
                     <a:bodyPr/>
@@ -16856,7 +17067,7 @@
                   </a:ext>
                 </a:extLst>
               </a:tr>
-              <a:tr h="677874">
+              <a:tr h="1094401">
                 <a:tc>
                   <a:txBody>
                     <a:bodyPr/>
@@ -16924,230 +17135,6 @@
                 <a:extLst>
                   <a:ext uri="{0D108BD9-81ED-4DB2-BD59-A6C34878D82A}">
                     <a16:rowId xmlns:a16="http://schemas.microsoft.com/office/drawing/2014/main" val="1267027344"/>
-                  </a:ext>
-                </a:extLst>
-              </a:tr>
-              <a:tr h="677874">
-                <a:tc>
-                  <a:txBody>
-                    <a:bodyPr/>
-                    <a:lstStyle/>
-                    <a:p>
-                      <a:endParaRPr kumimoji="1" lang="ja-JP" altLang="en-US" sz="2800" b="1" dirty="0"/>
-                    </a:p>
-                  </a:txBody>
-                  <a:tcPr>
-                    <a:lnL w="12700" cap="flat" cmpd="sng" algn="ctr">
-                      <a:solidFill>
-                        <a:schemeClr val="tx1"/>
-                      </a:solidFill>
-                      <a:prstDash val="solid"/>
-                      <a:round/>
-                      <a:headEnd type="none" w="med" len="med"/>
-                      <a:tailEnd type="none" w="med" len="med"/>
-                    </a:lnL>
-                    <a:lnR w="12700" cap="flat" cmpd="sng" algn="ctr">
-                      <a:solidFill>
-                        <a:schemeClr val="tx1"/>
-                      </a:solidFill>
-                      <a:prstDash val="solid"/>
-                      <a:round/>
-                      <a:headEnd type="none" w="med" len="med"/>
-                      <a:tailEnd type="none" w="med" len="med"/>
-                    </a:lnR>
-                    <a:lnT w="12700" cap="flat" cmpd="sng" algn="ctr">
-                      <a:solidFill>
-                        <a:schemeClr val="tx1"/>
-                      </a:solidFill>
-                      <a:prstDash val="solid"/>
-                      <a:round/>
-                      <a:headEnd type="none" w="med" len="med"/>
-                      <a:tailEnd type="none" w="med" len="med"/>
-                    </a:lnT>
-                    <a:lnB w="12700" cap="flat" cmpd="sng" algn="ctr">
-                      <a:solidFill>
-                        <a:schemeClr val="tx1"/>
-                      </a:solidFill>
-                      <a:prstDash val="solid"/>
-                      <a:round/>
-                      <a:headEnd type="none" w="med" len="med"/>
-                      <a:tailEnd type="none" w="med" len="med"/>
-                    </a:lnB>
-                    <a:solidFill>
-                      <a:schemeClr val="bg1"/>
-                    </a:solidFill>
-                  </a:tcPr>
-                </a:tc>
-                <a:tc>
-                  <a:txBody>
-                    <a:bodyPr/>
-                    <a:lstStyle/>
-                    <a:p>
-                      <a:pPr algn="l"/>
-                      <a:endParaRPr kumimoji="1" lang="en-US" altLang="ja-JP" sz="2800" dirty="0" smtClean="0">
-                        <a:solidFill>
-                          <a:srgbClr val="FF0000"/>
-                        </a:solidFill>
-                      </a:endParaRPr>
-                    </a:p>
-                  </a:txBody>
-                  <a:tcPr anchor="ctr">
-                    <a:lnL w="12700" cap="flat" cmpd="sng" algn="ctr">
-                      <a:solidFill>
-                        <a:schemeClr val="tx1"/>
-                      </a:solidFill>
-                      <a:prstDash val="solid"/>
-                      <a:round/>
-                      <a:headEnd type="none" w="med" len="med"/>
-                      <a:tailEnd type="none" w="med" len="med"/>
-                    </a:lnL>
-                    <a:lnR w="12700" cap="flat" cmpd="sng" algn="ctr">
-                      <a:solidFill>
-                        <a:schemeClr val="tx1"/>
-                      </a:solidFill>
-                      <a:prstDash val="solid"/>
-                      <a:round/>
-                      <a:headEnd type="none" w="med" len="med"/>
-                      <a:tailEnd type="none" w="med" len="med"/>
-                    </a:lnR>
-                    <a:lnT w="12700" cap="flat" cmpd="sng" algn="ctr">
-                      <a:solidFill>
-                        <a:schemeClr val="tx1"/>
-                      </a:solidFill>
-                      <a:prstDash val="solid"/>
-                      <a:round/>
-                      <a:headEnd type="none" w="med" len="med"/>
-                      <a:tailEnd type="none" w="med" len="med"/>
-                    </a:lnT>
-                    <a:lnB w="12700" cap="flat" cmpd="sng" algn="ctr">
-                      <a:solidFill>
-                        <a:schemeClr val="tx1"/>
-                      </a:solidFill>
-                      <a:prstDash val="solid"/>
-                      <a:round/>
-                      <a:headEnd type="none" w="med" len="med"/>
-                      <a:tailEnd type="none" w="med" len="med"/>
-                    </a:lnB>
-                    <a:solidFill>
-                      <a:schemeClr val="bg1"/>
-                    </a:solidFill>
-                  </a:tcPr>
-                </a:tc>
-                <a:extLst>
-                  <a:ext uri="{0D108BD9-81ED-4DB2-BD59-A6C34878D82A}">
-                    <a16:rowId xmlns:a16="http://schemas.microsoft.com/office/drawing/2014/main" val="2945848032"/>
-                  </a:ext>
-                </a:extLst>
-              </a:tr>
-              <a:tr h="677874">
-                <a:tc>
-                  <a:txBody>
-                    <a:bodyPr/>
-                    <a:lstStyle/>
-                    <a:p>
-                      <a:endParaRPr kumimoji="1" lang="ja-JP" altLang="en-US" sz="2800" b="1" dirty="0"/>
-                    </a:p>
-                  </a:txBody>
-                  <a:tcPr>
-                    <a:lnL w="12700" cap="flat" cmpd="sng" algn="ctr">
-                      <a:solidFill>
-                        <a:schemeClr val="tx1"/>
-                      </a:solidFill>
-                      <a:prstDash val="solid"/>
-                      <a:round/>
-                      <a:headEnd type="none" w="med" len="med"/>
-                      <a:tailEnd type="none" w="med" len="med"/>
-                    </a:lnL>
-                    <a:lnR w="12700" cap="flat" cmpd="sng" algn="ctr">
-                      <a:solidFill>
-                        <a:schemeClr val="tx1"/>
-                      </a:solidFill>
-                      <a:prstDash val="solid"/>
-                      <a:round/>
-                      <a:headEnd type="none" w="med" len="med"/>
-                      <a:tailEnd type="none" w="med" len="med"/>
-                    </a:lnR>
-                    <a:lnT w="12700" cap="flat" cmpd="sng" algn="ctr">
-                      <a:solidFill>
-                        <a:schemeClr val="tx1"/>
-                      </a:solidFill>
-                      <a:prstDash val="solid"/>
-                      <a:round/>
-                      <a:headEnd type="none" w="med" len="med"/>
-                      <a:tailEnd type="none" w="med" len="med"/>
-                    </a:lnT>
-                    <a:lnB w="12700" cap="flat" cmpd="sng" algn="ctr">
-                      <a:solidFill>
-                        <a:schemeClr val="tx1"/>
-                      </a:solidFill>
-                      <a:prstDash val="solid"/>
-                      <a:round/>
-                      <a:headEnd type="none" w="med" len="med"/>
-                      <a:tailEnd type="none" w="med" len="med"/>
-                    </a:lnB>
-                    <a:solidFill>
-                      <a:schemeClr val="bg1"/>
-                    </a:solidFill>
-                  </a:tcPr>
-                </a:tc>
-                <a:tc>
-                  <a:txBody>
-                    <a:bodyPr/>
-                    <a:lstStyle/>
-                    <a:p>
-                      <a:pPr algn="l"/>
-                      <a:endParaRPr kumimoji="1" lang="en-US" altLang="ja-JP" sz="2800" dirty="0" smtClean="0">
-                        <a:solidFill>
-                          <a:srgbClr val="FF0000"/>
-                        </a:solidFill>
-                      </a:endParaRPr>
-                    </a:p>
-                  </a:txBody>
-                  <a:tcPr anchor="ctr">
-                    <a:lnL w="12700" cap="flat" cmpd="sng" algn="ctr">
-                      <a:solidFill>
-                        <a:schemeClr val="tx1"/>
-                      </a:solidFill>
-                      <a:prstDash val="solid"/>
-                      <a:round/>
-                      <a:headEnd type="none" w="med" len="med"/>
-                      <a:tailEnd type="none" w="med" len="med"/>
-                    </a:lnL>
-                    <a:lnR w="12700" cap="flat" cmpd="sng" algn="ctr">
-                      <a:solidFill>
-                        <a:schemeClr val="tx1"/>
-                      </a:solidFill>
-                      <a:prstDash val="solid"/>
-                      <a:round/>
-                      <a:headEnd type="none" w="med" len="med"/>
-                      <a:tailEnd type="none" w="med" len="med"/>
-                    </a:lnR>
-                    <a:lnT w="12700" cap="flat" cmpd="sng" algn="ctr">
-                      <a:solidFill>
-                        <a:schemeClr val="tx1"/>
-                      </a:solidFill>
-                      <a:prstDash val="solid"/>
-                      <a:round/>
-                      <a:headEnd type="none" w="med" len="med"/>
-                      <a:tailEnd type="none" w="med" len="med"/>
-                    </a:lnT>
-                    <a:lnB w="12700" cap="flat" cmpd="sng" algn="ctr">
-                      <a:solidFill>
-                        <a:schemeClr val="tx1"/>
-                      </a:solidFill>
-                      <a:prstDash val="solid"/>
-                      <a:round/>
-                      <a:headEnd type="none" w="med" len="med"/>
-                      <a:tailEnd type="none" w="med" len="med"/>
-                    </a:lnB>
-                    <a:solidFill>
-                      <a:schemeClr val="bg1"/>
-                    </a:solidFill>
-                  </a:tcPr>
-                </a:tc>
-                <a:extLst>
-                  <a:ext uri="{0D108BD9-81ED-4DB2-BD59-A6C34878D82A}">
-                    <a16:rowId xmlns:a16="http://schemas.microsoft.com/office/drawing/2014/main" val="3027470615"/>
                   </a:ext>
                 </a:extLst>
               </a:tr>
@@ -19797,11 +19784,11 @@
   <p:clrMapOvr>
     <a:masterClrMapping/>
   </p:clrMapOvr>
-  <mc:AlternateContent xmlns:mc="http://schemas.openxmlformats.org/markup-compatibility/2006" xmlns:p14="http://schemas.microsoft.com/office/powerpoint/2010/main">
-    <mc:Choice Requires="p14">
-      <p:transition p14:dur="0"/>
+  <mc:AlternateContent xmlns:mc="http://schemas.openxmlformats.org/markup-compatibility/2006">
+    <mc:Choice xmlns:p14="http://schemas.microsoft.com/office/powerpoint/2010/main" Requires="p14">
+      <p:transition p14:dur="10"/>
     </mc:Choice>
-    <mc:Fallback xmlns="">
+    <mc:Fallback>
       <p:transition/>
     </mc:Fallback>
   </mc:AlternateContent>
@@ -20728,63 +20715,9 @@
           <a:chExt cx="0" cy="0"/>
         </a:xfrm>
       </p:grpSpPr>
-      <p:sp>
-        <p:nvSpPr>
-          <p:cNvPr id="5" name="タイトル 4"/>
-          <p:cNvSpPr>
-            <a:spLocks noGrp="1"/>
-          </p:cNvSpPr>
-          <p:nvPr>
-            <p:ph type="title"/>
-          </p:nvPr>
-        </p:nvSpPr>
-        <p:spPr>
-          <a:xfrm>
-            <a:off x="838200" y="2766218"/>
-            <a:ext cx="10515600" cy="1325563"/>
-          </a:xfrm>
-        </p:spPr>
-        <p:txBody>
-          <a:bodyPr>
-            <a:normAutofit/>
-          </a:bodyPr>
-          <a:lstStyle/>
-          <a:p>
-            <a:pPr algn="ctr"/>
-            <a:r>
-              <a:rPr kumimoji="1" lang="ja-JP" altLang="en-US" sz="8800" b="1" dirty="0" smtClean="0"/>
-              <a:t>完成体</a:t>
-            </a:r>
-            <a:endParaRPr kumimoji="1" lang="ja-JP" altLang="en-US" sz="8800" b="1" dirty="0"/>
-          </a:p>
-        </p:txBody>
-      </p:sp>
-      <p:sp>
-        <p:nvSpPr>
-          <p:cNvPr id="10" name="スライド番号プレースホルダー 9"/>
-          <p:cNvSpPr>
-            <a:spLocks noGrp="1"/>
-          </p:cNvSpPr>
-          <p:nvPr>
-            <p:ph type="sldNum" sz="quarter" idx="12"/>
-          </p:nvPr>
-        </p:nvSpPr>
-        <p:spPr/>
-        <p:txBody>
-          <a:bodyPr/>
-          <a:lstStyle/>
-          <a:p>
-            <a:r>
-              <a:rPr lang="en-US" altLang="ja-JP" sz="3600" dirty="0"/>
-              <a:t>7</a:t>
-            </a:r>
-            <a:endParaRPr kumimoji="1" lang="ja-JP" altLang="en-US" sz="3600" dirty="0"/>
-          </a:p>
-        </p:txBody>
-      </p:sp>
       <p:pic>
         <p:nvPicPr>
-          <p:cNvPr id="4" name="図 3"/>
+          <p:cNvPr id="5" name="図 4"/>
           <p:cNvPicPr>
             <a:picLocks noChangeAspect="1"/>
           </p:cNvPicPr>
@@ -20797,18 +20730,66 @@
         </p:blipFill>
         <p:spPr>
           <a:xfrm>
-            <a:off x="0" y="4167050"/>
-            <a:ext cx="1554480" cy="2690949"/>
+            <a:off x="0" y="4467497"/>
+            <a:ext cx="1554480" cy="2390502"/>
           </a:xfrm>
           <a:prstGeom prst="rect">
             <a:avLst/>
           </a:prstGeom>
         </p:spPr>
       </p:pic>
+      <p:sp>
+        <p:nvSpPr>
+          <p:cNvPr id="2" name="タイトル 1"/>
+          <p:cNvSpPr>
+            <a:spLocks noGrp="1"/>
+          </p:cNvSpPr>
+          <p:nvPr>
+            <p:ph type="title"/>
+          </p:nvPr>
+        </p:nvSpPr>
+        <p:spPr/>
+        <p:txBody>
+          <a:bodyPr>
+            <a:normAutofit/>
+          </a:bodyPr>
+          <a:lstStyle/>
+          <a:p>
+            <a:r>
+              <a:rPr lang="ja-JP" altLang="en-US" sz="5400" b="1" dirty="0" smtClean="0"/>
+              <a:t>振り返り</a:t>
+            </a:r>
+            <a:endParaRPr kumimoji="1" lang="ja-JP" altLang="en-US" sz="5400" dirty="0"/>
+          </a:p>
+        </p:txBody>
+      </p:sp>
+      <p:sp>
+        <p:nvSpPr>
+          <p:cNvPr id="7" name="スライド番号プレースホルダー 6"/>
+          <p:cNvSpPr>
+            <a:spLocks noGrp="1"/>
+          </p:cNvSpPr>
+          <p:nvPr>
+            <p:ph type="sldNum" sz="quarter" idx="12"/>
+          </p:nvPr>
+        </p:nvSpPr>
+        <p:spPr/>
+        <p:txBody>
+          <a:bodyPr/>
+          <a:lstStyle/>
+          <a:p>
+            <a:r>
+              <a:rPr kumimoji="1" lang="en-US" altLang="ja-JP" sz="3600" dirty="0" smtClean="0"/>
+              <a:t>14</a:t>
+            </a:r>
+            <a:endParaRPr kumimoji="1" lang="ja-JP" altLang="en-US" sz="3600" dirty="0"/>
+          </a:p>
+        </p:txBody>
+      </p:sp>
     </p:spTree>
     <p:extLst>
       <p:ext uri="{BB962C8B-B14F-4D97-AF65-F5344CB8AC3E}">
-        <p14:creationId xmlns:p14="http://schemas.microsoft.com/office/powerpoint/2010/main" val="2403032415"/>
+        <p14:creationId xmlns:p14="http://schemas.microsoft.com/office/powerpoint/2010/main" val="3898732731"/>
       </p:ext>
     </p:extLst>
   </p:cSld>
@@ -21078,9 +21059,63 @@
           <a:chExt cx="0" cy="0"/>
         </a:xfrm>
       </p:grpSpPr>
+      <p:sp>
+        <p:nvSpPr>
+          <p:cNvPr id="5" name="タイトル 4"/>
+          <p:cNvSpPr>
+            <a:spLocks noGrp="1"/>
+          </p:cNvSpPr>
+          <p:nvPr>
+            <p:ph type="title"/>
+          </p:nvPr>
+        </p:nvSpPr>
+        <p:spPr>
+          <a:xfrm>
+            <a:off x="838200" y="2766218"/>
+            <a:ext cx="10515600" cy="1325563"/>
+          </a:xfrm>
+        </p:spPr>
+        <p:txBody>
+          <a:bodyPr>
+            <a:normAutofit/>
+          </a:bodyPr>
+          <a:lstStyle/>
+          <a:p>
+            <a:pPr algn="ctr"/>
+            <a:r>
+              <a:rPr kumimoji="1" lang="ja-JP" altLang="en-US" sz="8800" b="1" dirty="0" smtClean="0"/>
+              <a:t>完成体</a:t>
+            </a:r>
+            <a:endParaRPr kumimoji="1" lang="ja-JP" altLang="en-US" sz="8800" b="1" dirty="0"/>
+          </a:p>
+        </p:txBody>
+      </p:sp>
+      <p:sp>
+        <p:nvSpPr>
+          <p:cNvPr id="10" name="スライド番号プレースホルダー 9"/>
+          <p:cNvSpPr>
+            <a:spLocks noGrp="1"/>
+          </p:cNvSpPr>
+          <p:nvPr>
+            <p:ph type="sldNum" sz="quarter" idx="12"/>
+          </p:nvPr>
+        </p:nvSpPr>
+        <p:spPr/>
+        <p:txBody>
+          <a:bodyPr/>
+          <a:lstStyle/>
+          <a:p>
+            <a:r>
+              <a:rPr lang="en-US" altLang="ja-JP" sz="3600" dirty="0"/>
+              <a:t>7</a:t>
+            </a:r>
+            <a:endParaRPr kumimoji="1" lang="ja-JP" altLang="en-US" sz="3600" dirty="0"/>
+          </a:p>
+        </p:txBody>
+      </p:sp>
       <p:pic>
         <p:nvPicPr>
-          <p:cNvPr id="5" name="図 4"/>
+          <p:cNvPr id="4" name="図 3"/>
           <p:cNvPicPr>
             <a:picLocks noChangeAspect="1"/>
           </p:cNvPicPr>
@@ -21093,66 +21128,18 @@
         </p:blipFill>
         <p:spPr>
           <a:xfrm>
-            <a:off x="0" y="4467497"/>
-            <a:ext cx="1554480" cy="2390502"/>
+            <a:off x="0" y="4167050"/>
+            <a:ext cx="1554480" cy="2690949"/>
           </a:xfrm>
           <a:prstGeom prst="rect">
             <a:avLst/>
           </a:prstGeom>
         </p:spPr>
       </p:pic>
-      <p:sp>
-        <p:nvSpPr>
-          <p:cNvPr id="2" name="タイトル 1"/>
-          <p:cNvSpPr>
-            <a:spLocks noGrp="1"/>
-          </p:cNvSpPr>
-          <p:nvPr>
-            <p:ph type="title"/>
-          </p:nvPr>
-        </p:nvSpPr>
-        <p:spPr/>
-        <p:txBody>
-          <a:bodyPr>
-            <a:normAutofit/>
-          </a:bodyPr>
-          <a:lstStyle/>
-          <a:p>
-            <a:r>
-              <a:rPr lang="ja-JP" altLang="en-US" sz="5400" b="1" dirty="0" smtClean="0"/>
-              <a:t>振り返り</a:t>
-            </a:r>
-            <a:endParaRPr kumimoji="1" lang="ja-JP" altLang="en-US" sz="5400" dirty="0"/>
-          </a:p>
-        </p:txBody>
-      </p:sp>
-      <p:sp>
-        <p:nvSpPr>
-          <p:cNvPr id="7" name="スライド番号プレースホルダー 6"/>
-          <p:cNvSpPr>
-            <a:spLocks noGrp="1"/>
-          </p:cNvSpPr>
-          <p:nvPr>
-            <p:ph type="sldNum" sz="quarter" idx="12"/>
-          </p:nvPr>
-        </p:nvSpPr>
-        <p:spPr/>
-        <p:txBody>
-          <a:bodyPr/>
-          <a:lstStyle/>
-          <a:p>
-            <a:r>
-              <a:rPr kumimoji="1" lang="en-US" altLang="ja-JP" sz="3600" dirty="0" smtClean="0"/>
-              <a:t>14</a:t>
-            </a:r>
-            <a:endParaRPr kumimoji="1" lang="ja-JP" altLang="en-US" sz="3600" dirty="0"/>
-          </a:p>
-        </p:txBody>
-      </p:sp>
     </p:spTree>
     <p:extLst>
       <p:ext uri="{BB962C8B-B14F-4D97-AF65-F5344CB8AC3E}">
-        <p14:creationId xmlns:p14="http://schemas.microsoft.com/office/powerpoint/2010/main" val="3898732731"/>
+        <p14:creationId xmlns:p14="http://schemas.microsoft.com/office/powerpoint/2010/main" val="2403032415"/>
       </p:ext>
     </p:extLst>
   </p:cSld>
@@ -26829,11 +26816,7 @@
             </a:pPr>
             <a:r>
               <a:rPr lang="ja-JP" altLang="en-US" sz="3800" b="1" dirty="0" smtClean="0"/>
-              <a:t>　あまり馴染みが</a:t>
-            </a:r>
-            <a:r>
-              <a:rPr lang="ja-JP" altLang="en-US" sz="3800" b="1" dirty="0" smtClean="0"/>
-              <a:t>ない</a:t>
+              <a:t>　あまり馴染みがない</a:t>
             </a:r>
             <a:endParaRPr lang="en-US" altLang="ja-JP" sz="3800" b="1" dirty="0" smtClean="0"/>
           </a:p>

--- a/最終.pptx
+++ b/最終.pptx
@@ -5,10 +5,10 @@
     <p:sldMasterId id="2147483832" r:id="rId1"/>
   </p:sldMasterIdLst>
   <p:notesMasterIdLst>
-    <p:notesMasterId r:id="rId23"/>
+    <p:notesMasterId r:id="rId22"/>
   </p:notesMasterIdLst>
   <p:handoutMasterIdLst>
-    <p:handoutMasterId r:id="rId24"/>
+    <p:handoutMasterId r:id="rId23"/>
   </p:handoutMasterIdLst>
   <p:sldIdLst>
     <p:sldId id="258" r:id="rId2"/>
@@ -28,10 +28,9 @@
     <p:sldId id="274" r:id="rId16"/>
     <p:sldId id="261" r:id="rId17"/>
     <p:sldId id="276" r:id="rId18"/>
-    <p:sldId id="297" r:id="rId19"/>
-    <p:sldId id="287" r:id="rId20"/>
-    <p:sldId id="281" r:id="rId21"/>
-    <p:sldId id="282" r:id="rId22"/>
+    <p:sldId id="287" r:id="rId19"/>
+    <p:sldId id="281" r:id="rId20"/>
+    <p:sldId id="282" r:id="rId21"/>
   </p:sldIdLst>
   <p:sldSz cx="12192000" cy="6858000"/>
   <p:notesSz cx="6858000" cy="9144000"/>
@@ -988,842 +987,6 @@
 </c:chartSpace>
 </file>
 
-<file path=ppt/charts/chart2.xml><?xml version="1.0" encoding="utf-8"?>
-<c:chartSpace xmlns:c="http://schemas.openxmlformats.org/drawingml/2006/chart" xmlns:a="http://schemas.openxmlformats.org/drawingml/2006/main" xmlns:r="http://schemas.openxmlformats.org/officeDocument/2006/relationships" xmlns:c16r2="http://schemas.microsoft.com/office/drawing/2015/06/chart">
-  <c:date1904 val="0"/>
-  <c:lang val="ja-JP"/>
-  <c:roundedCorners val="0"/>
-  <mc:AlternateContent xmlns:mc="http://schemas.openxmlformats.org/markup-compatibility/2006">
-    <mc:Choice xmlns:c14="http://schemas.microsoft.com/office/drawing/2007/8/2/chart" Requires="c14">
-      <c14:style val="102"/>
-    </mc:Choice>
-    <mc:Fallback>
-      <c:style val="2"/>
-    </mc:Fallback>
-  </mc:AlternateContent>
-  <c:chart>
-    <c:title>
-      <c:tx>
-        <c:rich>
-          <a:bodyPr rot="0" spcFirstLastPara="1" vertOverflow="ellipsis" vert="horz" wrap="square" anchor="ctr" anchorCtr="1"/>
-          <a:lstStyle/>
-          <a:p>
-            <a:pPr>
-              <a:defRPr sz="1400" b="0" i="0" u="none" strike="noStrike" kern="1200" spc="0" baseline="0">
-                <a:solidFill>
-                  <a:schemeClr val="tx1">
-                    <a:lumMod val="65000"/>
-                    <a:lumOff val="35000"/>
-                  </a:schemeClr>
-                </a:solidFill>
-                <a:latin typeface="+mn-lt"/>
-                <a:ea typeface="+mn-ea"/>
-                <a:cs typeface="+mn-cs"/>
-              </a:defRPr>
-            </a:pPr>
-            <a:r>
-              <a:rPr lang="ja-JP" altLang="en-US"/>
-              <a:t>バーンアップチャート</a:t>
-            </a:r>
-          </a:p>
-        </c:rich>
-      </c:tx>
-      <c:layout/>
-      <c:overlay val="0"/>
-      <c:spPr>
-        <a:noFill/>
-        <a:ln>
-          <a:noFill/>
-        </a:ln>
-        <a:effectLst/>
-      </c:spPr>
-      <c:txPr>
-        <a:bodyPr rot="0" spcFirstLastPara="1" vertOverflow="ellipsis" vert="horz" wrap="square" anchor="ctr" anchorCtr="1"/>
-        <a:lstStyle/>
-        <a:p>
-          <a:pPr>
-            <a:defRPr sz="1400" b="0" i="0" u="none" strike="noStrike" kern="1200" spc="0" baseline="0">
-              <a:solidFill>
-                <a:schemeClr val="tx1">
-                  <a:lumMod val="65000"/>
-                  <a:lumOff val="35000"/>
-                </a:schemeClr>
-              </a:solidFill>
-              <a:latin typeface="+mn-lt"/>
-              <a:ea typeface="+mn-ea"/>
-              <a:cs typeface="+mn-cs"/>
-            </a:defRPr>
-          </a:pPr>
-          <a:endParaRPr lang="ja-JP"/>
-        </a:p>
-      </c:txPr>
-    </c:title>
-    <c:autoTitleDeleted val="0"/>
-    <c:plotArea>
-      <c:layout/>
-      <c:lineChart>
-        <c:grouping val="standard"/>
-        <c:varyColors val="0"/>
-        <c:ser>
-          <c:idx val="0"/>
-          <c:order val="0"/>
-          <c:tx>
-            <c:strRef>
-              <c:f>[バーンアップチャート.xlsx]作業シート!$N$2</c:f>
-              <c:strCache>
-                <c:ptCount val="1"/>
-                <c:pt idx="0">
-                  <c:v>見積時間</c:v>
-                </c:pt>
-              </c:strCache>
-            </c:strRef>
-          </c:tx>
-          <c:spPr>
-            <a:ln w="28575" cap="rnd">
-              <a:solidFill>
-                <a:schemeClr val="accent1"/>
-              </a:solidFill>
-              <a:round/>
-            </a:ln>
-            <a:effectLst/>
-          </c:spPr>
-          <c:marker>
-            <c:symbol val="circle"/>
-            <c:size val="5"/>
-            <c:spPr>
-              <a:solidFill>
-                <a:schemeClr val="accent1"/>
-              </a:solidFill>
-              <a:ln w="9525">
-                <a:solidFill>
-                  <a:schemeClr val="accent1"/>
-                </a:solidFill>
-              </a:ln>
-              <a:effectLst/>
-            </c:spPr>
-          </c:marker>
-          <c:cat>
-            <c:strRef>
-              <c:f>[バーンアップチャート.xlsx]作業シート!$G$3:$G$10</c:f>
-              <c:strCache>
-                <c:ptCount val="8"/>
-                <c:pt idx="0">
-                  <c:v>5/10</c:v>
-                </c:pt>
-                <c:pt idx="1">
-                  <c:v>5/24</c:v>
-                </c:pt>
-                <c:pt idx="2">
-                  <c:v>6/7</c:v>
-                </c:pt>
-                <c:pt idx="3">
-                  <c:v>6/9</c:v>
-                </c:pt>
-                <c:pt idx="4">
-                  <c:v>6/21</c:v>
-                </c:pt>
-                <c:pt idx="5">
-                  <c:v>7/5</c:v>
-                </c:pt>
-                <c:pt idx="6">
-                  <c:v>7/19</c:v>
-                </c:pt>
-                <c:pt idx="7">
-                  <c:v>7/21</c:v>
-                </c:pt>
-              </c:strCache>
-            </c:strRef>
-          </c:cat>
-          <c:val>
-            <c:numRef>
-              <c:f>[バーンアップチャート.xlsx]作業シート!$N$3:$N$10</c:f>
-              <c:numCache>
-                <c:formatCode>General</c:formatCode>
-                <c:ptCount val="8"/>
-                <c:pt idx="0">
-                  <c:v>376</c:v>
-                </c:pt>
-                <c:pt idx="1">
-                  <c:v>296</c:v>
-                </c:pt>
-                <c:pt idx="2">
-                  <c:v>208</c:v>
-                </c:pt>
-                <c:pt idx="3">
-                  <c:v>208</c:v>
-                </c:pt>
-                <c:pt idx="4">
-                  <c:v>208</c:v>
-                </c:pt>
-                <c:pt idx="5">
-                  <c:v>208</c:v>
-                </c:pt>
-                <c:pt idx="6">
-                  <c:v>208</c:v>
-                </c:pt>
-                <c:pt idx="7">
-                  <c:v>208</c:v>
-                </c:pt>
-              </c:numCache>
-            </c:numRef>
-          </c:val>
-          <c:smooth val="0"/>
-          <c:extLst>
-            <c:ext xmlns:c16="http://schemas.microsoft.com/office/drawing/2014/chart" uri="{C3380CC4-5D6E-409C-BE32-E72D297353CC}">
-              <c16:uniqueId val="{00000000-4198-4E00-BC45-8C2A3DF3D720}"/>
-            </c:ext>
-          </c:extLst>
-        </c:ser>
-        <c:ser>
-          <c:idx val="1"/>
-          <c:order val="1"/>
-          <c:tx>
-            <c:strRef>
-              <c:f>[バーンアップチャート.xlsx]作業シート!$J$2</c:f>
-              <c:strCache>
-                <c:ptCount val="1"/>
-                <c:pt idx="0">
-                  <c:v>完了時間累計</c:v>
-                </c:pt>
-              </c:strCache>
-            </c:strRef>
-          </c:tx>
-          <c:spPr>
-            <a:ln w="28575" cap="rnd">
-              <a:solidFill>
-                <a:schemeClr val="accent2"/>
-              </a:solidFill>
-              <a:round/>
-            </a:ln>
-            <a:effectLst/>
-          </c:spPr>
-          <c:marker>
-            <c:symbol val="circle"/>
-            <c:size val="5"/>
-            <c:spPr>
-              <a:solidFill>
-                <a:schemeClr val="accent2"/>
-              </a:solidFill>
-              <a:ln w="9525">
-                <a:solidFill>
-                  <a:schemeClr val="accent2"/>
-                </a:solidFill>
-              </a:ln>
-              <a:effectLst/>
-            </c:spPr>
-          </c:marker>
-          <c:cat>
-            <c:strRef>
-              <c:f>[バーンアップチャート.xlsx]作業シート!$G$3:$G$10</c:f>
-              <c:strCache>
-                <c:ptCount val="8"/>
-                <c:pt idx="0">
-                  <c:v>5/10</c:v>
-                </c:pt>
-                <c:pt idx="1">
-                  <c:v>5/24</c:v>
-                </c:pt>
-                <c:pt idx="2">
-                  <c:v>6/7</c:v>
-                </c:pt>
-                <c:pt idx="3">
-                  <c:v>6/9</c:v>
-                </c:pt>
-                <c:pt idx="4">
-                  <c:v>6/21</c:v>
-                </c:pt>
-                <c:pt idx="5">
-                  <c:v>7/5</c:v>
-                </c:pt>
-                <c:pt idx="6">
-                  <c:v>7/19</c:v>
-                </c:pt>
-                <c:pt idx="7">
-                  <c:v>7/21</c:v>
-                </c:pt>
-              </c:strCache>
-            </c:strRef>
-          </c:cat>
-          <c:val>
-            <c:numRef>
-              <c:f>[バーンアップチャート.xlsx]作業シート!$J$3:$J$10</c:f>
-              <c:numCache>
-                <c:formatCode>General</c:formatCode>
-                <c:ptCount val="8"/>
-                <c:pt idx="0">
-                  <c:v>0</c:v>
-                </c:pt>
-                <c:pt idx="1">
-                  <c:v>0</c:v>
-                </c:pt>
-                <c:pt idx="2">
-                  <c:v>40</c:v>
-                </c:pt>
-                <c:pt idx="3">
-                  <c:v>60</c:v>
-                </c:pt>
-                <c:pt idx="4">
-                  <c:v>72</c:v>
-                </c:pt>
-                <c:pt idx="5">
-                  <c:v>92</c:v>
-                </c:pt>
-                <c:pt idx="6">
-                  <c:v>208</c:v>
-                </c:pt>
-              </c:numCache>
-            </c:numRef>
-          </c:val>
-          <c:smooth val="0"/>
-          <c:extLst>
-            <c:ext xmlns:c16="http://schemas.microsoft.com/office/drawing/2014/chart" uri="{C3380CC4-5D6E-409C-BE32-E72D297353CC}">
-              <c16:uniqueId val="{00000001-4198-4E00-BC45-8C2A3DF3D720}"/>
-            </c:ext>
-          </c:extLst>
-        </c:ser>
-        <c:ser>
-          <c:idx val="2"/>
-          <c:order val="2"/>
-          <c:tx>
-            <c:strRef>
-              <c:f>[バーンアップチャート.xlsx]作業シート!$P$2</c:f>
-              <c:strCache>
-                <c:ptCount val="1"/>
-                <c:pt idx="0">
-                  <c:v>理想完了時間</c:v>
-                </c:pt>
-              </c:strCache>
-            </c:strRef>
-          </c:tx>
-          <c:spPr>
-            <a:ln w="28575" cap="rnd">
-              <a:solidFill>
-                <a:schemeClr val="accent3"/>
-              </a:solidFill>
-              <a:round/>
-            </a:ln>
-            <a:effectLst/>
-          </c:spPr>
-          <c:marker>
-            <c:symbol val="circle"/>
-            <c:size val="5"/>
-            <c:spPr>
-              <a:solidFill>
-                <a:schemeClr val="accent3"/>
-              </a:solidFill>
-              <a:ln w="9525">
-                <a:solidFill>
-                  <a:schemeClr val="accent3"/>
-                </a:solidFill>
-              </a:ln>
-              <a:effectLst/>
-            </c:spPr>
-          </c:marker>
-          <c:cat>
-            <c:strRef>
-              <c:f>[バーンアップチャート.xlsx]作業シート!$G$3:$G$10</c:f>
-              <c:strCache>
-                <c:ptCount val="8"/>
-                <c:pt idx="0">
-                  <c:v>5/10</c:v>
-                </c:pt>
-                <c:pt idx="1">
-                  <c:v>5/24</c:v>
-                </c:pt>
-                <c:pt idx="2">
-                  <c:v>6/7</c:v>
-                </c:pt>
-                <c:pt idx="3">
-                  <c:v>6/9</c:v>
-                </c:pt>
-                <c:pt idx="4">
-                  <c:v>6/21</c:v>
-                </c:pt>
-                <c:pt idx="5">
-                  <c:v>7/5</c:v>
-                </c:pt>
-                <c:pt idx="6">
-                  <c:v>7/19</c:v>
-                </c:pt>
-                <c:pt idx="7">
-                  <c:v>7/21</c:v>
-                </c:pt>
-              </c:strCache>
-            </c:strRef>
-          </c:cat>
-          <c:val>
-            <c:numRef>
-              <c:f>[バーンアップチャート.xlsx]作業シート!$P$3:$P$10</c:f>
-              <c:numCache>
-                <c:formatCode>General</c:formatCode>
-                <c:ptCount val="8"/>
-                <c:pt idx="0">
-                  <c:v>0</c:v>
-                </c:pt>
-                <c:pt idx="1">
-                  <c:v>40</c:v>
-                </c:pt>
-                <c:pt idx="2">
-                  <c:v>80</c:v>
-                </c:pt>
-                <c:pt idx="3">
-                  <c:v>120</c:v>
-                </c:pt>
-                <c:pt idx="4">
-                  <c:v>160</c:v>
-                </c:pt>
-                <c:pt idx="5">
-                  <c:v>200</c:v>
-                </c:pt>
-                <c:pt idx="6">
-                  <c:v>208</c:v>
-                </c:pt>
-                <c:pt idx="7">
-                  <c:v>208</c:v>
-                </c:pt>
-              </c:numCache>
-            </c:numRef>
-          </c:val>
-          <c:smooth val="0"/>
-          <c:extLst>
-            <c:ext xmlns:c16="http://schemas.microsoft.com/office/drawing/2014/chart" uri="{C3380CC4-5D6E-409C-BE32-E72D297353CC}">
-              <c16:uniqueId val="{00000002-4198-4E00-BC45-8C2A3DF3D720}"/>
-            </c:ext>
-          </c:extLst>
-        </c:ser>
-        <c:dLbls>
-          <c:showLegendKey val="0"/>
-          <c:showVal val="0"/>
-          <c:showCatName val="0"/>
-          <c:showSerName val="0"/>
-          <c:showPercent val="0"/>
-          <c:showBubbleSize val="0"/>
-        </c:dLbls>
-        <c:marker val="1"/>
-        <c:smooth val="0"/>
-        <c:axId val="544341736"/>
-        <c:axId val="544342064"/>
-      </c:lineChart>
-      <c:lineChart>
-        <c:grouping val="standard"/>
-        <c:varyColors val="0"/>
-        <c:ser>
-          <c:idx val="3"/>
-          <c:order val="3"/>
-          <c:tx>
-            <c:strRef>
-              <c:f>[バーンアップチャート.xlsx]作業シート!$L$2</c:f>
-              <c:strCache>
-                <c:ptCount val="1"/>
-                <c:pt idx="0">
-                  <c:v>作業時間累計</c:v>
-                </c:pt>
-              </c:strCache>
-            </c:strRef>
-          </c:tx>
-          <c:spPr>
-            <a:ln w="28575" cap="rnd">
-              <a:solidFill>
-                <a:schemeClr val="accent4"/>
-              </a:solidFill>
-              <a:round/>
-            </a:ln>
-            <a:effectLst/>
-          </c:spPr>
-          <c:marker>
-            <c:symbol val="circle"/>
-            <c:size val="5"/>
-            <c:spPr>
-              <a:solidFill>
-                <a:schemeClr val="accent4"/>
-              </a:solidFill>
-              <a:ln w="9525">
-                <a:solidFill>
-                  <a:schemeClr val="accent4"/>
-                </a:solidFill>
-              </a:ln>
-              <a:effectLst/>
-            </c:spPr>
-          </c:marker>
-          <c:val>
-            <c:numRef>
-              <c:f>[バーンアップチャート.xlsx]作業シート!$L$3:$L$10</c:f>
-              <c:numCache>
-                <c:formatCode>General</c:formatCode>
-                <c:ptCount val="8"/>
-                <c:pt idx="0">
-                  <c:v>0</c:v>
-                </c:pt>
-                <c:pt idx="1">
-                  <c:v>24</c:v>
-                </c:pt>
-                <c:pt idx="2">
-                  <c:v>87</c:v>
-                </c:pt>
-                <c:pt idx="3">
-                  <c:v>103</c:v>
-                </c:pt>
-                <c:pt idx="4">
-                  <c:v>134</c:v>
-                </c:pt>
-                <c:pt idx="5">
-                  <c:v>194</c:v>
-                </c:pt>
-                <c:pt idx="6">
-                  <c:v>257</c:v>
-                </c:pt>
-              </c:numCache>
-            </c:numRef>
-          </c:val>
-          <c:smooth val="0"/>
-          <c:extLst>
-            <c:ext xmlns:c16="http://schemas.microsoft.com/office/drawing/2014/chart" uri="{C3380CC4-5D6E-409C-BE32-E72D297353CC}">
-              <c16:uniqueId val="{00000003-4198-4E00-BC45-8C2A3DF3D720}"/>
-            </c:ext>
-          </c:extLst>
-        </c:ser>
-        <c:dLbls>
-          <c:showLegendKey val="0"/>
-          <c:showVal val="0"/>
-          <c:showCatName val="0"/>
-          <c:showSerName val="0"/>
-          <c:showPercent val="0"/>
-          <c:showBubbleSize val="0"/>
-        </c:dLbls>
-        <c:marker val="1"/>
-        <c:smooth val="0"/>
-        <c:axId val="2065361951"/>
-        <c:axId val="1991828111"/>
-      </c:lineChart>
-      <c:catAx>
-        <c:axId val="544341736"/>
-        <c:scaling>
-          <c:orientation val="minMax"/>
-        </c:scaling>
-        <c:delete val="0"/>
-        <c:axPos val="b"/>
-        <c:title>
-          <c:tx>
-            <c:rich>
-              <a:bodyPr rot="0" spcFirstLastPara="1" vertOverflow="ellipsis" vert="horz" wrap="square" anchor="ctr" anchorCtr="1"/>
-              <a:lstStyle/>
-              <a:p>
-                <a:pPr>
-                  <a:defRPr sz="1000" b="0" i="0" u="none" strike="noStrike" kern="1200" baseline="0">
-                    <a:solidFill>
-                      <a:schemeClr val="tx1">
-                        <a:lumMod val="65000"/>
-                        <a:lumOff val="35000"/>
-                      </a:schemeClr>
-                    </a:solidFill>
-                    <a:latin typeface="+mn-lt"/>
-                    <a:ea typeface="+mn-ea"/>
-                    <a:cs typeface="+mn-cs"/>
-                  </a:defRPr>
-                </a:pPr>
-                <a:r>
-                  <a:rPr lang="ja-JP" altLang="en-US"/>
-                  <a:t>マイルストーン</a:t>
-                </a:r>
-              </a:p>
-            </c:rich>
-          </c:tx>
-          <c:layout/>
-          <c:overlay val="0"/>
-          <c:spPr>
-            <a:noFill/>
-            <a:ln>
-              <a:noFill/>
-            </a:ln>
-            <a:effectLst/>
-          </c:spPr>
-          <c:txPr>
-            <a:bodyPr rot="0" spcFirstLastPara="1" vertOverflow="ellipsis" vert="horz" wrap="square" anchor="ctr" anchorCtr="1"/>
-            <a:lstStyle/>
-            <a:p>
-              <a:pPr>
-                <a:defRPr sz="1000" b="0" i="0" u="none" strike="noStrike" kern="1200" baseline="0">
-                  <a:solidFill>
-                    <a:schemeClr val="tx1">
-                      <a:lumMod val="65000"/>
-                      <a:lumOff val="35000"/>
-                    </a:schemeClr>
-                  </a:solidFill>
-                  <a:latin typeface="+mn-lt"/>
-                  <a:ea typeface="+mn-ea"/>
-                  <a:cs typeface="+mn-cs"/>
-                </a:defRPr>
-              </a:pPr>
-              <a:endParaRPr lang="ja-JP"/>
-            </a:p>
-          </c:txPr>
-        </c:title>
-        <c:numFmt formatCode="General" sourceLinked="1"/>
-        <c:majorTickMark val="none"/>
-        <c:minorTickMark val="none"/>
-        <c:tickLblPos val="nextTo"/>
-        <c:spPr>
-          <a:noFill/>
-          <a:ln w="9525" cap="flat" cmpd="sng" algn="ctr">
-            <a:solidFill>
-              <a:schemeClr val="tx1">
-                <a:lumMod val="15000"/>
-                <a:lumOff val="85000"/>
-              </a:schemeClr>
-            </a:solidFill>
-            <a:round/>
-          </a:ln>
-          <a:effectLst/>
-        </c:spPr>
-        <c:txPr>
-          <a:bodyPr rot="-60000000" spcFirstLastPara="1" vertOverflow="ellipsis" vert="horz" wrap="square" anchor="ctr" anchorCtr="1"/>
-          <a:lstStyle/>
-          <a:p>
-            <a:pPr>
-              <a:defRPr sz="900" b="0" i="0" u="none" strike="noStrike" kern="1200" baseline="0">
-                <a:solidFill>
-                  <a:schemeClr val="tx1">
-                    <a:lumMod val="65000"/>
-                    <a:lumOff val="35000"/>
-                  </a:schemeClr>
-                </a:solidFill>
-                <a:latin typeface="+mn-lt"/>
-                <a:ea typeface="+mn-ea"/>
-                <a:cs typeface="+mn-cs"/>
-              </a:defRPr>
-            </a:pPr>
-            <a:endParaRPr lang="ja-JP"/>
-          </a:p>
-        </c:txPr>
-        <c:crossAx val="544342064"/>
-        <c:crosses val="autoZero"/>
-        <c:auto val="1"/>
-        <c:lblAlgn val="ctr"/>
-        <c:lblOffset val="100"/>
-        <c:noMultiLvlLbl val="1"/>
-      </c:catAx>
-      <c:valAx>
-        <c:axId val="544342064"/>
-        <c:scaling>
-          <c:orientation val="minMax"/>
-          <c:max val="400"/>
-        </c:scaling>
-        <c:delete val="0"/>
-        <c:axPos val="l"/>
-        <c:majorGridlines>
-          <c:spPr>
-            <a:ln w="9525" cap="flat" cmpd="sng" algn="ctr">
-              <a:solidFill>
-                <a:schemeClr val="tx1">
-                  <a:lumMod val="15000"/>
-                  <a:lumOff val="85000"/>
-                </a:schemeClr>
-              </a:solidFill>
-              <a:round/>
-            </a:ln>
-            <a:effectLst/>
-          </c:spPr>
-        </c:majorGridlines>
-        <c:title>
-          <c:tx>
-            <c:rich>
-              <a:bodyPr rot="0" spcFirstLastPara="1" vertOverflow="ellipsis" vert="eaVert" wrap="square" anchor="ctr" anchorCtr="1"/>
-              <a:lstStyle/>
-              <a:p>
-                <a:pPr>
-                  <a:defRPr sz="1000" b="0" i="0" u="none" strike="noStrike" kern="1200" baseline="0">
-                    <a:solidFill>
-                      <a:schemeClr val="tx1">
-                        <a:lumMod val="65000"/>
-                        <a:lumOff val="35000"/>
-                      </a:schemeClr>
-                    </a:solidFill>
-                    <a:latin typeface="+mn-lt"/>
-                    <a:ea typeface="+mn-ea"/>
-                    <a:cs typeface="+mn-cs"/>
-                  </a:defRPr>
-                </a:pPr>
-                <a:r>
-                  <a:rPr lang="ja-JP" altLang="en-US"/>
-                  <a:t>時間（ｈ）</a:t>
-                </a:r>
-              </a:p>
-            </c:rich>
-          </c:tx>
-          <c:layout>
-            <c:manualLayout>
-              <c:xMode val="edge"/>
-              <c:yMode val="edge"/>
-              <c:x val="1.2302520595958637E-2"/>
-              <c:y val="0.4219478451892561"/>
-            </c:manualLayout>
-          </c:layout>
-          <c:overlay val="0"/>
-          <c:spPr>
-            <a:noFill/>
-            <a:ln>
-              <a:noFill/>
-            </a:ln>
-            <a:effectLst/>
-          </c:spPr>
-          <c:txPr>
-            <a:bodyPr rot="0" spcFirstLastPara="1" vertOverflow="ellipsis" vert="eaVert" wrap="square" anchor="ctr" anchorCtr="1"/>
-            <a:lstStyle/>
-            <a:p>
-              <a:pPr>
-                <a:defRPr sz="1000" b="0" i="0" u="none" strike="noStrike" kern="1200" baseline="0">
-                  <a:solidFill>
-                    <a:schemeClr val="tx1">
-                      <a:lumMod val="65000"/>
-                      <a:lumOff val="35000"/>
-                    </a:schemeClr>
-                  </a:solidFill>
-                  <a:latin typeface="+mn-lt"/>
-                  <a:ea typeface="+mn-ea"/>
-                  <a:cs typeface="+mn-cs"/>
-                </a:defRPr>
-              </a:pPr>
-              <a:endParaRPr lang="ja-JP"/>
-            </a:p>
-          </c:txPr>
-        </c:title>
-        <c:numFmt formatCode="General" sourceLinked="1"/>
-        <c:majorTickMark val="none"/>
-        <c:minorTickMark val="none"/>
-        <c:tickLblPos val="nextTo"/>
-        <c:spPr>
-          <a:noFill/>
-          <a:ln>
-            <a:noFill/>
-          </a:ln>
-          <a:effectLst/>
-        </c:spPr>
-        <c:txPr>
-          <a:bodyPr rot="-60000000" spcFirstLastPara="1" vertOverflow="ellipsis" vert="horz" wrap="square" anchor="ctr" anchorCtr="1"/>
-          <a:lstStyle/>
-          <a:p>
-            <a:pPr>
-              <a:defRPr sz="900" b="0" i="0" u="none" strike="noStrike" kern="1200" baseline="0">
-                <a:solidFill>
-                  <a:schemeClr val="tx1">
-                    <a:lumMod val="65000"/>
-                    <a:lumOff val="35000"/>
-                  </a:schemeClr>
-                </a:solidFill>
-                <a:latin typeface="+mn-lt"/>
-                <a:ea typeface="+mn-ea"/>
-                <a:cs typeface="+mn-cs"/>
-              </a:defRPr>
-            </a:pPr>
-            <a:endParaRPr lang="ja-JP"/>
-          </a:p>
-        </c:txPr>
-        <c:crossAx val="544341736"/>
-        <c:crosses val="autoZero"/>
-        <c:crossBetween val="between"/>
-        <c:majorUnit val="50"/>
-      </c:valAx>
-      <c:valAx>
-        <c:axId val="1991828111"/>
-        <c:scaling>
-          <c:orientation val="minMax"/>
-          <c:max val="300"/>
-        </c:scaling>
-        <c:delete val="1"/>
-        <c:axPos val="r"/>
-        <c:numFmt formatCode="General" sourceLinked="1"/>
-        <c:majorTickMark val="out"/>
-        <c:minorTickMark val="none"/>
-        <c:tickLblPos val="nextTo"/>
-        <c:crossAx val="2065361951"/>
-        <c:crosses val="max"/>
-        <c:crossBetween val="between"/>
-        <c:majorUnit val="10"/>
-      </c:valAx>
-      <c:catAx>
-        <c:axId val="2065361951"/>
-        <c:scaling>
-          <c:orientation val="minMax"/>
-        </c:scaling>
-        <c:delete val="1"/>
-        <c:axPos val="b"/>
-        <c:majorTickMark val="out"/>
-        <c:minorTickMark val="none"/>
-        <c:tickLblPos val="nextTo"/>
-        <c:crossAx val="1991828111"/>
-        <c:crosses val="autoZero"/>
-        <c:auto val="1"/>
-        <c:lblAlgn val="ctr"/>
-        <c:lblOffset val="100"/>
-        <c:noMultiLvlLbl val="0"/>
-      </c:catAx>
-      <c:spPr>
-        <a:noFill/>
-        <a:ln>
-          <a:noFill/>
-        </a:ln>
-        <a:effectLst/>
-      </c:spPr>
-    </c:plotArea>
-    <c:legend>
-      <c:legendPos val="b"/>
-      <c:layout/>
-      <c:overlay val="0"/>
-      <c:spPr>
-        <a:noFill/>
-        <a:ln>
-          <a:noFill/>
-        </a:ln>
-        <a:effectLst/>
-      </c:spPr>
-      <c:txPr>
-        <a:bodyPr rot="0" spcFirstLastPara="1" vertOverflow="ellipsis" vert="horz" wrap="square" anchor="ctr" anchorCtr="1"/>
-        <a:lstStyle/>
-        <a:p>
-          <a:pPr>
-            <a:defRPr sz="900" b="0" i="0" u="none" strike="noStrike" kern="1200" baseline="0">
-              <a:solidFill>
-                <a:schemeClr val="tx1">
-                  <a:lumMod val="65000"/>
-                  <a:lumOff val="35000"/>
-                </a:schemeClr>
-              </a:solidFill>
-              <a:latin typeface="+mn-lt"/>
-              <a:ea typeface="+mn-ea"/>
-              <a:cs typeface="+mn-cs"/>
-            </a:defRPr>
-          </a:pPr>
-          <a:endParaRPr lang="ja-JP"/>
-        </a:p>
-      </c:txPr>
-    </c:legend>
-    <c:plotVisOnly val="1"/>
-    <c:dispBlanksAs val="gap"/>
-    <c:showDLblsOverMax val="0"/>
-  </c:chart>
-  <c:spPr>
-    <a:noFill/>
-    <a:ln>
-      <a:noFill/>
-    </a:ln>
-    <a:effectLst/>
-  </c:spPr>
-  <c:txPr>
-    <a:bodyPr/>
-    <a:lstStyle/>
-    <a:p>
-      <a:pPr>
-        <a:defRPr/>
-      </a:pPr>
-      <a:endParaRPr lang="ja-JP"/>
-    </a:p>
-  </c:txPr>
-  <c:externalData r:id="rId3">
-    <c:autoUpdate val="0"/>
-  </c:externalData>
-</c:chartSpace>
-</file>
-
 <file path=ppt/charts/colors1.xml><?xml version="1.0" encoding="utf-8"?>
 <cs:colorStyle xmlns:cs="http://schemas.microsoft.com/office/drawing/2012/chartStyle" xmlns:a="http://schemas.openxmlformats.org/drawingml/2006/main" meth="cycle" id="10">
   <a:schemeClr val="accent1"/>
@@ -1864,550 +1027,7 @@
 </cs:colorStyle>
 </file>
 
-<file path=ppt/charts/colors2.xml><?xml version="1.0" encoding="utf-8"?>
-<cs:colorStyle xmlns:cs="http://schemas.microsoft.com/office/drawing/2012/chartStyle" xmlns:a="http://schemas.openxmlformats.org/drawingml/2006/main" meth="cycle" id="10">
-  <a:schemeClr val="accent1"/>
-  <a:schemeClr val="accent2"/>
-  <a:schemeClr val="accent3"/>
-  <a:schemeClr val="accent4"/>
-  <a:schemeClr val="accent5"/>
-  <a:schemeClr val="accent6"/>
-  <cs:variation/>
-  <cs:variation>
-    <a:lumMod val="60000"/>
-  </cs:variation>
-  <cs:variation>
-    <a:lumMod val="80000"/>
-    <a:lumOff val="20000"/>
-  </cs:variation>
-  <cs:variation>
-    <a:lumMod val="80000"/>
-  </cs:variation>
-  <cs:variation>
-    <a:lumMod val="60000"/>
-    <a:lumOff val="40000"/>
-  </cs:variation>
-  <cs:variation>
-    <a:lumMod val="50000"/>
-  </cs:variation>
-  <cs:variation>
-    <a:lumMod val="70000"/>
-    <a:lumOff val="30000"/>
-  </cs:variation>
-  <cs:variation>
-    <a:lumMod val="70000"/>
-  </cs:variation>
-  <cs:variation>
-    <a:lumMod val="50000"/>
-    <a:lumOff val="50000"/>
-  </cs:variation>
-</cs:colorStyle>
-</file>
-
 <file path=ppt/charts/style1.xml><?xml version="1.0" encoding="utf-8"?>
-<cs:chartStyle xmlns:cs="http://schemas.microsoft.com/office/drawing/2012/chartStyle" xmlns:a="http://schemas.openxmlformats.org/drawingml/2006/main" id="332">
-  <cs:axisTitle>
-    <cs:lnRef idx="0"/>
-    <cs:fillRef idx="0"/>
-    <cs:effectRef idx="0"/>
-    <cs:fontRef idx="minor">
-      <a:schemeClr val="tx1">
-        <a:lumMod val="65000"/>
-        <a:lumOff val="35000"/>
-      </a:schemeClr>
-    </cs:fontRef>
-    <cs:defRPr sz="1000" kern="1200"/>
-  </cs:axisTitle>
-  <cs:categoryAxis>
-    <cs:lnRef idx="0"/>
-    <cs:fillRef idx="0"/>
-    <cs:effectRef idx="0"/>
-    <cs:fontRef idx="minor">
-      <a:schemeClr val="tx1">
-        <a:lumMod val="65000"/>
-        <a:lumOff val="35000"/>
-      </a:schemeClr>
-    </cs:fontRef>
-    <cs:spPr>
-      <a:ln w="9525" cap="flat" cmpd="sng" algn="ctr">
-        <a:solidFill>
-          <a:schemeClr val="tx1">
-            <a:lumMod val="15000"/>
-            <a:lumOff val="85000"/>
-          </a:schemeClr>
-        </a:solidFill>
-        <a:round/>
-      </a:ln>
-    </cs:spPr>
-    <cs:defRPr sz="900" kern="1200"/>
-  </cs:categoryAxis>
-  <cs:chartArea mods="allowNoFillOverride allowNoLineOverride">
-    <cs:lnRef idx="0"/>
-    <cs:fillRef idx="0"/>
-    <cs:effectRef idx="0"/>
-    <cs:fontRef idx="minor">
-      <a:schemeClr val="tx1"/>
-    </cs:fontRef>
-    <cs:spPr>
-      <a:solidFill>
-        <a:schemeClr val="bg1"/>
-      </a:solidFill>
-      <a:ln w="9525" cap="flat" cmpd="sng" algn="ctr">
-        <a:solidFill>
-          <a:schemeClr val="tx1">
-            <a:lumMod val="15000"/>
-            <a:lumOff val="85000"/>
-          </a:schemeClr>
-        </a:solidFill>
-        <a:round/>
-      </a:ln>
-    </cs:spPr>
-    <cs:defRPr sz="1000" kern="1200"/>
-  </cs:chartArea>
-  <cs:dataLabel>
-    <cs:lnRef idx="0"/>
-    <cs:fillRef idx="0"/>
-    <cs:effectRef idx="0"/>
-    <cs:fontRef idx="minor">
-      <a:schemeClr val="tx1">
-        <a:lumMod val="75000"/>
-        <a:lumOff val="25000"/>
-      </a:schemeClr>
-    </cs:fontRef>
-    <cs:defRPr sz="900" kern="1200"/>
-  </cs:dataLabel>
-  <cs:dataLabelCallout>
-    <cs:lnRef idx="0"/>
-    <cs:fillRef idx="0"/>
-    <cs:effectRef idx="0"/>
-    <cs:fontRef idx="minor">
-      <a:schemeClr val="dk1">
-        <a:lumMod val="65000"/>
-        <a:lumOff val="35000"/>
-      </a:schemeClr>
-    </cs:fontRef>
-    <cs:spPr>
-      <a:solidFill>
-        <a:schemeClr val="lt1"/>
-      </a:solidFill>
-      <a:ln>
-        <a:solidFill>
-          <a:schemeClr val="dk1">
-            <a:lumMod val="25000"/>
-            <a:lumOff val="75000"/>
-          </a:schemeClr>
-        </a:solidFill>
-      </a:ln>
-    </cs:spPr>
-    <cs:defRPr sz="900" kern="1200"/>
-    <cs:bodyPr rot="0" spcFirstLastPara="1" vertOverflow="clip" horzOverflow="clip" vert="horz" wrap="square" lIns="36576" tIns="18288" rIns="36576" bIns="18288" anchor="ctr" anchorCtr="1">
-      <a:spAutoFit/>
-    </cs:bodyPr>
-  </cs:dataLabelCallout>
-  <cs:dataPoint>
-    <cs:lnRef idx="0"/>
-    <cs:fillRef idx="1">
-      <cs:styleClr val="auto"/>
-    </cs:fillRef>
-    <cs:effectRef idx="0"/>
-    <cs:fontRef idx="minor">
-      <a:schemeClr val="tx1"/>
-    </cs:fontRef>
-  </cs:dataPoint>
-  <cs:dataPoint3D>
-    <cs:lnRef idx="0"/>
-    <cs:fillRef idx="1">
-      <cs:styleClr val="auto"/>
-    </cs:fillRef>
-    <cs:effectRef idx="0"/>
-    <cs:fontRef idx="minor">
-      <a:schemeClr val="tx1"/>
-    </cs:fontRef>
-  </cs:dataPoint3D>
-  <cs:dataPointLine>
-    <cs:lnRef idx="0">
-      <cs:styleClr val="auto"/>
-    </cs:lnRef>
-    <cs:fillRef idx="1"/>
-    <cs:effectRef idx="0"/>
-    <cs:fontRef idx="minor">
-      <a:schemeClr val="tx1"/>
-    </cs:fontRef>
-    <cs:spPr>
-      <a:ln w="28575" cap="rnd">
-        <a:solidFill>
-          <a:schemeClr val="phClr"/>
-        </a:solidFill>
-        <a:round/>
-      </a:ln>
-    </cs:spPr>
-  </cs:dataPointLine>
-  <cs:dataPointMarker>
-    <cs:lnRef idx="0">
-      <cs:styleClr val="auto"/>
-    </cs:lnRef>
-    <cs:fillRef idx="1">
-      <cs:styleClr val="auto"/>
-    </cs:fillRef>
-    <cs:effectRef idx="0"/>
-    <cs:fontRef idx="minor">
-      <a:schemeClr val="tx1"/>
-    </cs:fontRef>
-    <cs:spPr>
-      <a:ln w="9525">
-        <a:solidFill>
-          <a:schemeClr val="phClr"/>
-        </a:solidFill>
-      </a:ln>
-    </cs:spPr>
-  </cs:dataPointMarker>
-  <cs:dataPointMarkerLayout symbol="circle" size="5"/>
-  <cs:dataPointWireframe>
-    <cs:lnRef idx="0">
-      <cs:styleClr val="auto"/>
-    </cs:lnRef>
-    <cs:fillRef idx="1"/>
-    <cs:effectRef idx="0"/>
-    <cs:fontRef idx="minor">
-      <a:schemeClr val="tx1"/>
-    </cs:fontRef>
-    <cs:spPr>
-      <a:ln w="9525" cap="rnd">
-        <a:solidFill>
-          <a:schemeClr val="phClr"/>
-        </a:solidFill>
-        <a:round/>
-      </a:ln>
-    </cs:spPr>
-  </cs:dataPointWireframe>
-  <cs:dataTable>
-    <cs:lnRef idx="0"/>
-    <cs:fillRef idx="0"/>
-    <cs:effectRef idx="0"/>
-    <cs:fontRef idx="minor">
-      <a:schemeClr val="tx1">
-        <a:lumMod val="65000"/>
-        <a:lumOff val="35000"/>
-      </a:schemeClr>
-    </cs:fontRef>
-    <cs:spPr>
-      <a:noFill/>
-      <a:ln w="9525" cap="flat" cmpd="sng" algn="ctr">
-        <a:solidFill>
-          <a:schemeClr val="tx1">
-            <a:lumMod val="15000"/>
-            <a:lumOff val="85000"/>
-          </a:schemeClr>
-        </a:solidFill>
-        <a:round/>
-      </a:ln>
-    </cs:spPr>
-    <cs:defRPr sz="900" kern="1200"/>
-  </cs:dataTable>
-  <cs:downBar>
-    <cs:lnRef idx="0"/>
-    <cs:fillRef idx="0"/>
-    <cs:effectRef idx="0"/>
-    <cs:fontRef idx="minor">
-      <a:schemeClr val="dk1"/>
-    </cs:fontRef>
-    <cs:spPr>
-      <a:solidFill>
-        <a:schemeClr val="dk1">
-          <a:lumMod val="65000"/>
-          <a:lumOff val="35000"/>
-        </a:schemeClr>
-      </a:solidFill>
-      <a:ln w="9525">
-        <a:solidFill>
-          <a:schemeClr val="tx1">
-            <a:lumMod val="65000"/>
-            <a:lumOff val="35000"/>
-          </a:schemeClr>
-        </a:solidFill>
-      </a:ln>
-    </cs:spPr>
-  </cs:downBar>
-  <cs:dropLine>
-    <cs:lnRef idx="0"/>
-    <cs:fillRef idx="0"/>
-    <cs:effectRef idx="0"/>
-    <cs:fontRef idx="minor">
-      <a:schemeClr val="tx1"/>
-    </cs:fontRef>
-    <cs:spPr>
-      <a:ln w="9525" cap="flat" cmpd="sng" algn="ctr">
-        <a:solidFill>
-          <a:schemeClr val="tx1">
-            <a:lumMod val="35000"/>
-            <a:lumOff val="65000"/>
-          </a:schemeClr>
-        </a:solidFill>
-        <a:round/>
-      </a:ln>
-    </cs:spPr>
-  </cs:dropLine>
-  <cs:errorBar>
-    <cs:lnRef idx="0"/>
-    <cs:fillRef idx="0"/>
-    <cs:effectRef idx="0"/>
-    <cs:fontRef idx="minor">
-      <a:schemeClr val="tx1"/>
-    </cs:fontRef>
-    <cs:spPr>
-      <a:ln w="9525" cap="flat" cmpd="sng" algn="ctr">
-        <a:solidFill>
-          <a:schemeClr val="tx1">
-            <a:lumMod val="65000"/>
-            <a:lumOff val="35000"/>
-          </a:schemeClr>
-        </a:solidFill>
-        <a:round/>
-      </a:ln>
-    </cs:spPr>
-  </cs:errorBar>
-  <cs:floor>
-    <cs:lnRef idx="0"/>
-    <cs:fillRef idx="0"/>
-    <cs:effectRef idx="0"/>
-    <cs:fontRef idx="minor">
-      <a:schemeClr val="tx1"/>
-    </cs:fontRef>
-    <cs:spPr>
-      <a:noFill/>
-      <a:ln>
-        <a:noFill/>
-      </a:ln>
-    </cs:spPr>
-  </cs:floor>
-  <cs:gridlineMajor>
-    <cs:lnRef idx="0"/>
-    <cs:fillRef idx="0"/>
-    <cs:effectRef idx="0"/>
-    <cs:fontRef idx="minor">
-      <a:schemeClr val="tx1"/>
-    </cs:fontRef>
-    <cs:spPr>
-      <a:ln w="9525" cap="flat" cmpd="sng" algn="ctr">
-        <a:solidFill>
-          <a:schemeClr val="tx1">
-            <a:lumMod val="15000"/>
-            <a:lumOff val="85000"/>
-          </a:schemeClr>
-        </a:solidFill>
-        <a:round/>
-      </a:ln>
-    </cs:spPr>
-  </cs:gridlineMajor>
-  <cs:gridlineMinor>
-    <cs:lnRef idx="0"/>
-    <cs:fillRef idx="0"/>
-    <cs:effectRef idx="0"/>
-    <cs:fontRef idx="minor">
-      <a:schemeClr val="tx1"/>
-    </cs:fontRef>
-    <cs:spPr>
-      <a:ln w="9525" cap="flat" cmpd="sng" algn="ctr">
-        <a:solidFill>
-          <a:schemeClr val="tx1">
-            <a:lumMod val="5000"/>
-            <a:lumOff val="95000"/>
-          </a:schemeClr>
-        </a:solidFill>
-        <a:round/>
-      </a:ln>
-    </cs:spPr>
-  </cs:gridlineMinor>
-  <cs:hiLoLine>
-    <cs:lnRef idx="0"/>
-    <cs:fillRef idx="0"/>
-    <cs:effectRef idx="0"/>
-    <cs:fontRef idx="minor">
-      <a:schemeClr val="tx1"/>
-    </cs:fontRef>
-    <cs:spPr>
-      <a:ln w="9525" cap="flat" cmpd="sng" algn="ctr">
-        <a:solidFill>
-          <a:schemeClr val="tx1">
-            <a:lumMod val="75000"/>
-            <a:lumOff val="25000"/>
-          </a:schemeClr>
-        </a:solidFill>
-        <a:round/>
-      </a:ln>
-    </cs:spPr>
-  </cs:hiLoLine>
-  <cs:leaderLine>
-    <cs:lnRef idx="0"/>
-    <cs:fillRef idx="0"/>
-    <cs:effectRef idx="0"/>
-    <cs:fontRef idx="minor">
-      <a:schemeClr val="tx1"/>
-    </cs:fontRef>
-    <cs:spPr>
-      <a:ln w="9525" cap="flat" cmpd="sng" algn="ctr">
-        <a:solidFill>
-          <a:schemeClr val="tx1">
-            <a:lumMod val="35000"/>
-            <a:lumOff val="65000"/>
-          </a:schemeClr>
-        </a:solidFill>
-        <a:round/>
-      </a:ln>
-    </cs:spPr>
-  </cs:leaderLine>
-  <cs:legend>
-    <cs:lnRef idx="0"/>
-    <cs:fillRef idx="0"/>
-    <cs:effectRef idx="0"/>
-    <cs:fontRef idx="minor">
-      <a:schemeClr val="tx1">
-        <a:lumMod val="65000"/>
-        <a:lumOff val="35000"/>
-      </a:schemeClr>
-    </cs:fontRef>
-    <cs:defRPr sz="900" kern="1200"/>
-  </cs:legend>
-  <cs:plotArea mods="allowNoFillOverride allowNoLineOverride">
-    <cs:lnRef idx="0"/>
-    <cs:fillRef idx="0"/>
-    <cs:effectRef idx="0"/>
-    <cs:fontRef idx="minor">
-      <a:schemeClr val="tx1"/>
-    </cs:fontRef>
-  </cs:plotArea>
-  <cs:plotArea3D mods="allowNoFillOverride allowNoLineOverride">
-    <cs:lnRef idx="0"/>
-    <cs:fillRef idx="0"/>
-    <cs:effectRef idx="0"/>
-    <cs:fontRef idx="minor">
-      <a:schemeClr val="tx1"/>
-    </cs:fontRef>
-  </cs:plotArea3D>
-  <cs:seriesAxis>
-    <cs:lnRef idx="0"/>
-    <cs:fillRef idx="0"/>
-    <cs:effectRef idx="0"/>
-    <cs:fontRef idx="minor">
-      <a:schemeClr val="tx1">
-        <a:lumMod val="65000"/>
-        <a:lumOff val="35000"/>
-      </a:schemeClr>
-    </cs:fontRef>
-    <cs:defRPr sz="900" kern="1200"/>
-  </cs:seriesAxis>
-  <cs:seriesLine>
-    <cs:lnRef idx="0"/>
-    <cs:fillRef idx="0"/>
-    <cs:effectRef idx="0"/>
-    <cs:fontRef idx="minor">
-      <a:schemeClr val="tx1"/>
-    </cs:fontRef>
-    <cs:spPr>
-      <a:ln w="9525" cap="flat" cmpd="sng" algn="ctr">
-        <a:solidFill>
-          <a:schemeClr val="tx1">
-            <a:lumMod val="35000"/>
-            <a:lumOff val="65000"/>
-          </a:schemeClr>
-        </a:solidFill>
-        <a:round/>
-      </a:ln>
-    </cs:spPr>
-  </cs:seriesLine>
-  <cs:title>
-    <cs:lnRef idx="0"/>
-    <cs:fillRef idx="0"/>
-    <cs:effectRef idx="0"/>
-    <cs:fontRef idx="minor">
-      <a:schemeClr val="tx1">
-        <a:lumMod val="65000"/>
-        <a:lumOff val="35000"/>
-      </a:schemeClr>
-    </cs:fontRef>
-    <cs:defRPr sz="1400" b="0" kern="1200" spc="0" baseline="0"/>
-  </cs:title>
-  <cs:trendline>
-    <cs:lnRef idx="0">
-      <cs:styleClr val="auto"/>
-    </cs:lnRef>
-    <cs:fillRef idx="0"/>
-    <cs:effectRef idx="0"/>
-    <cs:fontRef idx="minor">
-      <a:schemeClr val="tx1"/>
-    </cs:fontRef>
-    <cs:spPr>
-      <a:ln w="19050" cap="rnd">
-        <a:solidFill>
-          <a:schemeClr val="phClr"/>
-        </a:solidFill>
-        <a:prstDash val="sysDot"/>
-      </a:ln>
-    </cs:spPr>
-  </cs:trendline>
-  <cs:trendlineLabel>
-    <cs:lnRef idx="0"/>
-    <cs:fillRef idx="0"/>
-    <cs:effectRef idx="0"/>
-    <cs:fontRef idx="minor">
-      <a:schemeClr val="tx1">
-        <a:lumMod val="65000"/>
-        <a:lumOff val="35000"/>
-      </a:schemeClr>
-    </cs:fontRef>
-    <cs:defRPr sz="900" kern="1200"/>
-  </cs:trendlineLabel>
-  <cs:upBar>
-    <cs:lnRef idx="0"/>
-    <cs:fillRef idx="0"/>
-    <cs:effectRef idx="0"/>
-    <cs:fontRef idx="minor">
-      <a:schemeClr val="dk1"/>
-    </cs:fontRef>
-    <cs:spPr>
-      <a:solidFill>
-        <a:schemeClr val="lt1"/>
-      </a:solidFill>
-      <a:ln w="9525">
-        <a:solidFill>
-          <a:schemeClr val="tx1">
-            <a:lumMod val="15000"/>
-            <a:lumOff val="85000"/>
-          </a:schemeClr>
-        </a:solidFill>
-      </a:ln>
-    </cs:spPr>
-  </cs:upBar>
-  <cs:valueAxis>
-    <cs:lnRef idx="0"/>
-    <cs:fillRef idx="0"/>
-    <cs:effectRef idx="0"/>
-    <cs:fontRef idx="minor">
-      <a:schemeClr val="tx1">
-        <a:lumMod val="65000"/>
-        <a:lumOff val="35000"/>
-      </a:schemeClr>
-    </cs:fontRef>
-    <cs:defRPr sz="900" kern="1200"/>
-  </cs:valueAxis>
-  <cs:wall>
-    <cs:lnRef idx="0"/>
-    <cs:fillRef idx="0"/>
-    <cs:effectRef idx="0"/>
-    <cs:fontRef idx="minor">
-      <a:schemeClr val="tx1"/>
-    </cs:fontRef>
-    <cs:spPr>
-      <a:noFill/>
-      <a:ln>
-        <a:noFill/>
-      </a:ln>
-    </cs:spPr>
-  </cs:wall>
-</cs:chartStyle>
-</file>
-
-<file path=ppt/charts/style2.xml><?xml version="1.0" encoding="utf-8"?>
 <cs:chartStyle xmlns:cs="http://schemas.microsoft.com/office/drawing/2012/chartStyle" xmlns:a="http://schemas.openxmlformats.org/drawingml/2006/main" id="332">
   <cs:axisTitle>
     <cs:lnRef idx="0"/>
@@ -3661,925 +2281,6 @@
 </dgm:colorsDef>
 </file>
 
-<file path=ppt/diagrams/colors2.xml><?xml version="1.0" encoding="utf-8"?>
-<dgm:colorsDef xmlns:dgm="http://schemas.openxmlformats.org/drawingml/2006/diagram" xmlns:a="http://schemas.openxmlformats.org/drawingml/2006/main" uniqueId="urn:microsoft.com/office/officeart/2005/8/colors/colorful1">
-  <dgm:title val=""/>
-  <dgm:desc val=""/>
-  <dgm:catLst>
-    <dgm:cat type="colorful" pri="10100"/>
-  </dgm:catLst>
-  <dgm:styleLbl name="node0">
-    <dgm:fillClrLst meth="repeat">
-      <a:schemeClr val="accent1"/>
-    </dgm:fillClrLst>
-    <dgm:linClrLst meth="repeat">
-      <a:schemeClr val="lt1"/>
-    </dgm:linClrLst>
-    <dgm:effectClrLst/>
-    <dgm:txLinClrLst/>
-    <dgm:txFillClrLst/>
-    <dgm:txEffectClrLst/>
-  </dgm:styleLbl>
-  <dgm:styleLbl name="node1">
-    <dgm:fillClrLst meth="repeat">
-      <a:schemeClr val="accent2"/>
-      <a:schemeClr val="accent3"/>
-      <a:schemeClr val="accent4"/>
-      <a:schemeClr val="accent5"/>
-      <a:schemeClr val="accent6"/>
-    </dgm:fillClrLst>
-    <dgm:linClrLst meth="repeat">
-      <a:schemeClr val="lt1"/>
-    </dgm:linClrLst>
-    <dgm:effectClrLst/>
-    <dgm:txLinClrLst/>
-    <dgm:txFillClrLst/>
-    <dgm:txEffectClrLst/>
-  </dgm:styleLbl>
-  <dgm:styleLbl name="alignNode1">
-    <dgm:fillClrLst meth="repeat">
-      <a:schemeClr val="accent2"/>
-      <a:schemeClr val="accent3"/>
-      <a:schemeClr val="accent4"/>
-      <a:schemeClr val="accent5"/>
-      <a:schemeClr val="accent6"/>
-    </dgm:fillClrLst>
-    <dgm:linClrLst meth="repeat">
-      <a:schemeClr val="accent2"/>
-      <a:schemeClr val="accent3"/>
-      <a:schemeClr val="accent4"/>
-      <a:schemeClr val="accent5"/>
-      <a:schemeClr val="accent6"/>
-    </dgm:linClrLst>
-    <dgm:effectClrLst/>
-    <dgm:txLinClrLst/>
-    <dgm:txFillClrLst/>
-    <dgm:txEffectClrLst/>
-  </dgm:styleLbl>
-  <dgm:styleLbl name="lnNode1">
-    <dgm:fillClrLst meth="repeat">
-      <a:schemeClr val="accent2"/>
-      <a:schemeClr val="accent3"/>
-      <a:schemeClr val="accent4"/>
-      <a:schemeClr val="accent5"/>
-      <a:schemeClr val="accent6"/>
-    </dgm:fillClrLst>
-    <dgm:linClrLst meth="repeat">
-      <a:schemeClr val="lt1"/>
-    </dgm:linClrLst>
-    <dgm:effectClrLst/>
-    <dgm:txLinClrLst/>
-    <dgm:txFillClrLst/>
-    <dgm:txEffectClrLst/>
-  </dgm:styleLbl>
-  <dgm:styleLbl name="vennNode1">
-    <dgm:fillClrLst meth="repeat">
-      <a:schemeClr val="accent2">
-        <a:alpha val="50000"/>
-      </a:schemeClr>
-      <a:schemeClr val="accent3">
-        <a:alpha val="50000"/>
-      </a:schemeClr>
-      <a:schemeClr val="accent4">
-        <a:alpha val="50000"/>
-      </a:schemeClr>
-      <a:schemeClr val="accent5">
-        <a:alpha val="50000"/>
-      </a:schemeClr>
-      <a:schemeClr val="accent6">
-        <a:alpha val="50000"/>
-      </a:schemeClr>
-    </dgm:fillClrLst>
-    <dgm:linClrLst meth="repeat">
-      <a:schemeClr val="lt1"/>
-    </dgm:linClrLst>
-    <dgm:effectClrLst/>
-    <dgm:txLinClrLst/>
-    <dgm:txFillClrLst/>
-    <dgm:txEffectClrLst/>
-  </dgm:styleLbl>
-  <dgm:styleLbl name="node2">
-    <dgm:fillClrLst>
-      <a:schemeClr val="accent2"/>
-    </dgm:fillClrLst>
-    <dgm:linClrLst meth="repeat">
-      <a:schemeClr val="lt1"/>
-    </dgm:linClrLst>
-    <dgm:effectClrLst/>
-    <dgm:txLinClrLst/>
-    <dgm:txFillClrLst/>
-    <dgm:txEffectClrLst/>
-  </dgm:styleLbl>
-  <dgm:styleLbl name="node3">
-    <dgm:fillClrLst>
-      <a:schemeClr val="accent3"/>
-    </dgm:fillClrLst>
-    <dgm:linClrLst meth="repeat">
-      <a:schemeClr val="lt1"/>
-    </dgm:linClrLst>
-    <dgm:effectClrLst/>
-    <dgm:txLinClrLst/>
-    <dgm:txFillClrLst/>
-    <dgm:txEffectClrLst/>
-  </dgm:styleLbl>
-  <dgm:styleLbl name="node4">
-    <dgm:fillClrLst>
-      <a:schemeClr val="accent4"/>
-    </dgm:fillClrLst>
-    <dgm:linClrLst meth="repeat">
-      <a:schemeClr val="lt1"/>
-    </dgm:linClrLst>
-    <dgm:effectClrLst/>
-    <dgm:txLinClrLst/>
-    <dgm:txFillClrLst/>
-    <dgm:txEffectClrLst/>
-  </dgm:styleLbl>
-  <dgm:styleLbl name="fgImgPlace1">
-    <dgm:fillClrLst meth="repeat">
-      <a:schemeClr val="accent2">
-        <a:tint val="50000"/>
-      </a:schemeClr>
-      <a:schemeClr val="accent3">
-        <a:tint val="50000"/>
-      </a:schemeClr>
-      <a:schemeClr val="accent4">
-        <a:tint val="50000"/>
-      </a:schemeClr>
-      <a:schemeClr val="accent5">
-        <a:tint val="50000"/>
-      </a:schemeClr>
-      <a:schemeClr val="accent6">
-        <a:tint val="50000"/>
-      </a:schemeClr>
-    </dgm:fillClrLst>
-    <dgm:linClrLst meth="repeat">
-      <a:schemeClr val="lt1"/>
-    </dgm:linClrLst>
-    <dgm:effectClrLst/>
-    <dgm:txLinClrLst/>
-    <dgm:txFillClrLst meth="repeat">
-      <a:schemeClr val="lt1"/>
-    </dgm:txFillClrLst>
-    <dgm:txEffectClrLst/>
-  </dgm:styleLbl>
-  <dgm:styleLbl name="alignImgPlace1">
-    <dgm:fillClrLst>
-      <a:schemeClr val="accent1">
-        <a:tint val="50000"/>
-      </a:schemeClr>
-      <a:schemeClr val="accent2">
-        <a:tint val="20000"/>
-      </a:schemeClr>
-    </dgm:fillClrLst>
-    <dgm:linClrLst meth="repeat">
-      <a:schemeClr val="lt1"/>
-    </dgm:linClrLst>
-    <dgm:effectClrLst/>
-    <dgm:txLinClrLst/>
-    <dgm:txFillClrLst meth="repeat">
-      <a:schemeClr val="lt1"/>
-    </dgm:txFillClrLst>
-    <dgm:txEffectClrLst/>
-  </dgm:styleLbl>
-  <dgm:styleLbl name="bgImgPlace1">
-    <dgm:fillClrLst>
-      <a:schemeClr val="accent1">
-        <a:tint val="50000"/>
-      </a:schemeClr>
-      <a:schemeClr val="accent2">
-        <a:tint val="20000"/>
-      </a:schemeClr>
-    </dgm:fillClrLst>
-    <dgm:linClrLst meth="repeat">
-      <a:schemeClr val="lt1"/>
-    </dgm:linClrLst>
-    <dgm:effectClrLst/>
-    <dgm:txLinClrLst/>
-    <dgm:txFillClrLst meth="repeat">
-      <a:schemeClr val="lt1"/>
-    </dgm:txFillClrLst>
-    <dgm:txEffectClrLst/>
-  </dgm:styleLbl>
-  <dgm:styleLbl name="sibTrans2D1">
-    <dgm:fillClrLst meth="repeat">
-      <a:schemeClr val="accent2"/>
-      <a:schemeClr val="accent3"/>
-      <a:schemeClr val="accent4"/>
-      <a:schemeClr val="accent5"/>
-      <a:schemeClr val="accent6"/>
-    </dgm:fillClrLst>
-    <dgm:linClrLst meth="cycle">
-      <a:schemeClr val="lt1"/>
-    </dgm:linClrLst>
-    <dgm:effectClrLst/>
-    <dgm:txLinClrLst/>
-    <dgm:txFillClrLst/>
-    <dgm:txEffectClrLst/>
-  </dgm:styleLbl>
-  <dgm:styleLbl name="fgSibTrans2D1">
-    <dgm:fillClrLst meth="repeat">
-      <a:schemeClr val="accent2"/>
-      <a:schemeClr val="accent3"/>
-      <a:schemeClr val="accent4"/>
-      <a:schemeClr val="accent5"/>
-      <a:schemeClr val="accent6"/>
-    </dgm:fillClrLst>
-    <dgm:linClrLst meth="cycle">
-      <a:schemeClr val="lt1"/>
-    </dgm:linClrLst>
-    <dgm:effectClrLst/>
-    <dgm:txLinClrLst/>
-    <dgm:txFillClrLst meth="repeat">
-      <a:schemeClr val="lt1"/>
-    </dgm:txFillClrLst>
-    <dgm:txEffectClrLst/>
-  </dgm:styleLbl>
-  <dgm:styleLbl name="bgSibTrans2D1">
-    <dgm:fillClrLst meth="repeat">
-      <a:schemeClr val="accent2"/>
-      <a:schemeClr val="accent3"/>
-      <a:schemeClr val="accent4"/>
-      <a:schemeClr val="accent5"/>
-      <a:schemeClr val="accent6"/>
-    </dgm:fillClrLst>
-    <dgm:linClrLst meth="cycle">
-      <a:schemeClr val="lt1"/>
-    </dgm:linClrLst>
-    <dgm:effectClrLst/>
-    <dgm:txLinClrLst/>
-    <dgm:txFillClrLst meth="repeat">
-      <a:schemeClr val="lt1"/>
-    </dgm:txFillClrLst>
-    <dgm:txEffectClrLst/>
-  </dgm:styleLbl>
-  <dgm:styleLbl name="sibTrans1D1">
-    <dgm:fillClrLst meth="repeat">
-      <a:schemeClr val="accent2"/>
-      <a:schemeClr val="accent3"/>
-      <a:schemeClr val="accent4"/>
-      <a:schemeClr val="accent5"/>
-      <a:schemeClr val="accent6"/>
-    </dgm:fillClrLst>
-    <dgm:linClrLst meth="repeat">
-      <a:schemeClr val="accent2"/>
-      <a:schemeClr val="accent3"/>
-      <a:schemeClr val="accent4"/>
-      <a:schemeClr val="accent5"/>
-      <a:schemeClr val="accent6"/>
-    </dgm:linClrLst>
-    <dgm:effectClrLst/>
-    <dgm:txLinClrLst/>
-    <dgm:txFillClrLst meth="repeat">
-      <a:schemeClr val="tx1"/>
-    </dgm:txFillClrLst>
-    <dgm:txEffectClrLst/>
-  </dgm:styleLbl>
-  <dgm:styleLbl name="callout">
-    <dgm:fillClrLst meth="repeat">
-      <a:schemeClr val="accent2"/>
-    </dgm:fillClrLst>
-    <dgm:linClrLst meth="repeat">
-      <a:schemeClr val="accent2">
-        <a:tint val="50000"/>
-      </a:schemeClr>
-    </dgm:linClrLst>
-    <dgm:effectClrLst/>
-    <dgm:txLinClrLst/>
-    <dgm:txFillClrLst meth="repeat">
-      <a:schemeClr val="tx1"/>
-    </dgm:txFillClrLst>
-    <dgm:txEffectClrLst/>
-  </dgm:styleLbl>
-  <dgm:styleLbl name="asst0">
-    <dgm:fillClrLst meth="repeat">
-      <a:schemeClr val="accent1"/>
-    </dgm:fillClrLst>
-    <dgm:linClrLst meth="repeat">
-      <a:schemeClr val="lt1"/>
-    </dgm:linClrLst>
-    <dgm:effectClrLst/>
-    <dgm:txLinClrLst/>
-    <dgm:txFillClrLst/>
-    <dgm:txEffectClrLst/>
-  </dgm:styleLbl>
-  <dgm:styleLbl name="asst1">
-    <dgm:fillClrLst meth="repeat">
-      <a:schemeClr val="accent2"/>
-    </dgm:fillClrLst>
-    <dgm:linClrLst meth="repeat">
-      <a:schemeClr val="lt1"/>
-    </dgm:linClrLst>
-    <dgm:effectClrLst/>
-    <dgm:txLinClrLst/>
-    <dgm:txFillClrLst/>
-    <dgm:txEffectClrLst/>
-  </dgm:styleLbl>
-  <dgm:styleLbl name="asst2">
-    <dgm:fillClrLst>
-      <a:schemeClr val="accent3"/>
-    </dgm:fillClrLst>
-    <dgm:linClrLst meth="repeat">
-      <a:schemeClr val="lt1"/>
-    </dgm:linClrLst>
-    <dgm:effectClrLst/>
-    <dgm:txLinClrLst/>
-    <dgm:txFillClrLst/>
-    <dgm:txEffectClrLst/>
-  </dgm:styleLbl>
-  <dgm:styleLbl name="asst3">
-    <dgm:fillClrLst>
-      <a:schemeClr val="accent4"/>
-    </dgm:fillClrLst>
-    <dgm:linClrLst meth="repeat">
-      <a:schemeClr val="lt1"/>
-    </dgm:linClrLst>
-    <dgm:effectClrLst/>
-    <dgm:txLinClrLst/>
-    <dgm:txFillClrLst/>
-    <dgm:txEffectClrLst/>
-  </dgm:styleLbl>
-  <dgm:styleLbl name="asst4">
-    <dgm:fillClrLst>
-      <a:schemeClr val="accent5"/>
-    </dgm:fillClrLst>
-    <dgm:linClrLst meth="repeat">
-      <a:schemeClr val="lt1"/>
-    </dgm:linClrLst>
-    <dgm:effectClrLst/>
-    <dgm:txLinClrLst/>
-    <dgm:txFillClrLst/>
-    <dgm:txEffectClrLst/>
-  </dgm:styleLbl>
-  <dgm:styleLbl name="parChTrans2D1">
-    <dgm:fillClrLst meth="repeat">
-      <a:schemeClr val="accent2"/>
-    </dgm:fillClrLst>
-    <dgm:linClrLst meth="repeat">
-      <a:schemeClr val="lt1"/>
-    </dgm:linClrLst>
-    <dgm:effectClrLst/>
-    <dgm:txLinClrLst/>
-    <dgm:txFillClrLst meth="repeat">
-      <a:schemeClr val="lt1"/>
-    </dgm:txFillClrLst>
-    <dgm:txEffectClrLst/>
-  </dgm:styleLbl>
-  <dgm:styleLbl name="parChTrans2D2">
-    <dgm:fillClrLst meth="repeat">
-      <a:schemeClr val="accent3"/>
-    </dgm:fillClrLst>
-    <dgm:linClrLst meth="repeat">
-      <a:schemeClr val="lt1"/>
-    </dgm:linClrLst>
-    <dgm:effectClrLst/>
-    <dgm:txLinClrLst/>
-    <dgm:txFillClrLst/>
-    <dgm:txEffectClrLst/>
-  </dgm:styleLbl>
-  <dgm:styleLbl name="parChTrans2D3">
-    <dgm:fillClrLst meth="repeat">
-      <a:schemeClr val="accent4"/>
-    </dgm:fillClrLst>
-    <dgm:linClrLst meth="repeat">
-      <a:schemeClr val="lt1"/>
-    </dgm:linClrLst>
-    <dgm:effectClrLst/>
-    <dgm:txLinClrLst/>
-    <dgm:txFillClrLst/>
-    <dgm:txEffectClrLst/>
-  </dgm:styleLbl>
-  <dgm:styleLbl name="parChTrans2D4">
-    <dgm:fillClrLst meth="repeat">
-      <a:schemeClr val="accent5"/>
-    </dgm:fillClrLst>
-    <dgm:linClrLst meth="repeat">
-      <a:schemeClr val="lt1"/>
-    </dgm:linClrLst>
-    <dgm:effectClrLst/>
-    <dgm:txLinClrLst/>
-    <dgm:txFillClrLst meth="repeat">
-      <a:schemeClr val="lt1"/>
-    </dgm:txFillClrLst>
-    <dgm:txEffectClrLst/>
-  </dgm:styleLbl>
-  <dgm:styleLbl name="parChTrans1D1">
-    <dgm:fillClrLst meth="repeat">
-      <a:schemeClr val="accent2"/>
-    </dgm:fillClrLst>
-    <dgm:linClrLst meth="repeat">
-      <a:schemeClr val="accent1"/>
-    </dgm:linClrLst>
-    <dgm:effectClrLst/>
-    <dgm:txLinClrLst/>
-    <dgm:txFillClrLst meth="repeat">
-      <a:schemeClr val="tx1"/>
-    </dgm:txFillClrLst>
-    <dgm:txEffectClrLst/>
-  </dgm:styleLbl>
-  <dgm:styleLbl name="parChTrans1D2">
-    <dgm:fillClrLst meth="repeat">
-      <a:schemeClr val="accent3">
-        <a:tint val="90000"/>
-      </a:schemeClr>
-    </dgm:fillClrLst>
-    <dgm:linClrLst meth="repeat">
-      <a:schemeClr val="accent2"/>
-    </dgm:linClrLst>
-    <dgm:effectClrLst/>
-    <dgm:txLinClrLst/>
-    <dgm:txFillClrLst meth="repeat">
-      <a:schemeClr val="tx1"/>
-    </dgm:txFillClrLst>
-    <dgm:txEffectClrLst/>
-  </dgm:styleLbl>
-  <dgm:styleLbl name="parChTrans1D3">
-    <dgm:fillClrLst meth="repeat">
-      <a:schemeClr val="accent4">
-        <a:tint val="70000"/>
-      </a:schemeClr>
-    </dgm:fillClrLst>
-    <dgm:linClrLst meth="repeat">
-      <a:schemeClr val="accent3"/>
-    </dgm:linClrLst>
-    <dgm:effectClrLst/>
-    <dgm:txLinClrLst/>
-    <dgm:txFillClrLst meth="repeat">
-      <a:schemeClr val="tx1"/>
-    </dgm:txFillClrLst>
-    <dgm:txEffectClrLst/>
-  </dgm:styleLbl>
-  <dgm:styleLbl name="parChTrans1D4">
-    <dgm:fillClrLst meth="repeat">
-      <a:schemeClr val="accent5">
-        <a:tint val="50000"/>
-      </a:schemeClr>
-    </dgm:fillClrLst>
-    <dgm:linClrLst meth="repeat">
-      <a:schemeClr val="accent4"/>
-    </dgm:linClrLst>
-    <dgm:effectClrLst/>
-    <dgm:txLinClrLst/>
-    <dgm:txFillClrLst meth="repeat">
-      <a:schemeClr val="tx1"/>
-    </dgm:txFillClrLst>
-    <dgm:txEffectClrLst/>
-  </dgm:styleLbl>
-  <dgm:styleLbl name="fgAcc1">
-    <dgm:fillClrLst meth="repeat">
-      <a:schemeClr val="lt1">
-        <a:alpha val="90000"/>
-      </a:schemeClr>
-    </dgm:fillClrLst>
-    <dgm:linClrLst meth="repeat">
-      <a:schemeClr val="accent2"/>
-      <a:schemeClr val="accent3"/>
-      <a:schemeClr val="accent4"/>
-      <a:schemeClr val="accent5"/>
-      <a:schemeClr val="accent6"/>
-    </dgm:linClrLst>
-    <dgm:effectClrLst/>
-    <dgm:txLinClrLst/>
-    <dgm:txFillClrLst meth="repeat">
-      <a:schemeClr val="dk1"/>
-    </dgm:txFillClrLst>
-    <dgm:txEffectClrLst/>
-  </dgm:styleLbl>
-  <dgm:styleLbl name="conFgAcc1">
-    <dgm:fillClrLst meth="repeat">
-      <a:schemeClr val="lt1">
-        <a:alpha val="90000"/>
-      </a:schemeClr>
-    </dgm:fillClrLst>
-    <dgm:linClrLst meth="repeat">
-      <a:schemeClr val="accent2"/>
-      <a:schemeClr val="accent3"/>
-      <a:schemeClr val="accent4"/>
-      <a:schemeClr val="accent5"/>
-      <a:schemeClr val="accent6"/>
-    </dgm:linClrLst>
-    <dgm:effectClrLst/>
-    <dgm:txLinClrLst/>
-    <dgm:txFillClrLst meth="repeat">
-      <a:schemeClr val="dk1"/>
-    </dgm:txFillClrLst>
-    <dgm:txEffectClrLst/>
-  </dgm:styleLbl>
-  <dgm:styleLbl name="alignAcc1">
-    <dgm:fillClrLst meth="repeat">
-      <a:schemeClr val="lt1">
-        <a:alpha val="90000"/>
-      </a:schemeClr>
-    </dgm:fillClrLst>
-    <dgm:linClrLst meth="repeat">
-      <a:schemeClr val="accent2"/>
-      <a:schemeClr val="accent3"/>
-      <a:schemeClr val="accent4"/>
-      <a:schemeClr val="accent5"/>
-      <a:schemeClr val="accent6"/>
-    </dgm:linClrLst>
-    <dgm:effectClrLst/>
-    <dgm:txLinClrLst/>
-    <dgm:txFillClrLst meth="repeat">
-      <a:schemeClr val="dk1"/>
-    </dgm:txFillClrLst>
-    <dgm:txEffectClrLst/>
-  </dgm:styleLbl>
-  <dgm:styleLbl name="trAlignAcc1">
-    <dgm:fillClrLst meth="repeat">
-      <a:schemeClr val="lt1">
-        <a:alpha val="40000"/>
-      </a:schemeClr>
-    </dgm:fillClrLst>
-    <dgm:linClrLst meth="repeat">
-      <a:schemeClr val="accent1"/>
-    </dgm:linClrLst>
-    <dgm:effectClrLst/>
-    <dgm:txLinClrLst/>
-    <dgm:txFillClrLst meth="repeat">
-      <a:schemeClr val="dk1"/>
-    </dgm:txFillClrLst>
-    <dgm:txEffectClrLst/>
-  </dgm:styleLbl>
-  <dgm:styleLbl name="bgAcc1">
-    <dgm:fillClrLst meth="repeat">
-      <a:schemeClr val="lt1">
-        <a:alpha val="90000"/>
-      </a:schemeClr>
-    </dgm:fillClrLst>
-    <dgm:linClrLst meth="repeat">
-      <a:schemeClr val="accent2"/>
-      <a:schemeClr val="accent3"/>
-      <a:schemeClr val="accent4"/>
-      <a:schemeClr val="accent5"/>
-      <a:schemeClr val="accent6"/>
-    </dgm:linClrLst>
-    <dgm:effectClrLst/>
-    <dgm:txLinClrLst/>
-    <dgm:txFillClrLst meth="repeat">
-      <a:schemeClr val="dk1"/>
-    </dgm:txFillClrLst>
-    <dgm:txEffectClrLst/>
-  </dgm:styleLbl>
-  <dgm:styleLbl name="solidFgAcc1">
-    <dgm:fillClrLst meth="repeat">
-      <a:schemeClr val="lt1"/>
-    </dgm:fillClrLst>
-    <dgm:linClrLst meth="repeat">
-      <a:schemeClr val="accent2"/>
-      <a:schemeClr val="accent3"/>
-      <a:schemeClr val="accent4"/>
-      <a:schemeClr val="accent5"/>
-      <a:schemeClr val="accent6"/>
-    </dgm:linClrLst>
-    <dgm:effectClrLst/>
-    <dgm:txLinClrLst/>
-    <dgm:txFillClrLst meth="repeat">
-      <a:schemeClr val="dk1"/>
-    </dgm:txFillClrLst>
-    <dgm:txEffectClrLst/>
-  </dgm:styleLbl>
-  <dgm:styleLbl name="solidAlignAcc1">
-    <dgm:fillClrLst meth="repeat">
-      <a:schemeClr val="lt1"/>
-    </dgm:fillClrLst>
-    <dgm:linClrLst meth="repeat">
-      <a:schemeClr val="accent2"/>
-      <a:schemeClr val="accent3"/>
-      <a:schemeClr val="accent4"/>
-      <a:schemeClr val="accent5"/>
-      <a:schemeClr val="accent6"/>
-    </dgm:linClrLst>
-    <dgm:effectClrLst/>
-    <dgm:txLinClrLst/>
-    <dgm:txFillClrLst meth="repeat">
-      <a:schemeClr val="dk1"/>
-    </dgm:txFillClrLst>
-    <dgm:txEffectClrLst/>
-  </dgm:styleLbl>
-  <dgm:styleLbl name="solidBgAcc1">
-    <dgm:fillClrLst meth="repeat">
-      <a:schemeClr val="lt1"/>
-    </dgm:fillClrLst>
-    <dgm:linClrLst meth="repeat">
-      <a:schemeClr val="accent2"/>
-      <a:schemeClr val="accent3"/>
-      <a:schemeClr val="accent4"/>
-      <a:schemeClr val="accent5"/>
-      <a:schemeClr val="accent6"/>
-    </dgm:linClrLst>
-    <dgm:effectClrLst/>
-    <dgm:txLinClrLst/>
-    <dgm:txFillClrLst meth="repeat">
-      <a:schemeClr val="dk1"/>
-    </dgm:txFillClrLst>
-    <dgm:txEffectClrLst/>
-  </dgm:styleLbl>
-  <dgm:styleLbl name="fgAccFollowNode1">
-    <dgm:fillClrLst meth="repeat">
-      <a:schemeClr val="accent2">
-        <a:tint val="40000"/>
-        <a:alpha val="90000"/>
-      </a:schemeClr>
-      <a:schemeClr val="accent3">
-        <a:tint val="40000"/>
-        <a:alpha val="90000"/>
-      </a:schemeClr>
-      <a:schemeClr val="accent4">
-        <a:tint val="40000"/>
-        <a:alpha val="90000"/>
-      </a:schemeClr>
-      <a:schemeClr val="accent5">
-        <a:tint val="40000"/>
-        <a:alpha val="90000"/>
-      </a:schemeClr>
-      <a:schemeClr val="accent6">
-        <a:tint val="40000"/>
-        <a:alpha val="90000"/>
-      </a:schemeClr>
-    </dgm:fillClrLst>
-    <dgm:linClrLst meth="repeat">
-      <a:schemeClr val="accent2">
-        <a:tint val="40000"/>
-        <a:alpha val="90000"/>
-      </a:schemeClr>
-      <a:schemeClr val="accent3">
-        <a:tint val="40000"/>
-        <a:alpha val="90000"/>
-      </a:schemeClr>
-      <a:schemeClr val="accent4">
-        <a:tint val="40000"/>
-        <a:alpha val="90000"/>
-      </a:schemeClr>
-      <a:schemeClr val="accent5">
-        <a:tint val="40000"/>
-        <a:alpha val="90000"/>
-      </a:schemeClr>
-      <a:schemeClr val="accent6">
-        <a:tint val="40000"/>
-        <a:alpha val="90000"/>
-      </a:schemeClr>
-    </dgm:linClrLst>
-    <dgm:effectClrLst/>
-    <dgm:txLinClrLst/>
-    <dgm:txFillClrLst meth="repeat">
-      <a:schemeClr val="dk1"/>
-    </dgm:txFillClrLst>
-    <dgm:txEffectClrLst/>
-  </dgm:styleLbl>
-  <dgm:styleLbl name="alignAccFollowNode1">
-    <dgm:fillClrLst meth="repeat">
-      <a:schemeClr val="accent2">
-        <a:tint val="40000"/>
-        <a:alpha val="90000"/>
-      </a:schemeClr>
-      <a:schemeClr val="accent3">
-        <a:tint val="40000"/>
-        <a:alpha val="90000"/>
-      </a:schemeClr>
-      <a:schemeClr val="accent4">
-        <a:tint val="40000"/>
-        <a:alpha val="90000"/>
-      </a:schemeClr>
-      <a:schemeClr val="accent5">
-        <a:tint val="40000"/>
-        <a:alpha val="90000"/>
-      </a:schemeClr>
-      <a:schemeClr val="accent6">
-        <a:tint val="40000"/>
-        <a:alpha val="90000"/>
-      </a:schemeClr>
-    </dgm:fillClrLst>
-    <dgm:linClrLst meth="repeat">
-      <a:schemeClr val="accent2">
-        <a:tint val="40000"/>
-        <a:alpha val="90000"/>
-      </a:schemeClr>
-      <a:schemeClr val="accent3">
-        <a:tint val="40000"/>
-        <a:alpha val="90000"/>
-      </a:schemeClr>
-      <a:schemeClr val="accent4">
-        <a:tint val="40000"/>
-        <a:alpha val="90000"/>
-      </a:schemeClr>
-      <a:schemeClr val="accent5">
-        <a:tint val="40000"/>
-        <a:alpha val="90000"/>
-      </a:schemeClr>
-      <a:schemeClr val="accent6">
-        <a:tint val="40000"/>
-        <a:alpha val="90000"/>
-      </a:schemeClr>
-    </dgm:linClrLst>
-    <dgm:effectClrLst/>
-    <dgm:txLinClrLst/>
-    <dgm:txFillClrLst meth="repeat">
-      <a:schemeClr val="dk1"/>
-    </dgm:txFillClrLst>
-    <dgm:txEffectClrLst/>
-  </dgm:styleLbl>
-  <dgm:styleLbl name="bgAccFollowNode1">
-    <dgm:fillClrLst meth="repeat">
-      <a:schemeClr val="accent2">
-        <a:tint val="40000"/>
-        <a:alpha val="90000"/>
-      </a:schemeClr>
-      <a:schemeClr val="accent3">
-        <a:tint val="40000"/>
-        <a:alpha val="90000"/>
-      </a:schemeClr>
-      <a:schemeClr val="accent4">
-        <a:tint val="40000"/>
-        <a:alpha val="90000"/>
-      </a:schemeClr>
-      <a:schemeClr val="accent5">
-        <a:tint val="40000"/>
-        <a:alpha val="90000"/>
-      </a:schemeClr>
-      <a:schemeClr val="accent6">
-        <a:tint val="40000"/>
-        <a:alpha val="90000"/>
-      </a:schemeClr>
-    </dgm:fillClrLst>
-    <dgm:linClrLst meth="repeat">
-      <a:schemeClr val="accent2">
-        <a:tint val="40000"/>
-        <a:alpha val="90000"/>
-      </a:schemeClr>
-      <a:schemeClr val="accent3">
-        <a:tint val="40000"/>
-        <a:alpha val="90000"/>
-      </a:schemeClr>
-      <a:schemeClr val="accent4">
-        <a:tint val="40000"/>
-        <a:alpha val="90000"/>
-      </a:schemeClr>
-      <a:schemeClr val="accent5">
-        <a:tint val="40000"/>
-        <a:alpha val="90000"/>
-      </a:schemeClr>
-      <a:schemeClr val="accent6">
-        <a:tint val="40000"/>
-        <a:alpha val="90000"/>
-      </a:schemeClr>
-    </dgm:linClrLst>
-    <dgm:effectClrLst/>
-    <dgm:txLinClrLst/>
-    <dgm:txFillClrLst meth="repeat">
-      <a:schemeClr val="dk1"/>
-    </dgm:txFillClrLst>
-    <dgm:txEffectClrLst/>
-  </dgm:styleLbl>
-  <dgm:styleLbl name="fgAcc0">
-    <dgm:fillClrLst meth="repeat">
-      <a:schemeClr val="lt1">
-        <a:alpha val="90000"/>
-      </a:schemeClr>
-    </dgm:fillClrLst>
-    <dgm:linClrLst>
-      <a:schemeClr val="accent1"/>
-    </dgm:linClrLst>
-    <dgm:effectClrLst/>
-    <dgm:txLinClrLst/>
-    <dgm:txFillClrLst meth="repeat">
-      <a:schemeClr val="dk1"/>
-    </dgm:txFillClrLst>
-    <dgm:txEffectClrLst/>
-  </dgm:styleLbl>
-  <dgm:styleLbl name="fgAcc2">
-    <dgm:fillClrLst meth="repeat">
-      <a:schemeClr val="lt1">
-        <a:alpha val="90000"/>
-      </a:schemeClr>
-    </dgm:fillClrLst>
-    <dgm:linClrLst>
-      <a:schemeClr val="accent2"/>
-    </dgm:linClrLst>
-    <dgm:effectClrLst/>
-    <dgm:txLinClrLst/>
-    <dgm:txFillClrLst meth="repeat">
-      <a:schemeClr val="dk1"/>
-    </dgm:txFillClrLst>
-    <dgm:txEffectClrLst/>
-  </dgm:styleLbl>
-  <dgm:styleLbl name="fgAcc3">
-    <dgm:fillClrLst meth="repeat">
-      <a:schemeClr val="lt1">
-        <a:alpha val="90000"/>
-      </a:schemeClr>
-    </dgm:fillClrLst>
-    <dgm:linClrLst>
-      <a:schemeClr val="accent3"/>
-    </dgm:linClrLst>
-    <dgm:effectClrLst/>
-    <dgm:txLinClrLst/>
-    <dgm:txFillClrLst meth="repeat">
-      <a:schemeClr val="dk1"/>
-    </dgm:txFillClrLst>
-    <dgm:txEffectClrLst/>
-  </dgm:styleLbl>
-  <dgm:styleLbl name="fgAcc4">
-    <dgm:fillClrLst meth="repeat">
-      <a:schemeClr val="lt1">
-        <a:alpha val="90000"/>
-      </a:schemeClr>
-    </dgm:fillClrLst>
-    <dgm:linClrLst>
-      <a:schemeClr val="accent4"/>
-    </dgm:linClrLst>
-    <dgm:effectClrLst/>
-    <dgm:txLinClrLst/>
-    <dgm:txFillClrLst meth="repeat">
-      <a:schemeClr val="dk1"/>
-    </dgm:txFillClrLst>
-    <dgm:txEffectClrLst/>
-  </dgm:styleLbl>
-  <dgm:styleLbl name="bgShp">
-    <dgm:fillClrLst meth="repeat">
-      <a:schemeClr val="accent2">
-        <a:tint val="40000"/>
-      </a:schemeClr>
-    </dgm:fillClrLst>
-    <dgm:linClrLst meth="repeat">
-      <a:schemeClr val="dk1"/>
-    </dgm:linClrLst>
-    <dgm:effectClrLst/>
-    <dgm:txLinClrLst/>
-    <dgm:txFillClrLst meth="repeat">
-      <a:schemeClr val="dk1"/>
-    </dgm:txFillClrLst>
-    <dgm:txEffectClrLst/>
-  </dgm:styleLbl>
-  <dgm:styleLbl name="dkBgShp">
-    <dgm:fillClrLst meth="repeat">
-      <a:schemeClr val="accent2">
-        <a:shade val="90000"/>
-      </a:schemeClr>
-    </dgm:fillClrLst>
-    <dgm:linClrLst meth="repeat">
-      <a:schemeClr val="dk1"/>
-    </dgm:linClrLst>
-    <dgm:effectClrLst/>
-    <dgm:txLinClrLst/>
-    <dgm:txFillClrLst meth="repeat">
-      <a:schemeClr val="lt1"/>
-    </dgm:txFillClrLst>
-    <dgm:txEffectClrLst/>
-  </dgm:styleLbl>
-  <dgm:styleLbl name="trBgShp">
-    <dgm:fillClrLst meth="repeat">
-      <a:schemeClr val="accent1">
-        <a:tint val="50000"/>
-        <a:alpha val="40000"/>
-      </a:schemeClr>
-    </dgm:fillClrLst>
-    <dgm:linClrLst meth="repeat">
-      <a:schemeClr val="accent2"/>
-    </dgm:linClrLst>
-    <dgm:effectClrLst/>
-    <dgm:txLinClrLst/>
-    <dgm:txFillClrLst meth="repeat">
-      <a:schemeClr val="lt1"/>
-    </dgm:txFillClrLst>
-    <dgm:txEffectClrLst/>
-  </dgm:styleLbl>
-  <dgm:styleLbl name="fgShp">
-    <dgm:fillClrLst meth="repeat">
-      <a:schemeClr val="accent2">
-        <a:tint val="40000"/>
-      </a:schemeClr>
-    </dgm:fillClrLst>
-    <dgm:linClrLst meth="repeat">
-      <a:schemeClr val="lt1"/>
-    </dgm:linClrLst>
-    <dgm:effectClrLst/>
-    <dgm:txLinClrLst/>
-    <dgm:txFillClrLst meth="repeat">
-      <a:schemeClr val="dk1"/>
-    </dgm:txFillClrLst>
-    <dgm:txEffectClrLst/>
-  </dgm:styleLbl>
-  <dgm:styleLbl name="revTx">
-    <dgm:fillClrLst meth="repeat">
-      <a:schemeClr val="lt1">
-        <a:alpha val="0"/>
-      </a:schemeClr>
-    </dgm:fillClrLst>
-    <dgm:linClrLst meth="repeat">
-      <a:schemeClr val="dk1">
-        <a:alpha val="0"/>
-      </a:schemeClr>
-    </dgm:linClrLst>
-    <dgm:effectClrLst/>
-    <dgm:txLinClrLst/>
-    <dgm:txFillClrLst meth="repeat">
-      <a:schemeClr val="tx1"/>
-    </dgm:txFillClrLst>
-    <dgm:txEffectClrLst/>
-  </dgm:styleLbl>
-</dgm:colorsDef>
-</file>
-
 <file path=ppt/diagrams/data1.xml><?xml version="1.0" encoding="utf-8"?>
 <dgm:dataModel xmlns:dgm="http://schemas.openxmlformats.org/drawingml/2006/diagram" xmlns:a="http://schemas.openxmlformats.org/drawingml/2006/main">
   <dgm:ptLst>
@@ -4959,288 +2660,6 @@
     </a:ext>
     <a:ext uri="{C62137D5-CB1D-491B-B009-E17868A290BF}">
       <dgm14:recolorImg xmlns:dgm14="http://schemas.microsoft.com/office/drawing/2010/diagram" val="1"/>
-    </a:ext>
-  </dgm:extLst>
-</dgm:dataModel>
-</file>
-
-<file path=ppt/diagrams/data2.xml><?xml version="1.0" encoding="utf-8"?>
-<dgm:dataModel xmlns:dgm="http://schemas.openxmlformats.org/drawingml/2006/diagram" xmlns:a="http://schemas.openxmlformats.org/drawingml/2006/main">
-  <dgm:ptLst>
-    <dgm:pt modelId="{5BFC473D-3DD0-4A15-ADC6-4DB904DAD44D}" type="doc">
-      <dgm:prSet loTypeId="urn:microsoft.com/office/officeart/2005/8/layout/hierarchy3" loCatId="hierarchy" qsTypeId="urn:microsoft.com/office/officeart/2005/8/quickstyle/3d2" qsCatId="3D" csTypeId="urn:microsoft.com/office/officeart/2005/8/colors/colorful1" csCatId="colorful" phldr="1"/>
-      <dgm:spPr/>
-      <dgm:t>
-        <a:bodyPr/>
-        <a:lstStyle/>
-        <a:p>
-          <a:endParaRPr kumimoji="1" lang="ja-JP" altLang="en-US"/>
-        </a:p>
-      </dgm:t>
-    </dgm:pt>
-    <dgm:pt modelId="{2499C82F-27C1-4DFC-8CE2-3EF11897F8F6}">
-      <dgm:prSet phldrT="[テキスト]"/>
-      <dgm:spPr/>
-      <dgm:t>
-        <a:bodyPr/>
-        <a:lstStyle/>
-        <a:p>
-          <a:r>
-            <a:rPr lang="ja-JP" altLang="en-US" b="1" dirty="0" smtClean="0"/>
-            <a:t>進捗管理はバーンアップチャートを用いる</a:t>
-          </a:r>
-          <a:endParaRPr kumimoji="1" lang="ja-JP" altLang="en-US" dirty="0"/>
-        </a:p>
-      </dgm:t>
-    </dgm:pt>
-    <dgm:pt modelId="{34E09A70-44F9-4FBD-8091-8D0F4A7AF8FF}" type="parTrans" cxnId="{F529B775-2AFF-4CCF-869F-1FAC1C51F95F}">
-      <dgm:prSet/>
-      <dgm:spPr/>
-      <dgm:t>
-        <a:bodyPr/>
-        <a:lstStyle/>
-        <a:p>
-          <a:endParaRPr kumimoji="1" lang="ja-JP" altLang="en-US"/>
-        </a:p>
-      </dgm:t>
-    </dgm:pt>
-    <dgm:pt modelId="{B1CBA31D-2E86-44C9-80C3-4904FEE12277}" type="sibTrans" cxnId="{F529B775-2AFF-4CCF-869F-1FAC1C51F95F}">
-      <dgm:prSet/>
-      <dgm:spPr/>
-      <dgm:t>
-        <a:bodyPr/>
-        <a:lstStyle/>
-        <a:p>
-          <a:endParaRPr kumimoji="1" lang="ja-JP" altLang="en-US"/>
-        </a:p>
-      </dgm:t>
-    </dgm:pt>
-    <dgm:pt modelId="{1F4E43BC-5C67-426F-9340-200206A564D0}">
-      <dgm:prSet phldrT="[テキスト]"/>
-      <dgm:spPr>
-        <a:ln w="76200"/>
-      </dgm:spPr>
-      <dgm:t>
-        <a:bodyPr/>
-        <a:lstStyle/>
-        <a:p>
-          <a:r>
-            <a:rPr lang="ja-JP" altLang="en-US" b="1" dirty="0" smtClean="0"/>
-            <a:t>プロジェクトの状況を可視化するツールである</a:t>
-          </a:r>
-          <a:endParaRPr kumimoji="1" lang="ja-JP" altLang="en-US" dirty="0"/>
-        </a:p>
-      </dgm:t>
-    </dgm:pt>
-    <dgm:pt modelId="{432CDDEB-196D-423C-A998-B394FB9D414E}" type="parTrans" cxnId="{4EB746D6-7F83-42DB-872B-138E132DF25F}">
-      <dgm:prSet/>
-      <dgm:spPr>
-        <a:ln w="76200"/>
-      </dgm:spPr>
-      <dgm:t>
-        <a:bodyPr/>
-        <a:lstStyle/>
-        <a:p>
-          <a:endParaRPr kumimoji="1" lang="ja-JP" altLang="en-US"/>
-        </a:p>
-      </dgm:t>
-    </dgm:pt>
-    <dgm:pt modelId="{4F3F0C33-5470-4597-9355-7D2D510ACFBE}" type="sibTrans" cxnId="{4EB746D6-7F83-42DB-872B-138E132DF25F}">
-      <dgm:prSet/>
-      <dgm:spPr/>
-      <dgm:t>
-        <a:bodyPr/>
-        <a:lstStyle/>
-        <a:p>
-          <a:endParaRPr kumimoji="1" lang="ja-JP" altLang="en-US"/>
-        </a:p>
-      </dgm:t>
-    </dgm:pt>
-    <dgm:pt modelId="{8EC55D73-414B-4CAD-80DC-B07F8A0626A2}">
-      <dgm:prSet phldrT="[テキスト]"/>
-      <dgm:spPr>
-        <a:ln w="76200"/>
-      </dgm:spPr>
-      <dgm:t>
-        <a:bodyPr/>
-        <a:lstStyle/>
-        <a:p>
-          <a:r>
-            <a:rPr lang="en-US" altLang="ja-JP" b="1" dirty="0" smtClean="0"/>
-            <a:t>1</a:t>
-          </a:r>
-          <a:r>
-            <a:rPr lang="ja-JP" altLang="en-US" b="1" dirty="0" smtClean="0"/>
-            <a:t>スプリント（</a:t>
-          </a:r>
-          <a:r>
-            <a:rPr lang="en-US" altLang="ja-JP" b="1" dirty="0" smtClean="0"/>
-            <a:t>2</a:t>
-          </a:r>
-          <a:r>
-            <a:rPr lang="ja-JP" altLang="en-US" b="1" dirty="0" smtClean="0"/>
-            <a:t>週間）ごとに更新する</a:t>
-          </a:r>
-          <a:endParaRPr kumimoji="1" lang="ja-JP" altLang="en-US" dirty="0"/>
-        </a:p>
-      </dgm:t>
-    </dgm:pt>
-    <dgm:pt modelId="{F7DA3547-89F7-412E-8DB5-EE6A588DF798}" type="sibTrans" cxnId="{E46686CE-EE65-462F-8A50-D555F2218A09}">
-      <dgm:prSet/>
-      <dgm:spPr/>
-      <dgm:t>
-        <a:bodyPr/>
-        <a:lstStyle/>
-        <a:p>
-          <a:endParaRPr kumimoji="1" lang="ja-JP" altLang="en-US"/>
-        </a:p>
-      </dgm:t>
-    </dgm:pt>
-    <dgm:pt modelId="{41A56497-17FA-41C0-B582-79BA16FA9F11}" type="parTrans" cxnId="{E46686CE-EE65-462F-8A50-D555F2218A09}">
-      <dgm:prSet/>
-      <dgm:spPr>
-        <a:ln w="76200"/>
-      </dgm:spPr>
-      <dgm:t>
-        <a:bodyPr/>
-        <a:lstStyle/>
-        <a:p>
-          <a:endParaRPr kumimoji="1" lang="ja-JP" altLang="en-US"/>
-        </a:p>
-      </dgm:t>
-    </dgm:pt>
-    <dgm:pt modelId="{0510AF2C-C495-4FA9-82CC-C671D910731D}" type="pres">
-      <dgm:prSet presAssocID="{5BFC473D-3DD0-4A15-ADC6-4DB904DAD44D}" presName="diagram" presStyleCnt="0">
-        <dgm:presLayoutVars>
-          <dgm:chPref val="1"/>
-          <dgm:dir/>
-          <dgm:animOne val="branch"/>
-          <dgm:animLvl val="lvl"/>
-          <dgm:resizeHandles/>
-        </dgm:presLayoutVars>
-      </dgm:prSet>
-      <dgm:spPr/>
-      <dgm:t>
-        <a:bodyPr/>
-        <a:lstStyle/>
-        <a:p>
-          <a:endParaRPr kumimoji="1" lang="ja-JP" altLang="en-US"/>
-        </a:p>
-      </dgm:t>
-    </dgm:pt>
-    <dgm:pt modelId="{BC833ADF-0A27-4993-83F3-8099987B7F8C}" type="pres">
-      <dgm:prSet presAssocID="{2499C82F-27C1-4DFC-8CE2-3EF11897F8F6}" presName="root" presStyleCnt="0"/>
-      <dgm:spPr/>
-    </dgm:pt>
-    <dgm:pt modelId="{C5AB08FB-BBD9-46BB-8D89-3BA4BCCA61BF}" type="pres">
-      <dgm:prSet presAssocID="{2499C82F-27C1-4DFC-8CE2-3EF11897F8F6}" presName="rootComposite" presStyleCnt="0"/>
-      <dgm:spPr/>
-    </dgm:pt>
-    <dgm:pt modelId="{B7F2FBD6-F51B-4B68-ACBD-E70209E64177}" type="pres">
-      <dgm:prSet presAssocID="{2499C82F-27C1-4DFC-8CE2-3EF11897F8F6}" presName="rootText" presStyleLbl="node1" presStyleIdx="0" presStyleCnt="1" custScaleX="374049" custLinFactNeighborX="-5353" custLinFactNeighborY="13607"/>
-      <dgm:spPr/>
-      <dgm:t>
-        <a:bodyPr/>
-        <a:lstStyle/>
-        <a:p>
-          <a:endParaRPr kumimoji="1" lang="ja-JP" altLang="en-US"/>
-        </a:p>
-      </dgm:t>
-    </dgm:pt>
-    <dgm:pt modelId="{740FFF67-8B2C-41CE-BE5F-DB73DD68F158}" type="pres">
-      <dgm:prSet presAssocID="{2499C82F-27C1-4DFC-8CE2-3EF11897F8F6}" presName="rootConnector" presStyleLbl="node1" presStyleIdx="0" presStyleCnt="1"/>
-      <dgm:spPr/>
-      <dgm:t>
-        <a:bodyPr/>
-        <a:lstStyle/>
-        <a:p>
-          <a:endParaRPr kumimoji="1" lang="ja-JP" altLang="en-US"/>
-        </a:p>
-      </dgm:t>
-    </dgm:pt>
-    <dgm:pt modelId="{CABDEB41-48DC-422E-9662-7037E2EBA385}" type="pres">
-      <dgm:prSet presAssocID="{2499C82F-27C1-4DFC-8CE2-3EF11897F8F6}" presName="childShape" presStyleCnt="0"/>
-      <dgm:spPr/>
-    </dgm:pt>
-    <dgm:pt modelId="{8A182F3F-B359-4EA4-82F3-F410DB998D8C}" type="pres">
-      <dgm:prSet presAssocID="{432CDDEB-196D-423C-A998-B394FB9D414E}" presName="Name13" presStyleLbl="parChTrans1D2" presStyleIdx="0" presStyleCnt="2"/>
-      <dgm:spPr/>
-      <dgm:t>
-        <a:bodyPr/>
-        <a:lstStyle/>
-        <a:p>
-          <a:endParaRPr kumimoji="1" lang="ja-JP" altLang="en-US"/>
-        </a:p>
-      </dgm:t>
-    </dgm:pt>
-    <dgm:pt modelId="{AAC2BDC0-3CBD-447E-9B3C-30A350C8D11D}" type="pres">
-      <dgm:prSet presAssocID="{1F4E43BC-5C67-426F-9340-200206A564D0}" presName="childText" presStyleLbl="bgAcc1" presStyleIdx="0" presStyleCnt="2" custScaleX="408871" custLinFactNeighborX="-628" custLinFactNeighborY="18091">
-        <dgm:presLayoutVars>
-          <dgm:bulletEnabled val="1"/>
-        </dgm:presLayoutVars>
-      </dgm:prSet>
-      <dgm:spPr/>
-      <dgm:t>
-        <a:bodyPr/>
-        <a:lstStyle/>
-        <a:p>
-          <a:endParaRPr kumimoji="1" lang="ja-JP" altLang="en-US"/>
-        </a:p>
-      </dgm:t>
-    </dgm:pt>
-    <dgm:pt modelId="{A280D463-D308-4B07-A6DB-51973F744FFF}" type="pres">
-      <dgm:prSet presAssocID="{41A56497-17FA-41C0-B582-79BA16FA9F11}" presName="Name13" presStyleLbl="parChTrans1D2" presStyleIdx="1" presStyleCnt="2"/>
-      <dgm:spPr/>
-      <dgm:t>
-        <a:bodyPr/>
-        <a:lstStyle/>
-        <a:p>
-          <a:endParaRPr kumimoji="1" lang="ja-JP" altLang="en-US"/>
-        </a:p>
-      </dgm:t>
-    </dgm:pt>
-    <dgm:pt modelId="{9329984A-B42B-44D8-8801-41587973B7D0}" type="pres">
-      <dgm:prSet presAssocID="{8EC55D73-414B-4CAD-80DC-B07F8A0626A2}" presName="childText" presStyleLbl="bgAcc1" presStyleIdx="1" presStyleCnt="2" custScaleX="408551">
-        <dgm:presLayoutVars>
-          <dgm:bulletEnabled val="1"/>
-        </dgm:presLayoutVars>
-      </dgm:prSet>
-      <dgm:spPr/>
-      <dgm:t>
-        <a:bodyPr/>
-        <a:lstStyle/>
-        <a:p>
-          <a:endParaRPr kumimoji="1" lang="ja-JP" altLang="en-US"/>
-        </a:p>
-      </dgm:t>
-    </dgm:pt>
-  </dgm:ptLst>
-  <dgm:cxnLst>
-    <dgm:cxn modelId="{EC800BC5-2542-4172-AFE5-A21E4644AE98}" type="presOf" srcId="{5BFC473D-3DD0-4A15-ADC6-4DB904DAD44D}" destId="{0510AF2C-C495-4FA9-82CC-C671D910731D}" srcOrd="0" destOrd="0" presId="urn:microsoft.com/office/officeart/2005/8/layout/hierarchy3"/>
-    <dgm:cxn modelId="{0CF38E3A-AE1A-42E5-9818-97C4DFB8CC6F}" type="presOf" srcId="{2499C82F-27C1-4DFC-8CE2-3EF11897F8F6}" destId="{B7F2FBD6-F51B-4B68-ACBD-E70209E64177}" srcOrd="0" destOrd="0" presId="urn:microsoft.com/office/officeart/2005/8/layout/hierarchy3"/>
-    <dgm:cxn modelId="{F1BEBC87-8189-4697-96B1-7F6780033C22}" type="presOf" srcId="{432CDDEB-196D-423C-A998-B394FB9D414E}" destId="{8A182F3F-B359-4EA4-82F3-F410DB998D8C}" srcOrd="0" destOrd="0" presId="urn:microsoft.com/office/officeart/2005/8/layout/hierarchy3"/>
-    <dgm:cxn modelId="{4EB746D6-7F83-42DB-872B-138E132DF25F}" srcId="{2499C82F-27C1-4DFC-8CE2-3EF11897F8F6}" destId="{1F4E43BC-5C67-426F-9340-200206A564D0}" srcOrd="0" destOrd="0" parTransId="{432CDDEB-196D-423C-A998-B394FB9D414E}" sibTransId="{4F3F0C33-5470-4597-9355-7D2D510ACFBE}"/>
-    <dgm:cxn modelId="{F38F7DD7-6D16-4264-B16D-7A083AE8A910}" type="presOf" srcId="{2499C82F-27C1-4DFC-8CE2-3EF11897F8F6}" destId="{740FFF67-8B2C-41CE-BE5F-DB73DD68F158}" srcOrd="1" destOrd="0" presId="urn:microsoft.com/office/officeart/2005/8/layout/hierarchy3"/>
-    <dgm:cxn modelId="{A0E21254-2F63-49D2-8491-B4E055648A9E}" type="presOf" srcId="{41A56497-17FA-41C0-B582-79BA16FA9F11}" destId="{A280D463-D308-4B07-A6DB-51973F744FFF}" srcOrd="0" destOrd="0" presId="urn:microsoft.com/office/officeart/2005/8/layout/hierarchy3"/>
-    <dgm:cxn modelId="{F529B775-2AFF-4CCF-869F-1FAC1C51F95F}" srcId="{5BFC473D-3DD0-4A15-ADC6-4DB904DAD44D}" destId="{2499C82F-27C1-4DFC-8CE2-3EF11897F8F6}" srcOrd="0" destOrd="0" parTransId="{34E09A70-44F9-4FBD-8091-8D0F4A7AF8FF}" sibTransId="{B1CBA31D-2E86-44C9-80C3-4904FEE12277}"/>
-    <dgm:cxn modelId="{78F1AD14-EF8C-43BD-AD6E-95AE04564C71}" type="presOf" srcId="{8EC55D73-414B-4CAD-80DC-B07F8A0626A2}" destId="{9329984A-B42B-44D8-8801-41587973B7D0}" srcOrd="0" destOrd="0" presId="urn:microsoft.com/office/officeart/2005/8/layout/hierarchy3"/>
-    <dgm:cxn modelId="{E46686CE-EE65-462F-8A50-D555F2218A09}" srcId="{2499C82F-27C1-4DFC-8CE2-3EF11897F8F6}" destId="{8EC55D73-414B-4CAD-80DC-B07F8A0626A2}" srcOrd="1" destOrd="0" parTransId="{41A56497-17FA-41C0-B582-79BA16FA9F11}" sibTransId="{F7DA3547-89F7-412E-8DB5-EE6A588DF798}"/>
-    <dgm:cxn modelId="{14F122A1-27FC-444D-806A-5039EFCC3902}" type="presOf" srcId="{1F4E43BC-5C67-426F-9340-200206A564D0}" destId="{AAC2BDC0-3CBD-447E-9B3C-30A350C8D11D}" srcOrd="0" destOrd="0" presId="urn:microsoft.com/office/officeart/2005/8/layout/hierarchy3"/>
-    <dgm:cxn modelId="{147D19B5-0048-40E7-A3B3-F5C0C3DD4378}" type="presParOf" srcId="{0510AF2C-C495-4FA9-82CC-C671D910731D}" destId="{BC833ADF-0A27-4993-83F3-8099987B7F8C}" srcOrd="0" destOrd="0" presId="urn:microsoft.com/office/officeart/2005/8/layout/hierarchy3"/>
-    <dgm:cxn modelId="{86E3E5FC-AE2D-4FDA-BA08-7FF5C18537FE}" type="presParOf" srcId="{BC833ADF-0A27-4993-83F3-8099987B7F8C}" destId="{C5AB08FB-BBD9-46BB-8D89-3BA4BCCA61BF}" srcOrd="0" destOrd="0" presId="urn:microsoft.com/office/officeart/2005/8/layout/hierarchy3"/>
-    <dgm:cxn modelId="{6E183D4C-3790-49DD-94B8-44C30E802CD7}" type="presParOf" srcId="{C5AB08FB-BBD9-46BB-8D89-3BA4BCCA61BF}" destId="{B7F2FBD6-F51B-4B68-ACBD-E70209E64177}" srcOrd="0" destOrd="0" presId="urn:microsoft.com/office/officeart/2005/8/layout/hierarchy3"/>
-    <dgm:cxn modelId="{2419A3C8-C8F7-43F9-929C-FB8AA8C09025}" type="presParOf" srcId="{C5AB08FB-BBD9-46BB-8D89-3BA4BCCA61BF}" destId="{740FFF67-8B2C-41CE-BE5F-DB73DD68F158}" srcOrd="1" destOrd="0" presId="urn:microsoft.com/office/officeart/2005/8/layout/hierarchy3"/>
-    <dgm:cxn modelId="{019395FD-0F74-425D-B651-ED1FFC3703C0}" type="presParOf" srcId="{BC833ADF-0A27-4993-83F3-8099987B7F8C}" destId="{CABDEB41-48DC-422E-9662-7037E2EBA385}" srcOrd="1" destOrd="0" presId="urn:microsoft.com/office/officeart/2005/8/layout/hierarchy3"/>
-    <dgm:cxn modelId="{339B556C-0CCC-4636-93E2-D944A04DAFCC}" type="presParOf" srcId="{CABDEB41-48DC-422E-9662-7037E2EBA385}" destId="{8A182F3F-B359-4EA4-82F3-F410DB998D8C}" srcOrd="0" destOrd="0" presId="urn:microsoft.com/office/officeart/2005/8/layout/hierarchy3"/>
-    <dgm:cxn modelId="{C9AF0078-67BA-4208-A89B-533B085AA7AC}" type="presParOf" srcId="{CABDEB41-48DC-422E-9662-7037E2EBA385}" destId="{AAC2BDC0-3CBD-447E-9B3C-30A350C8D11D}" srcOrd="1" destOrd="0" presId="urn:microsoft.com/office/officeart/2005/8/layout/hierarchy3"/>
-    <dgm:cxn modelId="{E96767D2-8A79-43B9-8310-12C7A483E386}" type="presParOf" srcId="{CABDEB41-48DC-422E-9662-7037E2EBA385}" destId="{A280D463-D308-4B07-A6DB-51973F744FFF}" srcOrd="2" destOrd="0" presId="urn:microsoft.com/office/officeart/2005/8/layout/hierarchy3"/>
-    <dgm:cxn modelId="{38F89487-D584-4B93-8043-7EB41B8450D2}" type="presParOf" srcId="{CABDEB41-48DC-422E-9662-7037E2EBA385}" destId="{9329984A-B42B-44D8-8801-41587973B7D0}" srcOrd="3" destOrd="0" presId="urn:microsoft.com/office/officeart/2005/8/layout/hierarchy3"/>
-  </dgm:cxnLst>
-  <dgm:bg/>
-  <dgm:whole/>
-  <dgm:extLst>
-    <a:ext uri="http://schemas.microsoft.com/office/drawing/2008/diagram">
-      <dsp:dataModelExt xmlns:dsp="http://schemas.microsoft.com/office/drawing/2008/diagram" relId="rId7" minVer="http://schemas.openxmlformats.org/drawingml/2006/diagram"/>
     </a:ext>
   </dgm:extLst>
 </dgm:dataModel>
@@ -5712,432 +3131,6 @@
 </dsp:drawing>
 </file>
 
-<file path=ppt/diagrams/drawing2.xml><?xml version="1.0" encoding="utf-8"?>
-<dsp:drawing xmlns:dgm="http://schemas.openxmlformats.org/drawingml/2006/diagram" xmlns:dsp="http://schemas.microsoft.com/office/drawing/2008/diagram" xmlns:a="http://schemas.openxmlformats.org/drawingml/2006/main">
-  <dsp:spTree>
-    <dsp:nvGrpSpPr>
-      <dsp:cNvPr id="0" name=""/>
-      <dsp:cNvGrpSpPr/>
-    </dsp:nvGrpSpPr>
-    <dsp:grpSpPr/>
-    <dsp:sp modelId="{B7F2FBD6-F51B-4B68-ACBD-E70209E64177}">
-      <dsp:nvSpPr>
-        <dsp:cNvPr id="0" name=""/>
-        <dsp:cNvSpPr/>
-      </dsp:nvSpPr>
-      <dsp:spPr>
-        <a:xfrm>
-          <a:off x="258795" y="178973"/>
-          <a:ext cx="9723404" cy="1299750"/>
-        </a:xfrm>
-        <a:prstGeom prst="roundRect">
-          <a:avLst>
-            <a:gd name="adj" fmla="val 10000"/>
-          </a:avLst>
-        </a:prstGeom>
-        <a:gradFill rotWithShape="0">
-          <a:gsLst>
-            <a:gs pos="0">
-              <a:schemeClr val="accent2">
-                <a:hueOff val="0"/>
-                <a:satOff val="0"/>
-                <a:lumOff val="0"/>
-                <a:alphaOff val="0"/>
-                <a:satMod val="103000"/>
-                <a:lumMod val="102000"/>
-                <a:tint val="94000"/>
-              </a:schemeClr>
-            </a:gs>
-            <a:gs pos="50000">
-              <a:schemeClr val="accent2">
-                <a:hueOff val="0"/>
-                <a:satOff val="0"/>
-                <a:lumOff val="0"/>
-                <a:alphaOff val="0"/>
-                <a:satMod val="110000"/>
-                <a:lumMod val="100000"/>
-                <a:shade val="100000"/>
-              </a:schemeClr>
-            </a:gs>
-            <a:gs pos="100000">
-              <a:schemeClr val="accent2">
-                <a:hueOff val="0"/>
-                <a:satOff val="0"/>
-                <a:lumOff val="0"/>
-                <a:alphaOff val="0"/>
-                <a:lumMod val="99000"/>
-                <a:satMod val="120000"/>
-                <a:shade val="78000"/>
-              </a:schemeClr>
-            </a:gs>
-          </a:gsLst>
-          <a:lin ang="5400000" scaled="0"/>
-        </a:gradFill>
-        <a:ln>
-          <a:noFill/>
-        </a:ln>
-        <a:effectLst/>
-        <a:scene3d>
-          <a:camera prst="orthographicFront"/>
-          <a:lightRig rig="threePt" dir="t">
-            <a:rot lat="0" lon="0" rev="7500000"/>
-          </a:lightRig>
-        </a:scene3d>
-        <a:sp3d prstMaterial="plastic">
-          <a:bevelT w="127000" h="25400" prst="relaxedInset"/>
-        </a:sp3d>
-      </dsp:spPr>
-      <dsp:style>
-        <a:lnRef idx="0">
-          <a:scrgbClr r="0" g="0" b="0"/>
-        </a:lnRef>
-        <a:fillRef idx="3">
-          <a:scrgbClr r="0" g="0" b="0"/>
-        </a:fillRef>
-        <a:effectRef idx="2">
-          <a:scrgbClr r="0" g="0" b="0"/>
-        </a:effectRef>
-        <a:fontRef idx="minor">
-          <a:schemeClr val="lt1"/>
-        </a:fontRef>
-      </dsp:style>
-      <dsp:txBody>
-        <a:bodyPr spcFirstLastPara="0" vert="horz" wrap="square" lIns="74295" tIns="49530" rIns="74295" bIns="49530" numCol="1" spcCol="1270" anchor="ctr" anchorCtr="0">
-          <a:noAutofit/>
-        </a:bodyPr>
-        <a:lstStyle/>
-        <a:p>
-          <a:pPr lvl="0" algn="ctr" defTabSz="1733550">
-            <a:lnSpc>
-              <a:spcPct val="90000"/>
-            </a:lnSpc>
-            <a:spcBef>
-              <a:spcPct val="0"/>
-            </a:spcBef>
-            <a:spcAft>
-              <a:spcPct val="35000"/>
-            </a:spcAft>
-          </a:pPr>
-          <a:r>
-            <a:rPr lang="ja-JP" altLang="en-US" sz="3900" b="1" kern="1200" dirty="0" smtClean="0"/>
-            <a:t>進捗管理はバーンアップチャートを用いる</a:t>
-          </a:r>
-          <a:endParaRPr kumimoji="1" lang="ja-JP" altLang="en-US" sz="3900" kern="1200" dirty="0"/>
-        </a:p>
-      </dsp:txBody>
-      <dsp:txXfrm>
-        <a:off x="296863" y="217041"/>
-        <a:ext cx="9647268" cy="1223614"/>
-      </dsp:txXfrm>
-    </dsp:sp>
-    <dsp:sp modelId="{8A182F3F-B359-4EA4-82F3-F410DB998D8C}">
-      <dsp:nvSpPr>
-        <dsp:cNvPr id="0" name=""/>
-        <dsp:cNvSpPr/>
-      </dsp:nvSpPr>
-      <dsp:spPr>
-        <a:xfrm>
-          <a:off x="1231135" y="1478723"/>
-          <a:ext cx="1098431" cy="1033093"/>
-        </a:xfrm>
-        <a:custGeom>
-          <a:avLst/>
-          <a:gdLst/>
-          <a:ahLst/>
-          <a:cxnLst/>
-          <a:rect l="0" t="0" r="0" b="0"/>
-          <a:pathLst>
-            <a:path>
-              <a:moveTo>
-                <a:pt x="0" y="0"/>
-              </a:moveTo>
-              <a:lnTo>
-                <a:pt x="0" y="1033093"/>
-              </a:lnTo>
-              <a:lnTo>
-                <a:pt x="1098431" y="1033093"/>
-              </a:lnTo>
-            </a:path>
-          </a:pathLst>
-        </a:custGeom>
-        <a:noFill/>
-        <a:ln w="76200" cap="flat" cmpd="sng" algn="ctr">
-          <a:solidFill>
-            <a:scrgbClr r="0" g="0" b="0"/>
-          </a:solidFill>
-          <a:prstDash val="solid"/>
-          <a:miter lim="800000"/>
-        </a:ln>
-        <a:effectLst/>
-        <a:scene3d>
-          <a:camera prst="orthographicFront"/>
-          <a:lightRig rig="threePt" dir="t">
-            <a:rot lat="0" lon="0" rev="7500000"/>
-          </a:lightRig>
-        </a:scene3d>
-        <a:sp3d z="-40000" prstMaterial="matte"/>
-      </dsp:spPr>
-      <dsp:style>
-        <a:lnRef idx="2">
-          <a:scrgbClr r="0" g="0" b="0"/>
-        </a:lnRef>
-        <a:fillRef idx="0">
-          <a:scrgbClr r="0" g="0" b="0"/>
-        </a:fillRef>
-        <a:effectRef idx="0">
-          <a:scrgbClr r="0" g="0" b="0"/>
-        </a:effectRef>
-        <a:fontRef idx="minor"/>
-      </dsp:style>
-    </dsp:sp>
-    <dsp:sp modelId="{AAC2BDC0-3CBD-447E-9B3C-30A350C8D11D}">
-      <dsp:nvSpPr>
-        <dsp:cNvPr id="0" name=""/>
-        <dsp:cNvSpPr/>
-      </dsp:nvSpPr>
-      <dsp:spPr>
-        <a:xfrm>
-          <a:off x="2329567" y="1861941"/>
-          <a:ext cx="8502881" cy="1299750"/>
-        </a:xfrm>
-        <a:prstGeom prst="roundRect">
-          <a:avLst>
-            <a:gd name="adj" fmla="val 10000"/>
-          </a:avLst>
-        </a:prstGeom>
-        <a:solidFill>
-          <a:schemeClr val="lt1">
-            <a:alpha val="90000"/>
-            <a:hueOff val="0"/>
-            <a:satOff val="0"/>
-            <a:lumOff val="0"/>
-            <a:alphaOff val="0"/>
-          </a:schemeClr>
-        </a:solidFill>
-        <a:ln w="76200" cap="flat" cmpd="sng" algn="ctr">
-          <a:solidFill>
-            <a:scrgbClr r="0" g="0" b="0"/>
-          </a:solidFill>
-          <a:prstDash val="solid"/>
-          <a:miter lim="800000"/>
-        </a:ln>
-        <a:effectLst/>
-        <a:scene3d>
-          <a:camera prst="orthographicFront"/>
-          <a:lightRig rig="threePt" dir="t">
-            <a:rot lat="0" lon="0" rev="7500000"/>
-          </a:lightRig>
-        </a:scene3d>
-        <a:sp3d z="-152400" extrusionH="63500" prstMaterial="dkEdge">
-          <a:bevelT w="124450" h="16350" prst="relaxedInset"/>
-          <a:contourClr>
-            <a:schemeClr val="bg1"/>
-          </a:contourClr>
-        </a:sp3d>
-      </dsp:spPr>
-      <dsp:style>
-        <a:lnRef idx="1">
-          <a:scrgbClr r="0" g="0" b="0"/>
-        </a:lnRef>
-        <a:fillRef idx="1">
-          <a:scrgbClr r="0" g="0" b="0"/>
-        </a:fillRef>
-        <a:effectRef idx="0">
-          <a:scrgbClr r="0" g="0" b="0"/>
-        </a:effectRef>
-        <a:fontRef idx="minor"/>
-      </dsp:style>
-      <dsp:txBody>
-        <a:bodyPr spcFirstLastPara="0" vert="horz" wrap="square" lIns="59055" tIns="39370" rIns="59055" bIns="39370" numCol="1" spcCol="1270" anchor="ctr" anchorCtr="0">
-          <a:noAutofit/>
-        </a:bodyPr>
-        <a:lstStyle/>
-        <a:p>
-          <a:pPr lvl="0" algn="ctr" defTabSz="1377950">
-            <a:lnSpc>
-              <a:spcPct val="90000"/>
-            </a:lnSpc>
-            <a:spcBef>
-              <a:spcPct val="0"/>
-            </a:spcBef>
-            <a:spcAft>
-              <a:spcPct val="35000"/>
-            </a:spcAft>
-          </a:pPr>
-          <a:r>
-            <a:rPr lang="ja-JP" altLang="en-US" sz="3100" b="1" kern="1200" dirty="0" smtClean="0"/>
-            <a:t>プロジェクトの状況を可視化するツールである</a:t>
-          </a:r>
-          <a:endParaRPr kumimoji="1" lang="ja-JP" altLang="en-US" sz="3100" kern="1200" dirty="0"/>
-        </a:p>
-      </dsp:txBody>
-      <dsp:txXfrm>
-        <a:off x="2367635" y="1900009"/>
-        <a:ext cx="8426745" cy="1223614"/>
-      </dsp:txXfrm>
-    </dsp:sp>
-    <dsp:sp modelId="{A280D463-D308-4B07-A6DB-51973F744FFF}">
-      <dsp:nvSpPr>
-        <dsp:cNvPr id="0" name=""/>
-        <dsp:cNvSpPr/>
-      </dsp:nvSpPr>
-      <dsp:spPr>
-        <a:xfrm>
-          <a:off x="1231135" y="1478723"/>
-          <a:ext cx="1111491" cy="2422643"/>
-        </a:xfrm>
-        <a:custGeom>
-          <a:avLst/>
-          <a:gdLst/>
-          <a:ahLst/>
-          <a:cxnLst/>
-          <a:rect l="0" t="0" r="0" b="0"/>
-          <a:pathLst>
-            <a:path>
-              <a:moveTo>
-                <a:pt x="0" y="0"/>
-              </a:moveTo>
-              <a:lnTo>
-                <a:pt x="0" y="2422643"/>
-              </a:lnTo>
-              <a:lnTo>
-                <a:pt x="1111491" y="2422643"/>
-              </a:lnTo>
-            </a:path>
-          </a:pathLst>
-        </a:custGeom>
-        <a:noFill/>
-        <a:ln w="76200" cap="flat" cmpd="sng" algn="ctr">
-          <a:solidFill>
-            <a:scrgbClr r="0" g="0" b="0"/>
-          </a:solidFill>
-          <a:prstDash val="solid"/>
-          <a:miter lim="800000"/>
-        </a:ln>
-        <a:effectLst/>
-        <a:scene3d>
-          <a:camera prst="orthographicFront"/>
-          <a:lightRig rig="threePt" dir="t">
-            <a:rot lat="0" lon="0" rev="7500000"/>
-          </a:lightRig>
-        </a:scene3d>
-        <a:sp3d z="-40000" prstMaterial="matte"/>
-      </dsp:spPr>
-      <dsp:style>
-        <a:lnRef idx="2">
-          <a:scrgbClr r="0" g="0" b="0"/>
-        </a:lnRef>
-        <a:fillRef idx="0">
-          <a:scrgbClr r="0" g="0" b="0"/>
-        </a:fillRef>
-        <a:effectRef idx="0">
-          <a:scrgbClr r="0" g="0" b="0"/>
-        </a:effectRef>
-        <a:fontRef idx="minor"/>
-      </dsp:style>
-    </dsp:sp>
-    <dsp:sp modelId="{9329984A-B42B-44D8-8801-41587973B7D0}">
-      <dsp:nvSpPr>
-        <dsp:cNvPr id="0" name=""/>
-        <dsp:cNvSpPr/>
-      </dsp:nvSpPr>
-      <dsp:spPr>
-        <a:xfrm>
-          <a:off x="2342627" y="3251491"/>
-          <a:ext cx="8496227" cy="1299750"/>
-        </a:xfrm>
-        <a:prstGeom prst="roundRect">
-          <a:avLst>
-            <a:gd name="adj" fmla="val 10000"/>
-          </a:avLst>
-        </a:prstGeom>
-        <a:solidFill>
-          <a:schemeClr val="lt1">
-            <a:alpha val="90000"/>
-            <a:hueOff val="0"/>
-            <a:satOff val="0"/>
-            <a:lumOff val="0"/>
-            <a:alphaOff val="0"/>
-          </a:schemeClr>
-        </a:solidFill>
-        <a:ln w="76200" cap="flat" cmpd="sng" algn="ctr">
-          <a:solidFill>
-            <a:scrgbClr r="0" g="0" b="0"/>
-          </a:solidFill>
-          <a:prstDash val="solid"/>
-          <a:miter lim="800000"/>
-        </a:ln>
-        <a:effectLst/>
-        <a:scene3d>
-          <a:camera prst="orthographicFront"/>
-          <a:lightRig rig="threePt" dir="t">
-            <a:rot lat="0" lon="0" rev="7500000"/>
-          </a:lightRig>
-        </a:scene3d>
-        <a:sp3d z="-152400" extrusionH="63500" prstMaterial="dkEdge">
-          <a:bevelT w="124450" h="16350" prst="relaxedInset"/>
-          <a:contourClr>
-            <a:schemeClr val="bg1"/>
-          </a:contourClr>
-        </a:sp3d>
-      </dsp:spPr>
-      <dsp:style>
-        <a:lnRef idx="1">
-          <a:scrgbClr r="0" g="0" b="0"/>
-        </a:lnRef>
-        <a:fillRef idx="1">
-          <a:scrgbClr r="0" g="0" b="0"/>
-        </a:fillRef>
-        <a:effectRef idx="0">
-          <a:scrgbClr r="0" g="0" b="0"/>
-        </a:effectRef>
-        <a:fontRef idx="minor"/>
-      </dsp:style>
-      <dsp:txBody>
-        <a:bodyPr spcFirstLastPara="0" vert="horz" wrap="square" lIns="59055" tIns="39370" rIns="59055" bIns="39370" numCol="1" spcCol="1270" anchor="ctr" anchorCtr="0">
-          <a:noAutofit/>
-        </a:bodyPr>
-        <a:lstStyle/>
-        <a:p>
-          <a:pPr lvl="0" algn="ctr" defTabSz="1377950">
-            <a:lnSpc>
-              <a:spcPct val="90000"/>
-            </a:lnSpc>
-            <a:spcBef>
-              <a:spcPct val="0"/>
-            </a:spcBef>
-            <a:spcAft>
-              <a:spcPct val="35000"/>
-            </a:spcAft>
-          </a:pPr>
-          <a:r>
-            <a:rPr lang="en-US" altLang="ja-JP" sz="3100" b="1" kern="1200" dirty="0" smtClean="0"/>
-            <a:t>1</a:t>
-          </a:r>
-          <a:r>
-            <a:rPr lang="ja-JP" altLang="en-US" sz="3100" b="1" kern="1200" dirty="0" smtClean="0"/>
-            <a:t>スプリント（</a:t>
-          </a:r>
-          <a:r>
-            <a:rPr lang="en-US" altLang="ja-JP" sz="3100" b="1" kern="1200" dirty="0" smtClean="0"/>
-            <a:t>2</a:t>
-          </a:r>
-          <a:r>
-            <a:rPr lang="ja-JP" altLang="en-US" sz="3100" b="1" kern="1200" dirty="0" smtClean="0"/>
-            <a:t>週間）ごとに更新する</a:t>
-          </a:r>
-          <a:endParaRPr kumimoji="1" lang="ja-JP" altLang="en-US" sz="3100" kern="1200" dirty="0"/>
-        </a:p>
-      </dsp:txBody>
-      <dsp:txXfrm>
-        <a:off x="2380695" y="3289559"/>
-        <a:ext cx="8420091" cy="1223614"/>
-      </dsp:txXfrm>
-    </dsp:sp>
-  </dsp:spTree>
-</dsp:drawing>
-</file>
-
 <file path=ppt/diagrams/layout1.xml><?xml version="1.0" encoding="utf-8"?>
 <dgm:layoutDef xmlns:dgm="http://schemas.openxmlformats.org/drawingml/2006/diagram" xmlns:a="http://schemas.openxmlformats.org/drawingml/2006/main" uniqueId="urn:microsoft.com/office/officeart/2005/8/layout/default">
   <dgm:title val=""/>
@@ -6278,298 +3271,6 @@
           <dgm:presOf/>
           <dgm:constrLst/>
           <dgm:ruleLst/>
-        </dgm:layoutNode>
-      </dgm:forEach>
-    </dgm:forEach>
-  </dgm:layoutNode>
-</dgm:layoutDef>
-</file>
-
-<file path=ppt/diagrams/layout2.xml><?xml version="1.0" encoding="utf-8"?>
-<dgm:layoutDef xmlns:dgm="http://schemas.openxmlformats.org/drawingml/2006/diagram" xmlns:a="http://schemas.openxmlformats.org/drawingml/2006/main" uniqueId="urn:microsoft.com/office/officeart/2005/8/layout/hierarchy3">
-  <dgm:title val=""/>
-  <dgm:desc val=""/>
-  <dgm:catLst>
-    <dgm:cat type="hierarchy" pri="7000"/>
-    <dgm:cat type="list" pri="23000"/>
-    <dgm:cat type="relationship" pri="15000"/>
-    <dgm:cat type="convert" pri="7000"/>
-  </dgm:catLst>
-  <dgm:sampData>
-    <dgm:dataModel>
-      <dgm:ptLst>
-        <dgm:pt modelId="0" type="doc"/>
-        <dgm:pt modelId="1">
-          <dgm:prSet phldr="1"/>
-        </dgm:pt>
-        <dgm:pt modelId="11">
-          <dgm:prSet phldr="1"/>
-        </dgm:pt>
-        <dgm:pt modelId="12">
-          <dgm:prSet phldr="1"/>
-        </dgm:pt>
-        <dgm:pt modelId="2">
-          <dgm:prSet phldr="1"/>
-        </dgm:pt>
-        <dgm:pt modelId="21">
-          <dgm:prSet phldr="1"/>
-        </dgm:pt>
-        <dgm:pt modelId="22">
-          <dgm:prSet phldr="1"/>
-        </dgm:pt>
-      </dgm:ptLst>
-      <dgm:cxnLst>
-        <dgm:cxn modelId="4" srcId="0" destId="1" srcOrd="0" destOrd="0"/>
-        <dgm:cxn modelId="5" srcId="1" destId="11" srcOrd="0" destOrd="0"/>
-        <dgm:cxn modelId="6" srcId="1" destId="12" srcOrd="1" destOrd="0"/>
-        <dgm:cxn modelId="7" srcId="0" destId="2" srcOrd="1" destOrd="0"/>
-        <dgm:cxn modelId="8" srcId="2" destId="21" srcOrd="0" destOrd="0"/>
-        <dgm:cxn modelId="9" srcId="2" destId="22" srcOrd="1" destOrd="0"/>
-      </dgm:cxnLst>
-      <dgm:bg/>
-      <dgm:whole/>
-    </dgm:dataModel>
-  </dgm:sampData>
-  <dgm:styleData>
-    <dgm:dataModel>
-      <dgm:ptLst>
-        <dgm:pt modelId="0" type="doc"/>
-        <dgm:pt modelId="1"/>
-        <dgm:pt modelId="11"/>
-        <dgm:pt modelId="2"/>
-        <dgm:pt modelId="21"/>
-      </dgm:ptLst>
-      <dgm:cxnLst>
-        <dgm:cxn modelId="4" srcId="0" destId="1" srcOrd="0" destOrd="0"/>
-        <dgm:cxn modelId="5" srcId="0" destId="2" srcOrd="1" destOrd="0"/>
-        <dgm:cxn modelId="13" srcId="1" destId="11" srcOrd="0" destOrd="0"/>
-        <dgm:cxn modelId="23" srcId="2" destId="21" srcOrd="0" destOrd="0"/>
-      </dgm:cxnLst>
-      <dgm:bg/>
-      <dgm:whole/>
-    </dgm:dataModel>
-  </dgm:styleData>
-  <dgm:clrData>
-    <dgm:dataModel>
-      <dgm:ptLst>
-        <dgm:pt modelId="0" type="doc"/>
-        <dgm:pt modelId="1"/>
-        <dgm:pt modelId="11"/>
-        <dgm:pt modelId="2"/>
-        <dgm:pt modelId="21"/>
-        <dgm:pt modelId="3"/>
-        <dgm:pt modelId="31"/>
-        <dgm:pt modelId="4"/>
-        <dgm:pt modelId="41"/>
-      </dgm:ptLst>
-      <dgm:cxnLst>
-        <dgm:cxn modelId="5" srcId="0" destId="1" srcOrd="0" destOrd="0"/>
-        <dgm:cxn modelId="6" srcId="0" destId="2" srcOrd="1" destOrd="0"/>
-        <dgm:cxn modelId="7" srcId="0" destId="3" srcOrd="2" destOrd="0"/>
-        <dgm:cxn modelId="8" srcId="0" destId="4" srcOrd="3" destOrd="0"/>
-        <dgm:cxn modelId="13" srcId="1" destId="11" srcOrd="0" destOrd="0"/>
-        <dgm:cxn modelId="23" srcId="2" destId="21" srcOrd="0" destOrd="0"/>
-        <dgm:cxn modelId="33" srcId="3" destId="31" srcOrd="0" destOrd="0"/>
-        <dgm:cxn modelId="43" srcId="4" destId="41" srcOrd="0" destOrd="0"/>
-      </dgm:cxnLst>
-      <dgm:bg/>
-      <dgm:whole/>
-    </dgm:dataModel>
-  </dgm:clrData>
-  <dgm:layoutNode name="diagram">
-    <dgm:varLst>
-      <dgm:chPref val="1"/>
-      <dgm:dir/>
-      <dgm:animOne val="branch"/>
-      <dgm:animLvl val="lvl"/>
-      <dgm:resizeHandles/>
-    </dgm:varLst>
-    <dgm:choose name="Name0">
-      <dgm:if name="Name1" func="var" arg="dir" op="equ" val="norm">
-        <dgm:alg type="hierChild">
-          <dgm:param type="linDir" val="fromL"/>
-        </dgm:alg>
-      </dgm:if>
-      <dgm:else name="Name2">
-        <dgm:alg type="hierChild">
-          <dgm:param type="linDir" val="fromR"/>
-        </dgm:alg>
-      </dgm:else>
-    </dgm:choose>
-    <dgm:shape xmlns:r="http://schemas.openxmlformats.org/officeDocument/2006/relationships" r:blip="">
-      <dgm:adjLst/>
-    </dgm:shape>
-    <dgm:presOf/>
-    <dgm:constrLst>
-      <dgm:constr type="primFontSz" for="des" forName="rootText" op="equ" val="65"/>
-      <dgm:constr type="primFontSz" for="des" forName="childText" op="equ" val="65"/>
-      <dgm:constr type="w" for="des" forName="rootComposite" refType="w"/>
-      <dgm:constr type="h" for="des" forName="rootComposite" refType="w" fact="0.5"/>
-      <dgm:constr type="w" for="des" forName="childText" refType="w" refFor="des" refForName="rootComposite" fact="0.8"/>
-      <dgm:constr type="h" for="des" forName="childText" refType="h" refFor="des" refForName="rootComposite"/>
-      <dgm:constr type="sibSp" refType="w" refFor="des" refForName="rootComposite" fact="0.25"/>
-      <dgm:constr type="sibSp" for="des" forName="childShape" refType="h" refFor="des" refForName="childText" fact="0.25"/>
-      <dgm:constr type="sp" for="des" forName="root" refType="h" refFor="des" refForName="childText" fact="0.25"/>
-    </dgm:constrLst>
-    <dgm:ruleLst/>
-    <dgm:forEach name="Name3" axis="ch">
-      <dgm:forEach name="Name4" axis="self" ptType="node" cnt="1">
-        <dgm:layoutNode name="root">
-          <dgm:choose name="Name5">
-            <dgm:if name="Name6" func="var" arg="dir" op="equ" val="norm">
-              <dgm:alg type="hierRoot">
-                <dgm:param type="hierAlign" val="tL"/>
-              </dgm:alg>
-            </dgm:if>
-            <dgm:else name="Name7">
-              <dgm:alg type="hierRoot">
-                <dgm:param type="hierAlign" val="tR"/>
-              </dgm:alg>
-            </dgm:else>
-          </dgm:choose>
-          <dgm:shape xmlns:r="http://schemas.openxmlformats.org/officeDocument/2006/relationships" r:blip="">
-            <dgm:adjLst/>
-          </dgm:shape>
-          <dgm:presOf/>
-          <dgm:constrLst>
-            <dgm:constr type="alignOff" val="0.2"/>
-          </dgm:constrLst>
-          <dgm:ruleLst/>
-          <dgm:layoutNode name="rootComposite">
-            <dgm:alg type="composite"/>
-            <dgm:shape xmlns:r="http://schemas.openxmlformats.org/officeDocument/2006/relationships" r:blip="">
-              <dgm:adjLst/>
-            </dgm:shape>
-            <dgm:presOf axis="self" ptType="node" cnt="1"/>
-            <dgm:choose name="Name8">
-              <dgm:if name="Name9" func="var" arg="dir" op="equ" val="norm">
-                <dgm:constrLst>
-                  <dgm:constr type="l" for="ch" forName="rootText"/>
-                  <dgm:constr type="t" for="ch" forName="rootText"/>
-                  <dgm:constr type="w" for="ch" forName="rootText" refType="w"/>
-                  <dgm:constr type="h" for="ch" forName="rootText" refType="h"/>
-                  <dgm:constr type="l" for="ch" forName="rootConnector"/>
-                  <dgm:constr type="t" for="ch" forName="rootConnector"/>
-                  <dgm:constr type="w" for="ch" forName="rootConnector" refType="w" refFor="ch" refForName="rootText" fact="0.2"/>
-                  <dgm:constr type="h" for="ch" forName="rootConnector" refType="h" refFor="ch" refForName="rootText"/>
-                </dgm:constrLst>
-              </dgm:if>
-              <dgm:else name="Name10">
-                <dgm:constrLst>
-                  <dgm:constr type="l" for="ch" forName="rootText"/>
-                  <dgm:constr type="t" for="ch" forName="rootText"/>
-                  <dgm:constr type="w" for="ch" forName="rootText" refType="w"/>
-                  <dgm:constr type="h" for="ch" forName="rootText" refType="h"/>
-                  <dgm:constr type="r" for="ch" forName="rootConnector" refType="w"/>
-                  <dgm:constr type="t" for="ch" forName="rootConnector"/>
-                  <dgm:constr type="w" for="ch" forName="rootConnector" refType="w" refFor="ch" refForName="rootText" fact="0.2"/>
-                  <dgm:constr type="h" for="ch" forName="rootConnector" refType="h" refFor="ch" refForName="rootText"/>
-                </dgm:constrLst>
-              </dgm:else>
-            </dgm:choose>
-            <dgm:ruleLst/>
-            <dgm:layoutNode name="rootText" styleLbl="node1">
-              <dgm:alg type="tx"/>
-              <dgm:shape xmlns:r="http://schemas.openxmlformats.org/officeDocument/2006/relationships" type="roundRect" r:blip="">
-                <dgm:adjLst>
-                  <dgm:adj idx="1" val="0.1"/>
-                </dgm:adjLst>
-              </dgm:shape>
-              <dgm:presOf axis="self" ptType="node" cnt="1"/>
-              <dgm:constrLst>
-                <dgm:constr type="tMarg" refType="primFontSz" fact="0.1"/>
-                <dgm:constr type="bMarg" refType="primFontSz" fact="0.1"/>
-                <dgm:constr type="lMarg" refType="primFontSz" fact="0.15"/>
-                <dgm:constr type="rMarg" refType="primFontSz" fact="0.15"/>
-              </dgm:constrLst>
-              <dgm:ruleLst>
-                <dgm:rule type="primFontSz" val="5" fact="NaN" max="NaN"/>
-              </dgm:ruleLst>
-            </dgm:layoutNode>
-            <dgm:layoutNode name="rootConnector" moveWith="rootText">
-              <dgm:alg type="sp"/>
-              <dgm:shape xmlns:r="http://schemas.openxmlformats.org/officeDocument/2006/relationships" type="roundRect" r:blip="" hideGeom="1">
-                <dgm:adjLst>
-                  <dgm:adj idx="1" val="0.1"/>
-                </dgm:adjLst>
-              </dgm:shape>
-              <dgm:presOf axis="self" ptType="node" cnt="1"/>
-              <dgm:constrLst/>
-              <dgm:ruleLst/>
-            </dgm:layoutNode>
-          </dgm:layoutNode>
-          <dgm:layoutNode name="childShape">
-            <dgm:alg type="hierChild">
-              <dgm:param type="chAlign" val="l"/>
-              <dgm:param type="linDir" val="fromT"/>
-            </dgm:alg>
-            <dgm:shape xmlns:r="http://schemas.openxmlformats.org/officeDocument/2006/relationships" r:blip="">
-              <dgm:adjLst/>
-            </dgm:shape>
-            <dgm:presOf/>
-            <dgm:constrLst/>
-            <dgm:ruleLst/>
-            <dgm:forEach name="Name11" axis="ch">
-              <dgm:forEach name="Name12" axis="self" ptType="parTrans" cnt="1">
-                <dgm:layoutNode name="Name13">
-                  <dgm:choose name="Name14">
-                    <dgm:if name="Name15" func="var" arg="dir" op="equ" val="norm">
-                      <dgm:alg type="conn">
-                        <dgm:param type="dim" val="1D"/>
-                        <dgm:param type="endSty" val="noArr"/>
-                        <dgm:param type="connRout" val="bend"/>
-                        <dgm:param type="srcNode" val="rootConnector"/>
-                        <dgm:param type="begPts" val="bCtr"/>
-                        <dgm:param type="endPts" val="midL"/>
-                      </dgm:alg>
-                    </dgm:if>
-                    <dgm:else name="Name16">
-                      <dgm:alg type="conn">
-                        <dgm:param type="dim" val="1D"/>
-                        <dgm:param type="endSty" val="noArr"/>
-                        <dgm:param type="connRout" val="bend"/>
-                        <dgm:param type="srcNode" val="rootConnector"/>
-                        <dgm:param type="begPts" val="bCtr"/>
-                        <dgm:param type="endPts" val="midR"/>
-                      </dgm:alg>
-                    </dgm:else>
-                  </dgm:choose>
-                  <dgm:shape xmlns:r="http://schemas.openxmlformats.org/officeDocument/2006/relationships" type="conn" r:blip="">
-                    <dgm:adjLst/>
-                  </dgm:shape>
-                  <dgm:presOf axis="self"/>
-                  <dgm:constrLst>
-                    <dgm:constr type="begPad"/>
-                    <dgm:constr type="endPad"/>
-                  </dgm:constrLst>
-                  <dgm:ruleLst/>
-                </dgm:layoutNode>
-              </dgm:forEach>
-              <dgm:forEach name="Name17" axis="self" ptType="node">
-                <dgm:layoutNode name="childText" styleLbl="bgAcc1">
-                  <dgm:varLst>
-                    <dgm:bulletEnabled val="1"/>
-                  </dgm:varLst>
-                  <dgm:alg type="tx"/>
-                  <dgm:shape xmlns:r="http://schemas.openxmlformats.org/officeDocument/2006/relationships" type="roundRect" r:blip="">
-                    <dgm:adjLst>
-                      <dgm:adj idx="1" val="0.1"/>
-                    </dgm:adjLst>
-                  </dgm:shape>
-                  <dgm:presOf axis="self desOrSelf" ptType="node node" st="1 1" cnt="1 0"/>
-                  <dgm:constrLst>
-                    <dgm:constr type="tMarg" refType="primFontSz" fact="0.1"/>
-                    <dgm:constr type="bMarg" refType="primFontSz" fact="0.1"/>
-                    <dgm:constr type="lMarg" refType="primFontSz" fact="0.15"/>
-                    <dgm:constr type="rMarg" refType="primFontSz" fact="0.15"/>
-                  </dgm:constrLst>
-                  <dgm:ruleLst>
-                    <dgm:rule type="primFontSz" val="5" fact="NaN" max="NaN"/>
-                  </dgm:ruleLst>
-                </dgm:layoutNode>
-              </dgm:forEach>
-            </dgm:forEach>
-          </dgm:layoutNode>
         </dgm:layoutNode>
       </dgm:forEach>
     </dgm:forEach>
@@ -7611,1268 +4312,6 @@
 </dgm:styleDef>
 </file>
 
-<file path=ppt/diagrams/quickStyle2.xml><?xml version="1.0" encoding="utf-8"?>
-<dgm:styleDef xmlns:dgm="http://schemas.openxmlformats.org/drawingml/2006/diagram" xmlns:a="http://schemas.openxmlformats.org/drawingml/2006/main" uniqueId="urn:microsoft.com/office/officeart/2005/8/quickstyle/3d2">
-  <dgm:title val=""/>
-  <dgm:desc val=""/>
-  <dgm:catLst>
-    <dgm:cat type="3D" pri="11200"/>
-  </dgm:catLst>
-  <dgm:scene3d>
-    <a:camera prst="orthographicFront"/>
-    <a:lightRig rig="threePt" dir="t"/>
-  </dgm:scene3d>
-  <dgm:styleLbl name="node0">
-    <dgm:scene3d>
-      <a:camera prst="orthographicFront"/>
-      <a:lightRig rig="threePt" dir="t">
-        <a:rot lat="0" lon="0" rev="7500000"/>
-      </a:lightRig>
-    </dgm:scene3d>
-    <dgm:sp3d prstMaterial="plastic">
-      <a:bevelT w="127000" h="25400" prst="relaxedInset"/>
-    </dgm:sp3d>
-    <dgm:txPr/>
-    <dgm:style>
-      <a:lnRef idx="0">
-        <a:scrgbClr r="0" g="0" b="0"/>
-      </a:lnRef>
-      <a:fillRef idx="3">
-        <a:scrgbClr r="0" g="0" b="0"/>
-      </a:fillRef>
-      <a:effectRef idx="2">
-        <a:scrgbClr r="0" g="0" b="0"/>
-      </a:effectRef>
-      <a:fontRef idx="minor">
-        <a:schemeClr val="lt1"/>
-      </a:fontRef>
-    </dgm:style>
-  </dgm:styleLbl>
-  <dgm:styleLbl name="lnNode1">
-    <dgm:scene3d>
-      <a:camera prst="orthographicFront"/>
-      <a:lightRig rig="threePt" dir="t">
-        <a:rot lat="0" lon="0" rev="7500000"/>
-      </a:lightRig>
-    </dgm:scene3d>
-    <dgm:sp3d prstMaterial="plastic">
-      <a:bevelT w="127000" h="25400" prst="relaxedInset"/>
-    </dgm:sp3d>
-    <dgm:txPr/>
-    <dgm:style>
-      <a:lnRef idx="1">
-        <a:scrgbClr r="0" g="0" b="0"/>
-      </a:lnRef>
-      <a:fillRef idx="3">
-        <a:scrgbClr r="0" g="0" b="0"/>
-      </a:fillRef>
-      <a:effectRef idx="2">
-        <a:scrgbClr r="0" g="0" b="0"/>
-      </a:effectRef>
-      <a:fontRef idx="minor">
-        <a:schemeClr val="lt1"/>
-      </a:fontRef>
-    </dgm:style>
-  </dgm:styleLbl>
-  <dgm:styleLbl name="vennNode1">
-    <dgm:scene3d>
-      <a:camera prst="orthographicFront"/>
-      <a:lightRig rig="threePt" dir="t">
-        <a:rot lat="0" lon="0" rev="7500000"/>
-      </a:lightRig>
-    </dgm:scene3d>
-    <dgm:sp3d prstMaterial="plastic">
-      <a:bevelT w="127000" h="25400" prst="relaxedInset"/>
-    </dgm:sp3d>
-    <dgm:txPr/>
-    <dgm:style>
-      <a:lnRef idx="0">
-        <a:scrgbClr r="0" g="0" b="0"/>
-      </a:lnRef>
-      <a:fillRef idx="3">
-        <a:scrgbClr r="0" g="0" b="0"/>
-      </a:fillRef>
-      <a:effectRef idx="2">
-        <a:scrgbClr r="0" g="0" b="0"/>
-      </a:effectRef>
-      <a:fontRef idx="minor">
-        <a:schemeClr val="tx1"/>
-      </a:fontRef>
-    </dgm:style>
-  </dgm:styleLbl>
-  <dgm:styleLbl name="alingNode1">
-    <dgm:scene3d>
-      <a:camera prst="orthographicFront"/>
-      <a:lightRig rig="threePt" dir="t">
-        <a:rot lat="0" lon="0" rev="7500000"/>
-      </a:lightRig>
-    </dgm:scene3d>
-    <dgm:sp3d prstMaterial="plastic">
-      <a:bevelT w="127000" h="25400" prst="relaxedInset"/>
-    </dgm:sp3d>
-    <dgm:txPr/>
-    <dgm:style>
-      <a:lnRef idx="0">
-        <a:scrgbClr r="0" g="0" b="0"/>
-      </a:lnRef>
-      <a:fillRef idx="3">
-        <a:scrgbClr r="0" g="0" b="0"/>
-      </a:fillRef>
-      <a:effectRef idx="2">
-        <a:scrgbClr r="0" g="0" b="0"/>
-      </a:effectRef>
-      <a:fontRef idx="minor">
-        <a:schemeClr val="lt1"/>
-      </a:fontRef>
-    </dgm:style>
-  </dgm:styleLbl>
-  <dgm:styleLbl name="node1">
-    <dgm:scene3d>
-      <a:camera prst="orthographicFront"/>
-      <a:lightRig rig="threePt" dir="t">
-        <a:rot lat="0" lon="0" rev="7500000"/>
-      </a:lightRig>
-    </dgm:scene3d>
-    <dgm:sp3d prstMaterial="plastic">
-      <a:bevelT w="127000" h="25400" prst="relaxedInset"/>
-    </dgm:sp3d>
-    <dgm:txPr/>
-    <dgm:style>
-      <a:lnRef idx="0">
-        <a:scrgbClr r="0" g="0" b="0"/>
-      </a:lnRef>
-      <a:fillRef idx="3">
-        <a:scrgbClr r="0" g="0" b="0"/>
-      </a:fillRef>
-      <a:effectRef idx="2">
-        <a:scrgbClr r="0" g="0" b="0"/>
-      </a:effectRef>
-      <a:fontRef idx="minor">
-        <a:schemeClr val="lt1"/>
-      </a:fontRef>
-    </dgm:style>
-  </dgm:styleLbl>
-  <dgm:styleLbl name="node2">
-    <dgm:scene3d>
-      <a:camera prst="orthographicFront"/>
-      <a:lightRig rig="threePt" dir="t">
-        <a:rot lat="0" lon="0" rev="7500000"/>
-      </a:lightRig>
-    </dgm:scene3d>
-    <dgm:sp3d prstMaterial="plastic">
-      <a:bevelT w="127000" h="25400" prst="relaxedInset"/>
-    </dgm:sp3d>
-    <dgm:txPr/>
-    <dgm:style>
-      <a:lnRef idx="0">
-        <a:scrgbClr r="0" g="0" b="0"/>
-      </a:lnRef>
-      <a:fillRef idx="3">
-        <a:scrgbClr r="0" g="0" b="0"/>
-      </a:fillRef>
-      <a:effectRef idx="2">
-        <a:scrgbClr r="0" g="0" b="0"/>
-      </a:effectRef>
-      <a:fontRef idx="minor">
-        <a:schemeClr val="lt1"/>
-      </a:fontRef>
-    </dgm:style>
-  </dgm:styleLbl>
-  <dgm:styleLbl name="node3">
-    <dgm:scene3d>
-      <a:camera prst="orthographicFront"/>
-      <a:lightRig rig="threePt" dir="t">
-        <a:rot lat="0" lon="0" rev="7500000"/>
-      </a:lightRig>
-    </dgm:scene3d>
-    <dgm:sp3d prstMaterial="plastic">
-      <a:bevelT w="127000" h="25400" prst="relaxedInset"/>
-    </dgm:sp3d>
-    <dgm:txPr/>
-    <dgm:style>
-      <a:lnRef idx="0">
-        <a:scrgbClr r="0" g="0" b="0"/>
-      </a:lnRef>
-      <a:fillRef idx="3">
-        <a:scrgbClr r="0" g="0" b="0"/>
-      </a:fillRef>
-      <a:effectRef idx="2">
-        <a:scrgbClr r="0" g="0" b="0"/>
-      </a:effectRef>
-      <a:fontRef idx="minor">
-        <a:schemeClr val="lt1"/>
-      </a:fontRef>
-    </dgm:style>
-  </dgm:styleLbl>
-  <dgm:styleLbl name="node4">
-    <dgm:scene3d>
-      <a:camera prst="orthographicFront"/>
-      <a:lightRig rig="threePt" dir="t">
-        <a:rot lat="0" lon="0" rev="7500000"/>
-      </a:lightRig>
-    </dgm:scene3d>
-    <dgm:sp3d prstMaterial="plastic">
-      <a:bevelT w="127000" h="25400" prst="relaxedInset"/>
-    </dgm:sp3d>
-    <dgm:txPr/>
-    <dgm:style>
-      <a:lnRef idx="0">
-        <a:scrgbClr r="0" g="0" b="0"/>
-      </a:lnRef>
-      <a:fillRef idx="3">
-        <a:scrgbClr r="0" g="0" b="0"/>
-      </a:fillRef>
-      <a:effectRef idx="2">
-        <a:scrgbClr r="0" g="0" b="0"/>
-      </a:effectRef>
-      <a:fontRef idx="minor">
-        <a:schemeClr val="lt1"/>
-      </a:fontRef>
-    </dgm:style>
-  </dgm:styleLbl>
-  <dgm:styleLbl name="fgImgPlace1">
-    <dgm:scene3d>
-      <a:camera prst="orthographicFront"/>
-      <a:lightRig rig="threePt" dir="t">
-        <a:rot lat="0" lon="0" rev="7500000"/>
-      </a:lightRig>
-    </dgm:scene3d>
-    <dgm:sp3d z="152400" extrusionH="63500" prstMaterial="matte">
-      <a:bevelT w="50800" h="19050" prst="relaxedInset"/>
-      <a:contourClr>
-        <a:schemeClr val="bg1"/>
-      </a:contourClr>
-    </dgm:sp3d>
-    <dgm:txPr/>
-    <dgm:style>
-      <a:lnRef idx="0">
-        <a:scrgbClr r="0" g="0" b="0"/>
-      </a:lnRef>
-      <a:fillRef idx="1">
-        <a:scrgbClr r="0" g="0" b="0"/>
-      </a:fillRef>
-      <a:effectRef idx="0">
-        <a:scrgbClr r="0" g="0" b="0"/>
-      </a:effectRef>
-      <a:fontRef idx="minor"/>
-    </dgm:style>
-  </dgm:styleLbl>
-  <dgm:styleLbl name="alignImgPlace1">
-    <dgm:scene3d>
-      <a:camera prst="orthographicFront"/>
-      <a:lightRig rig="threePt" dir="t">
-        <a:rot lat="0" lon="0" rev="7500000"/>
-      </a:lightRig>
-    </dgm:scene3d>
-    <dgm:sp3d z="254000" extrusionH="63500" contourW="12700" prstMaterial="matte">
-      <a:contourClr>
-        <a:schemeClr val="lt1"/>
-      </a:contourClr>
-    </dgm:sp3d>
-    <dgm:txPr/>
-    <dgm:style>
-      <a:lnRef idx="0">
-        <a:scrgbClr r="0" g="0" b="0"/>
-      </a:lnRef>
-      <a:fillRef idx="1">
-        <a:scrgbClr r="0" g="0" b="0"/>
-      </a:fillRef>
-      <a:effectRef idx="0">
-        <a:scrgbClr r="0" g="0" b="0"/>
-      </a:effectRef>
-      <a:fontRef idx="minor"/>
-    </dgm:style>
-  </dgm:styleLbl>
-  <dgm:styleLbl name="bgImgPlace1">
-    <dgm:scene3d>
-      <a:camera prst="orthographicFront"/>
-      <a:lightRig rig="threePt" dir="t">
-        <a:rot lat="0" lon="0" rev="7500000"/>
-      </a:lightRig>
-    </dgm:scene3d>
-    <dgm:sp3d z="-152400" extrusionH="63500" contourW="12700" prstMaterial="matte">
-      <a:contourClr>
-        <a:schemeClr val="lt1"/>
-      </a:contourClr>
-    </dgm:sp3d>
-    <dgm:txPr/>
-    <dgm:style>
-      <a:lnRef idx="0">
-        <a:scrgbClr r="0" g="0" b="0"/>
-      </a:lnRef>
-      <a:fillRef idx="1">
-        <a:scrgbClr r="0" g="0" b="0"/>
-      </a:fillRef>
-      <a:effectRef idx="0">
-        <a:scrgbClr r="0" g="0" b="0"/>
-      </a:effectRef>
-      <a:fontRef idx="minor"/>
-    </dgm:style>
-  </dgm:styleLbl>
-  <dgm:styleLbl name="sibTrans2D1">
-    <dgm:scene3d>
-      <a:camera prst="orthographicFront"/>
-      <a:lightRig rig="threePt" dir="t">
-        <a:rot lat="0" lon="0" rev="7500000"/>
-      </a:lightRig>
-    </dgm:scene3d>
-    <dgm:sp3d z="-70000" extrusionH="63500" prstMaterial="matte">
-      <a:bevelT w="25400" h="6350" prst="relaxedInset"/>
-      <a:contourClr>
-        <a:schemeClr val="bg1"/>
-      </a:contourClr>
-    </dgm:sp3d>
-    <dgm:txPr/>
-    <dgm:style>
-      <a:lnRef idx="0">
-        <a:scrgbClr r="0" g="0" b="0"/>
-      </a:lnRef>
-      <a:fillRef idx="1">
-        <a:scrgbClr r="0" g="0" b="0"/>
-      </a:fillRef>
-      <a:effectRef idx="2">
-        <a:scrgbClr r="0" g="0" b="0"/>
-      </a:effectRef>
-      <a:fontRef idx="minor">
-        <a:schemeClr val="lt1"/>
-      </a:fontRef>
-    </dgm:style>
-  </dgm:styleLbl>
-  <dgm:styleLbl name="fgSibTrans2D1">
-    <dgm:scene3d>
-      <a:camera prst="orthographicFront"/>
-      <a:lightRig rig="threePt" dir="t">
-        <a:rot lat="0" lon="0" rev="7500000"/>
-      </a:lightRig>
-    </dgm:scene3d>
-    <dgm:sp3d z="152400" extrusionH="63500" prstMaterial="matte">
-      <a:bevelT w="25400" h="6350" prst="relaxedInset"/>
-      <a:contourClr>
-        <a:schemeClr val="bg1"/>
-      </a:contourClr>
-    </dgm:sp3d>
-    <dgm:txPr/>
-    <dgm:style>
-      <a:lnRef idx="0">
-        <a:scrgbClr r="0" g="0" b="0"/>
-      </a:lnRef>
-      <a:fillRef idx="1">
-        <a:scrgbClr r="0" g="0" b="0"/>
-      </a:fillRef>
-      <a:effectRef idx="2">
-        <a:scrgbClr r="0" g="0" b="0"/>
-      </a:effectRef>
-      <a:fontRef idx="minor">
-        <a:schemeClr val="lt1"/>
-      </a:fontRef>
-    </dgm:style>
-  </dgm:styleLbl>
-  <dgm:styleLbl name="bgSibTrans2D1">
-    <dgm:scene3d>
-      <a:camera prst="orthographicFront"/>
-      <a:lightRig rig="threePt" dir="t">
-        <a:rot lat="0" lon="0" rev="7500000"/>
-      </a:lightRig>
-    </dgm:scene3d>
-    <dgm:sp3d z="-152400" extrusionH="63500" prstMaterial="matte">
-      <a:bevelT w="25400" h="6350" prst="relaxedInset"/>
-      <a:contourClr>
-        <a:schemeClr val="bg1"/>
-      </a:contourClr>
-    </dgm:sp3d>
-    <dgm:txPr/>
-    <dgm:style>
-      <a:lnRef idx="0">
-        <a:scrgbClr r="0" g="0" b="0"/>
-      </a:lnRef>
-      <a:fillRef idx="1">
-        <a:scrgbClr r="0" g="0" b="0"/>
-      </a:fillRef>
-      <a:effectRef idx="2">
-        <a:scrgbClr r="0" g="0" b="0"/>
-      </a:effectRef>
-      <a:fontRef idx="minor">
-        <a:schemeClr val="lt1"/>
-      </a:fontRef>
-    </dgm:style>
-  </dgm:styleLbl>
-  <dgm:styleLbl name="sibTrans1D1">
-    <dgm:scene3d>
-      <a:camera prst="orthographicFront"/>
-      <a:lightRig rig="threePt" dir="t">
-        <a:rot lat="0" lon="0" rev="7500000"/>
-      </a:lightRig>
-    </dgm:scene3d>
-    <dgm:sp3d z="-40000" prstMaterial="matte"/>
-    <dgm:txPr/>
-    <dgm:style>
-      <a:lnRef idx="1">
-        <a:scrgbClr r="0" g="0" b="0"/>
-      </a:lnRef>
-      <a:fillRef idx="0">
-        <a:scrgbClr r="0" g="0" b="0"/>
-      </a:fillRef>
-      <a:effectRef idx="0">
-        <a:scrgbClr r="0" g="0" b="0"/>
-      </a:effectRef>
-      <a:fontRef idx="minor"/>
-    </dgm:style>
-  </dgm:styleLbl>
-  <dgm:styleLbl name="callout">
-    <dgm:scene3d>
-      <a:camera prst="orthographicFront"/>
-      <a:lightRig rig="threePt" dir="t">
-        <a:rot lat="0" lon="0" rev="7500000"/>
-      </a:lightRig>
-    </dgm:scene3d>
-    <dgm:sp3d z="127000" prstMaterial="matte"/>
-    <dgm:txPr/>
-    <dgm:style>
-      <a:lnRef idx="2">
-        <a:scrgbClr r="0" g="0" b="0"/>
-      </a:lnRef>
-      <a:fillRef idx="1">
-        <a:scrgbClr r="0" g="0" b="0"/>
-      </a:fillRef>
-      <a:effectRef idx="0">
-        <a:scrgbClr r="0" g="0" b="0"/>
-      </a:effectRef>
-      <a:fontRef idx="minor"/>
-    </dgm:style>
-  </dgm:styleLbl>
-  <dgm:styleLbl name="asst0">
-    <dgm:scene3d>
-      <a:camera prst="orthographicFront"/>
-      <a:lightRig rig="threePt" dir="t">
-        <a:rot lat="0" lon="0" rev="7500000"/>
-      </a:lightRig>
-    </dgm:scene3d>
-    <dgm:sp3d prstMaterial="plastic">
-      <a:bevelT w="127000" h="25400" prst="relaxedInset"/>
-    </dgm:sp3d>
-    <dgm:txPr/>
-    <dgm:style>
-      <a:lnRef idx="0">
-        <a:scrgbClr r="0" g="0" b="0"/>
-      </a:lnRef>
-      <a:fillRef idx="3">
-        <a:scrgbClr r="0" g="0" b="0"/>
-      </a:fillRef>
-      <a:effectRef idx="2">
-        <a:scrgbClr r="0" g="0" b="0"/>
-      </a:effectRef>
-      <a:fontRef idx="minor">
-        <a:schemeClr val="lt1"/>
-      </a:fontRef>
-    </dgm:style>
-  </dgm:styleLbl>
-  <dgm:styleLbl name="asst1">
-    <dgm:scene3d>
-      <a:camera prst="orthographicFront"/>
-      <a:lightRig rig="threePt" dir="t">
-        <a:rot lat="0" lon="0" rev="7500000"/>
-      </a:lightRig>
-    </dgm:scene3d>
-    <dgm:sp3d prstMaterial="plastic">
-      <a:bevelT w="127000" h="25400" prst="relaxedInset"/>
-    </dgm:sp3d>
-    <dgm:txPr/>
-    <dgm:style>
-      <a:lnRef idx="0">
-        <a:scrgbClr r="0" g="0" b="0"/>
-      </a:lnRef>
-      <a:fillRef idx="3">
-        <a:scrgbClr r="0" g="0" b="0"/>
-      </a:fillRef>
-      <a:effectRef idx="2">
-        <a:scrgbClr r="0" g="0" b="0"/>
-      </a:effectRef>
-      <a:fontRef idx="minor">
-        <a:schemeClr val="lt1"/>
-      </a:fontRef>
-    </dgm:style>
-  </dgm:styleLbl>
-  <dgm:styleLbl name="asst2">
-    <dgm:scene3d>
-      <a:camera prst="orthographicFront"/>
-      <a:lightRig rig="threePt" dir="t">
-        <a:rot lat="0" lon="0" rev="7500000"/>
-      </a:lightRig>
-    </dgm:scene3d>
-    <dgm:sp3d prstMaterial="plastic">
-      <a:bevelT w="127000" h="25400" prst="relaxedInset"/>
-    </dgm:sp3d>
-    <dgm:txPr/>
-    <dgm:style>
-      <a:lnRef idx="0">
-        <a:scrgbClr r="0" g="0" b="0"/>
-      </a:lnRef>
-      <a:fillRef idx="3">
-        <a:scrgbClr r="0" g="0" b="0"/>
-      </a:fillRef>
-      <a:effectRef idx="2">
-        <a:scrgbClr r="0" g="0" b="0"/>
-      </a:effectRef>
-      <a:fontRef idx="minor">
-        <a:schemeClr val="lt1"/>
-      </a:fontRef>
-    </dgm:style>
-  </dgm:styleLbl>
-  <dgm:styleLbl name="asst3">
-    <dgm:scene3d>
-      <a:camera prst="orthographicFront"/>
-      <a:lightRig rig="threePt" dir="t">
-        <a:rot lat="0" lon="0" rev="7500000"/>
-      </a:lightRig>
-    </dgm:scene3d>
-    <dgm:sp3d prstMaterial="plastic">
-      <a:bevelT w="127000" h="25400" prst="relaxedInset"/>
-    </dgm:sp3d>
-    <dgm:txPr/>
-    <dgm:style>
-      <a:lnRef idx="0">
-        <a:scrgbClr r="0" g="0" b="0"/>
-      </a:lnRef>
-      <a:fillRef idx="3">
-        <a:scrgbClr r="0" g="0" b="0"/>
-      </a:fillRef>
-      <a:effectRef idx="2">
-        <a:scrgbClr r="0" g="0" b="0"/>
-      </a:effectRef>
-      <a:fontRef idx="minor">
-        <a:schemeClr val="lt1"/>
-      </a:fontRef>
-    </dgm:style>
-  </dgm:styleLbl>
-  <dgm:styleLbl name="parChTrans2D1">
-    <dgm:scene3d>
-      <a:camera prst="orthographicFront"/>
-      <a:lightRig rig="threePt" dir="t">
-        <a:rot lat="0" lon="0" rev="7500000"/>
-      </a:lightRig>
-    </dgm:scene3d>
-    <dgm:sp3d extrusionH="63500" prstMaterial="matte">
-      <a:bevelT w="50800" h="19050" prst="relaxedInset"/>
-      <a:contourClr>
-        <a:schemeClr val="bg1"/>
-      </a:contourClr>
-    </dgm:sp3d>
-    <dgm:txPr/>
-    <dgm:style>
-      <a:lnRef idx="0">
-        <a:scrgbClr r="0" g="0" b="0"/>
-      </a:lnRef>
-      <a:fillRef idx="1">
-        <a:scrgbClr r="0" g="0" b="0"/>
-      </a:fillRef>
-      <a:effectRef idx="2">
-        <a:scrgbClr r="0" g="0" b="0"/>
-      </a:effectRef>
-      <a:fontRef idx="minor">
-        <a:schemeClr val="lt1"/>
-      </a:fontRef>
-    </dgm:style>
-  </dgm:styleLbl>
-  <dgm:styleLbl name="parChTrans2D2">
-    <dgm:scene3d>
-      <a:camera prst="orthographicFront"/>
-      <a:lightRig rig="threePt" dir="t">
-        <a:rot lat="0" lon="0" rev="7500000"/>
-      </a:lightRig>
-    </dgm:scene3d>
-    <dgm:sp3d extrusionH="63500" prstMaterial="matte">
-      <a:bevelT w="50800" h="19050" prst="relaxedInset"/>
-      <a:contourClr>
-        <a:schemeClr val="bg1"/>
-      </a:contourClr>
-    </dgm:sp3d>
-    <dgm:txPr/>
-    <dgm:style>
-      <a:lnRef idx="0">
-        <a:scrgbClr r="0" g="0" b="0"/>
-      </a:lnRef>
-      <a:fillRef idx="1">
-        <a:scrgbClr r="0" g="0" b="0"/>
-      </a:fillRef>
-      <a:effectRef idx="0">
-        <a:scrgbClr r="0" g="0" b="0"/>
-      </a:effectRef>
-      <a:fontRef idx="minor">
-        <a:schemeClr val="lt1"/>
-      </a:fontRef>
-    </dgm:style>
-  </dgm:styleLbl>
-  <dgm:styleLbl name="parChTrans2D3">
-    <dgm:scene3d>
-      <a:camera prst="orthographicFront"/>
-      <a:lightRig rig="threePt" dir="t">
-        <a:rot lat="0" lon="0" rev="7500000"/>
-      </a:lightRig>
-    </dgm:scene3d>
-    <dgm:sp3d z="60000" prstMaterial="flat">
-      <a:bevelT w="120900" h="88900"/>
-    </dgm:sp3d>
-    <dgm:txPr/>
-    <dgm:style>
-      <a:lnRef idx="0">
-        <a:scrgbClr r="0" g="0" b="0"/>
-      </a:lnRef>
-      <a:fillRef idx="3">
-        <a:scrgbClr r="0" g="0" b="0"/>
-      </a:fillRef>
-      <a:effectRef idx="1">
-        <a:scrgbClr r="0" g="0" b="0"/>
-      </a:effectRef>
-      <a:fontRef idx="minor">
-        <a:schemeClr val="lt1"/>
-      </a:fontRef>
-    </dgm:style>
-  </dgm:styleLbl>
-  <dgm:styleLbl name="parChTrans2D4">
-    <dgm:scene3d>
-      <a:camera prst="orthographicFront"/>
-      <a:lightRig rig="threePt" dir="t">
-        <a:rot lat="0" lon="0" rev="7500000"/>
-      </a:lightRig>
-    </dgm:scene3d>
-    <dgm:sp3d z="60000" prstMaterial="flat">
-      <a:bevelT w="120900" h="88900"/>
-    </dgm:sp3d>
-    <dgm:txPr/>
-    <dgm:style>
-      <a:lnRef idx="0">
-        <a:scrgbClr r="0" g="0" b="0"/>
-      </a:lnRef>
-      <a:fillRef idx="3">
-        <a:scrgbClr r="0" g="0" b="0"/>
-      </a:fillRef>
-      <a:effectRef idx="1">
-        <a:scrgbClr r="0" g="0" b="0"/>
-      </a:effectRef>
-      <a:fontRef idx="minor">
-        <a:schemeClr val="lt1"/>
-      </a:fontRef>
-    </dgm:style>
-  </dgm:styleLbl>
-  <dgm:styleLbl name="parChTrans1D1">
-    <dgm:scene3d>
-      <a:camera prst="orthographicFront"/>
-      <a:lightRig rig="threePt" dir="t">
-        <a:rot lat="0" lon="0" rev="7500000"/>
-      </a:lightRig>
-    </dgm:scene3d>
-    <dgm:sp3d z="-40000" prstMaterial="matte"/>
-    <dgm:txPr/>
-    <dgm:style>
-      <a:lnRef idx="2">
-        <a:scrgbClr r="0" g="0" b="0"/>
-      </a:lnRef>
-      <a:fillRef idx="0">
-        <a:scrgbClr r="0" g="0" b="0"/>
-      </a:fillRef>
-      <a:effectRef idx="0">
-        <a:scrgbClr r="0" g="0" b="0"/>
-      </a:effectRef>
-      <a:fontRef idx="minor"/>
-    </dgm:style>
-  </dgm:styleLbl>
-  <dgm:styleLbl name="parChTrans1D2">
-    <dgm:scene3d>
-      <a:camera prst="orthographicFront"/>
-      <a:lightRig rig="threePt" dir="t">
-        <a:rot lat="0" lon="0" rev="7500000"/>
-      </a:lightRig>
-    </dgm:scene3d>
-    <dgm:sp3d z="-40000" prstMaterial="matte"/>
-    <dgm:txPr/>
-    <dgm:style>
-      <a:lnRef idx="2">
-        <a:scrgbClr r="0" g="0" b="0"/>
-      </a:lnRef>
-      <a:fillRef idx="0">
-        <a:scrgbClr r="0" g="0" b="0"/>
-      </a:fillRef>
-      <a:effectRef idx="0">
-        <a:scrgbClr r="0" g="0" b="0"/>
-      </a:effectRef>
-      <a:fontRef idx="minor"/>
-    </dgm:style>
-  </dgm:styleLbl>
-  <dgm:styleLbl name="parChTrans1D3">
-    <dgm:scene3d>
-      <a:camera prst="orthographicFront"/>
-      <a:lightRig rig="threePt" dir="t">
-        <a:rot lat="0" lon="0" rev="7500000"/>
-      </a:lightRig>
-    </dgm:scene3d>
-    <dgm:sp3d z="-40000" prstMaterial="matte"/>
-    <dgm:txPr/>
-    <dgm:style>
-      <a:lnRef idx="2">
-        <a:scrgbClr r="0" g="0" b="0"/>
-      </a:lnRef>
-      <a:fillRef idx="0">
-        <a:scrgbClr r="0" g="0" b="0"/>
-      </a:fillRef>
-      <a:effectRef idx="0">
-        <a:scrgbClr r="0" g="0" b="0"/>
-      </a:effectRef>
-      <a:fontRef idx="minor"/>
-    </dgm:style>
-  </dgm:styleLbl>
-  <dgm:styleLbl name="parChTrans1D4">
-    <dgm:scene3d>
-      <a:camera prst="orthographicFront"/>
-      <a:lightRig rig="threePt" dir="t">
-        <a:rot lat="0" lon="0" rev="7500000"/>
-      </a:lightRig>
-    </dgm:scene3d>
-    <dgm:sp3d z="-40000" prstMaterial="matte"/>
-    <dgm:txPr/>
-    <dgm:style>
-      <a:lnRef idx="2">
-        <a:scrgbClr r="0" g="0" b="0"/>
-      </a:lnRef>
-      <a:fillRef idx="0">
-        <a:scrgbClr r="0" g="0" b="0"/>
-      </a:fillRef>
-      <a:effectRef idx="0">
-        <a:scrgbClr r="0" g="0" b="0"/>
-      </a:effectRef>
-      <a:fontRef idx="minor"/>
-    </dgm:style>
-  </dgm:styleLbl>
-  <dgm:styleLbl name="fgAcc1">
-    <dgm:scene3d>
-      <a:camera prst="orthographicFront"/>
-      <a:lightRig rig="threePt" dir="t">
-        <a:rot lat="0" lon="0" rev="7500000"/>
-      </a:lightRig>
-    </dgm:scene3d>
-    <dgm:sp3d z="152400" extrusionH="63500" prstMaterial="dkEdge">
-      <a:bevelT w="135400" h="16350" prst="relaxedInset"/>
-      <a:contourClr>
-        <a:schemeClr val="bg1"/>
-      </a:contourClr>
-    </dgm:sp3d>
-    <dgm:txPr/>
-    <dgm:style>
-      <a:lnRef idx="1">
-        <a:scrgbClr r="0" g="0" b="0"/>
-      </a:lnRef>
-      <a:fillRef idx="1">
-        <a:scrgbClr r="0" g="0" b="0"/>
-      </a:fillRef>
-      <a:effectRef idx="2">
-        <a:scrgbClr r="0" g="0" b="0"/>
-      </a:effectRef>
-      <a:fontRef idx="minor"/>
-    </dgm:style>
-  </dgm:styleLbl>
-  <dgm:styleLbl name="conFgAcc1">
-    <dgm:scene3d>
-      <a:camera prst="orthographicFront"/>
-      <a:lightRig rig="threePt" dir="t">
-        <a:rot lat="0" lon="0" rev="7500000"/>
-      </a:lightRig>
-    </dgm:scene3d>
-    <dgm:sp3d z="152400" extrusionH="63500" prstMaterial="dkEdge">
-      <a:bevelT w="135400" h="16350" prst="relaxedInset"/>
-      <a:contourClr>
-        <a:schemeClr val="bg1"/>
-      </a:contourClr>
-    </dgm:sp3d>
-    <dgm:txPr/>
-    <dgm:style>
-      <a:lnRef idx="1">
-        <a:scrgbClr r="0" g="0" b="0"/>
-      </a:lnRef>
-      <a:fillRef idx="1">
-        <a:scrgbClr r="0" g="0" b="0"/>
-      </a:fillRef>
-      <a:effectRef idx="2">
-        <a:scrgbClr r="0" g="0" b="0"/>
-      </a:effectRef>
-      <a:fontRef idx="minor"/>
-    </dgm:style>
-  </dgm:styleLbl>
-  <dgm:styleLbl name="alignAcc1">
-    <dgm:scene3d>
-      <a:camera prst="orthographicFront"/>
-      <a:lightRig rig="threePt" dir="t">
-        <a:rot lat="0" lon="0" rev="7500000"/>
-      </a:lightRig>
-    </dgm:scene3d>
-    <dgm:sp3d extrusionH="190500" prstMaterial="dkEdge">
-      <a:bevelT w="135400" h="16350" prst="relaxedInset"/>
-      <a:contourClr>
-        <a:schemeClr val="bg1"/>
-      </a:contourClr>
-    </dgm:sp3d>
-    <dgm:txPr/>
-    <dgm:style>
-      <a:lnRef idx="1">
-        <a:scrgbClr r="0" g="0" b="0"/>
-      </a:lnRef>
-      <a:fillRef idx="1">
-        <a:scrgbClr r="0" g="0" b="0"/>
-      </a:fillRef>
-      <a:effectRef idx="2">
-        <a:scrgbClr r="0" g="0" b="0"/>
-      </a:effectRef>
-      <a:fontRef idx="minor"/>
-    </dgm:style>
-  </dgm:styleLbl>
-  <dgm:styleLbl name="trAlignAcc1">
-    <dgm:scene3d>
-      <a:camera prst="orthographicFront"/>
-      <a:lightRig rig="threePt" dir="t">
-        <a:rot lat="0" lon="0" rev="7500000"/>
-      </a:lightRig>
-    </dgm:scene3d>
-    <dgm:sp3d prstMaterial="plastic">
-      <a:bevelT w="127000" h="35400"/>
-    </dgm:sp3d>
-    <dgm:txPr/>
-    <dgm:style>
-      <a:lnRef idx="1">
-        <a:scrgbClr r="0" g="0" b="0"/>
-      </a:lnRef>
-      <a:fillRef idx="1">
-        <a:scrgbClr r="0" g="0" b="0"/>
-      </a:fillRef>
-      <a:effectRef idx="2">
-        <a:scrgbClr r="0" g="0" b="0"/>
-      </a:effectRef>
-      <a:fontRef idx="minor">
-        <a:schemeClr val="lt1"/>
-      </a:fontRef>
-    </dgm:style>
-  </dgm:styleLbl>
-  <dgm:styleLbl name="bgAcc1">
-    <dgm:scene3d>
-      <a:camera prst="orthographicFront"/>
-      <a:lightRig rig="threePt" dir="t">
-        <a:rot lat="0" lon="0" rev="7500000"/>
-      </a:lightRig>
-    </dgm:scene3d>
-    <dgm:sp3d z="-152400" extrusionH="63500" prstMaterial="dkEdge">
-      <a:bevelT w="124450" h="16350" prst="relaxedInset"/>
-      <a:contourClr>
-        <a:schemeClr val="bg1"/>
-      </a:contourClr>
-    </dgm:sp3d>
-    <dgm:txPr/>
-    <dgm:style>
-      <a:lnRef idx="1">
-        <a:scrgbClr r="0" g="0" b="0"/>
-      </a:lnRef>
-      <a:fillRef idx="1">
-        <a:scrgbClr r="0" g="0" b="0"/>
-      </a:fillRef>
-      <a:effectRef idx="0">
-        <a:scrgbClr r="0" g="0" b="0"/>
-      </a:effectRef>
-      <a:fontRef idx="minor"/>
-    </dgm:style>
-  </dgm:styleLbl>
-  <dgm:styleLbl name="solidFgAcc1">
-    <dgm:scene3d>
-      <a:camera prst="orthographicFront"/>
-      <a:lightRig rig="threePt" dir="t">
-        <a:rot lat="0" lon="0" rev="7500000"/>
-      </a:lightRig>
-    </dgm:scene3d>
-    <dgm:sp3d z="152400" extrusionH="63500" prstMaterial="dkEdge">
-      <a:bevelT w="120800" h="19050" prst="relaxedInset"/>
-      <a:contourClr>
-        <a:schemeClr val="bg1"/>
-      </a:contourClr>
-    </dgm:sp3d>
-    <dgm:txPr/>
-    <dgm:style>
-      <a:lnRef idx="1">
-        <a:scrgbClr r="0" g="0" b="0"/>
-      </a:lnRef>
-      <a:fillRef idx="1">
-        <a:scrgbClr r="0" g="0" b="0"/>
-      </a:fillRef>
-      <a:effectRef idx="2">
-        <a:scrgbClr r="0" g="0" b="0"/>
-      </a:effectRef>
-      <a:fontRef idx="minor"/>
-    </dgm:style>
-  </dgm:styleLbl>
-  <dgm:styleLbl name="solidAlignAcc1">
-    <dgm:scene3d>
-      <a:camera prst="orthographicFront"/>
-      <a:lightRig rig="threePt" dir="t">
-        <a:rot lat="0" lon="0" rev="7500000"/>
-      </a:lightRig>
-    </dgm:scene3d>
-    <dgm:sp3d extrusionH="190500" prstMaterial="dkEdge">
-      <a:bevelT w="120650" h="38100" prst="relaxedInset"/>
-      <a:contourClr>
-        <a:schemeClr val="bg1"/>
-      </a:contourClr>
-    </dgm:sp3d>
-    <dgm:txPr/>
-    <dgm:style>
-      <a:lnRef idx="1">
-        <a:scrgbClr r="0" g="0" b="0"/>
-      </a:lnRef>
-      <a:fillRef idx="1">
-        <a:scrgbClr r="0" g="0" b="0"/>
-      </a:fillRef>
-      <a:effectRef idx="2">
-        <a:scrgbClr r="0" g="0" b="0"/>
-      </a:effectRef>
-      <a:fontRef idx="minor"/>
-    </dgm:style>
-  </dgm:styleLbl>
-  <dgm:styleLbl name="solidBgAcc1">
-    <dgm:scene3d>
-      <a:camera prst="orthographicFront"/>
-      <a:lightRig rig="threePt" dir="t">
-        <a:rot lat="0" lon="0" rev="7500000"/>
-      </a:lightRig>
-    </dgm:scene3d>
-    <dgm:sp3d z="-152400" extrusionH="63500" prstMaterial="dkEdge">
-      <a:bevelT w="144450" h="36350" prst="relaxedInset"/>
-      <a:contourClr>
-        <a:schemeClr val="bg1"/>
-      </a:contourClr>
-    </dgm:sp3d>
-    <dgm:txPr/>
-    <dgm:style>
-      <a:lnRef idx="1">
-        <a:scrgbClr r="0" g="0" b="0"/>
-      </a:lnRef>
-      <a:fillRef idx="1">
-        <a:scrgbClr r="0" g="0" b="0"/>
-      </a:fillRef>
-      <a:effectRef idx="0">
-        <a:scrgbClr r="0" g="0" b="0"/>
-      </a:effectRef>
-      <a:fontRef idx="minor"/>
-    </dgm:style>
-  </dgm:styleLbl>
-  <dgm:styleLbl name="fgAccFollowNode1">
-    <dgm:scene3d>
-      <a:camera prst="orthographicFront"/>
-      <a:lightRig rig="threePt" dir="t">
-        <a:rot lat="0" lon="0" rev="7500000"/>
-      </a:lightRig>
-    </dgm:scene3d>
-    <dgm:sp3d z="152400" extrusionH="63500" prstMaterial="dkEdge">
-      <a:bevelT w="125400" h="36350" prst="relaxedInset"/>
-      <a:contourClr>
-        <a:schemeClr val="bg1"/>
-      </a:contourClr>
-    </dgm:sp3d>
-    <dgm:txPr/>
-    <dgm:style>
-      <a:lnRef idx="1">
-        <a:scrgbClr r="0" g="0" b="0"/>
-      </a:lnRef>
-      <a:fillRef idx="1">
-        <a:scrgbClr r="0" g="0" b="0"/>
-      </a:fillRef>
-      <a:effectRef idx="0">
-        <a:scrgbClr r="0" g="0" b="0"/>
-      </a:effectRef>
-      <a:fontRef idx="minor"/>
-    </dgm:style>
-  </dgm:styleLbl>
-  <dgm:styleLbl name="alignAccFollowNode1">
-    <dgm:scene3d>
-      <a:camera prst="orthographicFront"/>
-      <a:lightRig rig="threePt" dir="t">
-        <a:rot lat="0" lon="0" rev="7500000"/>
-      </a:lightRig>
-    </dgm:scene3d>
-    <dgm:sp3d extrusionH="190500" prstMaterial="dkEdge">
-      <a:bevelT w="120650" h="38100" prst="relaxedInset"/>
-      <a:bevelB w="120650" h="57150" prst="relaxedInset"/>
-      <a:contourClr>
-        <a:schemeClr val="bg1"/>
-      </a:contourClr>
-    </dgm:sp3d>
-    <dgm:txPr/>
-    <dgm:style>
-      <a:lnRef idx="1">
-        <a:scrgbClr r="0" g="0" b="0"/>
-      </a:lnRef>
-      <a:fillRef idx="1">
-        <a:scrgbClr r="0" g="0" b="0"/>
-      </a:fillRef>
-      <a:effectRef idx="2">
-        <a:scrgbClr r="0" g="0" b="0"/>
-      </a:effectRef>
-      <a:fontRef idx="minor"/>
-    </dgm:style>
-  </dgm:styleLbl>
-  <dgm:styleLbl name="bgAccFollowNode1">
-    <dgm:scene3d>
-      <a:camera prst="orthographicFront"/>
-      <a:lightRig rig="threePt" dir="t">
-        <a:rot lat="0" lon="0" rev="7500000"/>
-      </a:lightRig>
-    </dgm:scene3d>
-    <dgm:sp3d z="-152400" extrusionH="63500" prstMaterial="dkEdge">
-      <a:bevelT w="144450" h="36350" prst="relaxedInset"/>
-      <a:contourClr>
-        <a:schemeClr val="bg1"/>
-      </a:contourClr>
-    </dgm:sp3d>
-    <dgm:txPr/>
-    <dgm:style>
-      <a:lnRef idx="1">
-        <a:scrgbClr r="0" g="0" b="0"/>
-      </a:lnRef>
-      <a:fillRef idx="1">
-        <a:scrgbClr r="0" g="0" b="0"/>
-      </a:fillRef>
-      <a:effectRef idx="2">
-        <a:scrgbClr r="0" g="0" b="0"/>
-      </a:effectRef>
-      <a:fontRef idx="minor"/>
-    </dgm:style>
-  </dgm:styleLbl>
-  <dgm:styleLbl name="fgAcc0">
-    <dgm:scene3d>
-      <a:camera prst="orthographicFront"/>
-      <a:lightRig rig="threePt" dir="t">
-        <a:rot lat="0" lon="0" rev="7500000"/>
-      </a:lightRig>
-    </dgm:scene3d>
-    <dgm:sp3d z="152400" extrusionH="63500" prstMaterial="dkEdge">
-      <a:bevelT w="125400" h="36350" prst="relaxedInset"/>
-      <a:contourClr>
-        <a:schemeClr val="bg1"/>
-      </a:contourClr>
-    </dgm:sp3d>
-    <dgm:txPr/>
-    <dgm:style>
-      <a:lnRef idx="1">
-        <a:scrgbClr r="0" g="0" b="0"/>
-      </a:lnRef>
-      <a:fillRef idx="1">
-        <a:scrgbClr r="0" g="0" b="0"/>
-      </a:fillRef>
-      <a:effectRef idx="2">
-        <a:scrgbClr r="0" g="0" b="0"/>
-      </a:effectRef>
-      <a:fontRef idx="minor"/>
-    </dgm:style>
-  </dgm:styleLbl>
-  <dgm:styleLbl name="fgAcc2">
-    <dgm:scene3d>
-      <a:camera prst="orthographicFront"/>
-      <a:lightRig rig="threePt" dir="t">
-        <a:rot lat="0" lon="0" rev="7500000"/>
-      </a:lightRig>
-    </dgm:scene3d>
-    <dgm:sp3d z="152400" extrusionH="63500" prstMaterial="dkEdge">
-      <a:bevelT w="125400" h="36350" prst="relaxedInset"/>
-      <a:contourClr>
-        <a:schemeClr val="bg1"/>
-      </a:contourClr>
-    </dgm:sp3d>
-    <dgm:txPr/>
-    <dgm:style>
-      <a:lnRef idx="1">
-        <a:scrgbClr r="0" g="0" b="0"/>
-      </a:lnRef>
-      <a:fillRef idx="1">
-        <a:scrgbClr r="0" g="0" b="0"/>
-      </a:fillRef>
-      <a:effectRef idx="2">
-        <a:scrgbClr r="0" g="0" b="0"/>
-      </a:effectRef>
-      <a:fontRef idx="minor"/>
-    </dgm:style>
-  </dgm:styleLbl>
-  <dgm:styleLbl name="fgAcc3">
-    <dgm:scene3d>
-      <a:camera prst="orthographicFront"/>
-      <a:lightRig rig="threePt" dir="t">
-        <a:rot lat="0" lon="0" rev="7500000"/>
-      </a:lightRig>
-    </dgm:scene3d>
-    <dgm:sp3d z="152400" extrusionH="63500" prstMaterial="dkEdge">
-      <a:bevelT w="125400" h="36350" prst="relaxedInset"/>
-      <a:contourClr>
-        <a:schemeClr val="bg1"/>
-      </a:contourClr>
-    </dgm:sp3d>
-    <dgm:txPr/>
-    <dgm:style>
-      <a:lnRef idx="1">
-        <a:scrgbClr r="0" g="0" b="0"/>
-      </a:lnRef>
-      <a:fillRef idx="1">
-        <a:scrgbClr r="0" g="0" b="0"/>
-      </a:fillRef>
-      <a:effectRef idx="2">
-        <a:scrgbClr r="0" g="0" b="0"/>
-      </a:effectRef>
-      <a:fontRef idx="minor"/>
-    </dgm:style>
-  </dgm:styleLbl>
-  <dgm:styleLbl name="fgAcc4">
-    <dgm:scene3d>
-      <a:camera prst="orthographicFront"/>
-      <a:lightRig rig="threePt" dir="t">
-        <a:rot lat="0" lon="0" rev="7500000"/>
-      </a:lightRig>
-    </dgm:scene3d>
-    <dgm:sp3d z="152400" extrusionH="63500" prstMaterial="dkEdge">
-      <a:bevelT w="125400" h="36350" prst="relaxedInset"/>
-      <a:contourClr>
-        <a:schemeClr val="bg1"/>
-      </a:contourClr>
-    </dgm:sp3d>
-    <dgm:txPr/>
-    <dgm:style>
-      <a:lnRef idx="1">
-        <a:scrgbClr r="0" g="0" b="0"/>
-      </a:lnRef>
-      <a:fillRef idx="1">
-        <a:scrgbClr r="0" g="0" b="0"/>
-      </a:fillRef>
-      <a:effectRef idx="2">
-        <a:scrgbClr r="0" g="0" b="0"/>
-      </a:effectRef>
-      <a:fontRef idx="minor"/>
-    </dgm:style>
-  </dgm:styleLbl>
-  <dgm:styleLbl name="bgShp">
-    <dgm:scene3d>
-      <a:camera prst="orthographicFront"/>
-      <a:lightRig rig="threePt" dir="t">
-        <a:rot lat="0" lon="0" rev="7500000"/>
-      </a:lightRig>
-    </dgm:scene3d>
-    <dgm:sp3d z="-152400" extrusionH="63500" prstMaterial="matte">
-      <a:bevelT w="144450" h="6350" prst="relaxedInset"/>
-      <a:contourClr>
-        <a:schemeClr val="bg1"/>
-      </a:contourClr>
-    </dgm:sp3d>
-    <dgm:txPr/>
-    <dgm:style>
-      <a:lnRef idx="0">
-        <a:scrgbClr r="0" g="0" b="0"/>
-      </a:lnRef>
-      <a:fillRef idx="3">
-        <a:scrgbClr r="0" g="0" b="0"/>
-      </a:fillRef>
-      <a:effectRef idx="0">
-        <a:scrgbClr r="0" g="0" b="0"/>
-      </a:effectRef>
-      <a:fontRef idx="minor"/>
-    </dgm:style>
-  </dgm:styleLbl>
-  <dgm:styleLbl name="dkBgShp">
-    <dgm:scene3d>
-      <a:camera prst="orthographicFront"/>
-      <a:lightRig rig="threePt" dir="t">
-        <a:rot lat="0" lon="0" rev="7500000"/>
-      </a:lightRig>
-    </dgm:scene3d>
-    <dgm:sp3d prstMaterial="plastic">
-      <a:bevelT w="127000" h="25400" prst="relaxedInset"/>
-      <a:bevelB w="88900" h="121750" prst="angle"/>
-    </dgm:sp3d>
-    <dgm:txPr/>
-    <dgm:style>
-      <a:lnRef idx="0">
-        <a:scrgbClr r="0" g="0" b="0"/>
-      </a:lnRef>
-      <a:fillRef idx="1">
-        <a:scrgbClr r="0" g="0" b="0"/>
-      </a:fillRef>
-      <a:effectRef idx="2">
-        <a:scrgbClr r="0" g="0" b="0"/>
-      </a:effectRef>
-      <a:fontRef idx="minor">
-        <a:schemeClr val="lt1"/>
-      </a:fontRef>
-    </dgm:style>
-  </dgm:styleLbl>
-  <dgm:styleLbl name="trBgShp">
-    <dgm:scene3d>
-      <a:camera prst="orthographicFront"/>
-      <a:lightRig rig="threePt" dir="t"/>
-    </dgm:scene3d>
-    <dgm:sp3d z="-152400" prstMaterial="matte"/>
-    <dgm:txPr/>
-    <dgm:style>
-      <a:lnRef idx="0">
-        <a:scrgbClr r="0" g="0" b="0"/>
-      </a:lnRef>
-      <a:fillRef idx="1">
-        <a:scrgbClr r="0" g="0" b="0"/>
-      </a:fillRef>
-      <a:effectRef idx="0">
-        <a:scrgbClr r="0" g="0" b="0"/>
-      </a:effectRef>
-      <a:fontRef idx="minor"/>
-    </dgm:style>
-  </dgm:styleLbl>
-  <dgm:styleLbl name="fgShp">
-    <dgm:scene3d>
-      <a:camera prst="orthographicFront"/>
-      <a:lightRig rig="threePt" dir="t">
-        <a:rot lat="0" lon="0" rev="7500000"/>
-      </a:lightRig>
-    </dgm:scene3d>
-    <dgm:sp3d z="152400" extrusionH="63500" prstMaterial="matte">
-      <a:bevelT w="50800" h="19050" prst="relaxedInset"/>
-      <a:contourClr>
-        <a:schemeClr val="bg1"/>
-      </a:contourClr>
-    </dgm:sp3d>
-    <dgm:txPr/>
-    <dgm:style>
-      <a:lnRef idx="0">
-        <a:scrgbClr r="0" g="0" b="0"/>
-      </a:lnRef>
-      <a:fillRef idx="1">
-        <a:scrgbClr r="0" g="0" b="0"/>
-      </a:fillRef>
-      <a:effectRef idx="2">
-        <a:scrgbClr r="0" g="0" b="0"/>
-      </a:effectRef>
-      <a:fontRef idx="minor">
-        <a:schemeClr val="lt1"/>
-      </a:fontRef>
-    </dgm:style>
-  </dgm:styleLbl>
-  <dgm:styleLbl name="revTx">
-    <dgm:scene3d>
-      <a:camera prst="orthographicFront"/>
-      <a:lightRig rig="threePt" dir="t"/>
-    </dgm:scene3d>
-    <dgm:sp3d/>
-    <dgm:txPr/>
-    <dgm:style>
-      <a:lnRef idx="0">
-        <a:scrgbClr r="0" g="0" b="0"/>
-      </a:lnRef>
-      <a:fillRef idx="0">
-        <a:scrgbClr r="0" g="0" b="0"/>
-      </a:fillRef>
-      <a:effectRef idx="0">
-        <a:scrgbClr r="0" g="0" b="0"/>
-      </a:effectRef>
-      <a:fontRef idx="minor"/>
-    </dgm:style>
-  </dgm:styleLbl>
-</dgm:styleDef>
-</file>
-
 <file path=ppt/handoutMasters/handoutMaster1.xml><?xml version="1.0" encoding="utf-8"?>
 <p:handoutMaster xmlns:a="http://schemas.openxmlformats.org/drawingml/2006/main" xmlns:r="http://schemas.openxmlformats.org/officeDocument/2006/relationships" xmlns:p="http://schemas.openxmlformats.org/presentationml/2006/main">
   <p:cSld>
@@ -9928,11 +5367,7 @@
           <a:p>
             <a:r>
               <a:rPr kumimoji="1" lang="ja-JP" altLang="en-US" b="1" dirty="0" smtClean="0"/>
-              <a:t>各スプリント</a:t>
-            </a:r>
-            <a:r>
-              <a:rPr kumimoji="1" lang="ja-JP" altLang="en-US" b="1" dirty="0" smtClean="0"/>
-              <a:t>終了ごとにプロダクトオーナーに評価を行ってもらいます。</a:t>
+              <a:t>各スプリント終了ごとにプロダクトオーナーに評価を行ってもらいます。</a:t>
             </a:r>
             <a:endParaRPr kumimoji="1" lang="en-US" altLang="ja-JP" b="1" dirty="0" smtClean="0"/>
           </a:p>
@@ -10037,15 +5472,7 @@
             </a:r>
             <a:r>
               <a:rPr kumimoji="1" lang="ja-JP" altLang="en-US" b="1" dirty="0" smtClean="0"/>
-              <a:t>で</a:t>
-            </a:r>
-            <a:r>
-              <a:rPr kumimoji="1" lang="ja-JP" altLang="en-US" b="1" dirty="0" smtClean="0"/>
-              <a:t>あれば、改善策を検討し、改善します</a:t>
-            </a:r>
-            <a:r>
-              <a:rPr kumimoji="1" lang="ja-JP" altLang="en-US" b="1" dirty="0" smtClean="0"/>
-              <a:t>。</a:t>
+              <a:t>であれば、改善策を検討し、改善します。</a:t>
             </a:r>
             <a:endParaRPr kumimoji="1" lang="en-US" altLang="ja-JP" b="1" dirty="0" smtClean="0"/>
           </a:p>
@@ -10140,11 +5567,7 @@
           <a:p>
             <a:r>
               <a:rPr kumimoji="1" lang="ja-JP" altLang="en-US" b="1" dirty="0" smtClean="0"/>
-              <a:t>コスト</a:t>
-            </a:r>
-            <a:r>
-              <a:rPr kumimoji="1" lang="ja-JP" altLang="en-US" b="1" dirty="0" smtClean="0"/>
-              <a:t>評価には、バーンアップチャートを用います。</a:t>
+              <a:t>コスト評価には、バーンアップチャートを用います。</a:t>
             </a:r>
             <a:endParaRPr kumimoji="1" lang="en-US" altLang="ja-JP" b="1" dirty="0" smtClean="0"/>
           </a:p>
@@ -10178,11 +5601,7 @@
             </a:r>
             <a:r>
               <a:rPr kumimoji="1" lang="ja-JP" altLang="en-US" b="1" dirty="0" smtClean="0"/>
-              <a:t>は終了した作業の見積り時間の</a:t>
-            </a:r>
-            <a:r>
-              <a:rPr kumimoji="1" lang="ja-JP" altLang="en-US" b="1" dirty="0" smtClean="0"/>
-              <a:t>累計です。</a:t>
+              <a:t>は終了した作業の見積り時間の累計です。</a:t>
             </a:r>
             <a:endParaRPr kumimoji="1" lang="en-US" altLang="ja-JP" b="1" dirty="0" smtClean="0"/>
           </a:p>
@@ -10482,11 +5901,7 @@
           <a:p>
             <a:r>
               <a:rPr kumimoji="1" lang="ja-JP" altLang="en-US" b="1" dirty="0" smtClean="0"/>
-              <a:t>次</a:t>
-            </a:r>
-            <a:r>
-              <a:rPr kumimoji="1" lang="ja-JP" altLang="en-US" b="1" dirty="0" smtClean="0"/>
-              <a:t>に納期についてです。</a:t>
+              <a:t>次に納期についてです。</a:t>
             </a:r>
             <a:endParaRPr kumimoji="1" lang="en-US" altLang="ja-JP" b="1" dirty="0" smtClean="0"/>
           </a:p>
@@ -10723,14 +6138,23 @@
           <a:bodyPr/>
           <a:lstStyle/>
           <a:p>
-            <a:r>
-              <a:rPr kumimoji="1" lang="ja-JP" altLang="en-US" b="1" dirty="0" smtClean="0"/>
-              <a:t>こちらが、バーンアップチャートです</a:t>
-            </a:r>
-            <a:r>
-              <a:rPr kumimoji="1" lang="ja-JP" altLang="en-US" b="1" dirty="0" smtClean="0"/>
-              <a:t>。</a:t>
-            </a:r>
+            <a:pPr marL="0" marR="0" indent="0" algn="l" defTabSz="914400" rtl="0" eaLnBrk="1" fontAlgn="auto" latinLnBrk="0" hangingPunct="1">
+              <a:lnSpc>
+                <a:spcPct val="100000"/>
+              </a:lnSpc>
+              <a:spcBef>
+                <a:spcPts val="0"/>
+              </a:spcBef>
+              <a:spcAft>
+                <a:spcPts val="0"/>
+              </a:spcAft>
+              <a:buClrTx/>
+              <a:buSzTx/>
+              <a:buFontTx/>
+              <a:buNone/>
+              <a:tabLst/>
+              <a:defRPr/>
+            </a:pPr>
             <a:endParaRPr kumimoji="1" lang="en-US" altLang="ja-JP" b="1" dirty="0" smtClean="0"/>
           </a:p>
         </p:txBody>
@@ -10761,7 +6185,7 @@
     </p:spTree>
     <p:extLst>
       <p:ext uri="{BB962C8B-B14F-4D97-AF65-F5344CB8AC3E}">
-        <p14:creationId xmlns:p14="http://schemas.microsoft.com/office/powerpoint/2010/main" val="1416542540"/>
+        <p14:creationId xmlns:p14="http://schemas.microsoft.com/office/powerpoint/2010/main" val="3747848430"/>
       </p:ext>
     </p:extLst>
   </p:cSld>
@@ -10832,6 +6256,334 @@
               <a:tabLst/>
               <a:defRPr/>
             </a:pPr>
+            <a:r>
+              <a:rPr kumimoji="1" lang="ja-JP" altLang="en-US" b="1" dirty="0" smtClean="0"/>
+              <a:t>ただいまからデモを交えて具体的に説明します。</a:t>
+            </a:r>
+            <a:endParaRPr kumimoji="1" lang="en-US" altLang="ja-JP" b="1" dirty="0" smtClean="0"/>
+          </a:p>
+          <a:p>
+            <a:pPr marL="0" marR="0" indent="0" algn="l" defTabSz="914400" rtl="0" eaLnBrk="1" fontAlgn="auto" latinLnBrk="0" hangingPunct="1">
+              <a:lnSpc>
+                <a:spcPct val="100000"/>
+              </a:lnSpc>
+              <a:spcBef>
+                <a:spcPts val="0"/>
+              </a:spcBef>
+              <a:spcAft>
+                <a:spcPts val="0"/>
+              </a:spcAft>
+              <a:buClrTx/>
+              <a:buSzTx/>
+              <a:buFontTx/>
+              <a:buNone/>
+              <a:tabLst/>
+              <a:defRPr/>
+            </a:pPr>
+            <a:r>
+              <a:rPr kumimoji="1" lang="ja-JP" altLang="en-US" b="1" dirty="0" smtClean="0"/>
+              <a:t>こちらが現在の試作品で、トップページになります。</a:t>
+            </a:r>
+            <a:endParaRPr kumimoji="1" lang="en-US" altLang="ja-JP" b="1" dirty="0" smtClean="0"/>
+          </a:p>
+          <a:p>
+            <a:pPr marL="0" marR="0" indent="0" algn="l" defTabSz="914400" rtl="0" eaLnBrk="1" fontAlgn="auto" latinLnBrk="0" hangingPunct="1">
+              <a:lnSpc>
+                <a:spcPct val="100000"/>
+              </a:lnSpc>
+              <a:spcBef>
+                <a:spcPts val="0"/>
+              </a:spcBef>
+              <a:spcAft>
+                <a:spcPts val="0"/>
+              </a:spcAft>
+              <a:buClrTx/>
+              <a:buSzTx/>
+              <a:buFontTx/>
+              <a:buNone/>
+              <a:tabLst/>
+              <a:defRPr/>
+            </a:pPr>
+            <a:endParaRPr kumimoji="1" lang="en-US" altLang="ja-JP" b="1" dirty="0" smtClean="0"/>
+          </a:p>
+          <a:p>
+            <a:pPr marL="0" marR="0" indent="0" algn="l" defTabSz="914400" rtl="0" eaLnBrk="1" fontAlgn="auto" latinLnBrk="0" hangingPunct="1">
+              <a:lnSpc>
+                <a:spcPct val="100000"/>
+              </a:lnSpc>
+              <a:spcBef>
+                <a:spcPts val="0"/>
+              </a:spcBef>
+              <a:spcAft>
+                <a:spcPts val="0"/>
+              </a:spcAft>
+              <a:buClrTx/>
+              <a:buSzTx/>
+              <a:buFontTx/>
+              <a:buNone/>
+              <a:tabLst/>
+              <a:defRPr/>
+            </a:pPr>
+            <a:r>
+              <a:rPr kumimoji="1" lang="ja-JP" altLang="en-US" b="1" dirty="0" smtClean="0"/>
+              <a:t>こちらが過去問・シラバス、こちらが実験や演習などの成果物、こちらが時間割へのリンクとなっています。</a:t>
+            </a:r>
+            <a:endParaRPr kumimoji="1" lang="en-US" altLang="ja-JP" b="1" dirty="0" smtClean="0"/>
+          </a:p>
+          <a:p>
+            <a:pPr marL="0" marR="0" indent="0" algn="l" defTabSz="914400" rtl="0" eaLnBrk="1" fontAlgn="auto" latinLnBrk="0" hangingPunct="1">
+              <a:lnSpc>
+                <a:spcPct val="100000"/>
+              </a:lnSpc>
+              <a:spcBef>
+                <a:spcPts val="0"/>
+              </a:spcBef>
+              <a:spcAft>
+                <a:spcPts val="0"/>
+              </a:spcAft>
+              <a:buClrTx/>
+              <a:buSzTx/>
+              <a:buFontTx/>
+              <a:buNone/>
+              <a:tabLst/>
+              <a:defRPr/>
+            </a:pPr>
+            <a:endParaRPr kumimoji="1" lang="en-US" altLang="ja-JP" b="1" dirty="0" smtClean="0"/>
+          </a:p>
+          <a:p>
+            <a:pPr marL="0" marR="0" indent="0" algn="l" defTabSz="914400" rtl="0" eaLnBrk="1" fontAlgn="auto" latinLnBrk="0" hangingPunct="1">
+              <a:lnSpc>
+                <a:spcPct val="100000"/>
+              </a:lnSpc>
+              <a:spcBef>
+                <a:spcPts val="0"/>
+              </a:spcBef>
+              <a:spcAft>
+                <a:spcPts val="0"/>
+              </a:spcAft>
+              <a:buClrTx/>
+              <a:buSzTx/>
+              <a:buFontTx/>
+              <a:buNone/>
+              <a:tabLst/>
+              <a:defRPr/>
+            </a:pPr>
+            <a:r>
+              <a:rPr kumimoji="1" lang="ja-JP" altLang="en-US" b="1" dirty="0" smtClean="0"/>
+              <a:t>こちらが過去問メニューとなります。先生の名前が一覧で表示されており、クリックすると授業の詳細ページに飛び、過去問画像は表示されます。</a:t>
+            </a:r>
+            <a:endParaRPr kumimoji="1" lang="en-US" altLang="ja-JP" b="1" dirty="0" smtClean="0"/>
+          </a:p>
+          <a:p>
+            <a:pPr marL="0" marR="0" indent="0" algn="l" defTabSz="914400" rtl="0" eaLnBrk="1" fontAlgn="auto" latinLnBrk="0" hangingPunct="1">
+              <a:lnSpc>
+                <a:spcPct val="100000"/>
+              </a:lnSpc>
+              <a:spcBef>
+                <a:spcPts val="0"/>
+              </a:spcBef>
+              <a:spcAft>
+                <a:spcPts val="0"/>
+              </a:spcAft>
+              <a:buClrTx/>
+              <a:buSzTx/>
+              <a:buFontTx/>
+              <a:buNone/>
+              <a:tabLst/>
+              <a:defRPr/>
+            </a:pPr>
+            <a:endParaRPr kumimoji="1" lang="en-US" altLang="ja-JP" b="1" dirty="0" smtClean="0"/>
+          </a:p>
+          <a:p>
+            <a:pPr marL="0" marR="0" indent="0" algn="l" defTabSz="914400" rtl="0" eaLnBrk="1" fontAlgn="auto" latinLnBrk="0" hangingPunct="1">
+              <a:lnSpc>
+                <a:spcPct val="100000"/>
+              </a:lnSpc>
+              <a:spcBef>
+                <a:spcPts val="0"/>
+              </a:spcBef>
+              <a:spcAft>
+                <a:spcPts val="0"/>
+              </a:spcAft>
+              <a:buClrTx/>
+              <a:buSzTx/>
+              <a:buFontTx/>
+              <a:buNone/>
+              <a:tabLst/>
+              <a:defRPr/>
+            </a:pPr>
+            <a:r>
+              <a:rPr kumimoji="1" lang="ja-JP" altLang="en-US" b="1" dirty="0" smtClean="0"/>
+              <a:t>こちらが過去の演習の成果物のメニューとなっています。各研究室とグループ名が一覧で表示されています。こちらの検索フォームに、自分の探している研究室やグループ名を入力し、検索します。</a:t>
+            </a:r>
+            <a:endParaRPr kumimoji="1" lang="en-US" altLang="ja-JP" b="1" dirty="0" smtClean="0"/>
+          </a:p>
+          <a:p>
+            <a:pPr marL="0" marR="0" indent="0" algn="l" defTabSz="914400" rtl="0" eaLnBrk="1" fontAlgn="auto" latinLnBrk="0" hangingPunct="1">
+              <a:lnSpc>
+                <a:spcPct val="100000"/>
+              </a:lnSpc>
+              <a:spcBef>
+                <a:spcPts val="0"/>
+              </a:spcBef>
+              <a:spcAft>
+                <a:spcPts val="0"/>
+              </a:spcAft>
+              <a:buClrTx/>
+              <a:buSzTx/>
+              <a:buFontTx/>
+              <a:buNone/>
+              <a:tabLst/>
+              <a:defRPr/>
+            </a:pPr>
+            <a:r>
+              <a:rPr kumimoji="1" lang="ja-JP" altLang="en-US" b="1" dirty="0" smtClean="0"/>
+              <a:t>検索結果はこのように一覧で表示されます。演習の資料がこのように表示されます。</a:t>
+            </a:r>
+            <a:endParaRPr kumimoji="1" lang="en-US" altLang="ja-JP" b="1" dirty="0" smtClean="0"/>
+          </a:p>
+          <a:p>
+            <a:pPr marL="0" marR="0" indent="0" algn="l" defTabSz="914400" rtl="0" eaLnBrk="1" fontAlgn="auto" latinLnBrk="0" hangingPunct="1">
+              <a:lnSpc>
+                <a:spcPct val="100000"/>
+              </a:lnSpc>
+              <a:spcBef>
+                <a:spcPts val="0"/>
+              </a:spcBef>
+              <a:spcAft>
+                <a:spcPts val="0"/>
+              </a:spcAft>
+              <a:buClrTx/>
+              <a:buSzTx/>
+              <a:buFontTx/>
+              <a:buNone/>
+              <a:tabLst/>
+              <a:defRPr/>
+            </a:pPr>
+            <a:endParaRPr kumimoji="1" lang="en-US" altLang="ja-JP" b="1" dirty="0" smtClean="0"/>
+          </a:p>
+          <a:p>
+            <a:pPr marL="0" marR="0" indent="0" algn="l" defTabSz="914400" rtl="0" eaLnBrk="1" fontAlgn="auto" latinLnBrk="0" hangingPunct="1">
+              <a:lnSpc>
+                <a:spcPct val="100000"/>
+              </a:lnSpc>
+              <a:spcBef>
+                <a:spcPts val="0"/>
+              </a:spcBef>
+              <a:spcAft>
+                <a:spcPts val="0"/>
+              </a:spcAft>
+              <a:buClrTx/>
+              <a:buSzTx/>
+              <a:buFontTx/>
+              <a:buNone/>
+              <a:tabLst/>
+              <a:defRPr/>
+            </a:pPr>
+            <a:r>
+              <a:rPr kumimoji="1" lang="ja-JP" altLang="en-US" b="1" dirty="0" smtClean="0"/>
+              <a:t>こちらが時間割のメニューとなっています。</a:t>
+            </a:r>
+            <a:endParaRPr kumimoji="1" lang="en-US" altLang="ja-JP" b="1" dirty="0" smtClean="0"/>
+          </a:p>
+          <a:p>
+            <a:pPr marL="0" marR="0" indent="0" algn="l" defTabSz="914400" rtl="0" eaLnBrk="1" fontAlgn="auto" latinLnBrk="0" hangingPunct="1">
+              <a:lnSpc>
+                <a:spcPct val="100000"/>
+              </a:lnSpc>
+              <a:spcBef>
+                <a:spcPts val="0"/>
+              </a:spcBef>
+              <a:spcAft>
+                <a:spcPts val="0"/>
+              </a:spcAft>
+              <a:buClrTx/>
+              <a:buSzTx/>
+              <a:buFontTx/>
+              <a:buNone/>
+              <a:tabLst/>
+              <a:defRPr/>
+            </a:pPr>
+            <a:r>
+              <a:rPr kumimoji="1" lang="ja-JP" altLang="en-US" b="1" dirty="0" smtClean="0"/>
+              <a:t>セメスターが一覧で表示され、このように時間割画像が表示されます。</a:t>
+            </a:r>
+            <a:endParaRPr kumimoji="1" lang="en-US" altLang="ja-JP" b="1" dirty="0" smtClean="0"/>
+          </a:p>
+          <a:p>
+            <a:pPr marL="0" marR="0" indent="0" algn="l" defTabSz="914400" rtl="0" eaLnBrk="1" fontAlgn="auto" latinLnBrk="0" hangingPunct="1">
+              <a:lnSpc>
+                <a:spcPct val="100000"/>
+              </a:lnSpc>
+              <a:spcBef>
+                <a:spcPts val="0"/>
+              </a:spcBef>
+              <a:spcAft>
+                <a:spcPts val="0"/>
+              </a:spcAft>
+              <a:buClrTx/>
+              <a:buSzTx/>
+              <a:buFontTx/>
+              <a:buNone/>
+              <a:tabLst/>
+              <a:defRPr/>
+            </a:pPr>
+            <a:endParaRPr kumimoji="1" lang="en-US" altLang="ja-JP" b="1" dirty="0" smtClean="0"/>
+          </a:p>
+          <a:p>
+            <a:pPr marL="0" marR="0" indent="0" algn="l" defTabSz="914400" rtl="0" eaLnBrk="1" fontAlgn="auto" latinLnBrk="0" hangingPunct="1">
+              <a:lnSpc>
+                <a:spcPct val="100000"/>
+              </a:lnSpc>
+              <a:spcBef>
+                <a:spcPts val="0"/>
+              </a:spcBef>
+              <a:spcAft>
+                <a:spcPts val="0"/>
+              </a:spcAft>
+              <a:buClrTx/>
+              <a:buSzTx/>
+              <a:buFontTx/>
+              <a:buNone/>
+              <a:tabLst/>
+              <a:defRPr/>
+            </a:pPr>
+            <a:r>
+              <a:rPr kumimoji="1" lang="ja-JP" altLang="en-US" b="1" dirty="0" smtClean="0"/>
+              <a:t>また当サイトは、ツイッターアカウントを作成しており、</a:t>
+            </a:r>
+            <a:endParaRPr kumimoji="1" lang="en-US" altLang="ja-JP" b="1" dirty="0" smtClean="0"/>
+          </a:p>
+          <a:p>
+            <a:pPr marL="0" marR="0" indent="0" algn="l" defTabSz="914400" rtl="0" eaLnBrk="1" fontAlgn="auto" latinLnBrk="0" hangingPunct="1">
+              <a:lnSpc>
+                <a:spcPct val="100000"/>
+              </a:lnSpc>
+              <a:spcBef>
+                <a:spcPts val="0"/>
+              </a:spcBef>
+              <a:spcAft>
+                <a:spcPts val="0"/>
+              </a:spcAft>
+              <a:buClrTx/>
+              <a:buSzTx/>
+              <a:buFontTx/>
+              <a:buNone/>
+              <a:tabLst/>
+              <a:defRPr/>
+            </a:pPr>
+            <a:r>
+              <a:rPr kumimoji="1" lang="ja-JP" altLang="en-US" b="1" dirty="0" smtClean="0"/>
+              <a:t>こちらのツイッター</a:t>
+            </a:r>
+            <a:r>
+              <a:rPr kumimoji="1" lang="en-US" altLang="ja-JP" b="1" dirty="0" smtClean="0"/>
+              <a:t>API</a:t>
+            </a:r>
+            <a:r>
+              <a:rPr kumimoji="1" lang="ja-JP" altLang="en-US" b="1" dirty="0" smtClean="0"/>
+              <a:t>では、サイトや各成果物の掲載情報の更新情報などを随時、参考できるようにしました。</a:t>
+            </a:r>
             <a:endParaRPr kumimoji="1" lang="en-US" altLang="ja-JP" b="1" dirty="0" smtClean="0"/>
           </a:p>
         </p:txBody>
@@ -10862,7 +6614,7 @@
     </p:spTree>
     <p:extLst>
       <p:ext uri="{BB962C8B-B14F-4D97-AF65-F5344CB8AC3E}">
-        <p14:creationId xmlns:p14="http://schemas.microsoft.com/office/powerpoint/2010/main" val="3747848430"/>
+        <p14:creationId xmlns:p14="http://schemas.microsoft.com/office/powerpoint/2010/main" val="1638028123"/>
       </p:ext>
     </p:extLst>
   </p:cSld>
@@ -11035,351 +6787,22 @@
             </a:pPr>
             <a:r>
               <a:rPr kumimoji="1" lang="ja-JP" altLang="en-US" b="1" dirty="0" smtClean="0"/>
-              <a:t>ただいまからデモを交えて具体的に説明します。</a:t>
+              <a:t>以上で、矢吹研</a:t>
+            </a:r>
+            <a:r>
+              <a:rPr kumimoji="1" lang="en-US" altLang="ja-JP" b="1" dirty="0" smtClean="0"/>
+              <a:t>A</a:t>
+            </a:r>
+            <a:r>
+              <a:rPr kumimoji="1" lang="ja-JP" altLang="en-US" b="1" dirty="0" smtClean="0"/>
+              <a:t>班の発表を終わります。</a:t>
             </a:r>
             <a:endParaRPr kumimoji="1" lang="en-US" altLang="ja-JP" b="1" dirty="0" smtClean="0"/>
           </a:p>
           <a:p>
-            <a:pPr marL="0" marR="0" indent="0" algn="l" defTabSz="914400" rtl="0" eaLnBrk="1" fontAlgn="auto" latinLnBrk="0" hangingPunct="1">
-              <a:lnSpc>
-                <a:spcPct val="100000"/>
-              </a:lnSpc>
-              <a:spcBef>
-                <a:spcPts val="0"/>
-              </a:spcBef>
-              <a:spcAft>
-                <a:spcPts val="0"/>
-              </a:spcAft>
-              <a:buClrTx/>
-              <a:buSzTx/>
-              <a:buFontTx/>
-              <a:buNone/>
-              <a:tabLst/>
-              <a:defRPr/>
-            </a:pPr>
             <a:r>
               <a:rPr kumimoji="1" lang="ja-JP" altLang="en-US" b="1" dirty="0" smtClean="0"/>
-              <a:t>こちらが現在の試作品で、トップページになります。</a:t>
-            </a:r>
-            <a:endParaRPr kumimoji="1" lang="en-US" altLang="ja-JP" b="1" dirty="0" smtClean="0"/>
-          </a:p>
-          <a:p>
-            <a:pPr marL="0" marR="0" indent="0" algn="l" defTabSz="914400" rtl="0" eaLnBrk="1" fontAlgn="auto" latinLnBrk="0" hangingPunct="1">
-              <a:lnSpc>
-                <a:spcPct val="100000"/>
-              </a:lnSpc>
-              <a:spcBef>
-                <a:spcPts val="0"/>
-              </a:spcBef>
-              <a:spcAft>
-                <a:spcPts val="0"/>
-              </a:spcAft>
-              <a:buClrTx/>
-              <a:buSzTx/>
-              <a:buFontTx/>
-              <a:buNone/>
-              <a:tabLst/>
-              <a:defRPr/>
-            </a:pPr>
-            <a:endParaRPr kumimoji="1" lang="en-US" altLang="ja-JP" b="1" dirty="0" smtClean="0"/>
-          </a:p>
-          <a:p>
-            <a:pPr marL="0" marR="0" indent="0" algn="l" defTabSz="914400" rtl="0" eaLnBrk="1" fontAlgn="auto" latinLnBrk="0" hangingPunct="1">
-              <a:lnSpc>
-                <a:spcPct val="100000"/>
-              </a:lnSpc>
-              <a:spcBef>
-                <a:spcPts val="0"/>
-              </a:spcBef>
-              <a:spcAft>
-                <a:spcPts val="0"/>
-              </a:spcAft>
-              <a:buClrTx/>
-              <a:buSzTx/>
-              <a:buFontTx/>
-              <a:buNone/>
-              <a:tabLst/>
-              <a:defRPr/>
-            </a:pPr>
-            <a:r>
-              <a:rPr kumimoji="1" lang="ja-JP" altLang="en-US" b="1" dirty="0" smtClean="0"/>
-              <a:t>こちら</a:t>
-            </a:r>
-            <a:r>
-              <a:rPr kumimoji="1" lang="ja-JP" altLang="en-US" b="1" dirty="0" smtClean="0"/>
-              <a:t>が過去問・シラバス、こちらが実験や演習などの成果物、こちらが時間割へのリンクとなっています</a:t>
-            </a:r>
-            <a:r>
-              <a:rPr kumimoji="1" lang="ja-JP" altLang="en-US" b="1" dirty="0" smtClean="0"/>
-              <a:t>。</a:t>
-            </a:r>
-            <a:endParaRPr kumimoji="1" lang="en-US" altLang="ja-JP" b="1" dirty="0" smtClean="0"/>
-          </a:p>
-          <a:p>
-            <a:pPr marL="0" marR="0" indent="0" algn="l" defTabSz="914400" rtl="0" eaLnBrk="1" fontAlgn="auto" latinLnBrk="0" hangingPunct="1">
-              <a:lnSpc>
-                <a:spcPct val="100000"/>
-              </a:lnSpc>
-              <a:spcBef>
-                <a:spcPts val="0"/>
-              </a:spcBef>
-              <a:spcAft>
-                <a:spcPts val="0"/>
-              </a:spcAft>
-              <a:buClrTx/>
-              <a:buSzTx/>
-              <a:buFontTx/>
-              <a:buNone/>
-              <a:tabLst/>
-              <a:defRPr/>
-            </a:pPr>
-            <a:endParaRPr kumimoji="1" lang="en-US" altLang="ja-JP" b="1" dirty="0" smtClean="0"/>
-          </a:p>
-          <a:p>
-            <a:pPr marL="0" marR="0" indent="0" algn="l" defTabSz="914400" rtl="0" eaLnBrk="1" fontAlgn="auto" latinLnBrk="0" hangingPunct="1">
-              <a:lnSpc>
-                <a:spcPct val="100000"/>
-              </a:lnSpc>
-              <a:spcBef>
-                <a:spcPts val="0"/>
-              </a:spcBef>
-              <a:spcAft>
-                <a:spcPts val="0"/>
-              </a:spcAft>
-              <a:buClrTx/>
-              <a:buSzTx/>
-              <a:buFontTx/>
-              <a:buNone/>
-              <a:tabLst/>
-              <a:defRPr/>
-            </a:pPr>
-            <a:r>
-              <a:rPr kumimoji="1" lang="ja-JP" altLang="en-US" b="1" dirty="0" smtClean="0"/>
-              <a:t>こちらが過去問メニューとなります。先生の名前が一覧で表示されており</a:t>
-            </a:r>
-            <a:r>
-              <a:rPr kumimoji="1" lang="ja-JP" altLang="en-US" b="1" dirty="0" smtClean="0"/>
-              <a:t>、クリックすると授業の詳細ページに飛び、過去問画像は表示されます。</a:t>
-            </a:r>
-            <a:endParaRPr kumimoji="1" lang="en-US" altLang="ja-JP" b="1" dirty="0" smtClean="0"/>
-          </a:p>
-          <a:p>
-            <a:pPr marL="0" marR="0" indent="0" algn="l" defTabSz="914400" rtl="0" eaLnBrk="1" fontAlgn="auto" latinLnBrk="0" hangingPunct="1">
-              <a:lnSpc>
-                <a:spcPct val="100000"/>
-              </a:lnSpc>
-              <a:spcBef>
-                <a:spcPts val="0"/>
-              </a:spcBef>
-              <a:spcAft>
-                <a:spcPts val="0"/>
-              </a:spcAft>
-              <a:buClrTx/>
-              <a:buSzTx/>
-              <a:buFontTx/>
-              <a:buNone/>
-              <a:tabLst/>
-              <a:defRPr/>
-            </a:pPr>
-            <a:endParaRPr kumimoji="1" lang="en-US" altLang="ja-JP" b="1" dirty="0" smtClean="0"/>
-          </a:p>
-          <a:p>
-            <a:pPr marL="0" marR="0" indent="0" algn="l" defTabSz="914400" rtl="0" eaLnBrk="1" fontAlgn="auto" latinLnBrk="0" hangingPunct="1">
-              <a:lnSpc>
-                <a:spcPct val="100000"/>
-              </a:lnSpc>
-              <a:spcBef>
-                <a:spcPts val="0"/>
-              </a:spcBef>
-              <a:spcAft>
-                <a:spcPts val="0"/>
-              </a:spcAft>
-              <a:buClrTx/>
-              <a:buSzTx/>
-              <a:buFontTx/>
-              <a:buNone/>
-              <a:tabLst/>
-              <a:defRPr/>
-            </a:pPr>
-            <a:r>
-              <a:rPr kumimoji="1" lang="ja-JP" altLang="en-US" b="1" dirty="0" smtClean="0"/>
-              <a:t>こちらが過去の演習の成果物のメニューとなっています。各研究室とグループ名が一覧で表示されています。こちらの検索フォームに、自分の探している研究室やグループ名を入力し、検索します。</a:t>
-            </a:r>
-            <a:endParaRPr kumimoji="1" lang="en-US" altLang="ja-JP" b="1" dirty="0" smtClean="0"/>
-          </a:p>
-          <a:p>
-            <a:pPr marL="0" marR="0" indent="0" algn="l" defTabSz="914400" rtl="0" eaLnBrk="1" fontAlgn="auto" latinLnBrk="0" hangingPunct="1">
-              <a:lnSpc>
-                <a:spcPct val="100000"/>
-              </a:lnSpc>
-              <a:spcBef>
-                <a:spcPts val="0"/>
-              </a:spcBef>
-              <a:spcAft>
-                <a:spcPts val="0"/>
-              </a:spcAft>
-              <a:buClrTx/>
-              <a:buSzTx/>
-              <a:buFontTx/>
-              <a:buNone/>
-              <a:tabLst/>
-              <a:defRPr/>
-            </a:pPr>
-            <a:r>
-              <a:rPr kumimoji="1" lang="ja-JP" altLang="en-US" b="1" dirty="0" smtClean="0"/>
-              <a:t>検索結果はこのように一覧で表示されます</a:t>
-            </a:r>
-            <a:r>
-              <a:rPr kumimoji="1" lang="ja-JP" altLang="en-US" b="1" dirty="0" smtClean="0"/>
-              <a:t>。演習</a:t>
-            </a:r>
-            <a:r>
-              <a:rPr kumimoji="1" lang="ja-JP" altLang="en-US" b="1" dirty="0" smtClean="0"/>
-              <a:t>の資料がこのように表示されます。</a:t>
-            </a:r>
-            <a:endParaRPr kumimoji="1" lang="en-US" altLang="ja-JP" b="1" dirty="0" smtClean="0"/>
-          </a:p>
-          <a:p>
-            <a:pPr marL="0" marR="0" indent="0" algn="l" defTabSz="914400" rtl="0" eaLnBrk="1" fontAlgn="auto" latinLnBrk="0" hangingPunct="1">
-              <a:lnSpc>
-                <a:spcPct val="100000"/>
-              </a:lnSpc>
-              <a:spcBef>
-                <a:spcPts val="0"/>
-              </a:spcBef>
-              <a:spcAft>
-                <a:spcPts val="0"/>
-              </a:spcAft>
-              <a:buClrTx/>
-              <a:buSzTx/>
-              <a:buFontTx/>
-              <a:buNone/>
-              <a:tabLst/>
-              <a:defRPr/>
-            </a:pPr>
-            <a:endParaRPr kumimoji="1" lang="en-US" altLang="ja-JP" b="1" dirty="0" smtClean="0"/>
-          </a:p>
-          <a:p>
-            <a:pPr marL="0" marR="0" indent="0" algn="l" defTabSz="914400" rtl="0" eaLnBrk="1" fontAlgn="auto" latinLnBrk="0" hangingPunct="1">
-              <a:lnSpc>
-                <a:spcPct val="100000"/>
-              </a:lnSpc>
-              <a:spcBef>
-                <a:spcPts val="0"/>
-              </a:spcBef>
-              <a:spcAft>
-                <a:spcPts val="0"/>
-              </a:spcAft>
-              <a:buClrTx/>
-              <a:buSzTx/>
-              <a:buFontTx/>
-              <a:buNone/>
-              <a:tabLst/>
-              <a:defRPr/>
-            </a:pPr>
-            <a:r>
-              <a:rPr kumimoji="1" lang="ja-JP" altLang="en-US" b="1" dirty="0" smtClean="0"/>
-              <a:t>こちらが時間割のメニューとなっています。</a:t>
-            </a:r>
-            <a:endParaRPr kumimoji="1" lang="en-US" altLang="ja-JP" b="1" dirty="0" smtClean="0"/>
-          </a:p>
-          <a:p>
-            <a:pPr marL="0" marR="0" indent="0" algn="l" defTabSz="914400" rtl="0" eaLnBrk="1" fontAlgn="auto" latinLnBrk="0" hangingPunct="1">
-              <a:lnSpc>
-                <a:spcPct val="100000"/>
-              </a:lnSpc>
-              <a:spcBef>
-                <a:spcPts val="0"/>
-              </a:spcBef>
-              <a:spcAft>
-                <a:spcPts val="0"/>
-              </a:spcAft>
-              <a:buClrTx/>
-              <a:buSzTx/>
-              <a:buFontTx/>
-              <a:buNone/>
-              <a:tabLst/>
-              <a:defRPr/>
-            </a:pPr>
-            <a:r>
-              <a:rPr kumimoji="1" lang="ja-JP" altLang="en-US" b="1" dirty="0" smtClean="0"/>
-              <a:t>セメスターが一覧で表示され、このように時間割画像が表示されます。</a:t>
-            </a:r>
-            <a:endParaRPr kumimoji="1" lang="en-US" altLang="ja-JP" b="1" dirty="0" smtClean="0"/>
-          </a:p>
-          <a:p>
-            <a:pPr marL="0" marR="0" indent="0" algn="l" defTabSz="914400" rtl="0" eaLnBrk="1" fontAlgn="auto" latinLnBrk="0" hangingPunct="1">
-              <a:lnSpc>
-                <a:spcPct val="100000"/>
-              </a:lnSpc>
-              <a:spcBef>
-                <a:spcPts val="0"/>
-              </a:spcBef>
-              <a:spcAft>
-                <a:spcPts val="0"/>
-              </a:spcAft>
-              <a:buClrTx/>
-              <a:buSzTx/>
-              <a:buFontTx/>
-              <a:buNone/>
-              <a:tabLst/>
-              <a:defRPr/>
-            </a:pPr>
-            <a:endParaRPr kumimoji="1" lang="en-US" altLang="ja-JP" b="1" dirty="0" smtClean="0"/>
-          </a:p>
-          <a:p>
-            <a:pPr marL="0" marR="0" indent="0" algn="l" defTabSz="914400" rtl="0" eaLnBrk="1" fontAlgn="auto" latinLnBrk="0" hangingPunct="1">
-              <a:lnSpc>
-                <a:spcPct val="100000"/>
-              </a:lnSpc>
-              <a:spcBef>
-                <a:spcPts val="0"/>
-              </a:spcBef>
-              <a:spcAft>
-                <a:spcPts val="0"/>
-              </a:spcAft>
-              <a:buClrTx/>
-              <a:buSzTx/>
-              <a:buFontTx/>
-              <a:buNone/>
-              <a:tabLst/>
-              <a:defRPr/>
-            </a:pPr>
-            <a:r>
-              <a:rPr kumimoji="1" lang="ja-JP" altLang="en-US" b="1" dirty="0" smtClean="0"/>
-              <a:t>また当サイトは、ツイッターアカウントを作成しており、</a:t>
-            </a:r>
-            <a:endParaRPr kumimoji="1" lang="en-US" altLang="ja-JP" b="1" dirty="0" smtClean="0"/>
-          </a:p>
-          <a:p>
-            <a:pPr marL="0" marR="0" indent="0" algn="l" defTabSz="914400" rtl="0" eaLnBrk="1" fontAlgn="auto" latinLnBrk="0" hangingPunct="1">
-              <a:lnSpc>
-                <a:spcPct val="100000"/>
-              </a:lnSpc>
-              <a:spcBef>
-                <a:spcPts val="0"/>
-              </a:spcBef>
-              <a:spcAft>
-                <a:spcPts val="0"/>
-              </a:spcAft>
-              <a:buClrTx/>
-              <a:buSzTx/>
-              <a:buFontTx/>
-              <a:buNone/>
-              <a:tabLst/>
-              <a:defRPr/>
-            </a:pPr>
-            <a:r>
-              <a:rPr kumimoji="1" lang="ja-JP" altLang="en-US" b="1" dirty="0" smtClean="0"/>
-              <a:t>こちらのツイッター</a:t>
-            </a:r>
-            <a:r>
-              <a:rPr kumimoji="1" lang="en-US" altLang="ja-JP" b="1" dirty="0" smtClean="0"/>
-              <a:t>API</a:t>
-            </a:r>
-            <a:r>
-              <a:rPr kumimoji="1" lang="ja-JP" altLang="en-US" b="1" dirty="0" smtClean="0"/>
-              <a:t>では、サイトや各成果物の掲載情報の更新情報などを随時、参考できるようにしました。</a:t>
+              <a:t>ありがとうございました。</a:t>
             </a:r>
             <a:endParaRPr kumimoji="1" lang="en-US" altLang="ja-JP" b="1" dirty="0" smtClean="0"/>
           </a:p>
@@ -11403,126 +6826,6 @@
             <a:fld id="{31EB9004-3F70-404F-81A1-72744BD5EB90}" type="slidenum">
               <a:rPr kumimoji="1" lang="ja-JP" altLang="en-US" smtClean="0"/>
               <a:t>20</a:t>
-            </a:fld>
-            <a:endParaRPr kumimoji="1" lang="ja-JP" altLang="en-US"/>
-          </a:p>
-        </p:txBody>
-      </p:sp>
-    </p:spTree>
-    <p:extLst>
-      <p:ext uri="{BB962C8B-B14F-4D97-AF65-F5344CB8AC3E}">
-        <p14:creationId xmlns:p14="http://schemas.microsoft.com/office/powerpoint/2010/main" val="1638028123"/>
-      </p:ext>
-    </p:extLst>
-  </p:cSld>
-  <p:clrMapOvr>
-    <a:masterClrMapping/>
-  </p:clrMapOvr>
-</p:notes>
-</file>
-
-<file path=ppt/notesSlides/notesSlide21.xml><?xml version="1.0" encoding="utf-8"?>
-<p:notes xmlns:a="http://schemas.openxmlformats.org/drawingml/2006/main" xmlns:r="http://schemas.openxmlformats.org/officeDocument/2006/relationships" xmlns:p="http://schemas.openxmlformats.org/presentationml/2006/main">
-  <p:cSld>
-    <p:spTree>
-      <p:nvGrpSpPr>
-        <p:cNvPr id="1" name=""/>
-        <p:cNvGrpSpPr/>
-        <p:nvPr/>
-      </p:nvGrpSpPr>
-      <p:grpSpPr>
-        <a:xfrm>
-          <a:off x="0" y="0"/>
-          <a:ext cx="0" cy="0"/>
-          <a:chOff x="0" y="0"/>
-          <a:chExt cx="0" cy="0"/>
-        </a:xfrm>
-      </p:grpSpPr>
-      <p:sp>
-        <p:nvSpPr>
-          <p:cNvPr id="2" name="スライド イメージ プレースホルダー 1"/>
-          <p:cNvSpPr>
-            <a:spLocks noGrp="1" noRot="1" noChangeAspect="1"/>
-          </p:cNvSpPr>
-          <p:nvPr>
-            <p:ph type="sldImg"/>
-          </p:nvPr>
-        </p:nvSpPr>
-        <p:spPr/>
-      </p:sp>
-      <p:sp>
-        <p:nvSpPr>
-          <p:cNvPr id="3" name="ノート プレースホルダー 2"/>
-          <p:cNvSpPr>
-            <a:spLocks noGrp="1"/>
-          </p:cNvSpPr>
-          <p:nvPr>
-            <p:ph type="body" idx="1"/>
-          </p:nvPr>
-        </p:nvSpPr>
-        <p:spPr/>
-        <p:txBody>
-          <a:bodyPr/>
-          <a:lstStyle/>
-          <a:p>
-            <a:pPr marL="0" marR="0" indent="0" algn="l" defTabSz="914400" rtl="0" eaLnBrk="1" fontAlgn="auto" latinLnBrk="0" hangingPunct="1">
-              <a:lnSpc>
-                <a:spcPct val="100000"/>
-              </a:lnSpc>
-              <a:spcBef>
-                <a:spcPts val="0"/>
-              </a:spcBef>
-              <a:spcAft>
-                <a:spcPts val="0"/>
-              </a:spcAft>
-              <a:buClrTx/>
-              <a:buSzTx/>
-              <a:buFontTx/>
-              <a:buNone/>
-              <a:tabLst/>
-              <a:defRPr/>
-            </a:pPr>
-            <a:r>
-              <a:rPr kumimoji="1" lang="ja-JP" altLang="en-US" b="1" dirty="0" smtClean="0"/>
-              <a:t>以上で、矢吹研</a:t>
-            </a:r>
-            <a:r>
-              <a:rPr kumimoji="1" lang="en-US" altLang="ja-JP" b="1" dirty="0" smtClean="0"/>
-              <a:t>A</a:t>
-            </a:r>
-            <a:r>
-              <a:rPr kumimoji="1" lang="ja-JP" altLang="en-US" b="1" dirty="0" smtClean="0"/>
-              <a:t>班の発表を終わります。</a:t>
-            </a:r>
-            <a:endParaRPr kumimoji="1" lang="en-US" altLang="ja-JP" b="1" dirty="0" smtClean="0"/>
-          </a:p>
-          <a:p>
-            <a:r>
-              <a:rPr kumimoji="1" lang="ja-JP" altLang="en-US" b="1" dirty="0" smtClean="0"/>
-              <a:t>ありがとうございました。</a:t>
-            </a:r>
-            <a:endParaRPr kumimoji="1" lang="en-US" altLang="ja-JP" b="1" dirty="0" smtClean="0"/>
-          </a:p>
-        </p:txBody>
-      </p:sp>
-      <p:sp>
-        <p:nvSpPr>
-          <p:cNvPr id="4" name="スライド番号プレースホルダー 3"/>
-          <p:cNvSpPr>
-            <a:spLocks noGrp="1"/>
-          </p:cNvSpPr>
-          <p:nvPr>
-            <p:ph type="sldNum" sz="quarter" idx="10"/>
-          </p:nvPr>
-        </p:nvSpPr>
-        <p:spPr/>
-        <p:txBody>
-          <a:bodyPr/>
-          <a:lstStyle/>
-          <a:p>
-            <a:fld id="{31EB9004-3F70-404F-81A1-72744BD5EB90}" type="slidenum">
-              <a:rPr kumimoji="1" lang="ja-JP" altLang="en-US" smtClean="0"/>
-              <a:t>21</a:t>
             </a:fld>
             <a:endParaRPr kumimoji="1" lang="ja-JP" altLang="en-US"/>
           </a:p>
@@ -11928,15 +7231,7 @@
             </a:r>
             <a:r>
               <a:rPr kumimoji="1" lang="ja-JP" altLang="en-US" b="1" dirty="0" smtClean="0"/>
-              <a:t>ステップで自分の見たい過去</a:t>
-            </a:r>
-            <a:r>
-              <a:rPr kumimoji="1" lang="ja-JP" altLang="en-US" b="1" dirty="0" smtClean="0"/>
-              <a:t>問・シラバス</a:t>
-            </a:r>
-            <a:r>
-              <a:rPr kumimoji="1" lang="ja-JP" altLang="en-US" b="1" dirty="0" smtClean="0"/>
-              <a:t>を見ることができます。</a:t>
+              <a:t>ステップで自分の見たい過去問・シラバスを見ることができます。</a:t>
             </a:r>
           </a:p>
         </p:txBody>
@@ -16400,19 +11695,7 @@
             </a:pPr>
             <a:r>
               <a:rPr lang="ja-JP" altLang="en-US" sz="3600" b="1" dirty="0" smtClean="0"/>
-              <a:t>品質・</a:t>
-            </a:r>
-            <a:r>
-              <a:rPr lang="ja-JP" altLang="en-US" sz="3600" b="1" dirty="0" smtClean="0"/>
-              <a:t>・</a:t>
-            </a:r>
-            <a:r>
-              <a:rPr lang="ja-JP" altLang="en-US" sz="3600" b="1" dirty="0" smtClean="0"/>
-              <a:t>・</a:t>
-            </a:r>
-            <a:r>
-              <a:rPr lang="ja-JP" altLang="en-US" sz="3600" b="1" dirty="0" smtClean="0"/>
-              <a:t>パレート図、プロダクトオーナー評価</a:t>
+              <a:t>品質・・・パレート図、プロダクトオーナー評価</a:t>
             </a:r>
             <a:endParaRPr lang="en-US" altLang="ja-JP" sz="3600" b="1" dirty="0" smtClean="0"/>
           </a:p>
@@ -16818,11 +12101,6 @@
                         </a:rPr>
                         <a:t>A</a:t>
                       </a:r>
-                      <a:endParaRPr kumimoji="1" lang="en-US" altLang="ja-JP" sz="2800" dirty="0" smtClean="0">
-                        <a:solidFill>
-                          <a:srgbClr val="FF0000"/>
-                        </a:solidFill>
-                      </a:endParaRPr>
                     </a:p>
                     <a:p>
                       <a:pPr algn="l"/>
@@ -16832,11 +12110,7 @@
                       <a:pPr algn="l"/>
                       <a:r>
                         <a:rPr kumimoji="1" lang="en-US" altLang="ja-JP" sz="2800" dirty="0" smtClean="0"/>
-                        <a:t>5 ~ </a:t>
-                      </a:r>
-                      <a:r>
-                        <a:rPr kumimoji="1" lang="en-US" altLang="ja-JP" sz="2800" dirty="0" smtClean="0"/>
-                        <a:t> 6  …  </a:t>
+                        <a:t>5 ~  6  …  </a:t>
                       </a:r>
                       <a:r>
                         <a:rPr kumimoji="1" lang="en-US" altLang="ja-JP" sz="2800" dirty="0" smtClean="0">
@@ -16846,11 +12120,6 @@
                         </a:rPr>
                         <a:t>B</a:t>
                       </a:r>
-                      <a:endParaRPr kumimoji="1" lang="en-US" altLang="ja-JP" sz="2800" dirty="0" smtClean="0">
-                        <a:solidFill>
-                          <a:srgbClr val="FF0000"/>
-                        </a:solidFill>
-                      </a:endParaRPr>
                     </a:p>
                     <a:p>
                       <a:pPr algn="l"/>
@@ -16870,11 +12139,6 @@
                         </a:rPr>
                         <a:t>C</a:t>
                       </a:r>
-                      <a:endParaRPr kumimoji="1" lang="en-US" altLang="ja-JP" sz="2800" dirty="0" smtClean="0">
-                        <a:solidFill>
-                          <a:srgbClr val="FF0000"/>
-                        </a:solidFill>
-                      </a:endParaRPr>
                     </a:p>
                   </a:txBody>
                   <a:tcPr anchor="ctr">
@@ -18425,28 +13689,6 @@
           </a:p>
         </p:txBody>
       </p:sp>
-      <p:graphicFrame>
-        <p:nvGraphicFramePr>
-          <p:cNvPr id="6" name="図表 5"/>
-          <p:cNvGraphicFramePr/>
-          <p:nvPr>
-            <p:extLst>
-              <p:ext uri="{D42A27DB-BD31-4B8C-83A1-F6EECF244321}">
-                <p14:modId xmlns:p14="http://schemas.microsoft.com/office/powerpoint/2010/main" val="1930566173"/>
-              </p:ext>
-            </p:extLst>
-          </p:nvPr>
-        </p:nvGraphicFramePr>
-        <p:xfrm>
-          <a:off x="692332" y="1511709"/>
-          <a:ext cx="11243456" cy="4553358"/>
-        </p:xfrm>
-        <a:graphic>
-          <a:graphicData uri="http://schemas.openxmlformats.org/drawingml/2006/diagram">
-            <dgm:relIds xmlns:dgm="http://schemas.openxmlformats.org/drawingml/2006/diagram" xmlns:r="http://schemas.openxmlformats.org/officeDocument/2006/relationships" r:dm="rId3" r:lo="rId4" r:qs="rId5" r:cs="rId6"/>
-          </a:graphicData>
-        </a:graphic>
-      </p:graphicFrame>
       <p:pic>
         <p:nvPicPr>
           <p:cNvPr id="8" name="図 7"/>
@@ -18456,7 +13698,7 @@
           <p:nvPr/>
         </p:nvPicPr>
         <p:blipFill rotWithShape="1">
-          <a:blip r:embed="rId8"/>
+          <a:blip r:embed="rId3"/>
           <a:srcRect t="-337" r="-337"/>
           <a:stretch/>
         </p:blipFill>
@@ -19784,11 +15026,11 @@
   <p:clrMapOvr>
     <a:masterClrMapping/>
   </p:clrMapOvr>
-  <mc:AlternateContent xmlns:mc="http://schemas.openxmlformats.org/markup-compatibility/2006">
-    <mc:Choice xmlns:p14="http://schemas.microsoft.com/office/powerpoint/2010/main" Requires="p14">
+  <mc:AlternateContent xmlns:mc="http://schemas.openxmlformats.org/markup-compatibility/2006" xmlns:p14="http://schemas.microsoft.com/office/powerpoint/2010/main">
+    <mc:Choice Requires="p14">
       <p:transition p14:dur="10"/>
     </mc:Choice>
-    <mc:Fallback>
+    <mc:Fallback xmlns="">
       <p:transition/>
     </mc:Fallback>
   </mc:AlternateContent>
@@ -19803,902 +15045,6 @@
 </file>
 
 <file path=ppt/slides/slide18.xml><?xml version="1.0" encoding="utf-8"?>
-<p:sld xmlns:a="http://schemas.openxmlformats.org/drawingml/2006/main" xmlns:r="http://schemas.openxmlformats.org/officeDocument/2006/relationships" xmlns:p="http://schemas.openxmlformats.org/presentationml/2006/main">
-  <p:cSld>
-    <p:spTree>
-      <p:nvGrpSpPr>
-        <p:cNvPr id="1" name=""/>
-        <p:cNvGrpSpPr/>
-        <p:nvPr/>
-      </p:nvGrpSpPr>
-      <p:grpSpPr>
-        <a:xfrm>
-          <a:off x="0" y="0"/>
-          <a:ext cx="0" cy="0"/>
-          <a:chOff x="0" y="0"/>
-          <a:chExt cx="0" cy="0"/>
-        </a:xfrm>
-      </p:grpSpPr>
-      <p:graphicFrame>
-        <p:nvGraphicFramePr>
-          <p:cNvPr id="12" name="グラフ 11">
-            <a:extLst>
-              <a:ext uri="{FF2B5EF4-FFF2-40B4-BE49-F238E27FC236}">
-                <a16:creationId xmlns:a16="http://schemas.microsoft.com/office/drawing/2014/main" id="{00000000-0008-0000-0200-000002000000}"/>
-              </a:ext>
-            </a:extLst>
-          </p:cNvPr>
-          <p:cNvGraphicFramePr>
-            <a:graphicFrameLocks noGrp="1"/>
-          </p:cNvGraphicFramePr>
-          <p:nvPr>
-            <p:extLst>
-              <p:ext uri="{D42A27DB-BD31-4B8C-83A1-F6EECF244321}">
-                <p14:modId xmlns:p14="http://schemas.microsoft.com/office/powerpoint/2010/main" val="1810701117"/>
-              </p:ext>
-            </p:extLst>
-          </p:nvPr>
-        </p:nvGraphicFramePr>
-        <p:xfrm>
-          <a:off x="1440223" y="195625"/>
-          <a:ext cx="9290779" cy="6050717"/>
-        </p:xfrm>
-        <a:graphic>
-          <a:graphicData uri="http://schemas.openxmlformats.org/drawingml/2006/chart">
-            <c:chart xmlns:c="http://schemas.openxmlformats.org/drawingml/2006/chart" xmlns:r="http://schemas.openxmlformats.org/officeDocument/2006/relationships" r:id="rId3"/>
-          </a:graphicData>
-        </a:graphic>
-      </p:graphicFrame>
-      <p:cxnSp>
-        <p:nvCxnSpPr>
-          <p:cNvPr id="23" name="直線コネクタ 22"/>
-          <p:cNvCxnSpPr/>
-          <p:nvPr/>
-        </p:nvCxnSpPr>
-        <p:spPr>
-          <a:xfrm>
-            <a:off x="3532916" y="3405649"/>
-            <a:ext cx="1352550" cy="1"/>
-          </a:xfrm>
-          <a:prstGeom prst="line">
-            <a:avLst/>
-          </a:prstGeom>
-        </p:spPr>
-        <p:style>
-          <a:lnRef idx="3">
-            <a:schemeClr val="dk1"/>
-          </a:lnRef>
-          <a:fillRef idx="0">
-            <a:schemeClr val="dk1"/>
-          </a:fillRef>
-          <a:effectRef idx="2">
-            <a:schemeClr val="dk1"/>
-          </a:effectRef>
-          <a:fontRef idx="minor">
-            <a:schemeClr val="tx1"/>
-          </a:fontRef>
-        </p:style>
-      </p:cxnSp>
-      <p:cxnSp>
-        <p:nvCxnSpPr>
-          <p:cNvPr id="25" name="直線矢印コネクタ 24"/>
-          <p:cNvCxnSpPr/>
-          <p:nvPr/>
-        </p:nvCxnSpPr>
-        <p:spPr>
-          <a:xfrm>
-            <a:off x="4885466" y="3405649"/>
-            <a:ext cx="695325" cy="594773"/>
-          </a:xfrm>
-          <a:prstGeom prst="straightConnector1">
-            <a:avLst/>
-          </a:prstGeom>
-          <a:ln>
-            <a:tailEnd type="triangle"/>
-          </a:ln>
-        </p:spPr>
-        <p:style>
-          <a:lnRef idx="3">
-            <a:schemeClr val="dk1"/>
-          </a:lnRef>
-          <a:fillRef idx="0">
-            <a:schemeClr val="dk1"/>
-          </a:fillRef>
-          <a:effectRef idx="2">
-            <a:schemeClr val="dk1"/>
-          </a:effectRef>
-          <a:fontRef idx="minor">
-            <a:schemeClr val="tx1"/>
-          </a:fontRef>
-        </p:style>
-      </p:cxnSp>
-      <p:sp>
-        <p:nvSpPr>
-          <p:cNvPr id="28" name="テキスト ボックス 27"/>
-          <p:cNvSpPr txBox="1"/>
-          <p:nvPr/>
-        </p:nvSpPr>
-        <p:spPr>
-          <a:xfrm>
-            <a:off x="3029252" y="3220983"/>
-            <a:ext cx="503664" cy="369332"/>
-          </a:xfrm>
-          <a:prstGeom prst="rect">
-            <a:avLst/>
-          </a:prstGeom>
-          <a:noFill/>
-        </p:spPr>
-        <p:txBody>
-          <a:bodyPr wrap="square" rtlCol="0">
-            <a:spAutoFit/>
-          </a:bodyPr>
-          <a:lstStyle/>
-          <a:p>
-            <a:r>
-              <a:rPr kumimoji="1" lang="en-US" altLang="ja-JP" b="1" dirty="0" smtClean="0"/>
-              <a:t>PV</a:t>
-            </a:r>
-          </a:p>
-        </p:txBody>
-      </p:sp>
-      <p:cxnSp>
-        <p:nvCxnSpPr>
-          <p:cNvPr id="31" name="直線矢印コネクタ 30"/>
-          <p:cNvCxnSpPr/>
-          <p:nvPr/>
-        </p:nvCxnSpPr>
-        <p:spPr>
-          <a:xfrm flipH="1" flipV="1">
-            <a:off x="8890014" y="2616049"/>
-            <a:ext cx="1499613" cy="3326"/>
-          </a:xfrm>
-          <a:prstGeom prst="straightConnector1">
-            <a:avLst/>
-          </a:prstGeom>
-          <a:ln>
-            <a:tailEnd type="triangle"/>
-          </a:ln>
-        </p:spPr>
-        <p:style>
-          <a:lnRef idx="3">
-            <a:schemeClr val="dk1"/>
-          </a:lnRef>
-          <a:fillRef idx="0">
-            <a:schemeClr val="dk1"/>
-          </a:fillRef>
-          <a:effectRef idx="2">
-            <a:schemeClr val="dk1"/>
-          </a:effectRef>
-          <a:fontRef idx="minor">
-            <a:schemeClr val="tx1"/>
-          </a:fontRef>
-        </p:style>
-      </p:cxnSp>
-      <p:sp>
-        <p:nvSpPr>
-          <p:cNvPr id="32" name="テキスト ボックス 31"/>
-          <p:cNvSpPr txBox="1"/>
-          <p:nvPr/>
-        </p:nvSpPr>
-        <p:spPr>
-          <a:xfrm>
-            <a:off x="10453167" y="2437182"/>
-            <a:ext cx="555670" cy="369332"/>
-          </a:xfrm>
-          <a:prstGeom prst="rect">
-            <a:avLst/>
-          </a:prstGeom>
-          <a:noFill/>
-        </p:spPr>
-        <p:txBody>
-          <a:bodyPr wrap="square" rtlCol="0">
-            <a:spAutoFit/>
-          </a:bodyPr>
-          <a:lstStyle/>
-          <a:p>
-            <a:r>
-              <a:rPr kumimoji="1" lang="en-US" altLang="ja-JP" b="1" dirty="0" smtClean="0"/>
-              <a:t>AC</a:t>
-            </a:r>
-          </a:p>
-        </p:txBody>
-      </p:sp>
-      <p:cxnSp>
-        <p:nvCxnSpPr>
-          <p:cNvPr id="35" name="直線矢印コネクタ 34"/>
-          <p:cNvCxnSpPr>
-            <a:stCxn id="13" idx="1"/>
-          </p:cNvCxnSpPr>
-          <p:nvPr/>
-        </p:nvCxnSpPr>
-        <p:spPr>
-          <a:xfrm flipH="1">
-            <a:off x="8395024" y="3982384"/>
-            <a:ext cx="1262020" cy="0"/>
-          </a:xfrm>
-          <a:prstGeom prst="straightConnector1">
-            <a:avLst/>
-          </a:prstGeom>
-          <a:ln>
-            <a:tailEnd type="triangle"/>
-          </a:ln>
-        </p:spPr>
-        <p:style>
-          <a:lnRef idx="3">
-            <a:schemeClr val="dk1"/>
-          </a:lnRef>
-          <a:fillRef idx="0">
-            <a:schemeClr val="dk1"/>
-          </a:fillRef>
-          <a:effectRef idx="2">
-            <a:schemeClr val="dk1"/>
-          </a:effectRef>
-          <a:fontRef idx="minor">
-            <a:schemeClr val="tx1"/>
-          </a:fontRef>
-        </p:style>
-      </p:cxnSp>
-      <p:sp>
-        <p:nvSpPr>
-          <p:cNvPr id="13" name="テキスト ボックス 12"/>
-          <p:cNvSpPr txBox="1"/>
-          <p:nvPr/>
-        </p:nvSpPr>
-        <p:spPr>
-          <a:xfrm>
-            <a:off x="9657044" y="3797718"/>
-            <a:ext cx="508473" cy="369332"/>
-          </a:xfrm>
-          <a:prstGeom prst="rect">
-            <a:avLst/>
-          </a:prstGeom>
-          <a:noFill/>
-        </p:spPr>
-        <p:txBody>
-          <a:bodyPr wrap="square" rtlCol="0">
-            <a:spAutoFit/>
-          </a:bodyPr>
-          <a:lstStyle/>
-          <a:p>
-            <a:r>
-              <a:rPr kumimoji="1" lang="en-US" altLang="ja-JP" b="1" dirty="0" smtClean="0"/>
-              <a:t>EV</a:t>
-            </a:r>
-          </a:p>
-        </p:txBody>
-      </p:sp>
-      <p:sp>
-        <p:nvSpPr>
-          <p:cNvPr id="7" name="スライド番号プレースホルダー 6"/>
-          <p:cNvSpPr>
-            <a:spLocks noGrp="1"/>
-          </p:cNvSpPr>
-          <p:nvPr>
-            <p:ph type="sldNum" sz="quarter" idx="12"/>
-          </p:nvPr>
-        </p:nvSpPr>
-        <p:spPr/>
-        <p:txBody>
-          <a:bodyPr/>
-          <a:lstStyle/>
-          <a:p>
-            <a:r>
-              <a:rPr kumimoji="1" lang="en-US" altLang="ja-JP" sz="3600" dirty="0" smtClean="0"/>
-              <a:t>11</a:t>
-            </a:r>
-            <a:endParaRPr kumimoji="1" lang="ja-JP" altLang="en-US" sz="3600" dirty="0"/>
-          </a:p>
-        </p:txBody>
-      </p:sp>
-      <p:pic>
-        <p:nvPicPr>
-          <p:cNvPr id="11" name="図 10"/>
-          <p:cNvPicPr>
-            <a:picLocks noChangeAspect="1"/>
-          </p:cNvPicPr>
-          <p:nvPr/>
-        </p:nvPicPr>
-        <p:blipFill rotWithShape="1">
-          <a:blip r:embed="rId4"/>
-          <a:srcRect t="-337" r="-337"/>
-          <a:stretch/>
-        </p:blipFill>
-        <p:spPr>
-          <a:xfrm>
-            <a:off x="0" y="4167050"/>
-            <a:ext cx="1554480" cy="2690949"/>
-          </a:xfrm>
-          <a:prstGeom prst="rect">
-            <a:avLst/>
-          </a:prstGeom>
-        </p:spPr>
-      </p:pic>
-    </p:spTree>
-    <p:extLst>
-      <p:ext uri="{BB962C8B-B14F-4D97-AF65-F5344CB8AC3E}">
-        <p14:creationId xmlns:p14="http://schemas.microsoft.com/office/powerpoint/2010/main" val="2033108768"/>
-      </p:ext>
-    </p:extLst>
-  </p:cSld>
-  <p:clrMapOvr>
-    <a:masterClrMapping/>
-  </p:clrMapOvr>
-  <mc:AlternateContent xmlns:mc="http://schemas.openxmlformats.org/markup-compatibility/2006" xmlns:p14="http://schemas.microsoft.com/office/powerpoint/2010/main">
-    <mc:Choice Requires="p14">
-      <p:transition p14:dur="10"/>
-    </mc:Choice>
-    <mc:Fallback xmlns="">
-      <p:transition/>
-    </mc:Fallback>
-  </mc:AlternateContent>
-  <p:timing>
-    <p:tnLst>
-      <p:par>
-        <p:cTn id="1" dur="indefinite" restart="never" nodeType="tmRoot">
-          <p:childTnLst>
-            <p:seq concurrent="1" nextAc="seek">
-              <p:cTn id="2" dur="indefinite" nodeType="mainSeq">
-                <p:childTnLst>
-                  <p:par>
-                    <p:cTn id="3" fill="hold">
-                      <p:stCondLst>
-                        <p:cond delay="indefinite"/>
-                      </p:stCondLst>
-                      <p:childTnLst>
-                        <p:par>
-                          <p:cTn id="4" fill="hold">
-                            <p:stCondLst>
-                              <p:cond delay="0"/>
-                            </p:stCondLst>
-                            <p:childTnLst>
-                              <p:par>
-                                <p:cTn id="5" presetID="2" presetClass="entr" presetSubtype="4" fill="hold" nodeType="clickEffect">
-                                  <p:stCondLst>
-                                    <p:cond delay="0"/>
-                                  </p:stCondLst>
-                                  <p:childTnLst>
-                                    <p:set>
-                                      <p:cBhvr>
-                                        <p:cTn id="6" dur="1" fill="hold">
-                                          <p:stCondLst>
-                                            <p:cond delay="0"/>
-                                          </p:stCondLst>
-                                        </p:cTn>
-                                        <p:tgtEl>
-                                          <p:spTgt spid="23"/>
-                                        </p:tgtEl>
-                                        <p:attrNameLst>
-                                          <p:attrName>style.visibility</p:attrName>
-                                        </p:attrNameLst>
-                                      </p:cBhvr>
-                                      <p:to>
-                                        <p:strVal val="visible"/>
-                                      </p:to>
-                                    </p:set>
-                                    <p:anim calcmode="lin" valueType="num">
-                                      <p:cBhvr additive="base">
-                                        <p:cTn id="7" dur="500" fill="hold"/>
-                                        <p:tgtEl>
-                                          <p:spTgt spid="23"/>
-                                        </p:tgtEl>
-                                        <p:attrNameLst>
-                                          <p:attrName>ppt_x</p:attrName>
-                                        </p:attrNameLst>
-                                      </p:cBhvr>
-                                      <p:tavLst>
-                                        <p:tav tm="0">
-                                          <p:val>
-                                            <p:strVal val="#ppt_x"/>
-                                          </p:val>
-                                        </p:tav>
-                                        <p:tav tm="100000">
-                                          <p:val>
-                                            <p:strVal val="#ppt_x"/>
-                                          </p:val>
-                                        </p:tav>
-                                      </p:tavLst>
-                                    </p:anim>
-                                    <p:anim calcmode="lin" valueType="num">
-                                      <p:cBhvr additive="base">
-                                        <p:cTn id="8" dur="500" fill="hold"/>
-                                        <p:tgtEl>
-                                          <p:spTgt spid="23"/>
-                                        </p:tgtEl>
-                                        <p:attrNameLst>
-                                          <p:attrName>ppt_y</p:attrName>
-                                        </p:attrNameLst>
-                                      </p:cBhvr>
-                                      <p:tavLst>
-                                        <p:tav tm="0">
-                                          <p:val>
-                                            <p:strVal val="1+#ppt_h/2"/>
-                                          </p:val>
-                                        </p:tav>
-                                        <p:tav tm="100000">
-                                          <p:val>
-                                            <p:strVal val="#ppt_y"/>
-                                          </p:val>
-                                        </p:tav>
-                                      </p:tavLst>
-                                    </p:anim>
-                                  </p:childTnLst>
-                                </p:cTn>
-                              </p:par>
-                              <p:par>
-                                <p:cTn id="9" presetID="2" presetClass="entr" presetSubtype="4" fill="hold" nodeType="withEffect">
-                                  <p:stCondLst>
-                                    <p:cond delay="0"/>
-                                  </p:stCondLst>
-                                  <p:childTnLst>
-                                    <p:set>
-                                      <p:cBhvr>
-                                        <p:cTn id="10" dur="1" fill="hold">
-                                          <p:stCondLst>
-                                            <p:cond delay="0"/>
-                                          </p:stCondLst>
-                                        </p:cTn>
-                                        <p:tgtEl>
-                                          <p:spTgt spid="25"/>
-                                        </p:tgtEl>
-                                        <p:attrNameLst>
-                                          <p:attrName>style.visibility</p:attrName>
-                                        </p:attrNameLst>
-                                      </p:cBhvr>
-                                      <p:to>
-                                        <p:strVal val="visible"/>
-                                      </p:to>
-                                    </p:set>
-                                    <p:anim calcmode="lin" valueType="num">
-                                      <p:cBhvr additive="base">
-                                        <p:cTn id="11" dur="500" fill="hold"/>
-                                        <p:tgtEl>
-                                          <p:spTgt spid="25"/>
-                                        </p:tgtEl>
-                                        <p:attrNameLst>
-                                          <p:attrName>ppt_x</p:attrName>
-                                        </p:attrNameLst>
-                                      </p:cBhvr>
-                                      <p:tavLst>
-                                        <p:tav tm="0">
-                                          <p:val>
-                                            <p:strVal val="#ppt_x"/>
-                                          </p:val>
-                                        </p:tav>
-                                        <p:tav tm="100000">
-                                          <p:val>
-                                            <p:strVal val="#ppt_x"/>
-                                          </p:val>
-                                        </p:tav>
-                                      </p:tavLst>
-                                    </p:anim>
-                                    <p:anim calcmode="lin" valueType="num">
-                                      <p:cBhvr additive="base">
-                                        <p:cTn id="12" dur="500" fill="hold"/>
-                                        <p:tgtEl>
-                                          <p:spTgt spid="25"/>
-                                        </p:tgtEl>
-                                        <p:attrNameLst>
-                                          <p:attrName>ppt_y</p:attrName>
-                                        </p:attrNameLst>
-                                      </p:cBhvr>
-                                      <p:tavLst>
-                                        <p:tav tm="0">
-                                          <p:val>
-                                            <p:strVal val="1+#ppt_h/2"/>
-                                          </p:val>
-                                        </p:tav>
-                                        <p:tav tm="100000">
-                                          <p:val>
-                                            <p:strVal val="#ppt_y"/>
-                                          </p:val>
-                                        </p:tav>
-                                      </p:tavLst>
-                                    </p:anim>
-                                  </p:childTnLst>
-                                </p:cTn>
-                              </p:par>
-                              <p:par>
-                                <p:cTn id="13" presetID="2" presetClass="entr" presetSubtype="4" fill="hold" grpId="0" nodeType="withEffect">
-                                  <p:stCondLst>
-                                    <p:cond delay="0"/>
-                                  </p:stCondLst>
-                                  <p:childTnLst>
-                                    <p:set>
-                                      <p:cBhvr>
-                                        <p:cTn id="14" dur="1" fill="hold">
-                                          <p:stCondLst>
-                                            <p:cond delay="0"/>
-                                          </p:stCondLst>
-                                        </p:cTn>
-                                        <p:tgtEl>
-                                          <p:spTgt spid="28"/>
-                                        </p:tgtEl>
-                                        <p:attrNameLst>
-                                          <p:attrName>style.visibility</p:attrName>
-                                        </p:attrNameLst>
-                                      </p:cBhvr>
-                                      <p:to>
-                                        <p:strVal val="visible"/>
-                                      </p:to>
-                                    </p:set>
-                                    <p:anim calcmode="lin" valueType="num">
-                                      <p:cBhvr additive="base">
-                                        <p:cTn id="15" dur="500" fill="hold"/>
-                                        <p:tgtEl>
-                                          <p:spTgt spid="28"/>
-                                        </p:tgtEl>
-                                        <p:attrNameLst>
-                                          <p:attrName>ppt_x</p:attrName>
-                                        </p:attrNameLst>
-                                      </p:cBhvr>
-                                      <p:tavLst>
-                                        <p:tav tm="0">
-                                          <p:val>
-                                            <p:strVal val="#ppt_x"/>
-                                          </p:val>
-                                        </p:tav>
-                                        <p:tav tm="100000">
-                                          <p:val>
-                                            <p:strVal val="#ppt_x"/>
-                                          </p:val>
-                                        </p:tav>
-                                      </p:tavLst>
-                                    </p:anim>
-                                    <p:anim calcmode="lin" valueType="num">
-                                      <p:cBhvr additive="base">
-                                        <p:cTn id="16" dur="500" fill="hold"/>
-                                        <p:tgtEl>
-                                          <p:spTgt spid="28"/>
-                                        </p:tgtEl>
-                                        <p:attrNameLst>
-                                          <p:attrName>ppt_y</p:attrName>
-                                        </p:attrNameLst>
-                                      </p:cBhvr>
-                                      <p:tavLst>
-                                        <p:tav tm="0">
-                                          <p:val>
-                                            <p:strVal val="1+#ppt_h/2"/>
-                                          </p:val>
-                                        </p:tav>
-                                        <p:tav tm="100000">
-                                          <p:val>
-                                            <p:strVal val="#ppt_y"/>
-                                          </p:val>
-                                        </p:tav>
-                                      </p:tavLst>
-                                    </p:anim>
-                                  </p:childTnLst>
-                                </p:cTn>
-                              </p:par>
-                              <p:par>
-                                <p:cTn id="17" presetID="2" presetClass="entr" presetSubtype="4" fill="hold" nodeType="withEffect">
-                                  <p:stCondLst>
-                                    <p:cond delay="0"/>
-                                  </p:stCondLst>
-                                  <p:childTnLst>
-                                    <p:set>
-                                      <p:cBhvr>
-                                        <p:cTn id="18" dur="1" fill="hold">
-                                          <p:stCondLst>
-                                            <p:cond delay="0"/>
-                                          </p:stCondLst>
-                                        </p:cTn>
-                                        <p:tgtEl>
-                                          <p:spTgt spid="31"/>
-                                        </p:tgtEl>
-                                        <p:attrNameLst>
-                                          <p:attrName>style.visibility</p:attrName>
-                                        </p:attrNameLst>
-                                      </p:cBhvr>
-                                      <p:to>
-                                        <p:strVal val="visible"/>
-                                      </p:to>
-                                    </p:set>
-                                    <p:anim calcmode="lin" valueType="num">
-                                      <p:cBhvr additive="base">
-                                        <p:cTn id="19" dur="500" fill="hold"/>
-                                        <p:tgtEl>
-                                          <p:spTgt spid="31"/>
-                                        </p:tgtEl>
-                                        <p:attrNameLst>
-                                          <p:attrName>ppt_x</p:attrName>
-                                        </p:attrNameLst>
-                                      </p:cBhvr>
-                                      <p:tavLst>
-                                        <p:tav tm="0">
-                                          <p:val>
-                                            <p:strVal val="#ppt_x"/>
-                                          </p:val>
-                                        </p:tav>
-                                        <p:tav tm="100000">
-                                          <p:val>
-                                            <p:strVal val="#ppt_x"/>
-                                          </p:val>
-                                        </p:tav>
-                                      </p:tavLst>
-                                    </p:anim>
-                                    <p:anim calcmode="lin" valueType="num">
-                                      <p:cBhvr additive="base">
-                                        <p:cTn id="20" dur="500" fill="hold"/>
-                                        <p:tgtEl>
-                                          <p:spTgt spid="31"/>
-                                        </p:tgtEl>
-                                        <p:attrNameLst>
-                                          <p:attrName>ppt_y</p:attrName>
-                                        </p:attrNameLst>
-                                      </p:cBhvr>
-                                      <p:tavLst>
-                                        <p:tav tm="0">
-                                          <p:val>
-                                            <p:strVal val="1+#ppt_h/2"/>
-                                          </p:val>
-                                        </p:tav>
-                                        <p:tav tm="100000">
-                                          <p:val>
-                                            <p:strVal val="#ppt_y"/>
-                                          </p:val>
-                                        </p:tav>
-                                      </p:tavLst>
-                                    </p:anim>
-                                  </p:childTnLst>
-                                </p:cTn>
-                              </p:par>
-                              <p:par>
-                                <p:cTn id="21" presetID="2" presetClass="entr" presetSubtype="4" fill="hold" grpId="0" nodeType="withEffect">
-                                  <p:stCondLst>
-                                    <p:cond delay="0"/>
-                                  </p:stCondLst>
-                                  <p:childTnLst>
-                                    <p:set>
-                                      <p:cBhvr>
-                                        <p:cTn id="22" dur="1" fill="hold">
-                                          <p:stCondLst>
-                                            <p:cond delay="0"/>
-                                          </p:stCondLst>
-                                        </p:cTn>
-                                        <p:tgtEl>
-                                          <p:spTgt spid="32"/>
-                                        </p:tgtEl>
-                                        <p:attrNameLst>
-                                          <p:attrName>style.visibility</p:attrName>
-                                        </p:attrNameLst>
-                                      </p:cBhvr>
-                                      <p:to>
-                                        <p:strVal val="visible"/>
-                                      </p:to>
-                                    </p:set>
-                                    <p:anim calcmode="lin" valueType="num">
-                                      <p:cBhvr additive="base">
-                                        <p:cTn id="23" dur="500" fill="hold"/>
-                                        <p:tgtEl>
-                                          <p:spTgt spid="32"/>
-                                        </p:tgtEl>
-                                        <p:attrNameLst>
-                                          <p:attrName>ppt_x</p:attrName>
-                                        </p:attrNameLst>
-                                      </p:cBhvr>
-                                      <p:tavLst>
-                                        <p:tav tm="0">
-                                          <p:val>
-                                            <p:strVal val="#ppt_x"/>
-                                          </p:val>
-                                        </p:tav>
-                                        <p:tav tm="100000">
-                                          <p:val>
-                                            <p:strVal val="#ppt_x"/>
-                                          </p:val>
-                                        </p:tav>
-                                      </p:tavLst>
-                                    </p:anim>
-                                    <p:anim calcmode="lin" valueType="num">
-                                      <p:cBhvr additive="base">
-                                        <p:cTn id="24" dur="500" fill="hold"/>
-                                        <p:tgtEl>
-                                          <p:spTgt spid="32"/>
-                                        </p:tgtEl>
-                                        <p:attrNameLst>
-                                          <p:attrName>ppt_y</p:attrName>
-                                        </p:attrNameLst>
-                                      </p:cBhvr>
-                                      <p:tavLst>
-                                        <p:tav tm="0">
-                                          <p:val>
-                                            <p:strVal val="1+#ppt_h/2"/>
-                                          </p:val>
-                                        </p:tav>
-                                        <p:tav tm="100000">
-                                          <p:val>
-                                            <p:strVal val="#ppt_y"/>
-                                          </p:val>
-                                        </p:tav>
-                                      </p:tavLst>
-                                    </p:anim>
-                                  </p:childTnLst>
-                                </p:cTn>
-                              </p:par>
-                              <p:par>
-                                <p:cTn id="25" presetID="2" presetClass="entr" presetSubtype="4" fill="hold" nodeType="withEffect">
-                                  <p:stCondLst>
-                                    <p:cond delay="0"/>
-                                  </p:stCondLst>
-                                  <p:childTnLst>
-                                    <p:set>
-                                      <p:cBhvr>
-                                        <p:cTn id="26" dur="1" fill="hold">
-                                          <p:stCondLst>
-                                            <p:cond delay="0"/>
-                                          </p:stCondLst>
-                                        </p:cTn>
-                                        <p:tgtEl>
-                                          <p:spTgt spid="35"/>
-                                        </p:tgtEl>
-                                        <p:attrNameLst>
-                                          <p:attrName>style.visibility</p:attrName>
-                                        </p:attrNameLst>
-                                      </p:cBhvr>
-                                      <p:to>
-                                        <p:strVal val="visible"/>
-                                      </p:to>
-                                    </p:set>
-                                    <p:anim calcmode="lin" valueType="num">
-                                      <p:cBhvr additive="base">
-                                        <p:cTn id="27" dur="500" fill="hold"/>
-                                        <p:tgtEl>
-                                          <p:spTgt spid="35"/>
-                                        </p:tgtEl>
-                                        <p:attrNameLst>
-                                          <p:attrName>ppt_x</p:attrName>
-                                        </p:attrNameLst>
-                                      </p:cBhvr>
-                                      <p:tavLst>
-                                        <p:tav tm="0">
-                                          <p:val>
-                                            <p:strVal val="#ppt_x"/>
-                                          </p:val>
-                                        </p:tav>
-                                        <p:tav tm="100000">
-                                          <p:val>
-                                            <p:strVal val="#ppt_x"/>
-                                          </p:val>
-                                        </p:tav>
-                                      </p:tavLst>
-                                    </p:anim>
-                                    <p:anim calcmode="lin" valueType="num">
-                                      <p:cBhvr additive="base">
-                                        <p:cTn id="28" dur="500" fill="hold"/>
-                                        <p:tgtEl>
-                                          <p:spTgt spid="35"/>
-                                        </p:tgtEl>
-                                        <p:attrNameLst>
-                                          <p:attrName>ppt_y</p:attrName>
-                                        </p:attrNameLst>
-                                      </p:cBhvr>
-                                      <p:tavLst>
-                                        <p:tav tm="0">
-                                          <p:val>
-                                            <p:strVal val="1+#ppt_h/2"/>
-                                          </p:val>
-                                        </p:tav>
-                                        <p:tav tm="100000">
-                                          <p:val>
-                                            <p:strVal val="#ppt_y"/>
-                                          </p:val>
-                                        </p:tav>
-                                      </p:tavLst>
-                                    </p:anim>
-                                  </p:childTnLst>
-                                </p:cTn>
-                              </p:par>
-                              <p:par>
-                                <p:cTn id="29" presetID="2" presetClass="entr" presetSubtype="4" fill="hold" grpId="0" nodeType="withEffect">
-                                  <p:stCondLst>
-                                    <p:cond delay="0"/>
-                                  </p:stCondLst>
-                                  <p:childTnLst>
-                                    <p:set>
-                                      <p:cBhvr>
-                                        <p:cTn id="30" dur="1" fill="hold">
-                                          <p:stCondLst>
-                                            <p:cond delay="0"/>
-                                          </p:stCondLst>
-                                        </p:cTn>
-                                        <p:tgtEl>
-                                          <p:spTgt spid="13"/>
-                                        </p:tgtEl>
-                                        <p:attrNameLst>
-                                          <p:attrName>style.visibility</p:attrName>
-                                        </p:attrNameLst>
-                                      </p:cBhvr>
-                                      <p:to>
-                                        <p:strVal val="visible"/>
-                                      </p:to>
-                                    </p:set>
-                                    <p:anim calcmode="lin" valueType="num">
-                                      <p:cBhvr additive="base">
-                                        <p:cTn id="31" dur="500" fill="hold"/>
-                                        <p:tgtEl>
-                                          <p:spTgt spid="13"/>
-                                        </p:tgtEl>
-                                        <p:attrNameLst>
-                                          <p:attrName>ppt_x</p:attrName>
-                                        </p:attrNameLst>
-                                      </p:cBhvr>
-                                      <p:tavLst>
-                                        <p:tav tm="0">
-                                          <p:val>
-                                            <p:strVal val="#ppt_x"/>
-                                          </p:val>
-                                        </p:tav>
-                                        <p:tav tm="100000">
-                                          <p:val>
-                                            <p:strVal val="#ppt_x"/>
-                                          </p:val>
-                                        </p:tav>
-                                      </p:tavLst>
-                                    </p:anim>
-                                    <p:anim calcmode="lin" valueType="num">
-                                      <p:cBhvr additive="base">
-                                        <p:cTn id="32" dur="500" fill="hold"/>
-                                        <p:tgtEl>
-                                          <p:spTgt spid="13"/>
-                                        </p:tgtEl>
-                                        <p:attrNameLst>
-                                          <p:attrName>ppt_y</p:attrName>
-                                        </p:attrNameLst>
-                                      </p:cBhvr>
-                                      <p:tavLst>
-                                        <p:tav tm="0">
-                                          <p:val>
-                                            <p:strVal val="1+#ppt_h/2"/>
-                                          </p:val>
-                                        </p:tav>
-                                        <p:tav tm="100000">
-                                          <p:val>
-                                            <p:strVal val="#ppt_y"/>
-                                          </p:val>
-                                        </p:tav>
-                                      </p:tavLst>
-                                    </p:anim>
-                                  </p:childTnLst>
-                                </p:cTn>
-                              </p:par>
-                            </p:childTnLst>
-                          </p:cTn>
-                        </p:par>
-                      </p:childTnLst>
-                    </p:cTn>
-                  </p:par>
-                </p:childTnLst>
-              </p:cTn>
-              <p:prevCondLst>
-                <p:cond evt="onPrev" delay="0">
-                  <p:tgtEl>
-                    <p:sldTgt/>
-                  </p:tgtEl>
-                </p:cond>
-              </p:prevCondLst>
-              <p:nextCondLst>
-                <p:cond evt="onNext" delay="0">
-                  <p:tgtEl>
-                    <p:sldTgt/>
-                  </p:tgtEl>
-                </p:cond>
-              </p:nextCondLst>
-            </p:seq>
-          </p:childTnLst>
-        </p:cTn>
-      </p:par>
-    </p:tnLst>
-    <p:bldLst>
-      <p:bldP spid="28" grpId="0"/>
-      <p:bldP spid="32" grpId="0"/>
-      <p:bldP spid="13" grpId="0"/>
-    </p:bldLst>
-  </p:timing>
-</p:sld>
-</file>
-
-<file path=ppt/slides/slide19.xml><?xml version="1.0" encoding="utf-8"?>
 <p:sld xmlns:a="http://schemas.openxmlformats.org/drawingml/2006/main" xmlns:r="http://schemas.openxmlformats.org/officeDocument/2006/relationships" xmlns:p="http://schemas.openxmlformats.org/presentationml/2006/main">
   <p:cSld>
     <p:spTree>
@@ -20790,6 +15136,120 @@
     <p:extLst>
       <p:ext uri="{BB962C8B-B14F-4D97-AF65-F5344CB8AC3E}">
         <p14:creationId xmlns:p14="http://schemas.microsoft.com/office/powerpoint/2010/main" val="3898732731"/>
+      </p:ext>
+    </p:extLst>
+  </p:cSld>
+  <p:clrMapOvr>
+    <a:masterClrMapping/>
+  </p:clrMapOvr>
+  <p:timing>
+    <p:tnLst>
+      <p:par>
+        <p:cTn id="1" dur="indefinite" restart="never" nodeType="tmRoot"/>
+      </p:par>
+    </p:tnLst>
+  </p:timing>
+</p:sld>
+</file>
+
+<file path=ppt/slides/slide19.xml><?xml version="1.0" encoding="utf-8"?>
+<p:sld xmlns:a="http://schemas.openxmlformats.org/drawingml/2006/main" xmlns:r="http://schemas.openxmlformats.org/officeDocument/2006/relationships" xmlns:p="http://schemas.openxmlformats.org/presentationml/2006/main">
+  <p:cSld>
+    <p:spTree>
+      <p:nvGrpSpPr>
+        <p:cNvPr id="1" name=""/>
+        <p:cNvGrpSpPr/>
+        <p:nvPr/>
+      </p:nvGrpSpPr>
+      <p:grpSpPr>
+        <a:xfrm>
+          <a:off x="0" y="0"/>
+          <a:ext cx="0" cy="0"/>
+          <a:chOff x="0" y="0"/>
+          <a:chExt cx="0" cy="0"/>
+        </a:xfrm>
+      </p:grpSpPr>
+      <p:sp>
+        <p:nvSpPr>
+          <p:cNvPr id="5" name="タイトル 4"/>
+          <p:cNvSpPr>
+            <a:spLocks noGrp="1"/>
+          </p:cNvSpPr>
+          <p:nvPr>
+            <p:ph type="title"/>
+          </p:nvPr>
+        </p:nvSpPr>
+        <p:spPr>
+          <a:xfrm>
+            <a:off x="838200" y="2766218"/>
+            <a:ext cx="10515600" cy="1325563"/>
+          </a:xfrm>
+        </p:spPr>
+        <p:txBody>
+          <a:bodyPr>
+            <a:normAutofit/>
+          </a:bodyPr>
+          <a:lstStyle/>
+          <a:p>
+            <a:pPr algn="ctr"/>
+            <a:r>
+              <a:rPr kumimoji="1" lang="ja-JP" altLang="en-US" sz="8800" b="1" dirty="0" smtClean="0"/>
+              <a:t>完成体</a:t>
+            </a:r>
+            <a:endParaRPr kumimoji="1" lang="ja-JP" altLang="en-US" sz="8800" b="1" dirty="0"/>
+          </a:p>
+        </p:txBody>
+      </p:sp>
+      <p:sp>
+        <p:nvSpPr>
+          <p:cNvPr id="10" name="スライド番号プレースホルダー 9"/>
+          <p:cNvSpPr>
+            <a:spLocks noGrp="1"/>
+          </p:cNvSpPr>
+          <p:nvPr>
+            <p:ph type="sldNum" sz="quarter" idx="12"/>
+          </p:nvPr>
+        </p:nvSpPr>
+        <p:spPr/>
+        <p:txBody>
+          <a:bodyPr/>
+          <a:lstStyle/>
+          <a:p>
+            <a:r>
+              <a:rPr lang="en-US" altLang="ja-JP" sz="3600" dirty="0"/>
+              <a:t>7</a:t>
+            </a:r>
+            <a:endParaRPr kumimoji="1" lang="ja-JP" altLang="en-US" sz="3600" dirty="0"/>
+          </a:p>
+        </p:txBody>
+      </p:sp>
+      <p:pic>
+        <p:nvPicPr>
+          <p:cNvPr id="4" name="図 3"/>
+          <p:cNvPicPr>
+            <a:picLocks noChangeAspect="1"/>
+          </p:cNvPicPr>
+          <p:nvPr/>
+        </p:nvPicPr>
+        <p:blipFill rotWithShape="1">
+          <a:blip r:embed="rId3"/>
+          <a:srcRect t="-337" r="-337"/>
+          <a:stretch/>
+        </p:blipFill>
+        <p:spPr>
+          <a:xfrm>
+            <a:off x="0" y="4167050"/>
+            <a:ext cx="1554480" cy="2690949"/>
+          </a:xfrm>
+          <a:prstGeom prst="rect">
+            <a:avLst/>
+          </a:prstGeom>
+        </p:spPr>
+      </p:pic>
+    </p:spTree>
+    <p:extLst>
+      <p:ext uri="{BB962C8B-B14F-4D97-AF65-F5344CB8AC3E}">
+        <p14:creationId xmlns:p14="http://schemas.microsoft.com/office/powerpoint/2010/main" val="2403032415"/>
       </p:ext>
     </p:extLst>
   </p:cSld>
@@ -21043,120 +15503,6 @@
 </file>
 
 <file path=ppt/slides/slide20.xml><?xml version="1.0" encoding="utf-8"?>
-<p:sld xmlns:a="http://schemas.openxmlformats.org/drawingml/2006/main" xmlns:r="http://schemas.openxmlformats.org/officeDocument/2006/relationships" xmlns:p="http://schemas.openxmlformats.org/presentationml/2006/main">
-  <p:cSld>
-    <p:spTree>
-      <p:nvGrpSpPr>
-        <p:cNvPr id="1" name=""/>
-        <p:cNvGrpSpPr/>
-        <p:nvPr/>
-      </p:nvGrpSpPr>
-      <p:grpSpPr>
-        <a:xfrm>
-          <a:off x="0" y="0"/>
-          <a:ext cx="0" cy="0"/>
-          <a:chOff x="0" y="0"/>
-          <a:chExt cx="0" cy="0"/>
-        </a:xfrm>
-      </p:grpSpPr>
-      <p:sp>
-        <p:nvSpPr>
-          <p:cNvPr id="5" name="タイトル 4"/>
-          <p:cNvSpPr>
-            <a:spLocks noGrp="1"/>
-          </p:cNvSpPr>
-          <p:nvPr>
-            <p:ph type="title"/>
-          </p:nvPr>
-        </p:nvSpPr>
-        <p:spPr>
-          <a:xfrm>
-            <a:off x="838200" y="2766218"/>
-            <a:ext cx="10515600" cy="1325563"/>
-          </a:xfrm>
-        </p:spPr>
-        <p:txBody>
-          <a:bodyPr>
-            <a:normAutofit/>
-          </a:bodyPr>
-          <a:lstStyle/>
-          <a:p>
-            <a:pPr algn="ctr"/>
-            <a:r>
-              <a:rPr kumimoji="1" lang="ja-JP" altLang="en-US" sz="8800" b="1" dirty="0" smtClean="0"/>
-              <a:t>完成体</a:t>
-            </a:r>
-            <a:endParaRPr kumimoji="1" lang="ja-JP" altLang="en-US" sz="8800" b="1" dirty="0"/>
-          </a:p>
-        </p:txBody>
-      </p:sp>
-      <p:sp>
-        <p:nvSpPr>
-          <p:cNvPr id="10" name="スライド番号プレースホルダー 9"/>
-          <p:cNvSpPr>
-            <a:spLocks noGrp="1"/>
-          </p:cNvSpPr>
-          <p:nvPr>
-            <p:ph type="sldNum" sz="quarter" idx="12"/>
-          </p:nvPr>
-        </p:nvSpPr>
-        <p:spPr/>
-        <p:txBody>
-          <a:bodyPr/>
-          <a:lstStyle/>
-          <a:p>
-            <a:r>
-              <a:rPr lang="en-US" altLang="ja-JP" sz="3600" dirty="0"/>
-              <a:t>7</a:t>
-            </a:r>
-            <a:endParaRPr kumimoji="1" lang="ja-JP" altLang="en-US" sz="3600" dirty="0"/>
-          </a:p>
-        </p:txBody>
-      </p:sp>
-      <p:pic>
-        <p:nvPicPr>
-          <p:cNvPr id="4" name="図 3"/>
-          <p:cNvPicPr>
-            <a:picLocks noChangeAspect="1"/>
-          </p:cNvPicPr>
-          <p:nvPr/>
-        </p:nvPicPr>
-        <p:blipFill rotWithShape="1">
-          <a:blip r:embed="rId3"/>
-          <a:srcRect t="-337" r="-337"/>
-          <a:stretch/>
-        </p:blipFill>
-        <p:spPr>
-          <a:xfrm>
-            <a:off x="0" y="4167050"/>
-            <a:ext cx="1554480" cy="2690949"/>
-          </a:xfrm>
-          <a:prstGeom prst="rect">
-            <a:avLst/>
-          </a:prstGeom>
-        </p:spPr>
-      </p:pic>
-    </p:spTree>
-    <p:extLst>
-      <p:ext uri="{BB962C8B-B14F-4D97-AF65-F5344CB8AC3E}">
-        <p14:creationId xmlns:p14="http://schemas.microsoft.com/office/powerpoint/2010/main" val="2403032415"/>
-      </p:ext>
-    </p:extLst>
-  </p:cSld>
-  <p:clrMapOvr>
-    <a:masterClrMapping/>
-  </p:clrMapOvr>
-  <p:timing>
-    <p:tnLst>
-      <p:par>
-        <p:cTn id="1" dur="indefinite" restart="never" nodeType="tmRoot"/>
-      </p:par>
-    </p:tnLst>
-  </p:timing>
-</p:sld>
-</file>
-
-<file path=ppt/slides/slide21.xml><?xml version="1.0" encoding="utf-8"?>
 <p:sld xmlns:a="http://schemas.openxmlformats.org/drawingml/2006/main" xmlns:r="http://schemas.openxmlformats.org/officeDocument/2006/relationships" xmlns:p="http://schemas.openxmlformats.org/presentationml/2006/main">
   <p:cSld>
     <p:spTree>

--- a/最終.pptx
+++ b/最終.pptx
@@ -4394,7 +4394,7 @@
           <a:p>
             <a:fld id="{330C2C32-5C25-44EA-809A-A9651A6C9E7E}" type="datetimeFigureOut">
               <a:rPr kumimoji="1" lang="ja-JP" altLang="en-US" smtClean="0"/>
-              <a:t>2017/7/19</a:t>
+              <a:t>2017/7/20</a:t>
             </a:fld>
             <a:endParaRPr kumimoji="1" lang="ja-JP" altLang="en-US"/>
           </a:p>
@@ -4559,7 +4559,7 @@
           <a:p>
             <a:fld id="{90D335EC-2BCD-4763-9BE7-5DB75AF56819}" type="datetimeFigureOut">
               <a:rPr kumimoji="1" lang="ja-JP" altLang="en-US" smtClean="0"/>
-              <a:t>2017/7/19</a:t>
+              <a:t>2017/7/20</a:t>
             </a:fld>
             <a:endParaRPr kumimoji="1" lang="ja-JP" altLang="en-US"/>
           </a:p>
@@ -7794,7 +7794,7 @@
           <a:p>
             <a:fld id="{9C0B39D0-18FD-4BF8-9B51-2D9A13D47D97}" type="datetime1">
               <a:rPr kumimoji="1" lang="ja-JP" altLang="en-US" smtClean="0"/>
-              <a:t>2017/7/19</a:t>
+              <a:t>2017/7/20</a:t>
             </a:fld>
             <a:endParaRPr kumimoji="1" lang="ja-JP" altLang="en-US"/>
           </a:p>
@@ -8003,7 +8003,7 @@
           <a:p>
             <a:fld id="{46D67B25-135A-4F7C-802B-8A9AF4CAA55A}" type="datetime1">
               <a:rPr kumimoji="1" lang="ja-JP" altLang="en-US" smtClean="0"/>
-              <a:t>2017/7/19</a:t>
+              <a:t>2017/7/20</a:t>
             </a:fld>
             <a:endParaRPr kumimoji="1" lang="ja-JP" altLang="en-US"/>
           </a:p>
@@ -8215,7 +8215,7 @@
           <a:p>
             <a:fld id="{F8F9CC85-CBF3-46CC-8E7A-91CCF2007CAA}" type="datetime1">
               <a:rPr kumimoji="1" lang="ja-JP" altLang="en-US" smtClean="0"/>
-              <a:t>2017/7/19</a:t>
+              <a:t>2017/7/20</a:t>
             </a:fld>
             <a:endParaRPr kumimoji="1" lang="ja-JP" altLang="en-US"/>
           </a:p>
@@ -8424,7 +8424,7 @@
           <a:p>
             <a:fld id="{DB536326-44F8-4CC9-B7C9-A966E7BC4821}" type="datetime1">
               <a:rPr kumimoji="1" lang="ja-JP" altLang="en-US" smtClean="0"/>
-              <a:t>2017/7/19</a:t>
+              <a:t>2017/7/20</a:t>
             </a:fld>
             <a:endParaRPr kumimoji="1" lang="ja-JP" altLang="en-US"/>
           </a:p>
@@ -8677,7 +8677,7 @@
           <a:p>
             <a:fld id="{DEE45D45-4D3B-4AE8-B94C-24D46FDD0FA8}" type="datetime1">
               <a:rPr kumimoji="1" lang="ja-JP" altLang="en-US" smtClean="0"/>
-              <a:t>2017/7/19</a:t>
+              <a:t>2017/7/20</a:t>
             </a:fld>
             <a:endParaRPr kumimoji="1" lang="ja-JP" altLang="en-US"/>
           </a:p>
@@ -8973,7 +8973,7 @@
           <a:p>
             <a:fld id="{5628562D-B530-4330-89B5-A071868C5D56}" type="datetime1">
               <a:rPr kumimoji="1" lang="ja-JP" altLang="en-US" smtClean="0"/>
-              <a:t>2017/7/19</a:t>
+              <a:t>2017/7/20</a:t>
             </a:fld>
             <a:endParaRPr kumimoji="1" lang="ja-JP" altLang="en-US"/>
           </a:p>
@@ -9404,7 +9404,7 @@
           <a:p>
             <a:fld id="{215BBE84-BF95-4E28-A2B6-84E7DC9344CF}" type="datetime1">
               <a:rPr kumimoji="1" lang="ja-JP" altLang="en-US" smtClean="0"/>
-              <a:t>2017/7/19</a:t>
+              <a:t>2017/7/20</a:t>
             </a:fld>
             <a:endParaRPr kumimoji="1" lang="ja-JP" altLang="en-US"/>
           </a:p>
@@ -9522,7 +9522,7 @@
           <a:p>
             <a:fld id="{CF0EC42D-4212-41CA-AD57-D761F8F9619B}" type="datetime1">
               <a:rPr kumimoji="1" lang="ja-JP" altLang="en-US" smtClean="0"/>
-              <a:t>2017/7/19</a:t>
+              <a:t>2017/7/20</a:t>
             </a:fld>
             <a:endParaRPr kumimoji="1" lang="ja-JP" altLang="en-US"/>
           </a:p>
@@ -9617,7 +9617,7 @@
           <a:p>
             <a:fld id="{81B6B0E4-F041-4D9B-9753-8F7B36245E46}" type="datetime1">
               <a:rPr kumimoji="1" lang="ja-JP" altLang="en-US" smtClean="0"/>
-              <a:t>2017/7/19</a:t>
+              <a:t>2017/7/20</a:t>
             </a:fld>
             <a:endParaRPr kumimoji="1" lang="ja-JP" altLang="en-US"/>
           </a:p>
@@ -9926,7 +9926,7 @@
           <a:p>
             <a:fld id="{77851B31-4D74-4A1D-A4FD-1D74A5813851}" type="datetime1">
               <a:rPr kumimoji="1" lang="ja-JP" altLang="en-US" smtClean="0"/>
-              <a:t>2017/7/19</a:t>
+              <a:t>2017/7/20</a:t>
             </a:fld>
             <a:endParaRPr kumimoji="1" lang="ja-JP" altLang="en-US"/>
           </a:p>
@@ -10179,7 +10179,7 @@
           <a:p>
             <a:fld id="{E9F4EE64-DE29-46B3-B6AD-83733C431120}" type="datetime1">
               <a:rPr kumimoji="1" lang="ja-JP" altLang="en-US" smtClean="0"/>
-              <a:t>2017/7/19</a:t>
+              <a:t>2017/7/20</a:t>
             </a:fld>
             <a:endParaRPr kumimoji="1" lang="ja-JP" altLang="en-US"/>
           </a:p>
@@ -10424,7 +10424,7 @@
           <a:p>
             <a:fld id="{2CC1EA04-FF1D-43C0-9D4B-BCCAA5E2358E}" type="datetime1">
               <a:rPr kumimoji="1" lang="ja-JP" altLang="en-US" smtClean="0"/>
-              <a:t>2017/7/19</a:t>
+              <a:t>2017/7/20</a:t>
             </a:fld>
             <a:endParaRPr kumimoji="1" lang="ja-JP" altLang="en-US"/>
           </a:p>
@@ -11660,13 +11660,13 @@
         </p:nvSpPr>
         <p:spPr>
           <a:xfrm>
-            <a:off x="874713" y="1938883"/>
-            <a:ext cx="10515600" cy="4305163"/>
+            <a:off x="1554479" y="1938883"/>
+            <a:ext cx="9835833" cy="4305163"/>
           </a:xfrm>
         </p:spPr>
         <p:txBody>
           <a:bodyPr>
-            <a:normAutofit/>
+            <a:normAutofit fontScale="92500"/>
           </a:bodyPr>
           <a:lstStyle/>
           <a:p>
@@ -21084,10 +21084,10 @@
               <a:buNone/>
             </a:pPr>
             <a:r>
-              <a:rPr lang="ja-JP" altLang="en-US" sz="3800" b="1" dirty="0" smtClean="0"/>
+              <a:rPr lang="ja-JP" altLang="en-US" sz="4600" b="1" dirty="0" smtClean="0"/>
               <a:t>メリット　</a:t>
             </a:r>
-            <a:endParaRPr lang="en-US" altLang="ja-JP" sz="3800" b="1" dirty="0"/>
+            <a:endParaRPr lang="en-US" altLang="ja-JP" sz="4600" b="1" dirty="0"/>
           </a:p>
           <a:p>
             <a:pPr marL="0" indent="0">
@@ -21131,10 +21131,10 @@
               <a:buNone/>
             </a:pPr>
             <a:r>
-              <a:rPr lang="ja-JP" altLang="en-US" sz="3800" b="1" dirty="0" smtClean="0"/>
+              <a:rPr lang="ja-JP" altLang="en-US" sz="4600" b="1" dirty="0" smtClean="0"/>
               <a:t>デメリット</a:t>
             </a:r>
-            <a:endParaRPr lang="en-US" altLang="ja-JP" sz="3800" b="1" dirty="0" smtClean="0"/>
+            <a:endParaRPr lang="en-US" altLang="ja-JP" sz="4600" b="1" dirty="0" smtClean="0"/>
           </a:p>
           <a:p>
             <a:pPr marL="0" indent="0">

--- a/最終.pptx
+++ b/最終.pptx
@@ -5,10 +5,10 @@
     <p:sldMasterId id="2147483832" r:id="rId1"/>
   </p:sldMasterIdLst>
   <p:notesMasterIdLst>
-    <p:notesMasterId r:id="rId22"/>
+    <p:notesMasterId r:id="rId21"/>
   </p:notesMasterIdLst>
   <p:handoutMasterIdLst>
-    <p:handoutMasterId r:id="rId23"/>
+    <p:handoutMasterId r:id="rId22"/>
   </p:handoutMasterIdLst>
   <p:sldIdLst>
     <p:sldId id="258" r:id="rId2"/>
@@ -27,10 +27,9 @@
     <p:sldId id="294" r:id="rId15"/>
     <p:sldId id="274" r:id="rId16"/>
     <p:sldId id="261" r:id="rId17"/>
-    <p:sldId id="276" r:id="rId18"/>
-    <p:sldId id="287" r:id="rId19"/>
-    <p:sldId id="281" r:id="rId20"/>
-    <p:sldId id="282" r:id="rId21"/>
+    <p:sldId id="287" r:id="rId18"/>
+    <p:sldId id="281" r:id="rId19"/>
+    <p:sldId id="282" r:id="rId20"/>
   </p:sldIdLst>
   <p:sldSz cx="12192000" cy="6858000"/>
   <p:notesSz cx="6858000" cy="9144000"/>
@@ -987,6 +986,842 @@
 </c:chartSpace>
 </file>
 
+<file path=ppt/charts/chart2.xml><?xml version="1.0" encoding="utf-8"?>
+<c:chartSpace xmlns:c="http://schemas.openxmlformats.org/drawingml/2006/chart" xmlns:a="http://schemas.openxmlformats.org/drawingml/2006/main" xmlns:r="http://schemas.openxmlformats.org/officeDocument/2006/relationships" xmlns:c16r2="http://schemas.microsoft.com/office/drawing/2015/06/chart">
+  <c:date1904 val="0"/>
+  <c:lang val="ja-JP"/>
+  <c:roundedCorners val="0"/>
+  <mc:AlternateContent xmlns:mc="http://schemas.openxmlformats.org/markup-compatibility/2006">
+    <mc:Choice xmlns:c14="http://schemas.microsoft.com/office/drawing/2007/8/2/chart" Requires="c14">
+      <c14:style val="102"/>
+    </mc:Choice>
+    <mc:Fallback>
+      <c:style val="2"/>
+    </mc:Fallback>
+  </mc:AlternateContent>
+  <c:chart>
+    <c:title>
+      <c:tx>
+        <c:rich>
+          <a:bodyPr rot="0" spcFirstLastPara="1" vertOverflow="ellipsis" vert="horz" wrap="square" anchor="ctr" anchorCtr="1"/>
+          <a:lstStyle/>
+          <a:p>
+            <a:pPr>
+              <a:defRPr sz="1400" b="0" i="0" u="none" strike="noStrike" kern="1200" spc="0" baseline="0">
+                <a:solidFill>
+                  <a:schemeClr val="tx1">
+                    <a:lumMod val="65000"/>
+                    <a:lumOff val="35000"/>
+                  </a:schemeClr>
+                </a:solidFill>
+                <a:latin typeface="+mn-lt"/>
+                <a:ea typeface="+mn-ea"/>
+                <a:cs typeface="+mn-cs"/>
+              </a:defRPr>
+            </a:pPr>
+            <a:r>
+              <a:rPr lang="ja-JP" altLang="en-US"/>
+              <a:t>バーンアップチャート</a:t>
+            </a:r>
+          </a:p>
+        </c:rich>
+      </c:tx>
+      <c:layout/>
+      <c:overlay val="0"/>
+      <c:spPr>
+        <a:noFill/>
+        <a:ln>
+          <a:noFill/>
+        </a:ln>
+        <a:effectLst/>
+      </c:spPr>
+      <c:txPr>
+        <a:bodyPr rot="0" spcFirstLastPara="1" vertOverflow="ellipsis" vert="horz" wrap="square" anchor="ctr" anchorCtr="1"/>
+        <a:lstStyle/>
+        <a:p>
+          <a:pPr>
+            <a:defRPr sz="1400" b="0" i="0" u="none" strike="noStrike" kern="1200" spc="0" baseline="0">
+              <a:solidFill>
+                <a:schemeClr val="tx1">
+                  <a:lumMod val="65000"/>
+                  <a:lumOff val="35000"/>
+                </a:schemeClr>
+              </a:solidFill>
+              <a:latin typeface="+mn-lt"/>
+              <a:ea typeface="+mn-ea"/>
+              <a:cs typeface="+mn-cs"/>
+            </a:defRPr>
+          </a:pPr>
+          <a:endParaRPr lang="ja-JP"/>
+        </a:p>
+      </c:txPr>
+    </c:title>
+    <c:autoTitleDeleted val="0"/>
+    <c:plotArea>
+      <c:layout/>
+      <c:lineChart>
+        <c:grouping val="standard"/>
+        <c:varyColors val="0"/>
+        <c:ser>
+          <c:idx val="0"/>
+          <c:order val="0"/>
+          <c:tx>
+            <c:strRef>
+              <c:f>[バーンアップチャート.xlsx]作業シート!$N$2</c:f>
+              <c:strCache>
+                <c:ptCount val="1"/>
+                <c:pt idx="0">
+                  <c:v>見積時間</c:v>
+                </c:pt>
+              </c:strCache>
+            </c:strRef>
+          </c:tx>
+          <c:spPr>
+            <a:ln w="28575" cap="rnd">
+              <a:solidFill>
+                <a:schemeClr val="accent1"/>
+              </a:solidFill>
+              <a:round/>
+            </a:ln>
+            <a:effectLst/>
+          </c:spPr>
+          <c:marker>
+            <c:symbol val="circle"/>
+            <c:size val="5"/>
+            <c:spPr>
+              <a:solidFill>
+                <a:schemeClr val="accent1"/>
+              </a:solidFill>
+              <a:ln w="9525">
+                <a:solidFill>
+                  <a:schemeClr val="accent1"/>
+                </a:solidFill>
+              </a:ln>
+              <a:effectLst/>
+            </c:spPr>
+          </c:marker>
+          <c:cat>
+            <c:strRef>
+              <c:f>[バーンアップチャート.xlsx]作業シート!$G$3:$G$10</c:f>
+              <c:strCache>
+                <c:ptCount val="8"/>
+                <c:pt idx="0">
+                  <c:v>5/10</c:v>
+                </c:pt>
+                <c:pt idx="1">
+                  <c:v>5/24</c:v>
+                </c:pt>
+                <c:pt idx="2">
+                  <c:v>6/7</c:v>
+                </c:pt>
+                <c:pt idx="3">
+                  <c:v>6/9</c:v>
+                </c:pt>
+                <c:pt idx="4">
+                  <c:v>6/21</c:v>
+                </c:pt>
+                <c:pt idx="5">
+                  <c:v>7/5</c:v>
+                </c:pt>
+                <c:pt idx="6">
+                  <c:v>7/19</c:v>
+                </c:pt>
+                <c:pt idx="7">
+                  <c:v>7/21</c:v>
+                </c:pt>
+              </c:strCache>
+            </c:strRef>
+          </c:cat>
+          <c:val>
+            <c:numRef>
+              <c:f>[バーンアップチャート.xlsx]作業シート!$N$3:$N$10</c:f>
+              <c:numCache>
+                <c:formatCode>General</c:formatCode>
+                <c:ptCount val="8"/>
+                <c:pt idx="0">
+                  <c:v>376</c:v>
+                </c:pt>
+                <c:pt idx="1">
+                  <c:v>296</c:v>
+                </c:pt>
+                <c:pt idx="2">
+                  <c:v>208</c:v>
+                </c:pt>
+                <c:pt idx="3">
+                  <c:v>208</c:v>
+                </c:pt>
+                <c:pt idx="4">
+                  <c:v>208</c:v>
+                </c:pt>
+                <c:pt idx="5">
+                  <c:v>208</c:v>
+                </c:pt>
+                <c:pt idx="6">
+                  <c:v>208</c:v>
+                </c:pt>
+                <c:pt idx="7">
+                  <c:v>208</c:v>
+                </c:pt>
+              </c:numCache>
+            </c:numRef>
+          </c:val>
+          <c:smooth val="0"/>
+          <c:extLst>
+            <c:ext xmlns:c16="http://schemas.microsoft.com/office/drawing/2014/chart" uri="{C3380CC4-5D6E-409C-BE32-E72D297353CC}">
+              <c16:uniqueId val="{00000000-947C-4077-89AC-8F39613B3AE7}"/>
+            </c:ext>
+          </c:extLst>
+        </c:ser>
+        <c:ser>
+          <c:idx val="1"/>
+          <c:order val="1"/>
+          <c:tx>
+            <c:strRef>
+              <c:f>[バーンアップチャート.xlsx]作業シート!$J$2</c:f>
+              <c:strCache>
+                <c:ptCount val="1"/>
+                <c:pt idx="0">
+                  <c:v>完了時間累計</c:v>
+                </c:pt>
+              </c:strCache>
+            </c:strRef>
+          </c:tx>
+          <c:spPr>
+            <a:ln w="28575" cap="rnd">
+              <a:solidFill>
+                <a:schemeClr val="accent2"/>
+              </a:solidFill>
+              <a:round/>
+            </a:ln>
+            <a:effectLst/>
+          </c:spPr>
+          <c:marker>
+            <c:symbol val="circle"/>
+            <c:size val="5"/>
+            <c:spPr>
+              <a:solidFill>
+                <a:schemeClr val="accent2"/>
+              </a:solidFill>
+              <a:ln w="9525">
+                <a:solidFill>
+                  <a:schemeClr val="accent2"/>
+                </a:solidFill>
+              </a:ln>
+              <a:effectLst/>
+            </c:spPr>
+          </c:marker>
+          <c:cat>
+            <c:strRef>
+              <c:f>[バーンアップチャート.xlsx]作業シート!$G$3:$G$10</c:f>
+              <c:strCache>
+                <c:ptCount val="8"/>
+                <c:pt idx="0">
+                  <c:v>5/10</c:v>
+                </c:pt>
+                <c:pt idx="1">
+                  <c:v>5/24</c:v>
+                </c:pt>
+                <c:pt idx="2">
+                  <c:v>6/7</c:v>
+                </c:pt>
+                <c:pt idx="3">
+                  <c:v>6/9</c:v>
+                </c:pt>
+                <c:pt idx="4">
+                  <c:v>6/21</c:v>
+                </c:pt>
+                <c:pt idx="5">
+                  <c:v>7/5</c:v>
+                </c:pt>
+                <c:pt idx="6">
+                  <c:v>7/19</c:v>
+                </c:pt>
+                <c:pt idx="7">
+                  <c:v>7/21</c:v>
+                </c:pt>
+              </c:strCache>
+            </c:strRef>
+          </c:cat>
+          <c:val>
+            <c:numRef>
+              <c:f>[バーンアップチャート.xlsx]作業シート!$J$3:$J$10</c:f>
+              <c:numCache>
+                <c:formatCode>General</c:formatCode>
+                <c:ptCount val="8"/>
+                <c:pt idx="0">
+                  <c:v>0</c:v>
+                </c:pt>
+                <c:pt idx="1">
+                  <c:v>0</c:v>
+                </c:pt>
+                <c:pt idx="2">
+                  <c:v>40</c:v>
+                </c:pt>
+                <c:pt idx="3">
+                  <c:v>60</c:v>
+                </c:pt>
+                <c:pt idx="4">
+                  <c:v>72</c:v>
+                </c:pt>
+                <c:pt idx="5">
+                  <c:v>92</c:v>
+                </c:pt>
+                <c:pt idx="6">
+                  <c:v>208</c:v>
+                </c:pt>
+              </c:numCache>
+            </c:numRef>
+          </c:val>
+          <c:smooth val="0"/>
+          <c:extLst>
+            <c:ext xmlns:c16="http://schemas.microsoft.com/office/drawing/2014/chart" uri="{C3380CC4-5D6E-409C-BE32-E72D297353CC}">
+              <c16:uniqueId val="{00000001-947C-4077-89AC-8F39613B3AE7}"/>
+            </c:ext>
+          </c:extLst>
+        </c:ser>
+        <c:ser>
+          <c:idx val="2"/>
+          <c:order val="2"/>
+          <c:tx>
+            <c:strRef>
+              <c:f>[バーンアップチャート.xlsx]作業シート!$P$2</c:f>
+              <c:strCache>
+                <c:ptCount val="1"/>
+                <c:pt idx="0">
+                  <c:v>理想完了時間</c:v>
+                </c:pt>
+              </c:strCache>
+            </c:strRef>
+          </c:tx>
+          <c:spPr>
+            <a:ln w="28575" cap="rnd">
+              <a:solidFill>
+                <a:schemeClr val="accent3"/>
+              </a:solidFill>
+              <a:round/>
+            </a:ln>
+            <a:effectLst/>
+          </c:spPr>
+          <c:marker>
+            <c:symbol val="circle"/>
+            <c:size val="5"/>
+            <c:spPr>
+              <a:solidFill>
+                <a:schemeClr val="accent3"/>
+              </a:solidFill>
+              <a:ln w="9525">
+                <a:solidFill>
+                  <a:schemeClr val="accent3"/>
+                </a:solidFill>
+              </a:ln>
+              <a:effectLst/>
+            </c:spPr>
+          </c:marker>
+          <c:cat>
+            <c:strRef>
+              <c:f>[バーンアップチャート.xlsx]作業シート!$G$3:$G$10</c:f>
+              <c:strCache>
+                <c:ptCount val="8"/>
+                <c:pt idx="0">
+                  <c:v>5/10</c:v>
+                </c:pt>
+                <c:pt idx="1">
+                  <c:v>5/24</c:v>
+                </c:pt>
+                <c:pt idx="2">
+                  <c:v>6/7</c:v>
+                </c:pt>
+                <c:pt idx="3">
+                  <c:v>6/9</c:v>
+                </c:pt>
+                <c:pt idx="4">
+                  <c:v>6/21</c:v>
+                </c:pt>
+                <c:pt idx="5">
+                  <c:v>7/5</c:v>
+                </c:pt>
+                <c:pt idx="6">
+                  <c:v>7/19</c:v>
+                </c:pt>
+                <c:pt idx="7">
+                  <c:v>7/21</c:v>
+                </c:pt>
+              </c:strCache>
+            </c:strRef>
+          </c:cat>
+          <c:val>
+            <c:numRef>
+              <c:f>[バーンアップチャート.xlsx]作業シート!$P$3:$P$10</c:f>
+              <c:numCache>
+                <c:formatCode>General</c:formatCode>
+                <c:ptCount val="8"/>
+                <c:pt idx="0">
+                  <c:v>0</c:v>
+                </c:pt>
+                <c:pt idx="1">
+                  <c:v>40</c:v>
+                </c:pt>
+                <c:pt idx="2">
+                  <c:v>80</c:v>
+                </c:pt>
+                <c:pt idx="3">
+                  <c:v>120</c:v>
+                </c:pt>
+                <c:pt idx="4">
+                  <c:v>160</c:v>
+                </c:pt>
+                <c:pt idx="5">
+                  <c:v>200</c:v>
+                </c:pt>
+                <c:pt idx="6">
+                  <c:v>208</c:v>
+                </c:pt>
+                <c:pt idx="7">
+                  <c:v>208</c:v>
+                </c:pt>
+              </c:numCache>
+            </c:numRef>
+          </c:val>
+          <c:smooth val="0"/>
+          <c:extLst>
+            <c:ext xmlns:c16="http://schemas.microsoft.com/office/drawing/2014/chart" uri="{C3380CC4-5D6E-409C-BE32-E72D297353CC}">
+              <c16:uniqueId val="{00000002-947C-4077-89AC-8F39613B3AE7}"/>
+            </c:ext>
+          </c:extLst>
+        </c:ser>
+        <c:dLbls>
+          <c:showLegendKey val="0"/>
+          <c:showVal val="0"/>
+          <c:showCatName val="0"/>
+          <c:showSerName val="0"/>
+          <c:showPercent val="0"/>
+          <c:showBubbleSize val="0"/>
+        </c:dLbls>
+        <c:marker val="1"/>
+        <c:smooth val="0"/>
+        <c:axId val="544341736"/>
+        <c:axId val="544342064"/>
+      </c:lineChart>
+      <c:lineChart>
+        <c:grouping val="standard"/>
+        <c:varyColors val="0"/>
+        <c:ser>
+          <c:idx val="3"/>
+          <c:order val="3"/>
+          <c:tx>
+            <c:strRef>
+              <c:f>[バーンアップチャート.xlsx]作業シート!$L$2</c:f>
+              <c:strCache>
+                <c:ptCount val="1"/>
+                <c:pt idx="0">
+                  <c:v>作業時間累計</c:v>
+                </c:pt>
+              </c:strCache>
+            </c:strRef>
+          </c:tx>
+          <c:spPr>
+            <a:ln w="28575" cap="rnd">
+              <a:solidFill>
+                <a:schemeClr val="accent4"/>
+              </a:solidFill>
+              <a:round/>
+            </a:ln>
+            <a:effectLst/>
+          </c:spPr>
+          <c:marker>
+            <c:symbol val="circle"/>
+            <c:size val="5"/>
+            <c:spPr>
+              <a:solidFill>
+                <a:schemeClr val="accent4"/>
+              </a:solidFill>
+              <a:ln w="9525">
+                <a:solidFill>
+                  <a:schemeClr val="accent4"/>
+                </a:solidFill>
+              </a:ln>
+              <a:effectLst/>
+            </c:spPr>
+          </c:marker>
+          <c:val>
+            <c:numRef>
+              <c:f>[バーンアップチャート.xlsx]作業シート!$L$3:$L$10</c:f>
+              <c:numCache>
+                <c:formatCode>General</c:formatCode>
+                <c:ptCount val="8"/>
+                <c:pt idx="0">
+                  <c:v>0</c:v>
+                </c:pt>
+                <c:pt idx="1">
+                  <c:v>24</c:v>
+                </c:pt>
+                <c:pt idx="2">
+                  <c:v>87</c:v>
+                </c:pt>
+                <c:pt idx="3">
+                  <c:v>103</c:v>
+                </c:pt>
+                <c:pt idx="4">
+                  <c:v>134</c:v>
+                </c:pt>
+                <c:pt idx="5">
+                  <c:v>194</c:v>
+                </c:pt>
+                <c:pt idx="6">
+                  <c:v>257</c:v>
+                </c:pt>
+              </c:numCache>
+            </c:numRef>
+          </c:val>
+          <c:smooth val="0"/>
+          <c:extLst>
+            <c:ext xmlns:c16="http://schemas.microsoft.com/office/drawing/2014/chart" uri="{C3380CC4-5D6E-409C-BE32-E72D297353CC}">
+              <c16:uniqueId val="{00000003-947C-4077-89AC-8F39613B3AE7}"/>
+            </c:ext>
+          </c:extLst>
+        </c:ser>
+        <c:dLbls>
+          <c:showLegendKey val="0"/>
+          <c:showVal val="0"/>
+          <c:showCatName val="0"/>
+          <c:showSerName val="0"/>
+          <c:showPercent val="0"/>
+          <c:showBubbleSize val="0"/>
+        </c:dLbls>
+        <c:marker val="1"/>
+        <c:smooth val="0"/>
+        <c:axId val="2065361951"/>
+        <c:axId val="1991828111"/>
+      </c:lineChart>
+      <c:catAx>
+        <c:axId val="544341736"/>
+        <c:scaling>
+          <c:orientation val="minMax"/>
+        </c:scaling>
+        <c:delete val="0"/>
+        <c:axPos val="b"/>
+        <c:title>
+          <c:tx>
+            <c:rich>
+              <a:bodyPr rot="0" spcFirstLastPara="1" vertOverflow="ellipsis" vert="horz" wrap="square" anchor="ctr" anchorCtr="1"/>
+              <a:lstStyle/>
+              <a:p>
+                <a:pPr>
+                  <a:defRPr sz="1000" b="0" i="0" u="none" strike="noStrike" kern="1200" baseline="0">
+                    <a:solidFill>
+                      <a:schemeClr val="tx1">
+                        <a:lumMod val="65000"/>
+                        <a:lumOff val="35000"/>
+                      </a:schemeClr>
+                    </a:solidFill>
+                    <a:latin typeface="+mn-lt"/>
+                    <a:ea typeface="+mn-ea"/>
+                    <a:cs typeface="+mn-cs"/>
+                  </a:defRPr>
+                </a:pPr>
+                <a:r>
+                  <a:rPr lang="ja-JP" altLang="en-US"/>
+                  <a:t>マイルストーン</a:t>
+                </a:r>
+              </a:p>
+            </c:rich>
+          </c:tx>
+          <c:layout/>
+          <c:overlay val="0"/>
+          <c:spPr>
+            <a:noFill/>
+            <a:ln>
+              <a:noFill/>
+            </a:ln>
+            <a:effectLst/>
+          </c:spPr>
+          <c:txPr>
+            <a:bodyPr rot="0" spcFirstLastPara="1" vertOverflow="ellipsis" vert="horz" wrap="square" anchor="ctr" anchorCtr="1"/>
+            <a:lstStyle/>
+            <a:p>
+              <a:pPr>
+                <a:defRPr sz="1000" b="0" i="0" u="none" strike="noStrike" kern="1200" baseline="0">
+                  <a:solidFill>
+                    <a:schemeClr val="tx1">
+                      <a:lumMod val="65000"/>
+                      <a:lumOff val="35000"/>
+                    </a:schemeClr>
+                  </a:solidFill>
+                  <a:latin typeface="+mn-lt"/>
+                  <a:ea typeface="+mn-ea"/>
+                  <a:cs typeface="+mn-cs"/>
+                </a:defRPr>
+              </a:pPr>
+              <a:endParaRPr lang="ja-JP"/>
+            </a:p>
+          </c:txPr>
+        </c:title>
+        <c:numFmt formatCode="General" sourceLinked="1"/>
+        <c:majorTickMark val="none"/>
+        <c:minorTickMark val="none"/>
+        <c:tickLblPos val="nextTo"/>
+        <c:spPr>
+          <a:noFill/>
+          <a:ln w="9525" cap="flat" cmpd="sng" algn="ctr">
+            <a:solidFill>
+              <a:schemeClr val="tx1">
+                <a:lumMod val="15000"/>
+                <a:lumOff val="85000"/>
+              </a:schemeClr>
+            </a:solidFill>
+            <a:round/>
+          </a:ln>
+          <a:effectLst/>
+        </c:spPr>
+        <c:txPr>
+          <a:bodyPr rot="-60000000" spcFirstLastPara="1" vertOverflow="ellipsis" vert="horz" wrap="square" anchor="ctr" anchorCtr="1"/>
+          <a:lstStyle/>
+          <a:p>
+            <a:pPr>
+              <a:defRPr sz="900" b="0" i="0" u="none" strike="noStrike" kern="1200" baseline="0">
+                <a:solidFill>
+                  <a:schemeClr val="tx1">
+                    <a:lumMod val="65000"/>
+                    <a:lumOff val="35000"/>
+                  </a:schemeClr>
+                </a:solidFill>
+                <a:latin typeface="+mn-lt"/>
+                <a:ea typeface="+mn-ea"/>
+                <a:cs typeface="+mn-cs"/>
+              </a:defRPr>
+            </a:pPr>
+            <a:endParaRPr lang="ja-JP"/>
+          </a:p>
+        </c:txPr>
+        <c:crossAx val="544342064"/>
+        <c:crosses val="autoZero"/>
+        <c:auto val="1"/>
+        <c:lblAlgn val="ctr"/>
+        <c:lblOffset val="100"/>
+        <c:noMultiLvlLbl val="1"/>
+      </c:catAx>
+      <c:valAx>
+        <c:axId val="544342064"/>
+        <c:scaling>
+          <c:orientation val="minMax"/>
+          <c:max val="400"/>
+        </c:scaling>
+        <c:delete val="0"/>
+        <c:axPos val="l"/>
+        <c:majorGridlines>
+          <c:spPr>
+            <a:ln w="9525" cap="flat" cmpd="sng" algn="ctr">
+              <a:solidFill>
+                <a:schemeClr val="tx1">
+                  <a:lumMod val="15000"/>
+                  <a:lumOff val="85000"/>
+                </a:schemeClr>
+              </a:solidFill>
+              <a:round/>
+            </a:ln>
+            <a:effectLst/>
+          </c:spPr>
+        </c:majorGridlines>
+        <c:title>
+          <c:tx>
+            <c:rich>
+              <a:bodyPr rot="0" spcFirstLastPara="1" vertOverflow="ellipsis" vert="eaVert" wrap="square" anchor="ctr" anchorCtr="1"/>
+              <a:lstStyle/>
+              <a:p>
+                <a:pPr>
+                  <a:defRPr sz="1000" b="0" i="0" u="none" strike="noStrike" kern="1200" baseline="0">
+                    <a:solidFill>
+                      <a:schemeClr val="tx1">
+                        <a:lumMod val="65000"/>
+                        <a:lumOff val="35000"/>
+                      </a:schemeClr>
+                    </a:solidFill>
+                    <a:latin typeface="+mn-lt"/>
+                    <a:ea typeface="+mn-ea"/>
+                    <a:cs typeface="+mn-cs"/>
+                  </a:defRPr>
+                </a:pPr>
+                <a:r>
+                  <a:rPr lang="ja-JP" altLang="en-US"/>
+                  <a:t>時間（ｈ）</a:t>
+                </a:r>
+              </a:p>
+            </c:rich>
+          </c:tx>
+          <c:layout>
+            <c:manualLayout>
+              <c:xMode val="edge"/>
+              <c:yMode val="edge"/>
+              <c:x val="1.2302520595958637E-2"/>
+              <c:y val="0.4219478451892561"/>
+            </c:manualLayout>
+          </c:layout>
+          <c:overlay val="0"/>
+          <c:spPr>
+            <a:noFill/>
+            <a:ln>
+              <a:noFill/>
+            </a:ln>
+            <a:effectLst/>
+          </c:spPr>
+          <c:txPr>
+            <a:bodyPr rot="0" spcFirstLastPara="1" vertOverflow="ellipsis" vert="eaVert" wrap="square" anchor="ctr" anchorCtr="1"/>
+            <a:lstStyle/>
+            <a:p>
+              <a:pPr>
+                <a:defRPr sz="1000" b="0" i="0" u="none" strike="noStrike" kern="1200" baseline="0">
+                  <a:solidFill>
+                    <a:schemeClr val="tx1">
+                      <a:lumMod val="65000"/>
+                      <a:lumOff val="35000"/>
+                    </a:schemeClr>
+                  </a:solidFill>
+                  <a:latin typeface="+mn-lt"/>
+                  <a:ea typeface="+mn-ea"/>
+                  <a:cs typeface="+mn-cs"/>
+                </a:defRPr>
+              </a:pPr>
+              <a:endParaRPr lang="ja-JP"/>
+            </a:p>
+          </c:txPr>
+        </c:title>
+        <c:numFmt formatCode="General" sourceLinked="1"/>
+        <c:majorTickMark val="none"/>
+        <c:minorTickMark val="none"/>
+        <c:tickLblPos val="nextTo"/>
+        <c:spPr>
+          <a:noFill/>
+          <a:ln>
+            <a:noFill/>
+          </a:ln>
+          <a:effectLst/>
+        </c:spPr>
+        <c:txPr>
+          <a:bodyPr rot="-60000000" spcFirstLastPara="1" vertOverflow="ellipsis" vert="horz" wrap="square" anchor="ctr" anchorCtr="1"/>
+          <a:lstStyle/>
+          <a:p>
+            <a:pPr>
+              <a:defRPr sz="900" b="0" i="0" u="none" strike="noStrike" kern="1200" baseline="0">
+                <a:solidFill>
+                  <a:schemeClr val="tx1">
+                    <a:lumMod val="65000"/>
+                    <a:lumOff val="35000"/>
+                  </a:schemeClr>
+                </a:solidFill>
+                <a:latin typeface="+mn-lt"/>
+                <a:ea typeface="+mn-ea"/>
+                <a:cs typeface="+mn-cs"/>
+              </a:defRPr>
+            </a:pPr>
+            <a:endParaRPr lang="ja-JP"/>
+          </a:p>
+        </c:txPr>
+        <c:crossAx val="544341736"/>
+        <c:crosses val="autoZero"/>
+        <c:crossBetween val="between"/>
+        <c:majorUnit val="50"/>
+      </c:valAx>
+      <c:valAx>
+        <c:axId val="1991828111"/>
+        <c:scaling>
+          <c:orientation val="minMax"/>
+          <c:max val="300"/>
+        </c:scaling>
+        <c:delete val="1"/>
+        <c:axPos val="r"/>
+        <c:numFmt formatCode="General" sourceLinked="1"/>
+        <c:majorTickMark val="out"/>
+        <c:minorTickMark val="none"/>
+        <c:tickLblPos val="nextTo"/>
+        <c:crossAx val="2065361951"/>
+        <c:crosses val="max"/>
+        <c:crossBetween val="between"/>
+        <c:majorUnit val="10"/>
+      </c:valAx>
+      <c:catAx>
+        <c:axId val="2065361951"/>
+        <c:scaling>
+          <c:orientation val="minMax"/>
+        </c:scaling>
+        <c:delete val="1"/>
+        <c:axPos val="b"/>
+        <c:majorTickMark val="out"/>
+        <c:minorTickMark val="none"/>
+        <c:tickLblPos val="nextTo"/>
+        <c:crossAx val="1991828111"/>
+        <c:crosses val="autoZero"/>
+        <c:auto val="1"/>
+        <c:lblAlgn val="ctr"/>
+        <c:lblOffset val="100"/>
+        <c:noMultiLvlLbl val="0"/>
+      </c:catAx>
+      <c:spPr>
+        <a:noFill/>
+        <a:ln>
+          <a:noFill/>
+        </a:ln>
+        <a:effectLst/>
+      </c:spPr>
+    </c:plotArea>
+    <c:legend>
+      <c:legendPos val="b"/>
+      <c:layout/>
+      <c:overlay val="0"/>
+      <c:spPr>
+        <a:noFill/>
+        <a:ln>
+          <a:noFill/>
+        </a:ln>
+        <a:effectLst/>
+      </c:spPr>
+      <c:txPr>
+        <a:bodyPr rot="0" spcFirstLastPara="1" vertOverflow="ellipsis" vert="horz" wrap="square" anchor="ctr" anchorCtr="1"/>
+        <a:lstStyle/>
+        <a:p>
+          <a:pPr>
+            <a:defRPr sz="900" b="0" i="0" u="none" strike="noStrike" kern="1200" baseline="0">
+              <a:solidFill>
+                <a:schemeClr val="tx1">
+                  <a:lumMod val="65000"/>
+                  <a:lumOff val="35000"/>
+                </a:schemeClr>
+              </a:solidFill>
+              <a:latin typeface="+mn-lt"/>
+              <a:ea typeface="+mn-ea"/>
+              <a:cs typeface="+mn-cs"/>
+            </a:defRPr>
+          </a:pPr>
+          <a:endParaRPr lang="ja-JP"/>
+        </a:p>
+      </c:txPr>
+    </c:legend>
+    <c:plotVisOnly val="1"/>
+    <c:dispBlanksAs val="gap"/>
+    <c:showDLblsOverMax val="0"/>
+  </c:chart>
+  <c:spPr>
+    <a:noFill/>
+    <a:ln>
+      <a:noFill/>
+    </a:ln>
+    <a:effectLst/>
+  </c:spPr>
+  <c:txPr>
+    <a:bodyPr/>
+    <a:lstStyle/>
+    <a:p>
+      <a:pPr>
+        <a:defRPr/>
+      </a:pPr>
+      <a:endParaRPr lang="ja-JP"/>
+    </a:p>
+  </c:txPr>
+  <c:externalData r:id="rId3">
+    <c:autoUpdate val="0"/>
+  </c:externalData>
+</c:chartSpace>
+</file>
+
 <file path=ppt/charts/colors1.xml><?xml version="1.0" encoding="utf-8"?>
 <cs:colorStyle xmlns:cs="http://schemas.microsoft.com/office/drawing/2012/chartStyle" xmlns:a="http://schemas.openxmlformats.org/drawingml/2006/main" meth="cycle" id="10">
   <a:schemeClr val="accent1"/>
@@ -1027,7 +1862,550 @@
 </cs:colorStyle>
 </file>
 
+<file path=ppt/charts/colors2.xml><?xml version="1.0" encoding="utf-8"?>
+<cs:colorStyle xmlns:cs="http://schemas.microsoft.com/office/drawing/2012/chartStyle" xmlns:a="http://schemas.openxmlformats.org/drawingml/2006/main" meth="cycle" id="10">
+  <a:schemeClr val="accent1"/>
+  <a:schemeClr val="accent2"/>
+  <a:schemeClr val="accent3"/>
+  <a:schemeClr val="accent4"/>
+  <a:schemeClr val="accent5"/>
+  <a:schemeClr val="accent6"/>
+  <cs:variation/>
+  <cs:variation>
+    <a:lumMod val="60000"/>
+  </cs:variation>
+  <cs:variation>
+    <a:lumMod val="80000"/>
+    <a:lumOff val="20000"/>
+  </cs:variation>
+  <cs:variation>
+    <a:lumMod val="80000"/>
+  </cs:variation>
+  <cs:variation>
+    <a:lumMod val="60000"/>
+    <a:lumOff val="40000"/>
+  </cs:variation>
+  <cs:variation>
+    <a:lumMod val="50000"/>
+  </cs:variation>
+  <cs:variation>
+    <a:lumMod val="70000"/>
+    <a:lumOff val="30000"/>
+  </cs:variation>
+  <cs:variation>
+    <a:lumMod val="70000"/>
+  </cs:variation>
+  <cs:variation>
+    <a:lumMod val="50000"/>
+    <a:lumOff val="50000"/>
+  </cs:variation>
+</cs:colorStyle>
+</file>
+
 <file path=ppt/charts/style1.xml><?xml version="1.0" encoding="utf-8"?>
+<cs:chartStyle xmlns:cs="http://schemas.microsoft.com/office/drawing/2012/chartStyle" xmlns:a="http://schemas.openxmlformats.org/drawingml/2006/main" id="332">
+  <cs:axisTitle>
+    <cs:lnRef idx="0"/>
+    <cs:fillRef idx="0"/>
+    <cs:effectRef idx="0"/>
+    <cs:fontRef idx="minor">
+      <a:schemeClr val="tx1">
+        <a:lumMod val="65000"/>
+        <a:lumOff val="35000"/>
+      </a:schemeClr>
+    </cs:fontRef>
+    <cs:defRPr sz="1000" kern="1200"/>
+  </cs:axisTitle>
+  <cs:categoryAxis>
+    <cs:lnRef idx="0"/>
+    <cs:fillRef idx="0"/>
+    <cs:effectRef idx="0"/>
+    <cs:fontRef idx="minor">
+      <a:schemeClr val="tx1">
+        <a:lumMod val="65000"/>
+        <a:lumOff val="35000"/>
+      </a:schemeClr>
+    </cs:fontRef>
+    <cs:spPr>
+      <a:ln w="9525" cap="flat" cmpd="sng" algn="ctr">
+        <a:solidFill>
+          <a:schemeClr val="tx1">
+            <a:lumMod val="15000"/>
+            <a:lumOff val="85000"/>
+          </a:schemeClr>
+        </a:solidFill>
+        <a:round/>
+      </a:ln>
+    </cs:spPr>
+    <cs:defRPr sz="900" kern="1200"/>
+  </cs:categoryAxis>
+  <cs:chartArea mods="allowNoFillOverride allowNoLineOverride">
+    <cs:lnRef idx="0"/>
+    <cs:fillRef idx="0"/>
+    <cs:effectRef idx="0"/>
+    <cs:fontRef idx="minor">
+      <a:schemeClr val="tx1"/>
+    </cs:fontRef>
+    <cs:spPr>
+      <a:solidFill>
+        <a:schemeClr val="bg1"/>
+      </a:solidFill>
+      <a:ln w="9525" cap="flat" cmpd="sng" algn="ctr">
+        <a:solidFill>
+          <a:schemeClr val="tx1">
+            <a:lumMod val="15000"/>
+            <a:lumOff val="85000"/>
+          </a:schemeClr>
+        </a:solidFill>
+        <a:round/>
+      </a:ln>
+    </cs:spPr>
+    <cs:defRPr sz="1000" kern="1200"/>
+  </cs:chartArea>
+  <cs:dataLabel>
+    <cs:lnRef idx="0"/>
+    <cs:fillRef idx="0"/>
+    <cs:effectRef idx="0"/>
+    <cs:fontRef idx="minor">
+      <a:schemeClr val="tx1">
+        <a:lumMod val="75000"/>
+        <a:lumOff val="25000"/>
+      </a:schemeClr>
+    </cs:fontRef>
+    <cs:defRPr sz="900" kern="1200"/>
+  </cs:dataLabel>
+  <cs:dataLabelCallout>
+    <cs:lnRef idx="0"/>
+    <cs:fillRef idx="0"/>
+    <cs:effectRef idx="0"/>
+    <cs:fontRef idx="minor">
+      <a:schemeClr val="dk1">
+        <a:lumMod val="65000"/>
+        <a:lumOff val="35000"/>
+      </a:schemeClr>
+    </cs:fontRef>
+    <cs:spPr>
+      <a:solidFill>
+        <a:schemeClr val="lt1"/>
+      </a:solidFill>
+      <a:ln>
+        <a:solidFill>
+          <a:schemeClr val="dk1">
+            <a:lumMod val="25000"/>
+            <a:lumOff val="75000"/>
+          </a:schemeClr>
+        </a:solidFill>
+      </a:ln>
+    </cs:spPr>
+    <cs:defRPr sz="900" kern="1200"/>
+    <cs:bodyPr rot="0" spcFirstLastPara="1" vertOverflow="clip" horzOverflow="clip" vert="horz" wrap="square" lIns="36576" tIns="18288" rIns="36576" bIns="18288" anchor="ctr" anchorCtr="1">
+      <a:spAutoFit/>
+    </cs:bodyPr>
+  </cs:dataLabelCallout>
+  <cs:dataPoint>
+    <cs:lnRef idx="0"/>
+    <cs:fillRef idx="1">
+      <cs:styleClr val="auto"/>
+    </cs:fillRef>
+    <cs:effectRef idx="0"/>
+    <cs:fontRef idx="minor">
+      <a:schemeClr val="tx1"/>
+    </cs:fontRef>
+  </cs:dataPoint>
+  <cs:dataPoint3D>
+    <cs:lnRef idx="0"/>
+    <cs:fillRef idx="1">
+      <cs:styleClr val="auto"/>
+    </cs:fillRef>
+    <cs:effectRef idx="0"/>
+    <cs:fontRef idx="minor">
+      <a:schemeClr val="tx1"/>
+    </cs:fontRef>
+  </cs:dataPoint3D>
+  <cs:dataPointLine>
+    <cs:lnRef idx="0">
+      <cs:styleClr val="auto"/>
+    </cs:lnRef>
+    <cs:fillRef idx="1"/>
+    <cs:effectRef idx="0"/>
+    <cs:fontRef idx="minor">
+      <a:schemeClr val="tx1"/>
+    </cs:fontRef>
+    <cs:spPr>
+      <a:ln w="28575" cap="rnd">
+        <a:solidFill>
+          <a:schemeClr val="phClr"/>
+        </a:solidFill>
+        <a:round/>
+      </a:ln>
+    </cs:spPr>
+  </cs:dataPointLine>
+  <cs:dataPointMarker>
+    <cs:lnRef idx="0">
+      <cs:styleClr val="auto"/>
+    </cs:lnRef>
+    <cs:fillRef idx="1">
+      <cs:styleClr val="auto"/>
+    </cs:fillRef>
+    <cs:effectRef idx="0"/>
+    <cs:fontRef idx="minor">
+      <a:schemeClr val="tx1"/>
+    </cs:fontRef>
+    <cs:spPr>
+      <a:ln w="9525">
+        <a:solidFill>
+          <a:schemeClr val="phClr"/>
+        </a:solidFill>
+      </a:ln>
+    </cs:spPr>
+  </cs:dataPointMarker>
+  <cs:dataPointMarkerLayout symbol="circle" size="5"/>
+  <cs:dataPointWireframe>
+    <cs:lnRef idx="0">
+      <cs:styleClr val="auto"/>
+    </cs:lnRef>
+    <cs:fillRef idx="1"/>
+    <cs:effectRef idx="0"/>
+    <cs:fontRef idx="minor">
+      <a:schemeClr val="tx1"/>
+    </cs:fontRef>
+    <cs:spPr>
+      <a:ln w="9525" cap="rnd">
+        <a:solidFill>
+          <a:schemeClr val="phClr"/>
+        </a:solidFill>
+        <a:round/>
+      </a:ln>
+    </cs:spPr>
+  </cs:dataPointWireframe>
+  <cs:dataTable>
+    <cs:lnRef idx="0"/>
+    <cs:fillRef idx="0"/>
+    <cs:effectRef idx="0"/>
+    <cs:fontRef idx="minor">
+      <a:schemeClr val="tx1">
+        <a:lumMod val="65000"/>
+        <a:lumOff val="35000"/>
+      </a:schemeClr>
+    </cs:fontRef>
+    <cs:spPr>
+      <a:noFill/>
+      <a:ln w="9525" cap="flat" cmpd="sng" algn="ctr">
+        <a:solidFill>
+          <a:schemeClr val="tx1">
+            <a:lumMod val="15000"/>
+            <a:lumOff val="85000"/>
+          </a:schemeClr>
+        </a:solidFill>
+        <a:round/>
+      </a:ln>
+    </cs:spPr>
+    <cs:defRPr sz="900" kern="1200"/>
+  </cs:dataTable>
+  <cs:downBar>
+    <cs:lnRef idx="0"/>
+    <cs:fillRef idx="0"/>
+    <cs:effectRef idx="0"/>
+    <cs:fontRef idx="minor">
+      <a:schemeClr val="dk1"/>
+    </cs:fontRef>
+    <cs:spPr>
+      <a:solidFill>
+        <a:schemeClr val="dk1">
+          <a:lumMod val="65000"/>
+          <a:lumOff val="35000"/>
+        </a:schemeClr>
+      </a:solidFill>
+      <a:ln w="9525">
+        <a:solidFill>
+          <a:schemeClr val="tx1">
+            <a:lumMod val="65000"/>
+            <a:lumOff val="35000"/>
+          </a:schemeClr>
+        </a:solidFill>
+      </a:ln>
+    </cs:spPr>
+  </cs:downBar>
+  <cs:dropLine>
+    <cs:lnRef idx="0"/>
+    <cs:fillRef idx="0"/>
+    <cs:effectRef idx="0"/>
+    <cs:fontRef idx="minor">
+      <a:schemeClr val="tx1"/>
+    </cs:fontRef>
+    <cs:spPr>
+      <a:ln w="9525" cap="flat" cmpd="sng" algn="ctr">
+        <a:solidFill>
+          <a:schemeClr val="tx1">
+            <a:lumMod val="35000"/>
+            <a:lumOff val="65000"/>
+          </a:schemeClr>
+        </a:solidFill>
+        <a:round/>
+      </a:ln>
+    </cs:spPr>
+  </cs:dropLine>
+  <cs:errorBar>
+    <cs:lnRef idx="0"/>
+    <cs:fillRef idx="0"/>
+    <cs:effectRef idx="0"/>
+    <cs:fontRef idx="minor">
+      <a:schemeClr val="tx1"/>
+    </cs:fontRef>
+    <cs:spPr>
+      <a:ln w="9525" cap="flat" cmpd="sng" algn="ctr">
+        <a:solidFill>
+          <a:schemeClr val="tx1">
+            <a:lumMod val="65000"/>
+            <a:lumOff val="35000"/>
+          </a:schemeClr>
+        </a:solidFill>
+        <a:round/>
+      </a:ln>
+    </cs:spPr>
+  </cs:errorBar>
+  <cs:floor>
+    <cs:lnRef idx="0"/>
+    <cs:fillRef idx="0"/>
+    <cs:effectRef idx="0"/>
+    <cs:fontRef idx="minor">
+      <a:schemeClr val="tx1"/>
+    </cs:fontRef>
+    <cs:spPr>
+      <a:noFill/>
+      <a:ln>
+        <a:noFill/>
+      </a:ln>
+    </cs:spPr>
+  </cs:floor>
+  <cs:gridlineMajor>
+    <cs:lnRef idx="0"/>
+    <cs:fillRef idx="0"/>
+    <cs:effectRef idx="0"/>
+    <cs:fontRef idx="minor">
+      <a:schemeClr val="tx1"/>
+    </cs:fontRef>
+    <cs:spPr>
+      <a:ln w="9525" cap="flat" cmpd="sng" algn="ctr">
+        <a:solidFill>
+          <a:schemeClr val="tx1">
+            <a:lumMod val="15000"/>
+            <a:lumOff val="85000"/>
+          </a:schemeClr>
+        </a:solidFill>
+        <a:round/>
+      </a:ln>
+    </cs:spPr>
+  </cs:gridlineMajor>
+  <cs:gridlineMinor>
+    <cs:lnRef idx="0"/>
+    <cs:fillRef idx="0"/>
+    <cs:effectRef idx="0"/>
+    <cs:fontRef idx="minor">
+      <a:schemeClr val="tx1"/>
+    </cs:fontRef>
+    <cs:spPr>
+      <a:ln w="9525" cap="flat" cmpd="sng" algn="ctr">
+        <a:solidFill>
+          <a:schemeClr val="tx1">
+            <a:lumMod val="5000"/>
+            <a:lumOff val="95000"/>
+          </a:schemeClr>
+        </a:solidFill>
+        <a:round/>
+      </a:ln>
+    </cs:spPr>
+  </cs:gridlineMinor>
+  <cs:hiLoLine>
+    <cs:lnRef idx="0"/>
+    <cs:fillRef idx="0"/>
+    <cs:effectRef idx="0"/>
+    <cs:fontRef idx="minor">
+      <a:schemeClr val="tx1"/>
+    </cs:fontRef>
+    <cs:spPr>
+      <a:ln w="9525" cap="flat" cmpd="sng" algn="ctr">
+        <a:solidFill>
+          <a:schemeClr val="tx1">
+            <a:lumMod val="75000"/>
+            <a:lumOff val="25000"/>
+          </a:schemeClr>
+        </a:solidFill>
+        <a:round/>
+      </a:ln>
+    </cs:spPr>
+  </cs:hiLoLine>
+  <cs:leaderLine>
+    <cs:lnRef idx="0"/>
+    <cs:fillRef idx="0"/>
+    <cs:effectRef idx="0"/>
+    <cs:fontRef idx="minor">
+      <a:schemeClr val="tx1"/>
+    </cs:fontRef>
+    <cs:spPr>
+      <a:ln w="9525" cap="flat" cmpd="sng" algn="ctr">
+        <a:solidFill>
+          <a:schemeClr val="tx1">
+            <a:lumMod val="35000"/>
+            <a:lumOff val="65000"/>
+          </a:schemeClr>
+        </a:solidFill>
+        <a:round/>
+      </a:ln>
+    </cs:spPr>
+  </cs:leaderLine>
+  <cs:legend>
+    <cs:lnRef idx="0"/>
+    <cs:fillRef idx="0"/>
+    <cs:effectRef idx="0"/>
+    <cs:fontRef idx="minor">
+      <a:schemeClr val="tx1">
+        <a:lumMod val="65000"/>
+        <a:lumOff val="35000"/>
+      </a:schemeClr>
+    </cs:fontRef>
+    <cs:defRPr sz="900" kern="1200"/>
+  </cs:legend>
+  <cs:plotArea mods="allowNoFillOverride allowNoLineOverride">
+    <cs:lnRef idx="0"/>
+    <cs:fillRef idx="0"/>
+    <cs:effectRef idx="0"/>
+    <cs:fontRef idx="minor">
+      <a:schemeClr val="tx1"/>
+    </cs:fontRef>
+  </cs:plotArea>
+  <cs:plotArea3D mods="allowNoFillOverride allowNoLineOverride">
+    <cs:lnRef idx="0"/>
+    <cs:fillRef idx="0"/>
+    <cs:effectRef idx="0"/>
+    <cs:fontRef idx="minor">
+      <a:schemeClr val="tx1"/>
+    </cs:fontRef>
+  </cs:plotArea3D>
+  <cs:seriesAxis>
+    <cs:lnRef idx="0"/>
+    <cs:fillRef idx="0"/>
+    <cs:effectRef idx="0"/>
+    <cs:fontRef idx="minor">
+      <a:schemeClr val="tx1">
+        <a:lumMod val="65000"/>
+        <a:lumOff val="35000"/>
+      </a:schemeClr>
+    </cs:fontRef>
+    <cs:defRPr sz="900" kern="1200"/>
+  </cs:seriesAxis>
+  <cs:seriesLine>
+    <cs:lnRef idx="0"/>
+    <cs:fillRef idx="0"/>
+    <cs:effectRef idx="0"/>
+    <cs:fontRef idx="minor">
+      <a:schemeClr val="tx1"/>
+    </cs:fontRef>
+    <cs:spPr>
+      <a:ln w="9525" cap="flat" cmpd="sng" algn="ctr">
+        <a:solidFill>
+          <a:schemeClr val="tx1">
+            <a:lumMod val="35000"/>
+            <a:lumOff val="65000"/>
+          </a:schemeClr>
+        </a:solidFill>
+        <a:round/>
+      </a:ln>
+    </cs:spPr>
+  </cs:seriesLine>
+  <cs:title>
+    <cs:lnRef idx="0"/>
+    <cs:fillRef idx="0"/>
+    <cs:effectRef idx="0"/>
+    <cs:fontRef idx="minor">
+      <a:schemeClr val="tx1">
+        <a:lumMod val="65000"/>
+        <a:lumOff val="35000"/>
+      </a:schemeClr>
+    </cs:fontRef>
+    <cs:defRPr sz="1400" b="0" kern="1200" spc="0" baseline="0"/>
+  </cs:title>
+  <cs:trendline>
+    <cs:lnRef idx="0">
+      <cs:styleClr val="auto"/>
+    </cs:lnRef>
+    <cs:fillRef idx="0"/>
+    <cs:effectRef idx="0"/>
+    <cs:fontRef idx="minor">
+      <a:schemeClr val="tx1"/>
+    </cs:fontRef>
+    <cs:spPr>
+      <a:ln w="19050" cap="rnd">
+        <a:solidFill>
+          <a:schemeClr val="phClr"/>
+        </a:solidFill>
+        <a:prstDash val="sysDot"/>
+      </a:ln>
+    </cs:spPr>
+  </cs:trendline>
+  <cs:trendlineLabel>
+    <cs:lnRef idx="0"/>
+    <cs:fillRef idx="0"/>
+    <cs:effectRef idx="0"/>
+    <cs:fontRef idx="minor">
+      <a:schemeClr val="tx1">
+        <a:lumMod val="65000"/>
+        <a:lumOff val="35000"/>
+      </a:schemeClr>
+    </cs:fontRef>
+    <cs:defRPr sz="900" kern="1200"/>
+  </cs:trendlineLabel>
+  <cs:upBar>
+    <cs:lnRef idx="0"/>
+    <cs:fillRef idx="0"/>
+    <cs:effectRef idx="0"/>
+    <cs:fontRef idx="minor">
+      <a:schemeClr val="dk1"/>
+    </cs:fontRef>
+    <cs:spPr>
+      <a:solidFill>
+        <a:schemeClr val="lt1"/>
+      </a:solidFill>
+      <a:ln w="9525">
+        <a:solidFill>
+          <a:schemeClr val="tx1">
+            <a:lumMod val="15000"/>
+            <a:lumOff val="85000"/>
+          </a:schemeClr>
+        </a:solidFill>
+      </a:ln>
+    </cs:spPr>
+  </cs:upBar>
+  <cs:valueAxis>
+    <cs:lnRef idx="0"/>
+    <cs:fillRef idx="0"/>
+    <cs:effectRef idx="0"/>
+    <cs:fontRef idx="minor">
+      <a:schemeClr val="tx1">
+        <a:lumMod val="65000"/>
+        <a:lumOff val="35000"/>
+      </a:schemeClr>
+    </cs:fontRef>
+    <cs:defRPr sz="900" kern="1200"/>
+  </cs:valueAxis>
+  <cs:wall>
+    <cs:lnRef idx="0"/>
+    <cs:fillRef idx="0"/>
+    <cs:effectRef idx="0"/>
+    <cs:fontRef idx="minor">
+      <a:schemeClr val="tx1"/>
+    </cs:fontRef>
+    <cs:spPr>
+      <a:noFill/>
+      <a:ln>
+        <a:noFill/>
+      </a:ln>
+    </cs:spPr>
+  </cs:wall>
+</cs:chartStyle>
+</file>
+
+<file path=ppt/charts/style2.xml><?xml version="1.0" encoding="utf-8"?>
 <cs:chartStyle xmlns:cs="http://schemas.microsoft.com/office/drawing/2012/chartStyle" xmlns:a="http://schemas.openxmlformats.org/drawingml/2006/main" id="332">
   <cs:axisTitle>
     <cs:lnRef idx="0"/>
@@ -5269,11 +6647,16 @@
             </a:pPr>
             <a:r>
               <a:rPr kumimoji="1" lang="ja-JP" altLang="en-US" b="1" dirty="0" smtClean="0"/>
-              <a:t>次に品質についてです。</a:t>
-            </a:r>
-            <a:endParaRPr kumimoji="1" lang="en-US" altLang="ja-JP" b="1" dirty="0" smtClean="0"/>
-          </a:p>
-          <a:p>
+              <a:t>まずは品質</a:t>
+            </a:r>
+            <a:r>
+              <a:rPr kumimoji="1" lang="ja-JP" altLang="en-US" b="1" dirty="0" smtClean="0"/>
+              <a:t>についてです</a:t>
+            </a:r>
+            <a:r>
+              <a:rPr kumimoji="1" lang="ja-JP" altLang="en-US" b="1" dirty="0" smtClean="0"/>
+              <a:t>。</a:t>
+            </a:r>
             <a:endParaRPr kumimoji="1" lang="en-US" altLang="ja-JP" b="1" dirty="0" smtClean="0"/>
           </a:p>
         </p:txBody>
@@ -6050,11 +7433,24 @@
           <a:bodyPr/>
           <a:lstStyle/>
           <a:p>
-            <a:r>
-              <a:rPr kumimoji="1" lang="ja-JP" altLang="en-US" b="1" dirty="0" smtClean="0"/>
-              <a:t>こちらの表は、各機能の見積り時間と優先順位を見積もったものです。</a:t>
-            </a:r>
-            <a:endParaRPr kumimoji="1" lang="ja-JP" altLang="en-US" b="1" dirty="0"/>
+            <a:pPr marL="0" marR="0" indent="0" algn="l" defTabSz="914400" rtl="0" eaLnBrk="1" fontAlgn="auto" latinLnBrk="0" hangingPunct="1">
+              <a:lnSpc>
+                <a:spcPct val="100000"/>
+              </a:lnSpc>
+              <a:spcBef>
+                <a:spcPts val="0"/>
+              </a:spcBef>
+              <a:spcAft>
+                <a:spcPts val="0"/>
+              </a:spcAft>
+              <a:buClrTx/>
+              <a:buSzTx/>
+              <a:buFontTx/>
+              <a:buNone/>
+              <a:tabLst/>
+              <a:defRPr/>
+            </a:pPr>
+            <a:endParaRPr kumimoji="1" lang="en-US" altLang="ja-JP" b="1" dirty="0" smtClean="0"/>
           </a:p>
         </p:txBody>
       </p:sp>
@@ -6084,7 +7480,7 @@
     </p:spTree>
     <p:extLst>
       <p:ext uri="{BB962C8B-B14F-4D97-AF65-F5344CB8AC3E}">
-        <p14:creationId xmlns:p14="http://schemas.microsoft.com/office/powerpoint/2010/main" val="3100691090"/>
+        <p14:creationId xmlns:p14="http://schemas.microsoft.com/office/powerpoint/2010/main" val="3747848430"/>
       </p:ext>
     </p:extLst>
   </p:cSld>
@@ -6155,6 +7551,334 @@
               <a:tabLst/>
               <a:defRPr/>
             </a:pPr>
+            <a:r>
+              <a:rPr kumimoji="1" lang="ja-JP" altLang="en-US" b="1" dirty="0" smtClean="0"/>
+              <a:t>ただいまからデモを交えて具体的に説明します。</a:t>
+            </a:r>
+            <a:endParaRPr kumimoji="1" lang="en-US" altLang="ja-JP" b="1" dirty="0" smtClean="0"/>
+          </a:p>
+          <a:p>
+            <a:pPr marL="0" marR="0" indent="0" algn="l" defTabSz="914400" rtl="0" eaLnBrk="1" fontAlgn="auto" latinLnBrk="0" hangingPunct="1">
+              <a:lnSpc>
+                <a:spcPct val="100000"/>
+              </a:lnSpc>
+              <a:spcBef>
+                <a:spcPts val="0"/>
+              </a:spcBef>
+              <a:spcAft>
+                <a:spcPts val="0"/>
+              </a:spcAft>
+              <a:buClrTx/>
+              <a:buSzTx/>
+              <a:buFontTx/>
+              <a:buNone/>
+              <a:tabLst/>
+              <a:defRPr/>
+            </a:pPr>
+            <a:r>
+              <a:rPr kumimoji="1" lang="ja-JP" altLang="en-US" b="1" dirty="0" smtClean="0"/>
+              <a:t>こちらが現在の試作品で、トップページになります。</a:t>
+            </a:r>
+            <a:endParaRPr kumimoji="1" lang="en-US" altLang="ja-JP" b="1" dirty="0" smtClean="0"/>
+          </a:p>
+          <a:p>
+            <a:pPr marL="0" marR="0" indent="0" algn="l" defTabSz="914400" rtl="0" eaLnBrk="1" fontAlgn="auto" latinLnBrk="0" hangingPunct="1">
+              <a:lnSpc>
+                <a:spcPct val="100000"/>
+              </a:lnSpc>
+              <a:spcBef>
+                <a:spcPts val="0"/>
+              </a:spcBef>
+              <a:spcAft>
+                <a:spcPts val="0"/>
+              </a:spcAft>
+              <a:buClrTx/>
+              <a:buSzTx/>
+              <a:buFontTx/>
+              <a:buNone/>
+              <a:tabLst/>
+              <a:defRPr/>
+            </a:pPr>
+            <a:endParaRPr kumimoji="1" lang="en-US" altLang="ja-JP" b="1" dirty="0" smtClean="0"/>
+          </a:p>
+          <a:p>
+            <a:pPr marL="0" marR="0" indent="0" algn="l" defTabSz="914400" rtl="0" eaLnBrk="1" fontAlgn="auto" latinLnBrk="0" hangingPunct="1">
+              <a:lnSpc>
+                <a:spcPct val="100000"/>
+              </a:lnSpc>
+              <a:spcBef>
+                <a:spcPts val="0"/>
+              </a:spcBef>
+              <a:spcAft>
+                <a:spcPts val="0"/>
+              </a:spcAft>
+              <a:buClrTx/>
+              <a:buSzTx/>
+              <a:buFontTx/>
+              <a:buNone/>
+              <a:tabLst/>
+              <a:defRPr/>
+            </a:pPr>
+            <a:r>
+              <a:rPr kumimoji="1" lang="ja-JP" altLang="en-US" b="1" dirty="0" smtClean="0"/>
+              <a:t>こちらが過去問・シラバス、こちらが実験や演習などの成果物、こちらが時間割へのリンクとなっています。</a:t>
+            </a:r>
+            <a:endParaRPr kumimoji="1" lang="en-US" altLang="ja-JP" b="1" dirty="0" smtClean="0"/>
+          </a:p>
+          <a:p>
+            <a:pPr marL="0" marR="0" indent="0" algn="l" defTabSz="914400" rtl="0" eaLnBrk="1" fontAlgn="auto" latinLnBrk="0" hangingPunct="1">
+              <a:lnSpc>
+                <a:spcPct val="100000"/>
+              </a:lnSpc>
+              <a:spcBef>
+                <a:spcPts val="0"/>
+              </a:spcBef>
+              <a:spcAft>
+                <a:spcPts val="0"/>
+              </a:spcAft>
+              <a:buClrTx/>
+              <a:buSzTx/>
+              <a:buFontTx/>
+              <a:buNone/>
+              <a:tabLst/>
+              <a:defRPr/>
+            </a:pPr>
+            <a:endParaRPr kumimoji="1" lang="en-US" altLang="ja-JP" b="1" dirty="0" smtClean="0"/>
+          </a:p>
+          <a:p>
+            <a:pPr marL="0" marR="0" indent="0" algn="l" defTabSz="914400" rtl="0" eaLnBrk="1" fontAlgn="auto" latinLnBrk="0" hangingPunct="1">
+              <a:lnSpc>
+                <a:spcPct val="100000"/>
+              </a:lnSpc>
+              <a:spcBef>
+                <a:spcPts val="0"/>
+              </a:spcBef>
+              <a:spcAft>
+                <a:spcPts val="0"/>
+              </a:spcAft>
+              <a:buClrTx/>
+              <a:buSzTx/>
+              <a:buFontTx/>
+              <a:buNone/>
+              <a:tabLst/>
+              <a:defRPr/>
+            </a:pPr>
+            <a:r>
+              <a:rPr kumimoji="1" lang="ja-JP" altLang="en-US" b="1" dirty="0" smtClean="0"/>
+              <a:t>こちらが過去問メニューとなります。先生の名前が一覧で表示されており、クリックすると授業の詳細ページに飛び、過去問画像は表示されます。</a:t>
+            </a:r>
+            <a:endParaRPr kumimoji="1" lang="en-US" altLang="ja-JP" b="1" dirty="0" smtClean="0"/>
+          </a:p>
+          <a:p>
+            <a:pPr marL="0" marR="0" indent="0" algn="l" defTabSz="914400" rtl="0" eaLnBrk="1" fontAlgn="auto" latinLnBrk="0" hangingPunct="1">
+              <a:lnSpc>
+                <a:spcPct val="100000"/>
+              </a:lnSpc>
+              <a:spcBef>
+                <a:spcPts val="0"/>
+              </a:spcBef>
+              <a:spcAft>
+                <a:spcPts val="0"/>
+              </a:spcAft>
+              <a:buClrTx/>
+              <a:buSzTx/>
+              <a:buFontTx/>
+              <a:buNone/>
+              <a:tabLst/>
+              <a:defRPr/>
+            </a:pPr>
+            <a:endParaRPr kumimoji="1" lang="en-US" altLang="ja-JP" b="1" dirty="0" smtClean="0"/>
+          </a:p>
+          <a:p>
+            <a:pPr marL="0" marR="0" indent="0" algn="l" defTabSz="914400" rtl="0" eaLnBrk="1" fontAlgn="auto" latinLnBrk="0" hangingPunct="1">
+              <a:lnSpc>
+                <a:spcPct val="100000"/>
+              </a:lnSpc>
+              <a:spcBef>
+                <a:spcPts val="0"/>
+              </a:spcBef>
+              <a:spcAft>
+                <a:spcPts val="0"/>
+              </a:spcAft>
+              <a:buClrTx/>
+              <a:buSzTx/>
+              <a:buFontTx/>
+              <a:buNone/>
+              <a:tabLst/>
+              <a:defRPr/>
+            </a:pPr>
+            <a:r>
+              <a:rPr kumimoji="1" lang="ja-JP" altLang="en-US" b="1" dirty="0" smtClean="0"/>
+              <a:t>こちらが過去の演習の成果物のメニューとなっています。各研究室とグループ名が一覧で表示されています。こちらの検索フォームに、自分の探している研究室やグループ名を入力し、検索します。</a:t>
+            </a:r>
+            <a:endParaRPr kumimoji="1" lang="en-US" altLang="ja-JP" b="1" dirty="0" smtClean="0"/>
+          </a:p>
+          <a:p>
+            <a:pPr marL="0" marR="0" indent="0" algn="l" defTabSz="914400" rtl="0" eaLnBrk="1" fontAlgn="auto" latinLnBrk="0" hangingPunct="1">
+              <a:lnSpc>
+                <a:spcPct val="100000"/>
+              </a:lnSpc>
+              <a:spcBef>
+                <a:spcPts val="0"/>
+              </a:spcBef>
+              <a:spcAft>
+                <a:spcPts val="0"/>
+              </a:spcAft>
+              <a:buClrTx/>
+              <a:buSzTx/>
+              <a:buFontTx/>
+              <a:buNone/>
+              <a:tabLst/>
+              <a:defRPr/>
+            </a:pPr>
+            <a:r>
+              <a:rPr kumimoji="1" lang="ja-JP" altLang="en-US" b="1" dirty="0" smtClean="0"/>
+              <a:t>検索結果はこのように一覧で表示されます。演習の資料がこのように表示されます。</a:t>
+            </a:r>
+            <a:endParaRPr kumimoji="1" lang="en-US" altLang="ja-JP" b="1" dirty="0" smtClean="0"/>
+          </a:p>
+          <a:p>
+            <a:pPr marL="0" marR="0" indent="0" algn="l" defTabSz="914400" rtl="0" eaLnBrk="1" fontAlgn="auto" latinLnBrk="0" hangingPunct="1">
+              <a:lnSpc>
+                <a:spcPct val="100000"/>
+              </a:lnSpc>
+              <a:spcBef>
+                <a:spcPts val="0"/>
+              </a:spcBef>
+              <a:spcAft>
+                <a:spcPts val="0"/>
+              </a:spcAft>
+              <a:buClrTx/>
+              <a:buSzTx/>
+              <a:buFontTx/>
+              <a:buNone/>
+              <a:tabLst/>
+              <a:defRPr/>
+            </a:pPr>
+            <a:endParaRPr kumimoji="1" lang="en-US" altLang="ja-JP" b="1" dirty="0" smtClean="0"/>
+          </a:p>
+          <a:p>
+            <a:pPr marL="0" marR="0" indent="0" algn="l" defTabSz="914400" rtl="0" eaLnBrk="1" fontAlgn="auto" latinLnBrk="0" hangingPunct="1">
+              <a:lnSpc>
+                <a:spcPct val="100000"/>
+              </a:lnSpc>
+              <a:spcBef>
+                <a:spcPts val="0"/>
+              </a:spcBef>
+              <a:spcAft>
+                <a:spcPts val="0"/>
+              </a:spcAft>
+              <a:buClrTx/>
+              <a:buSzTx/>
+              <a:buFontTx/>
+              <a:buNone/>
+              <a:tabLst/>
+              <a:defRPr/>
+            </a:pPr>
+            <a:r>
+              <a:rPr kumimoji="1" lang="ja-JP" altLang="en-US" b="1" dirty="0" smtClean="0"/>
+              <a:t>こちらが時間割のメニューとなっています。</a:t>
+            </a:r>
+            <a:endParaRPr kumimoji="1" lang="en-US" altLang="ja-JP" b="1" dirty="0" smtClean="0"/>
+          </a:p>
+          <a:p>
+            <a:pPr marL="0" marR="0" indent="0" algn="l" defTabSz="914400" rtl="0" eaLnBrk="1" fontAlgn="auto" latinLnBrk="0" hangingPunct="1">
+              <a:lnSpc>
+                <a:spcPct val="100000"/>
+              </a:lnSpc>
+              <a:spcBef>
+                <a:spcPts val="0"/>
+              </a:spcBef>
+              <a:spcAft>
+                <a:spcPts val="0"/>
+              </a:spcAft>
+              <a:buClrTx/>
+              <a:buSzTx/>
+              <a:buFontTx/>
+              <a:buNone/>
+              <a:tabLst/>
+              <a:defRPr/>
+            </a:pPr>
+            <a:r>
+              <a:rPr kumimoji="1" lang="ja-JP" altLang="en-US" b="1" dirty="0" smtClean="0"/>
+              <a:t>セメスターが一覧で表示され、このように時間割画像が表示されます。</a:t>
+            </a:r>
+            <a:endParaRPr kumimoji="1" lang="en-US" altLang="ja-JP" b="1" dirty="0" smtClean="0"/>
+          </a:p>
+          <a:p>
+            <a:pPr marL="0" marR="0" indent="0" algn="l" defTabSz="914400" rtl="0" eaLnBrk="1" fontAlgn="auto" latinLnBrk="0" hangingPunct="1">
+              <a:lnSpc>
+                <a:spcPct val="100000"/>
+              </a:lnSpc>
+              <a:spcBef>
+                <a:spcPts val="0"/>
+              </a:spcBef>
+              <a:spcAft>
+                <a:spcPts val="0"/>
+              </a:spcAft>
+              <a:buClrTx/>
+              <a:buSzTx/>
+              <a:buFontTx/>
+              <a:buNone/>
+              <a:tabLst/>
+              <a:defRPr/>
+            </a:pPr>
+            <a:endParaRPr kumimoji="1" lang="en-US" altLang="ja-JP" b="1" dirty="0" smtClean="0"/>
+          </a:p>
+          <a:p>
+            <a:pPr marL="0" marR="0" indent="0" algn="l" defTabSz="914400" rtl="0" eaLnBrk="1" fontAlgn="auto" latinLnBrk="0" hangingPunct="1">
+              <a:lnSpc>
+                <a:spcPct val="100000"/>
+              </a:lnSpc>
+              <a:spcBef>
+                <a:spcPts val="0"/>
+              </a:spcBef>
+              <a:spcAft>
+                <a:spcPts val="0"/>
+              </a:spcAft>
+              <a:buClrTx/>
+              <a:buSzTx/>
+              <a:buFontTx/>
+              <a:buNone/>
+              <a:tabLst/>
+              <a:defRPr/>
+            </a:pPr>
+            <a:r>
+              <a:rPr kumimoji="1" lang="ja-JP" altLang="en-US" b="1" dirty="0" smtClean="0"/>
+              <a:t>また当サイトは、ツイッターアカウントを作成しており、</a:t>
+            </a:r>
+            <a:endParaRPr kumimoji="1" lang="en-US" altLang="ja-JP" b="1" dirty="0" smtClean="0"/>
+          </a:p>
+          <a:p>
+            <a:pPr marL="0" marR="0" indent="0" algn="l" defTabSz="914400" rtl="0" eaLnBrk="1" fontAlgn="auto" latinLnBrk="0" hangingPunct="1">
+              <a:lnSpc>
+                <a:spcPct val="100000"/>
+              </a:lnSpc>
+              <a:spcBef>
+                <a:spcPts val="0"/>
+              </a:spcBef>
+              <a:spcAft>
+                <a:spcPts val="0"/>
+              </a:spcAft>
+              <a:buClrTx/>
+              <a:buSzTx/>
+              <a:buFontTx/>
+              <a:buNone/>
+              <a:tabLst/>
+              <a:defRPr/>
+            </a:pPr>
+            <a:r>
+              <a:rPr kumimoji="1" lang="ja-JP" altLang="en-US" b="1" dirty="0" smtClean="0"/>
+              <a:t>こちらのツイッター</a:t>
+            </a:r>
+            <a:r>
+              <a:rPr kumimoji="1" lang="en-US" altLang="ja-JP" b="1" dirty="0" smtClean="0"/>
+              <a:t>API</a:t>
+            </a:r>
+            <a:r>
+              <a:rPr kumimoji="1" lang="ja-JP" altLang="en-US" b="1" dirty="0" smtClean="0"/>
+              <a:t>では、サイトや各成果物の掲載情報の更新情報などを随時、参考できるようにしました。</a:t>
+            </a:r>
             <a:endParaRPr kumimoji="1" lang="en-US" altLang="ja-JP" b="1" dirty="0" smtClean="0"/>
           </a:p>
         </p:txBody>
@@ -6185,7 +7909,7 @@
     </p:spTree>
     <p:extLst>
       <p:ext uri="{BB962C8B-B14F-4D97-AF65-F5344CB8AC3E}">
-        <p14:creationId xmlns:p14="http://schemas.microsoft.com/office/powerpoint/2010/main" val="3747848430"/>
+        <p14:creationId xmlns:p14="http://schemas.microsoft.com/office/powerpoint/2010/main" val="1638028123"/>
       </p:ext>
     </p:extLst>
   </p:cSld>
@@ -6258,331 +7982,22 @@
             </a:pPr>
             <a:r>
               <a:rPr kumimoji="1" lang="ja-JP" altLang="en-US" b="1" dirty="0" smtClean="0"/>
-              <a:t>ただいまからデモを交えて具体的に説明します。</a:t>
+              <a:t>以上で、矢吹研</a:t>
+            </a:r>
+            <a:r>
+              <a:rPr kumimoji="1" lang="en-US" altLang="ja-JP" b="1" dirty="0" smtClean="0"/>
+              <a:t>A</a:t>
+            </a:r>
+            <a:r>
+              <a:rPr kumimoji="1" lang="ja-JP" altLang="en-US" b="1" dirty="0" smtClean="0"/>
+              <a:t>班の発表を終わります。</a:t>
             </a:r>
             <a:endParaRPr kumimoji="1" lang="en-US" altLang="ja-JP" b="1" dirty="0" smtClean="0"/>
           </a:p>
           <a:p>
-            <a:pPr marL="0" marR="0" indent="0" algn="l" defTabSz="914400" rtl="0" eaLnBrk="1" fontAlgn="auto" latinLnBrk="0" hangingPunct="1">
-              <a:lnSpc>
-                <a:spcPct val="100000"/>
-              </a:lnSpc>
-              <a:spcBef>
-                <a:spcPts val="0"/>
-              </a:spcBef>
-              <a:spcAft>
-                <a:spcPts val="0"/>
-              </a:spcAft>
-              <a:buClrTx/>
-              <a:buSzTx/>
-              <a:buFontTx/>
-              <a:buNone/>
-              <a:tabLst/>
-              <a:defRPr/>
-            </a:pPr>
             <a:r>
               <a:rPr kumimoji="1" lang="ja-JP" altLang="en-US" b="1" dirty="0" smtClean="0"/>
-              <a:t>こちらが現在の試作品で、トップページになります。</a:t>
-            </a:r>
-            <a:endParaRPr kumimoji="1" lang="en-US" altLang="ja-JP" b="1" dirty="0" smtClean="0"/>
-          </a:p>
-          <a:p>
-            <a:pPr marL="0" marR="0" indent="0" algn="l" defTabSz="914400" rtl="0" eaLnBrk="1" fontAlgn="auto" latinLnBrk="0" hangingPunct="1">
-              <a:lnSpc>
-                <a:spcPct val="100000"/>
-              </a:lnSpc>
-              <a:spcBef>
-                <a:spcPts val="0"/>
-              </a:spcBef>
-              <a:spcAft>
-                <a:spcPts val="0"/>
-              </a:spcAft>
-              <a:buClrTx/>
-              <a:buSzTx/>
-              <a:buFontTx/>
-              <a:buNone/>
-              <a:tabLst/>
-              <a:defRPr/>
-            </a:pPr>
-            <a:endParaRPr kumimoji="1" lang="en-US" altLang="ja-JP" b="1" dirty="0" smtClean="0"/>
-          </a:p>
-          <a:p>
-            <a:pPr marL="0" marR="0" indent="0" algn="l" defTabSz="914400" rtl="0" eaLnBrk="1" fontAlgn="auto" latinLnBrk="0" hangingPunct="1">
-              <a:lnSpc>
-                <a:spcPct val="100000"/>
-              </a:lnSpc>
-              <a:spcBef>
-                <a:spcPts val="0"/>
-              </a:spcBef>
-              <a:spcAft>
-                <a:spcPts val="0"/>
-              </a:spcAft>
-              <a:buClrTx/>
-              <a:buSzTx/>
-              <a:buFontTx/>
-              <a:buNone/>
-              <a:tabLst/>
-              <a:defRPr/>
-            </a:pPr>
-            <a:r>
-              <a:rPr kumimoji="1" lang="ja-JP" altLang="en-US" b="1" dirty="0" smtClean="0"/>
-              <a:t>こちらが過去問・シラバス、こちらが実験や演習などの成果物、こちらが時間割へのリンクとなっています。</a:t>
-            </a:r>
-            <a:endParaRPr kumimoji="1" lang="en-US" altLang="ja-JP" b="1" dirty="0" smtClean="0"/>
-          </a:p>
-          <a:p>
-            <a:pPr marL="0" marR="0" indent="0" algn="l" defTabSz="914400" rtl="0" eaLnBrk="1" fontAlgn="auto" latinLnBrk="0" hangingPunct="1">
-              <a:lnSpc>
-                <a:spcPct val="100000"/>
-              </a:lnSpc>
-              <a:spcBef>
-                <a:spcPts val="0"/>
-              </a:spcBef>
-              <a:spcAft>
-                <a:spcPts val="0"/>
-              </a:spcAft>
-              <a:buClrTx/>
-              <a:buSzTx/>
-              <a:buFontTx/>
-              <a:buNone/>
-              <a:tabLst/>
-              <a:defRPr/>
-            </a:pPr>
-            <a:endParaRPr kumimoji="1" lang="en-US" altLang="ja-JP" b="1" dirty="0" smtClean="0"/>
-          </a:p>
-          <a:p>
-            <a:pPr marL="0" marR="0" indent="0" algn="l" defTabSz="914400" rtl="0" eaLnBrk="1" fontAlgn="auto" latinLnBrk="0" hangingPunct="1">
-              <a:lnSpc>
-                <a:spcPct val="100000"/>
-              </a:lnSpc>
-              <a:spcBef>
-                <a:spcPts val="0"/>
-              </a:spcBef>
-              <a:spcAft>
-                <a:spcPts val="0"/>
-              </a:spcAft>
-              <a:buClrTx/>
-              <a:buSzTx/>
-              <a:buFontTx/>
-              <a:buNone/>
-              <a:tabLst/>
-              <a:defRPr/>
-            </a:pPr>
-            <a:r>
-              <a:rPr kumimoji="1" lang="ja-JP" altLang="en-US" b="1" dirty="0" smtClean="0"/>
-              <a:t>こちらが過去問メニューとなります。先生の名前が一覧で表示されており、クリックすると授業の詳細ページに飛び、過去問画像は表示されます。</a:t>
-            </a:r>
-            <a:endParaRPr kumimoji="1" lang="en-US" altLang="ja-JP" b="1" dirty="0" smtClean="0"/>
-          </a:p>
-          <a:p>
-            <a:pPr marL="0" marR="0" indent="0" algn="l" defTabSz="914400" rtl="0" eaLnBrk="1" fontAlgn="auto" latinLnBrk="0" hangingPunct="1">
-              <a:lnSpc>
-                <a:spcPct val="100000"/>
-              </a:lnSpc>
-              <a:spcBef>
-                <a:spcPts val="0"/>
-              </a:spcBef>
-              <a:spcAft>
-                <a:spcPts val="0"/>
-              </a:spcAft>
-              <a:buClrTx/>
-              <a:buSzTx/>
-              <a:buFontTx/>
-              <a:buNone/>
-              <a:tabLst/>
-              <a:defRPr/>
-            </a:pPr>
-            <a:endParaRPr kumimoji="1" lang="en-US" altLang="ja-JP" b="1" dirty="0" smtClean="0"/>
-          </a:p>
-          <a:p>
-            <a:pPr marL="0" marR="0" indent="0" algn="l" defTabSz="914400" rtl="0" eaLnBrk="1" fontAlgn="auto" latinLnBrk="0" hangingPunct="1">
-              <a:lnSpc>
-                <a:spcPct val="100000"/>
-              </a:lnSpc>
-              <a:spcBef>
-                <a:spcPts val="0"/>
-              </a:spcBef>
-              <a:spcAft>
-                <a:spcPts val="0"/>
-              </a:spcAft>
-              <a:buClrTx/>
-              <a:buSzTx/>
-              <a:buFontTx/>
-              <a:buNone/>
-              <a:tabLst/>
-              <a:defRPr/>
-            </a:pPr>
-            <a:r>
-              <a:rPr kumimoji="1" lang="ja-JP" altLang="en-US" b="1" dirty="0" smtClean="0"/>
-              <a:t>こちらが過去の演習の成果物のメニューとなっています。各研究室とグループ名が一覧で表示されています。こちらの検索フォームに、自分の探している研究室やグループ名を入力し、検索します。</a:t>
-            </a:r>
-            <a:endParaRPr kumimoji="1" lang="en-US" altLang="ja-JP" b="1" dirty="0" smtClean="0"/>
-          </a:p>
-          <a:p>
-            <a:pPr marL="0" marR="0" indent="0" algn="l" defTabSz="914400" rtl="0" eaLnBrk="1" fontAlgn="auto" latinLnBrk="0" hangingPunct="1">
-              <a:lnSpc>
-                <a:spcPct val="100000"/>
-              </a:lnSpc>
-              <a:spcBef>
-                <a:spcPts val="0"/>
-              </a:spcBef>
-              <a:spcAft>
-                <a:spcPts val="0"/>
-              </a:spcAft>
-              <a:buClrTx/>
-              <a:buSzTx/>
-              <a:buFontTx/>
-              <a:buNone/>
-              <a:tabLst/>
-              <a:defRPr/>
-            </a:pPr>
-            <a:r>
-              <a:rPr kumimoji="1" lang="ja-JP" altLang="en-US" b="1" dirty="0" smtClean="0"/>
-              <a:t>検索結果はこのように一覧で表示されます。演習の資料がこのように表示されます。</a:t>
-            </a:r>
-            <a:endParaRPr kumimoji="1" lang="en-US" altLang="ja-JP" b="1" dirty="0" smtClean="0"/>
-          </a:p>
-          <a:p>
-            <a:pPr marL="0" marR="0" indent="0" algn="l" defTabSz="914400" rtl="0" eaLnBrk="1" fontAlgn="auto" latinLnBrk="0" hangingPunct="1">
-              <a:lnSpc>
-                <a:spcPct val="100000"/>
-              </a:lnSpc>
-              <a:spcBef>
-                <a:spcPts val="0"/>
-              </a:spcBef>
-              <a:spcAft>
-                <a:spcPts val="0"/>
-              </a:spcAft>
-              <a:buClrTx/>
-              <a:buSzTx/>
-              <a:buFontTx/>
-              <a:buNone/>
-              <a:tabLst/>
-              <a:defRPr/>
-            </a:pPr>
-            <a:endParaRPr kumimoji="1" lang="en-US" altLang="ja-JP" b="1" dirty="0" smtClean="0"/>
-          </a:p>
-          <a:p>
-            <a:pPr marL="0" marR="0" indent="0" algn="l" defTabSz="914400" rtl="0" eaLnBrk="1" fontAlgn="auto" latinLnBrk="0" hangingPunct="1">
-              <a:lnSpc>
-                <a:spcPct val="100000"/>
-              </a:lnSpc>
-              <a:spcBef>
-                <a:spcPts val="0"/>
-              </a:spcBef>
-              <a:spcAft>
-                <a:spcPts val="0"/>
-              </a:spcAft>
-              <a:buClrTx/>
-              <a:buSzTx/>
-              <a:buFontTx/>
-              <a:buNone/>
-              <a:tabLst/>
-              <a:defRPr/>
-            </a:pPr>
-            <a:r>
-              <a:rPr kumimoji="1" lang="ja-JP" altLang="en-US" b="1" dirty="0" smtClean="0"/>
-              <a:t>こちらが時間割のメニューとなっています。</a:t>
-            </a:r>
-            <a:endParaRPr kumimoji="1" lang="en-US" altLang="ja-JP" b="1" dirty="0" smtClean="0"/>
-          </a:p>
-          <a:p>
-            <a:pPr marL="0" marR="0" indent="0" algn="l" defTabSz="914400" rtl="0" eaLnBrk="1" fontAlgn="auto" latinLnBrk="0" hangingPunct="1">
-              <a:lnSpc>
-                <a:spcPct val="100000"/>
-              </a:lnSpc>
-              <a:spcBef>
-                <a:spcPts val="0"/>
-              </a:spcBef>
-              <a:spcAft>
-                <a:spcPts val="0"/>
-              </a:spcAft>
-              <a:buClrTx/>
-              <a:buSzTx/>
-              <a:buFontTx/>
-              <a:buNone/>
-              <a:tabLst/>
-              <a:defRPr/>
-            </a:pPr>
-            <a:r>
-              <a:rPr kumimoji="1" lang="ja-JP" altLang="en-US" b="1" dirty="0" smtClean="0"/>
-              <a:t>セメスターが一覧で表示され、このように時間割画像が表示されます。</a:t>
-            </a:r>
-            <a:endParaRPr kumimoji="1" lang="en-US" altLang="ja-JP" b="1" dirty="0" smtClean="0"/>
-          </a:p>
-          <a:p>
-            <a:pPr marL="0" marR="0" indent="0" algn="l" defTabSz="914400" rtl="0" eaLnBrk="1" fontAlgn="auto" latinLnBrk="0" hangingPunct="1">
-              <a:lnSpc>
-                <a:spcPct val="100000"/>
-              </a:lnSpc>
-              <a:spcBef>
-                <a:spcPts val="0"/>
-              </a:spcBef>
-              <a:spcAft>
-                <a:spcPts val="0"/>
-              </a:spcAft>
-              <a:buClrTx/>
-              <a:buSzTx/>
-              <a:buFontTx/>
-              <a:buNone/>
-              <a:tabLst/>
-              <a:defRPr/>
-            </a:pPr>
-            <a:endParaRPr kumimoji="1" lang="en-US" altLang="ja-JP" b="1" dirty="0" smtClean="0"/>
-          </a:p>
-          <a:p>
-            <a:pPr marL="0" marR="0" indent="0" algn="l" defTabSz="914400" rtl="0" eaLnBrk="1" fontAlgn="auto" latinLnBrk="0" hangingPunct="1">
-              <a:lnSpc>
-                <a:spcPct val="100000"/>
-              </a:lnSpc>
-              <a:spcBef>
-                <a:spcPts val="0"/>
-              </a:spcBef>
-              <a:spcAft>
-                <a:spcPts val="0"/>
-              </a:spcAft>
-              <a:buClrTx/>
-              <a:buSzTx/>
-              <a:buFontTx/>
-              <a:buNone/>
-              <a:tabLst/>
-              <a:defRPr/>
-            </a:pPr>
-            <a:r>
-              <a:rPr kumimoji="1" lang="ja-JP" altLang="en-US" b="1" dirty="0" smtClean="0"/>
-              <a:t>また当サイトは、ツイッターアカウントを作成しており、</a:t>
-            </a:r>
-            <a:endParaRPr kumimoji="1" lang="en-US" altLang="ja-JP" b="1" dirty="0" smtClean="0"/>
-          </a:p>
-          <a:p>
-            <a:pPr marL="0" marR="0" indent="0" algn="l" defTabSz="914400" rtl="0" eaLnBrk="1" fontAlgn="auto" latinLnBrk="0" hangingPunct="1">
-              <a:lnSpc>
-                <a:spcPct val="100000"/>
-              </a:lnSpc>
-              <a:spcBef>
-                <a:spcPts val="0"/>
-              </a:spcBef>
-              <a:spcAft>
-                <a:spcPts val="0"/>
-              </a:spcAft>
-              <a:buClrTx/>
-              <a:buSzTx/>
-              <a:buFontTx/>
-              <a:buNone/>
-              <a:tabLst/>
-              <a:defRPr/>
-            </a:pPr>
-            <a:r>
-              <a:rPr kumimoji="1" lang="ja-JP" altLang="en-US" b="1" dirty="0" smtClean="0"/>
-              <a:t>こちらのツイッター</a:t>
-            </a:r>
-            <a:r>
-              <a:rPr kumimoji="1" lang="en-US" altLang="ja-JP" b="1" dirty="0" smtClean="0"/>
-              <a:t>API</a:t>
-            </a:r>
-            <a:r>
-              <a:rPr kumimoji="1" lang="ja-JP" altLang="en-US" b="1" dirty="0" smtClean="0"/>
-              <a:t>では、サイトや各成果物の掲載情報の更新情報などを随時、参考できるようにしました。</a:t>
+              <a:t>ありがとうございました。</a:t>
             </a:r>
             <a:endParaRPr kumimoji="1" lang="en-US" altLang="ja-JP" b="1" dirty="0" smtClean="0"/>
           </a:p>
@@ -6614,7 +8029,7 @@
     </p:spTree>
     <p:extLst>
       <p:ext uri="{BB962C8B-B14F-4D97-AF65-F5344CB8AC3E}">
-        <p14:creationId xmlns:p14="http://schemas.microsoft.com/office/powerpoint/2010/main" val="1638028123"/>
+        <p14:creationId xmlns:p14="http://schemas.microsoft.com/office/powerpoint/2010/main" val="2364402427"/>
       </p:ext>
     </p:extLst>
   </p:cSld>
@@ -6715,126 +8130,6 @@
     <p:extLst>
       <p:ext uri="{BB962C8B-B14F-4D97-AF65-F5344CB8AC3E}">
         <p14:creationId xmlns:p14="http://schemas.microsoft.com/office/powerpoint/2010/main" val="255303422"/>
-      </p:ext>
-    </p:extLst>
-  </p:cSld>
-  <p:clrMapOvr>
-    <a:masterClrMapping/>
-  </p:clrMapOvr>
-</p:notes>
-</file>
-
-<file path=ppt/notesSlides/notesSlide20.xml><?xml version="1.0" encoding="utf-8"?>
-<p:notes xmlns:a="http://schemas.openxmlformats.org/drawingml/2006/main" xmlns:r="http://schemas.openxmlformats.org/officeDocument/2006/relationships" xmlns:p="http://schemas.openxmlformats.org/presentationml/2006/main">
-  <p:cSld>
-    <p:spTree>
-      <p:nvGrpSpPr>
-        <p:cNvPr id="1" name=""/>
-        <p:cNvGrpSpPr/>
-        <p:nvPr/>
-      </p:nvGrpSpPr>
-      <p:grpSpPr>
-        <a:xfrm>
-          <a:off x="0" y="0"/>
-          <a:ext cx="0" cy="0"/>
-          <a:chOff x="0" y="0"/>
-          <a:chExt cx="0" cy="0"/>
-        </a:xfrm>
-      </p:grpSpPr>
-      <p:sp>
-        <p:nvSpPr>
-          <p:cNvPr id="2" name="スライド イメージ プレースホルダー 1"/>
-          <p:cNvSpPr>
-            <a:spLocks noGrp="1" noRot="1" noChangeAspect="1"/>
-          </p:cNvSpPr>
-          <p:nvPr>
-            <p:ph type="sldImg"/>
-          </p:nvPr>
-        </p:nvSpPr>
-        <p:spPr/>
-      </p:sp>
-      <p:sp>
-        <p:nvSpPr>
-          <p:cNvPr id="3" name="ノート プレースホルダー 2"/>
-          <p:cNvSpPr>
-            <a:spLocks noGrp="1"/>
-          </p:cNvSpPr>
-          <p:nvPr>
-            <p:ph type="body" idx="1"/>
-          </p:nvPr>
-        </p:nvSpPr>
-        <p:spPr/>
-        <p:txBody>
-          <a:bodyPr/>
-          <a:lstStyle/>
-          <a:p>
-            <a:pPr marL="0" marR="0" indent="0" algn="l" defTabSz="914400" rtl="0" eaLnBrk="1" fontAlgn="auto" latinLnBrk="0" hangingPunct="1">
-              <a:lnSpc>
-                <a:spcPct val="100000"/>
-              </a:lnSpc>
-              <a:spcBef>
-                <a:spcPts val="0"/>
-              </a:spcBef>
-              <a:spcAft>
-                <a:spcPts val="0"/>
-              </a:spcAft>
-              <a:buClrTx/>
-              <a:buSzTx/>
-              <a:buFontTx/>
-              <a:buNone/>
-              <a:tabLst/>
-              <a:defRPr/>
-            </a:pPr>
-            <a:r>
-              <a:rPr kumimoji="1" lang="ja-JP" altLang="en-US" b="1" dirty="0" smtClean="0"/>
-              <a:t>以上で、矢吹研</a:t>
-            </a:r>
-            <a:r>
-              <a:rPr kumimoji="1" lang="en-US" altLang="ja-JP" b="1" dirty="0" smtClean="0"/>
-              <a:t>A</a:t>
-            </a:r>
-            <a:r>
-              <a:rPr kumimoji="1" lang="ja-JP" altLang="en-US" b="1" dirty="0" smtClean="0"/>
-              <a:t>班の発表を終わります。</a:t>
-            </a:r>
-            <a:endParaRPr kumimoji="1" lang="en-US" altLang="ja-JP" b="1" dirty="0" smtClean="0"/>
-          </a:p>
-          <a:p>
-            <a:r>
-              <a:rPr kumimoji="1" lang="ja-JP" altLang="en-US" b="1" dirty="0" smtClean="0"/>
-              <a:t>ありがとうございました。</a:t>
-            </a:r>
-            <a:endParaRPr kumimoji="1" lang="en-US" altLang="ja-JP" b="1" dirty="0" smtClean="0"/>
-          </a:p>
-        </p:txBody>
-      </p:sp>
-      <p:sp>
-        <p:nvSpPr>
-          <p:cNvPr id="4" name="スライド番号プレースホルダー 3"/>
-          <p:cNvSpPr>
-            <a:spLocks noGrp="1"/>
-          </p:cNvSpPr>
-          <p:nvPr>
-            <p:ph type="sldNum" sz="quarter" idx="10"/>
-          </p:nvPr>
-        </p:nvSpPr>
-        <p:spPr/>
-        <p:txBody>
-          <a:bodyPr/>
-          <a:lstStyle/>
-          <a:p>
-            <a:fld id="{31EB9004-3F70-404F-81A1-72744BD5EB90}" type="slidenum">
-              <a:rPr kumimoji="1" lang="ja-JP" altLang="en-US" smtClean="0"/>
-              <a:t>20</a:t>
-            </a:fld>
-            <a:endParaRPr kumimoji="1" lang="ja-JP" altLang="en-US"/>
-          </a:p>
-        </p:txBody>
-      </p:sp>
-    </p:spTree>
-    <p:extLst>
-      <p:ext uri="{BB962C8B-B14F-4D97-AF65-F5344CB8AC3E}">
-        <p14:creationId xmlns:p14="http://schemas.microsoft.com/office/powerpoint/2010/main" val="2364402427"/>
       </p:ext>
     </p:extLst>
   </p:cSld>
@@ -13712,6 +15007,36 @@
           </a:prstGeom>
         </p:spPr>
       </p:pic>
+      <p:graphicFrame>
+        <p:nvGraphicFramePr>
+          <p:cNvPr id="5" name="グラフ 4">
+            <a:extLst>
+              <a:ext uri="{FF2B5EF4-FFF2-40B4-BE49-F238E27FC236}">
+                <a16:creationId xmlns:a16="http://schemas.microsoft.com/office/drawing/2014/main" id="{00000000-0008-0000-0200-000002000000}"/>
+              </a:ext>
+            </a:extLst>
+          </p:cNvPr>
+          <p:cNvGraphicFramePr>
+            <a:graphicFrameLocks noGrp="1"/>
+          </p:cNvGraphicFramePr>
+          <p:nvPr>
+            <p:extLst>
+              <p:ext uri="{D42A27DB-BD31-4B8C-83A1-F6EECF244321}">
+                <p14:modId xmlns:p14="http://schemas.microsoft.com/office/powerpoint/2010/main" val="317515756"/>
+              </p:ext>
+            </p:extLst>
+          </p:nvPr>
+        </p:nvGraphicFramePr>
+        <p:xfrm>
+          <a:off x="1831634" y="1306286"/>
+          <a:ext cx="8840719" cy="5415189"/>
+        </p:xfrm>
+        <a:graphic>
+          <a:graphicData uri="http://schemas.openxmlformats.org/drawingml/2006/chart">
+            <c:chart xmlns:c="http://schemas.openxmlformats.org/drawingml/2006/chart" xmlns:r="http://schemas.openxmlformats.org/officeDocument/2006/relationships" r:id="rId4"/>
+          </a:graphicData>
+        </a:graphic>
+      </p:graphicFrame>
     </p:spTree>
     <p:extLst>
       <p:ext uri="{BB962C8B-B14F-4D97-AF65-F5344CB8AC3E}">
@@ -13741,1310 +15066,6 @@
 </file>
 
 <file path=ppt/slides/slide17.xml><?xml version="1.0" encoding="utf-8"?>
-<p:sld xmlns:a="http://schemas.openxmlformats.org/drawingml/2006/main" xmlns:r="http://schemas.openxmlformats.org/officeDocument/2006/relationships" xmlns:p="http://schemas.openxmlformats.org/presentationml/2006/main">
-  <p:cSld>
-    <p:spTree>
-      <p:nvGrpSpPr>
-        <p:cNvPr id="1" name=""/>
-        <p:cNvGrpSpPr/>
-        <p:nvPr/>
-      </p:nvGrpSpPr>
-      <p:grpSpPr>
-        <a:xfrm>
-          <a:off x="0" y="0"/>
-          <a:ext cx="0" cy="0"/>
-          <a:chOff x="0" y="0"/>
-          <a:chExt cx="0" cy="0"/>
-        </a:xfrm>
-      </p:grpSpPr>
-      <p:pic>
-        <p:nvPicPr>
-          <p:cNvPr id="6" name="図 5"/>
-          <p:cNvPicPr>
-            <a:picLocks noChangeAspect="1"/>
-          </p:cNvPicPr>
-          <p:nvPr/>
-        </p:nvPicPr>
-        <p:blipFill rotWithShape="1">
-          <a:blip r:embed="rId3"/>
-          <a:srcRect t="-337" r="-337"/>
-          <a:stretch/>
-        </p:blipFill>
-        <p:spPr>
-          <a:xfrm>
-            <a:off x="0" y="4167050"/>
-            <a:ext cx="1554480" cy="2690949"/>
-          </a:xfrm>
-          <a:prstGeom prst="rect">
-            <a:avLst/>
-          </a:prstGeom>
-        </p:spPr>
-      </p:pic>
-      <p:sp>
-        <p:nvSpPr>
-          <p:cNvPr id="2" name="タイトル 1"/>
-          <p:cNvSpPr>
-            <a:spLocks noGrp="1"/>
-          </p:cNvSpPr>
-          <p:nvPr>
-            <p:ph type="title"/>
-          </p:nvPr>
-        </p:nvSpPr>
-        <p:spPr/>
-        <p:txBody>
-          <a:bodyPr>
-            <a:normAutofit/>
-          </a:bodyPr>
-          <a:lstStyle/>
-          <a:p>
-            <a:r>
-              <a:rPr lang="ja-JP" altLang="en-US" sz="5400" b="1" dirty="0" smtClean="0"/>
-              <a:t>進捗管理</a:t>
-            </a:r>
-            <a:endParaRPr kumimoji="1" lang="ja-JP" altLang="en-US" sz="5400" b="1" dirty="0"/>
-          </a:p>
-        </p:txBody>
-      </p:sp>
-      <p:graphicFrame>
-        <p:nvGraphicFramePr>
-          <p:cNvPr id="4" name="表 3"/>
-          <p:cNvGraphicFramePr>
-            <a:graphicFrameLocks noGrp="1"/>
-          </p:cNvGraphicFramePr>
-          <p:nvPr>
-            <p:extLst>
-              <p:ext uri="{D42A27DB-BD31-4B8C-83A1-F6EECF244321}">
-                <p14:modId xmlns:p14="http://schemas.microsoft.com/office/powerpoint/2010/main" val="2424760993"/>
-              </p:ext>
-            </p:extLst>
-          </p:nvPr>
-        </p:nvGraphicFramePr>
-        <p:xfrm>
-          <a:off x="1313236" y="1690688"/>
-          <a:ext cx="9565527" cy="3824718"/>
-        </p:xfrm>
-        <a:graphic>
-          <a:graphicData uri="http://schemas.openxmlformats.org/drawingml/2006/table">
-            <a:tbl>
-              <a:tblPr firstRow="1" bandRow="1">
-                <a:tableStyleId>{2D5ABB26-0587-4C30-8999-92F81FD0307C}</a:tableStyleId>
-              </a:tblPr>
-              <a:tblGrid>
-                <a:gridCol w="3240000">
-                  <a:extLst>
-                    <a:ext uri="{9D8B030D-6E8A-4147-A177-3AD203B41FA5}">
-                      <a16:colId xmlns:a16="http://schemas.microsoft.com/office/drawing/2014/main" val="301707538"/>
-                    </a:ext>
-                  </a:extLst>
-                </a:gridCol>
-                <a:gridCol w="3044745">
-                  <a:extLst>
-                    <a:ext uri="{9D8B030D-6E8A-4147-A177-3AD203B41FA5}">
-                      <a16:colId xmlns:a16="http://schemas.microsoft.com/office/drawing/2014/main" val="3229960533"/>
-                    </a:ext>
-                  </a:extLst>
-                </a:gridCol>
-                <a:gridCol w="3280782">
-                  <a:extLst>
-                    <a:ext uri="{9D8B030D-6E8A-4147-A177-3AD203B41FA5}">
-                      <a16:colId xmlns:a16="http://schemas.microsoft.com/office/drawing/2014/main" val="820344272"/>
-                    </a:ext>
-                  </a:extLst>
-                </a:gridCol>
-              </a:tblGrid>
-              <a:tr h="806483">
-                <a:tc>
-                  <a:txBody>
-                    <a:bodyPr/>
-                    <a:lstStyle/>
-                    <a:p>
-                      <a:pPr algn="ctr">
-                        <a:lnSpc>
-                          <a:spcPct val="150000"/>
-                        </a:lnSpc>
-                      </a:pPr>
-                      <a:r>
-                        <a:rPr kumimoji="1" lang="ja-JP" altLang="en-US" sz="2800" b="1" dirty="0" smtClean="0"/>
-                        <a:t>要件</a:t>
-                      </a:r>
-                      <a:endParaRPr kumimoji="1" lang="ja-JP" altLang="en-US" sz="2800" b="1" dirty="0"/>
-                    </a:p>
-                  </a:txBody>
-                  <a:tcPr anchor="ctr">
-                    <a:lnL w="12700" cap="flat" cmpd="sng" algn="ctr">
-                      <a:solidFill>
-                        <a:schemeClr val="tx1"/>
-                      </a:solidFill>
-                      <a:prstDash val="solid"/>
-                      <a:round/>
-                      <a:headEnd type="none" w="med" len="med"/>
-                      <a:tailEnd type="none" w="med" len="med"/>
-                    </a:lnL>
-                    <a:lnR w="12700" cap="flat" cmpd="sng" algn="ctr">
-                      <a:solidFill>
-                        <a:schemeClr val="tx1"/>
-                      </a:solidFill>
-                      <a:prstDash val="solid"/>
-                      <a:round/>
-                      <a:headEnd type="none" w="med" len="med"/>
-                      <a:tailEnd type="none" w="med" len="med"/>
-                    </a:lnR>
-                    <a:lnT w="12700" cap="flat" cmpd="sng" algn="ctr">
-                      <a:solidFill>
-                        <a:schemeClr val="tx1"/>
-                      </a:solidFill>
-                      <a:prstDash val="solid"/>
-                      <a:round/>
-                      <a:headEnd type="none" w="med" len="med"/>
-                      <a:tailEnd type="none" w="med" len="med"/>
-                    </a:lnT>
-                    <a:lnB w="12700" cap="flat" cmpd="sng" algn="ctr">
-                      <a:solidFill>
-                        <a:schemeClr val="tx1"/>
-                      </a:solidFill>
-                      <a:prstDash val="solid"/>
-                      <a:round/>
-                      <a:headEnd type="none" w="med" len="med"/>
-                      <a:tailEnd type="none" w="med" len="med"/>
-                    </a:lnB>
-                    <a:noFill/>
-                  </a:tcPr>
-                </a:tc>
-                <a:tc>
-                  <a:txBody>
-                    <a:bodyPr/>
-                    <a:lstStyle/>
-                    <a:p>
-                      <a:pPr algn="ctr">
-                        <a:lnSpc>
-                          <a:spcPct val="150000"/>
-                        </a:lnSpc>
-                      </a:pPr>
-                      <a:r>
-                        <a:rPr kumimoji="1" lang="ja-JP" altLang="en-US" sz="2800" b="1" dirty="0" smtClean="0"/>
-                        <a:t>見積り（時間）</a:t>
-                      </a:r>
-                      <a:endParaRPr kumimoji="1" lang="ja-JP" altLang="en-US" sz="2800" b="1" dirty="0"/>
-                    </a:p>
-                  </a:txBody>
-                  <a:tcPr anchor="ctr">
-                    <a:lnL w="12700" cap="flat" cmpd="sng" algn="ctr">
-                      <a:solidFill>
-                        <a:schemeClr val="tx1"/>
-                      </a:solidFill>
-                      <a:prstDash val="solid"/>
-                      <a:round/>
-                      <a:headEnd type="none" w="med" len="med"/>
-                      <a:tailEnd type="none" w="med" len="med"/>
-                    </a:lnL>
-                    <a:lnR w="12700" cap="flat" cmpd="sng" algn="ctr">
-                      <a:solidFill>
-                        <a:schemeClr val="tx1"/>
-                      </a:solidFill>
-                      <a:prstDash val="solid"/>
-                      <a:round/>
-                      <a:headEnd type="none" w="med" len="med"/>
-                      <a:tailEnd type="none" w="med" len="med"/>
-                    </a:lnR>
-                    <a:lnT w="12700" cap="flat" cmpd="sng" algn="ctr">
-                      <a:solidFill>
-                        <a:schemeClr val="tx1"/>
-                      </a:solidFill>
-                      <a:prstDash val="solid"/>
-                      <a:round/>
-                      <a:headEnd type="none" w="med" len="med"/>
-                      <a:tailEnd type="none" w="med" len="med"/>
-                    </a:lnT>
-                    <a:lnB w="12700" cap="flat" cmpd="sng" algn="ctr">
-                      <a:solidFill>
-                        <a:schemeClr val="tx1"/>
-                      </a:solidFill>
-                      <a:prstDash val="solid"/>
-                      <a:round/>
-                      <a:headEnd type="none" w="med" len="med"/>
-                      <a:tailEnd type="none" w="med" len="med"/>
-                    </a:lnB>
-                    <a:noFill/>
-                  </a:tcPr>
-                </a:tc>
-                <a:tc>
-                  <a:txBody>
-                    <a:bodyPr/>
-                    <a:lstStyle/>
-                    <a:p>
-                      <a:pPr marL="0" marR="0" indent="0" algn="ctr" defTabSz="914400" rtl="0" eaLnBrk="1" fontAlgn="auto" latinLnBrk="0" hangingPunct="1">
-                        <a:lnSpc>
-                          <a:spcPct val="150000"/>
-                        </a:lnSpc>
-                        <a:spcBef>
-                          <a:spcPts val="0"/>
-                        </a:spcBef>
-                        <a:spcAft>
-                          <a:spcPts val="0"/>
-                        </a:spcAft>
-                        <a:buClrTx/>
-                        <a:buSzTx/>
-                        <a:buFontTx/>
-                        <a:buNone/>
-                        <a:tabLst/>
-                        <a:defRPr/>
-                      </a:pPr>
-                      <a:r>
-                        <a:rPr kumimoji="1" lang="ja-JP" altLang="en-US" sz="2800" b="1" dirty="0" smtClean="0"/>
-                        <a:t>優先順位</a:t>
-                      </a:r>
-                    </a:p>
-                  </a:txBody>
-                  <a:tcPr anchor="ctr">
-                    <a:lnL w="12700" cap="flat" cmpd="sng" algn="ctr">
-                      <a:solidFill>
-                        <a:schemeClr val="tx1"/>
-                      </a:solidFill>
-                      <a:prstDash val="solid"/>
-                      <a:round/>
-                      <a:headEnd type="none" w="med" len="med"/>
-                      <a:tailEnd type="none" w="med" len="med"/>
-                    </a:lnL>
-                    <a:lnR w="12700" cap="flat" cmpd="sng" algn="ctr">
-                      <a:solidFill>
-                        <a:schemeClr val="tx1"/>
-                      </a:solidFill>
-                      <a:prstDash val="solid"/>
-                      <a:round/>
-                      <a:headEnd type="none" w="med" len="med"/>
-                      <a:tailEnd type="none" w="med" len="med"/>
-                    </a:lnR>
-                    <a:lnT w="12700" cap="flat" cmpd="sng" algn="ctr">
-                      <a:solidFill>
-                        <a:schemeClr val="tx1"/>
-                      </a:solidFill>
-                      <a:prstDash val="solid"/>
-                      <a:round/>
-                      <a:headEnd type="none" w="med" len="med"/>
-                      <a:tailEnd type="none" w="med" len="med"/>
-                    </a:lnT>
-                    <a:lnB w="12700" cap="flat" cmpd="sng" algn="ctr">
-                      <a:solidFill>
-                        <a:schemeClr val="tx1"/>
-                      </a:solidFill>
-                      <a:prstDash val="solid"/>
-                      <a:round/>
-                      <a:headEnd type="none" w="med" len="med"/>
-                      <a:tailEnd type="none" w="med" len="med"/>
-                    </a:lnB>
-                    <a:noFill/>
-                  </a:tcPr>
-                </a:tc>
-                <a:extLst>
-                  <a:ext uri="{0D108BD9-81ED-4DB2-BD59-A6C34878D82A}">
-                    <a16:rowId xmlns:a16="http://schemas.microsoft.com/office/drawing/2014/main" val="331362158"/>
-                  </a:ext>
-                </a:extLst>
-              </a:tr>
-              <a:tr h="518400">
-                <a:tc>
-                  <a:txBody>
-                    <a:bodyPr/>
-                    <a:lstStyle/>
-                    <a:p>
-                      <a:pPr marL="0" marR="0" indent="0" algn="l" defTabSz="914400" rtl="0" eaLnBrk="1" fontAlgn="auto" latinLnBrk="0" hangingPunct="1">
-                        <a:lnSpc>
-                          <a:spcPct val="100000"/>
-                        </a:lnSpc>
-                        <a:spcBef>
-                          <a:spcPts val="0"/>
-                        </a:spcBef>
-                        <a:spcAft>
-                          <a:spcPts val="0"/>
-                        </a:spcAft>
-                        <a:buClrTx/>
-                        <a:buSzTx/>
-                        <a:buFontTx/>
-                        <a:buNone/>
-                        <a:tabLst/>
-                        <a:defRPr/>
-                      </a:pPr>
-                      <a:r>
-                        <a:rPr lang="ja-JP" altLang="en-US" sz="2800" b="1" dirty="0" smtClean="0"/>
-                        <a:t>トップページ</a:t>
-                      </a:r>
-                      <a:endParaRPr lang="en-US" altLang="ja-JP" sz="2800" b="1" dirty="0" smtClean="0"/>
-                    </a:p>
-                  </a:txBody>
-                  <a:tcPr>
-                    <a:lnL w="12700" cap="flat" cmpd="sng" algn="ctr">
-                      <a:solidFill>
-                        <a:schemeClr val="tx1"/>
-                      </a:solidFill>
-                      <a:prstDash val="solid"/>
-                      <a:round/>
-                      <a:headEnd type="none" w="med" len="med"/>
-                      <a:tailEnd type="none" w="med" len="med"/>
-                    </a:lnL>
-                    <a:lnR w="12700" cap="flat" cmpd="sng" algn="ctr">
-                      <a:solidFill>
-                        <a:schemeClr val="tx1"/>
-                      </a:solidFill>
-                      <a:prstDash val="solid"/>
-                      <a:round/>
-                      <a:headEnd type="none" w="med" len="med"/>
-                      <a:tailEnd type="none" w="med" len="med"/>
-                    </a:lnR>
-                    <a:lnT w="12700" cap="flat" cmpd="sng" algn="ctr">
-                      <a:solidFill>
-                        <a:schemeClr val="tx1"/>
-                      </a:solidFill>
-                      <a:prstDash val="solid"/>
-                      <a:round/>
-                      <a:headEnd type="none" w="med" len="med"/>
-                      <a:tailEnd type="none" w="med" len="med"/>
-                    </a:lnT>
-                    <a:lnB w="12700" cap="flat" cmpd="sng" algn="ctr">
-                      <a:solidFill>
-                        <a:schemeClr val="tx1"/>
-                      </a:solidFill>
-                      <a:prstDash val="solid"/>
-                      <a:round/>
-                      <a:headEnd type="none" w="med" len="med"/>
-                      <a:tailEnd type="none" w="med" len="med"/>
-                    </a:lnB>
-                    <a:noFill/>
-                  </a:tcPr>
-                </a:tc>
-                <a:tc>
-                  <a:txBody>
-                    <a:bodyPr/>
-                    <a:lstStyle/>
-                    <a:p>
-                      <a:pPr algn="r"/>
-                      <a:r>
-                        <a:rPr kumimoji="1" lang="en-US" altLang="ja-JP" sz="2800" b="1" dirty="0" smtClean="0"/>
-                        <a:t>20</a:t>
-                      </a:r>
-                      <a:endParaRPr kumimoji="1" lang="ja-JP" altLang="en-US" sz="2800" b="1" dirty="0"/>
-                    </a:p>
-                  </a:txBody>
-                  <a:tcPr>
-                    <a:lnL w="12700" cap="flat" cmpd="sng" algn="ctr">
-                      <a:solidFill>
-                        <a:schemeClr val="tx1"/>
-                      </a:solidFill>
-                      <a:prstDash val="solid"/>
-                      <a:round/>
-                      <a:headEnd type="none" w="med" len="med"/>
-                      <a:tailEnd type="none" w="med" len="med"/>
-                    </a:lnL>
-                    <a:lnR w="12700" cap="flat" cmpd="sng" algn="ctr">
-                      <a:solidFill>
-                        <a:schemeClr val="tx1"/>
-                      </a:solidFill>
-                      <a:prstDash val="solid"/>
-                      <a:round/>
-                      <a:headEnd type="none" w="med" len="med"/>
-                      <a:tailEnd type="none" w="med" len="med"/>
-                    </a:lnR>
-                    <a:lnT w="12700" cap="flat" cmpd="sng" algn="ctr">
-                      <a:solidFill>
-                        <a:schemeClr val="tx1"/>
-                      </a:solidFill>
-                      <a:prstDash val="solid"/>
-                      <a:round/>
-                      <a:headEnd type="none" w="med" len="med"/>
-                      <a:tailEnd type="none" w="med" len="med"/>
-                    </a:lnT>
-                    <a:lnB w="12700" cap="flat" cmpd="sng" algn="ctr">
-                      <a:solidFill>
-                        <a:schemeClr val="tx1"/>
-                      </a:solidFill>
-                      <a:prstDash val="solid"/>
-                      <a:round/>
-                      <a:headEnd type="none" w="med" len="med"/>
-                      <a:tailEnd type="none" w="med" len="med"/>
-                    </a:lnB>
-                    <a:noFill/>
-                  </a:tcPr>
-                </a:tc>
-                <a:tc>
-                  <a:txBody>
-                    <a:bodyPr/>
-                    <a:lstStyle/>
-                    <a:p>
-                      <a:pPr algn="r"/>
-                      <a:r>
-                        <a:rPr kumimoji="1" lang="en-US" altLang="ja-JP" sz="2800" b="1" dirty="0" smtClean="0"/>
-                        <a:t>1</a:t>
-                      </a:r>
-                      <a:endParaRPr kumimoji="1" lang="ja-JP" altLang="en-US" sz="2800" b="1" dirty="0"/>
-                    </a:p>
-                  </a:txBody>
-                  <a:tcPr>
-                    <a:lnL w="12700" cap="flat" cmpd="sng" algn="ctr">
-                      <a:solidFill>
-                        <a:schemeClr val="tx1"/>
-                      </a:solidFill>
-                      <a:prstDash val="solid"/>
-                      <a:round/>
-                      <a:headEnd type="none" w="med" len="med"/>
-                      <a:tailEnd type="none" w="med" len="med"/>
-                    </a:lnL>
-                    <a:lnR w="12700" cap="flat" cmpd="sng" algn="ctr">
-                      <a:solidFill>
-                        <a:schemeClr val="tx1"/>
-                      </a:solidFill>
-                      <a:prstDash val="solid"/>
-                      <a:round/>
-                      <a:headEnd type="none" w="med" len="med"/>
-                      <a:tailEnd type="none" w="med" len="med"/>
-                    </a:lnR>
-                    <a:lnT w="12700" cap="flat" cmpd="sng" algn="ctr">
-                      <a:solidFill>
-                        <a:schemeClr val="tx1"/>
-                      </a:solidFill>
-                      <a:prstDash val="solid"/>
-                      <a:round/>
-                      <a:headEnd type="none" w="med" len="med"/>
-                      <a:tailEnd type="none" w="med" len="med"/>
-                    </a:lnT>
-                    <a:lnB w="12700" cap="flat" cmpd="sng" algn="ctr">
-                      <a:solidFill>
-                        <a:schemeClr val="tx1"/>
-                      </a:solidFill>
-                      <a:prstDash val="solid"/>
-                      <a:round/>
-                      <a:headEnd type="none" w="med" len="med"/>
-                      <a:tailEnd type="none" w="med" len="med"/>
-                    </a:lnB>
-                    <a:noFill/>
-                  </a:tcPr>
-                </a:tc>
-                <a:extLst>
-                  <a:ext uri="{0D108BD9-81ED-4DB2-BD59-A6C34878D82A}">
-                    <a16:rowId xmlns:a16="http://schemas.microsoft.com/office/drawing/2014/main" val="3897752923"/>
-                  </a:ext>
-                </a:extLst>
-              </a:tr>
-              <a:tr h="499778">
-                <a:tc>
-                  <a:txBody>
-                    <a:bodyPr/>
-                    <a:lstStyle/>
-                    <a:p>
-                      <a:pPr marL="0" marR="0" indent="0" algn="l" defTabSz="914400" rtl="0" eaLnBrk="1" fontAlgn="auto" latinLnBrk="0" hangingPunct="1">
-                        <a:lnSpc>
-                          <a:spcPct val="100000"/>
-                        </a:lnSpc>
-                        <a:spcBef>
-                          <a:spcPts val="0"/>
-                        </a:spcBef>
-                        <a:spcAft>
-                          <a:spcPts val="0"/>
-                        </a:spcAft>
-                        <a:buClrTx/>
-                        <a:buSzTx/>
-                        <a:buFontTx/>
-                        <a:buNone/>
-                        <a:tabLst/>
-                        <a:defRPr/>
-                      </a:pPr>
-                      <a:r>
-                        <a:rPr lang="en-US" altLang="ja-JP" sz="2800" b="1" dirty="0" smtClean="0"/>
-                        <a:t>Twitter</a:t>
-                      </a:r>
-                      <a:r>
-                        <a:rPr lang="ja-JP" altLang="en-US" sz="2800" b="1" dirty="0" smtClean="0"/>
-                        <a:t> </a:t>
-                      </a:r>
-                      <a:r>
-                        <a:rPr lang="en-US" altLang="ja-JP" sz="2800" b="1" dirty="0" smtClean="0"/>
-                        <a:t>API</a:t>
-                      </a:r>
-                    </a:p>
-                  </a:txBody>
-                  <a:tcPr>
-                    <a:lnL w="12700" cap="flat" cmpd="sng" algn="ctr">
-                      <a:solidFill>
-                        <a:schemeClr val="tx1"/>
-                      </a:solidFill>
-                      <a:prstDash val="solid"/>
-                      <a:round/>
-                      <a:headEnd type="none" w="med" len="med"/>
-                      <a:tailEnd type="none" w="med" len="med"/>
-                    </a:lnL>
-                    <a:lnR w="12700" cap="flat" cmpd="sng" algn="ctr">
-                      <a:solidFill>
-                        <a:schemeClr val="tx1"/>
-                      </a:solidFill>
-                      <a:prstDash val="solid"/>
-                      <a:round/>
-                      <a:headEnd type="none" w="med" len="med"/>
-                      <a:tailEnd type="none" w="med" len="med"/>
-                    </a:lnR>
-                    <a:lnT w="12700" cap="flat" cmpd="sng" algn="ctr">
-                      <a:solidFill>
-                        <a:schemeClr val="tx1"/>
-                      </a:solidFill>
-                      <a:prstDash val="solid"/>
-                      <a:round/>
-                      <a:headEnd type="none" w="med" len="med"/>
-                      <a:tailEnd type="none" w="med" len="med"/>
-                    </a:lnT>
-                    <a:lnB w="12700" cap="flat" cmpd="sng" algn="ctr">
-                      <a:solidFill>
-                        <a:schemeClr val="tx1"/>
-                      </a:solidFill>
-                      <a:prstDash val="solid"/>
-                      <a:round/>
-                      <a:headEnd type="none" w="med" len="med"/>
-                      <a:tailEnd type="none" w="med" len="med"/>
-                    </a:lnB>
-                    <a:noFill/>
-                  </a:tcPr>
-                </a:tc>
-                <a:tc>
-                  <a:txBody>
-                    <a:bodyPr/>
-                    <a:lstStyle/>
-                    <a:p>
-                      <a:pPr algn="r"/>
-                      <a:r>
-                        <a:rPr kumimoji="1" lang="en-US" altLang="ja-JP" sz="2800" b="1" dirty="0" smtClean="0"/>
-                        <a:t>20</a:t>
-                      </a:r>
-                      <a:endParaRPr kumimoji="1" lang="ja-JP" altLang="en-US" sz="2800" b="1" dirty="0"/>
-                    </a:p>
-                  </a:txBody>
-                  <a:tcPr>
-                    <a:lnL w="12700" cap="flat" cmpd="sng" algn="ctr">
-                      <a:solidFill>
-                        <a:schemeClr val="tx1"/>
-                      </a:solidFill>
-                      <a:prstDash val="solid"/>
-                      <a:round/>
-                      <a:headEnd type="none" w="med" len="med"/>
-                      <a:tailEnd type="none" w="med" len="med"/>
-                    </a:lnL>
-                    <a:lnR w="12700" cap="flat" cmpd="sng" algn="ctr">
-                      <a:solidFill>
-                        <a:schemeClr val="tx1"/>
-                      </a:solidFill>
-                      <a:prstDash val="solid"/>
-                      <a:round/>
-                      <a:headEnd type="none" w="med" len="med"/>
-                      <a:tailEnd type="none" w="med" len="med"/>
-                    </a:lnR>
-                    <a:lnT w="12700" cap="flat" cmpd="sng" algn="ctr">
-                      <a:solidFill>
-                        <a:schemeClr val="tx1"/>
-                      </a:solidFill>
-                      <a:prstDash val="solid"/>
-                      <a:round/>
-                      <a:headEnd type="none" w="med" len="med"/>
-                      <a:tailEnd type="none" w="med" len="med"/>
-                    </a:lnT>
-                    <a:lnB w="12700" cap="flat" cmpd="sng" algn="ctr">
-                      <a:solidFill>
-                        <a:schemeClr val="tx1"/>
-                      </a:solidFill>
-                      <a:prstDash val="solid"/>
-                      <a:round/>
-                      <a:headEnd type="none" w="med" len="med"/>
-                      <a:tailEnd type="none" w="med" len="med"/>
-                    </a:lnB>
-                    <a:noFill/>
-                  </a:tcPr>
-                </a:tc>
-                <a:tc>
-                  <a:txBody>
-                    <a:bodyPr/>
-                    <a:lstStyle/>
-                    <a:p>
-                      <a:pPr algn="r"/>
-                      <a:r>
-                        <a:rPr kumimoji="1" lang="en-US" altLang="ja-JP" sz="2800" b="1" dirty="0" smtClean="0"/>
-                        <a:t>2</a:t>
-                      </a:r>
-                      <a:endParaRPr kumimoji="1" lang="ja-JP" altLang="en-US" sz="2800" b="1" dirty="0"/>
-                    </a:p>
-                  </a:txBody>
-                  <a:tcPr>
-                    <a:lnL w="12700" cap="flat" cmpd="sng" algn="ctr">
-                      <a:solidFill>
-                        <a:schemeClr val="tx1"/>
-                      </a:solidFill>
-                      <a:prstDash val="solid"/>
-                      <a:round/>
-                      <a:headEnd type="none" w="med" len="med"/>
-                      <a:tailEnd type="none" w="med" len="med"/>
-                    </a:lnL>
-                    <a:lnR w="12700" cap="flat" cmpd="sng" algn="ctr">
-                      <a:solidFill>
-                        <a:schemeClr val="tx1"/>
-                      </a:solidFill>
-                      <a:prstDash val="solid"/>
-                      <a:round/>
-                      <a:headEnd type="none" w="med" len="med"/>
-                      <a:tailEnd type="none" w="med" len="med"/>
-                    </a:lnR>
-                    <a:lnT w="12700" cap="flat" cmpd="sng" algn="ctr">
-                      <a:solidFill>
-                        <a:schemeClr val="tx1"/>
-                      </a:solidFill>
-                      <a:prstDash val="solid"/>
-                      <a:round/>
-                      <a:headEnd type="none" w="med" len="med"/>
-                      <a:tailEnd type="none" w="med" len="med"/>
-                    </a:lnT>
-                    <a:lnB w="12700" cap="flat" cmpd="sng" algn="ctr">
-                      <a:solidFill>
-                        <a:schemeClr val="tx1"/>
-                      </a:solidFill>
-                      <a:prstDash val="solid"/>
-                      <a:round/>
-                      <a:headEnd type="none" w="med" len="med"/>
-                      <a:tailEnd type="none" w="med" len="med"/>
-                    </a:lnB>
-                    <a:noFill/>
-                  </a:tcPr>
-                </a:tc>
-                <a:extLst>
-                  <a:ext uri="{0D108BD9-81ED-4DB2-BD59-A6C34878D82A}">
-                    <a16:rowId xmlns:a16="http://schemas.microsoft.com/office/drawing/2014/main" val="3588780552"/>
-                  </a:ext>
-                </a:extLst>
-              </a:tr>
-              <a:tr h="518395">
-                <a:tc>
-                  <a:txBody>
-                    <a:bodyPr/>
-                    <a:lstStyle/>
-                    <a:p>
-                      <a:pPr marL="0" marR="0" indent="0" algn="l" defTabSz="914400" rtl="0" eaLnBrk="1" fontAlgn="auto" latinLnBrk="0" hangingPunct="1">
-                        <a:lnSpc>
-                          <a:spcPct val="100000"/>
-                        </a:lnSpc>
-                        <a:spcBef>
-                          <a:spcPts val="0"/>
-                        </a:spcBef>
-                        <a:spcAft>
-                          <a:spcPts val="0"/>
-                        </a:spcAft>
-                        <a:buClrTx/>
-                        <a:buSzTx/>
-                        <a:buFontTx/>
-                        <a:buNone/>
-                        <a:tabLst/>
-                        <a:defRPr/>
-                      </a:pPr>
-                      <a:r>
-                        <a:rPr lang="ja-JP" altLang="en-US" sz="2800" b="1" dirty="0" smtClean="0"/>
-                        <a:t>過去問・シラバス</a:t>
-                      </a:r>
-                      <a:endParaRPr lang="en-US" altLang="ja-JP" sz="2800" b="1" dirty="0" smtClean="0"/>
-                    </a:p>
-                  </a:txBody>
-                  <a:tcPr>
-                    <a:lnL w="12700" cap="flat" cmpd="sng" algn="ctr">
-                      <a:solidFill>
-                        <a:schemeClr val="tx1"/>
-                      </a:solidFill>
-                      <a:prstDash val="solid"/>
-                      <a:round/>
-                      <a:headEnd type="none" w="med" len="med"/>
-                      <a:tailEnd type="none" w="med" len="med"/>
-                    </a:lnL>
-                    <a:lnR w="12700" cap="flat" cmpd="sng" algn="ctr">
-                      <a:solidFill>
-                        <a:schemeClr val="tx1"/>
-                      </a:solidFill>
-                      <a:prstDash val="solid"/>
-                      <a:round/>
-                      <a:headEnd type="none" w="med" len="med"/>
-                      <a:tailEnd type="none" w="med" len="med"/>
-                    </a:lnR>
-                    <a:lnT w="12700" cap="flat" cmpd="sng" algn="ctr">
-                      <a:solidFill>
-                        <a:schemeClr val="tx1"/>
-                      </a:solidFill>
-                      <a:prstDash val="solid"/>
-                      <a:round/>
-                      <a:headEnd type="none" w="med" len="med"/>
-                      <a:tailEnd type="none" w="med" len="med"/>
-                    </a:lnT>
-                    <a:lnB w="12700" cap="flat" cmpd="sng" algn="ctr">
-                      <a:solidFill>
-                        <a:schemeClr val="tx1"/>
-                      </a:solidFill>
-                      <a:prstDash val="solid"/>
-                      <a:round/>
-                      <a:headEnd type="none" w="med" len="med"/>
-                      <a:tailEnd type="none" w="med" len="med"/>
-                    </a:lnB>
-                    <a:noFill/>
-                  </a:tcPr>
-                </a:tc>
-                <a:tc>
-                  <a:txBody>
-                    <a:bodyPr/>
-                    <a:lstStyle/>
-                    <a:p>
-                      <a:pPr algn="r"/>
-                      <a:r>
-                        <a:rPr kumimoji="1" lang="en-US" altLang="ja-JP" sz="2800" b="1" dirty="0" smtClean="0"/>
-                        <a:t>44</a:t>
-                      </a:r>
-                      <a:endParaRPr kumimoji="1" lang="ja-JP" altLang="en-US" sz="2800" b="1" dirty="0"/>
-                    </a:p>
-                  </a:txBody>
-                  <a:tcPr>
-                    <a:lnL w="12700" cap="flat" cmpd="sng" algn="ctr">
-                      <a:solidFill>
-                        <a:schemeClr val="tx1"/>
-                      </a:solidFill>
-                      <a:prstDash val="solid"/>
-                      <a:round/>
-                      <a:headEnd type="none" w="med" len="med"/>
-                      <a:tailEnd type="none" w="med" len="med"/>
-                    </a:lnL>
-                    <a:lnR w="12700" cap="flat" cmpd="sng" algn="ctr">
-                      <a:solidFill>
-                        <a:schemeClr val="tx1"/>
-                      </a:solidFill>
-                      <a:prstDash val="solid"/>
-                      <a:round/>
-                      <a:headEnd type="none" w="med" len="med"/>
-                      <a:tailEnd type="none" w="med" len="med"/>
-                    </a:lnR>
-                    <a:lnT w="12700" cap="flat" cmpd="sng" algn="ctr">
-                      <a:solidFill>
-                        <a:schemeClr val="tx1"/>
-                      </a:solidFill>
-                      <a:prstDash val="solid"/>
-                      <a:round/>
-                      <a:headEnd type="none" w="med" len="med"/>
-                      <a:tailEnd type="none" w="med" len="med"/>
-                    </a:lnT>
-                    <a:lnB w="12700" cap="flat" cmpd="sng" algn="ctr">
-                      <a:solidFill>
-                        <a:schemeClr val="tx1"/>
-                      </a:solidFill>
-                      <a:prstDash val="solid"/>
-                      <a:round/>
-                      <a:headEnd type="none" w="med" len="med"/>
-                      <a:tailEnd type="none" w="med" len="med"/>
-                    </a:lnB>
-                    <a:noFill/>
-                  </a:tcPr>
-                </a:tc>
-                <a:tc>
-                  <a:txBody>
-                    <a:bodyPr/>
-                    <a:lstStyle/>
-                    <a:p>
-                      <a:pPr algn="r"/>
-                      <a:r>
-                        <a:rPr kumimoji="1" lang="en-US" altLang="ja-JP" sz="2800" b="1" dirty="0" smtClean="0"/>
-                        <a:t>3</a:t>
-                      </a:r>
-                      <a:endParaRPr kumimoji="1" lang="ja-JP" altLang="en-US" sz="2800" b="1" dirty="0"/>
-                    </a:p>
-                  </a:txBody>
-                  <a:tcPr>
-                    <a:lnL w="12700" cap="flat" cmpd="sng" algn="ctr">
-                      <a:solidFill>
-                        <a:schemeClr val="tx1"/>
-                      </a:solidFill>
-                      <a:prstDash val="solid"/>
-                      <a:round/>
-                      <a:headEnd type="none" w="med" len="med"/>
-                      <a:tailEnd type="none" w="med" len="med"/>
-                    </a:lnL>
-                    <a:lnR w="12700" cap="flat" cmpd="sng" algn="ctr">
-                      <a:solidFill>
-                        <a:schemeClr val="tx1"/>
-                      </a:solidFill>
-                      <a:prstDash val="solid"/>
-                      <a:round/>
-                      <a:headEnd type="none" w="med" len="med"/>
-                      <a:tailEnd type="none" w="med" len="med"/>
-                    </a:lnR>
-                    <a:lnT w="12700" cap="flat" cmpd="sng" algn="ctr">
-                      <a:solidFill>
-                        <a:schemeClr val="tx1"/>
-                      </a:solidFill>
-                      <a:prstDash val="solid"/>
-                      <a:round/>
-                      <a:headEnd type="none" w="med" len="med"/>
-                      <a:tailEnd type="none" w="med" len="med"/>
-                    </a:lnT>
-                    <a:lnB w="12700" cap="flat" cmpd="sng" algn="ctr">
-                      <a:solidFill>
-                        <a:schemeClr val="tx1"/>
-                      </a:solidFill>
-                      <a:prstDash val="solid"/>
-                      <a:round/>
-                      <a:headEnd type="none" w="med" len="med"/>
-                      <a:tailEnd type="none" w="med" len="med"/>
-                    </a:lnB>
-                    <a:noFill/>
-                  </a:tcPr>
-                </a:tc>
-                <a:extLst>
-                  <a:ext uri="{0D108BD9-81ED-4DB2-BD59-A6C34878D82A}">
-                    <a16:rowId xmlns:a16="http://schemas.microsoft.com/office/drawing/2014/main" val="398459552"/>
-                  </a:ext>
-                </a:extLst>
-              </a:tr>
-              <a:tr h="936000">
-                <a:tc>
-                  <a:txBody>
-                    <a:bodyPr/>
-                    <a:lstStyle/>
-                    <a:p>
-                      <a:pPr marL="0" marR="0" indent="0" algn="l" defTabSz="914400" rtl="0" eaLnBrk="1" fontAlgn="auto" latinLnBrk="0" hangingPunct="1">
-                        <a:lnSpc>
-                          <a:spcPct val="100000"/>
-                        </a:lnSpc>
-                        <a:spcBef>
-                          <a:spcPts val="0"/>
-                        </a:spcBef>
-                        <a:spcAft>
-                          <a:spcPts val="0"/>
-                        </a:spcAft>
-                        <a:buClrTx/>
-                        <a:buSzTx/>
-                        <a:buFontTx/>
-                        <a:buNone/>
-                        <a:tabLst/>
-                        <a:defRPr/>
-                      </a:pPr>
-                      <a:r>
-                        <a:rPr lang="ja-JP" altLang="en-US" sz="2800" b="1" dirty="0" smtClean="0"/>
-                        <a:t>過去の実験や</a:t>
-                      </a:r>
-                      <a:endParaRPr lang="en-US" altLang="ja-JP" sz="2800" b="1" dirty="0" smtClean="0"/>
-                    </a:p>
-                    <a:p>
-                      <a:pPr marL="0" marR="0" indent="0" algn="l" defTabSz="914400" rtl="0" eaLnBrk="1" fontAlgn="auto" latinLnBrk="0" hangingPunct="1">
-                        <a:lnSpc>
-                          <a:spcPct val="100000"/>
-                        </a:lnSpc>
-                        <a:spcBef>
-                          <a:spcPts val="0"/>
-                        </a:spcBef>
-                        <a:spcAft>
-                          <a:spcPts val="0"/>
-                        </a:spcAft>
-                        <a:buClrTx/>
-                        <a:buSzTx/>
-                        <a:buFontTx/>
-                        <a:buNone/>
-                        <a:tabLst/>
-                        <a:defRPr/>
-                      </a:pPr>
-                      <a:r>
-                        <a:rPr lang="ja-JP" altLang="en-US" sz="2800" b="1" dirty="0" smtClean="0"/>
-                        <a:t>演習などの成果物</a:t>
-                      </a:r>
-                      <a:endParaRPr kumimoji="1" lang="ja-JP" altLang="en-US" sz="2800" b="1" dirty="0"/>
-                    </a:p>
-                  </a:txBody>
-                  <a:tcPr>
-                    <a:lnL w="12700" cap="flat" cmpd="sng" algn="ctr">
-                      <a:solidFill>
-                        <a:schemeClr val="tx1"/>
-                      </a:solidFill>
-                      <a:prstDash val="solid"/>
-                      <a:round/>
-                      <a:headEnd type="none" w="med" len="med"/>
-                      <a:tailEnd type="none" w="med" len="med"/>
-                    </a:lnL>
-                    <a:lnR w="12700" cap="flat" cmpd="sng" algn="ctr">
-                      <a:solidFill>
-                        <a:schemeClr val="tx1"/>
-                      </a:solidFill>
-                      <a:prstDash val="solid"/>
-                      <a:round/>
-                      <a:headEnd type="none" w="med" len="med"/>
-                      <a:tailEnd type="none" w="med" len="med"/>
-                    </a:lnR>
-                    <a:lnT w="12700" cap="flat" cmpd="sng" algn="ctr">
-                      <a:solidFill>
-                        <a:schemeClr val="tx1"/>
-                      </a:solidFill>
-                      <a:prstDash val="solid"/>
-                      <a:round/>
-                      <a:headEnd type="none" w="med" len="med"/>
-                      <a:tailEnd type="none" w="med" len="med"/>
-                    </a:lnT>
-                    <a:lnB w="12700" cap="flat" cmpd="sng" algn="ctr">
-                      <a:solidFill>
-                        <a:schemeClr val="tx1"/>
-                      </a:solidFill>
-                      <a:prstDash val="solid"/>
-                      <a:round/>
-                      <a:headEnd type="none" w="med" len="med"/>
-                      <a:tailEnd type="none" w="med" len="med"/>
-                    </a:lnB>
-                    <a:noFill/>
-                  </a:tcPr>
-                </a:tc>
-                <a:tc>
-                  <a:txBody>
-                    <a:bodyPr/>
-                    <a:lstStyle/>
-                    <a:p>
-                      <a:pPr algn="r"/>
-                      <a:r>
-                        <a:rPr kumimoji="1" lang="en-US" altLang="ja-JP" sz="2800" b="1" dirty="0" smtClean="0"/>
-                        <a:t>40</a:t>
-                      </a:r>
-                      <a:endParaRPr kumimoji="1" lang="ja-JP" altLang="en-US" sz="2800" b="1" dirty="0"/>
-                    </a:p>
-                  </a:txBody>
-                  <a:tcPr>
-                    <a:lnL w="12700" cap="flat" cmpd="sng" algn="ctr">
-                      <a:solidFill>
-                        <a:schemeClr val="tx1"/>
-                      </a:solidFill>
-                      <a:prstDash val="solid"/>
-                      <a:round/>
-                      <a:headEnd type="none" w="med" len="med"/>
-                      <a:tailEnd type="none" w="med" len="med"/>
-                    </a:lnL>
-                    <a:lnR w="12700" cap="flat" cmpd="sng" algn="ctr">
-                      <a:solidFill>
-                        <a:schemeClr val="tx1"/>
-                      </a:solidFill>
-                      <a:prstDash val="solid"/>
-                      <a:round/>
-                      <a:headEnd type="none" w="med" len="med"/>
-                      <a:tailEnd type="none" w="med" len="med"/>
-                    </a:lnR>
-                    <a:lnT w="12700" cap="flat" cmpd="sng" algn="ctr">
-                      <a:solidFill>
-                        <a:schemeClr val="tx1"/>
-                      </a:solidFill>
-                      <a:prstDash val="solid"/>
-                      <a:round/>
-                      <a:headEnd type="none" w="med" len="med"/>
-                      <a:tailEnd type="none" w="med" len="med"/>
-                    </a:lnT>
-                    <a:lnB w="12700" cap="flat" cmpd="sng" algn="ctr">
-                      <a:solidFill>
-                        <a:schemeClr val="tx1"/>
-                      </a:solidFill>
-                      <a:prstDash val="solid"/>
-                      <a:round/>
-                      <a:headEnd type="none" w="med" len="med"/>
-                      <a:tailEnd type="none" w="med" len="med"/>
-                    </a:lnB>
-                    <a:noFill/>
-                  </a:tcPr>
-                </a:tc>
-                <a:tc>
-                  <a:txBody>
-                    <a:bodyPr/>
-                    <a:lstStyle/>
-                    <a:p>
-                      <a:pPr algn="r"/>
-                      <a:r>
-                        <a:rPr kumimoji="1" lang="en-US" altLang="ja-JP" sz="2800" b="1" dirty="0" smtClean="0"/>
-                        <a:t>4</a:t>
-                      </a:r>
-                      <a:endParaRPr kumimoji="1" lang="ja-JP" altLang="en-US" sz="2800" b="1" dirty="0"/>
-                    </a:p>
-                  </a:txBody>
-                  <a:tcPr>
-                    <a:lnL w="12700" cap="flat" cmpd="sng" algn="ctr">
-                      <a:solidFill>
-                        <a:schemeClr val="tx1"/>
-                      </a:solidFill>
-                      <a:prstDash val="solid"/>
-                      <a:round/>
-                      <a:headEnd type="none" w="med" len="med"/>
-                      <a:tailEnd type="none" w="med" len="med"/>
-                    </a:lnL>
-                    <a:lnR w="12700" cap="flat" cmpd="sng" algn="ctr">
-                      <a:solidFill>
-                        <a:schemeClr val="tx1"/>
-                      </a:solidFill>
-                      <a:prstDash val="solid"/>
-                      <a:round/>
-                      <a:headEnd type="none" w="med" len="med"/>
-                      <a:tailEnd type="none" w="med" len="med"/>
-                    </a:lnR>
-                    <a:lnT w="12700" cap="flat" cmpd="sng" algn="ctr">
-                      <a:solidFill>
-                        <a:schemeClr val="tx1"/>
-                      </a:solidFill>
-                      <a:prstDash val="solid"/>
-                      <a:round/>
-                      <a:headEnd type="none" w="med" len="med"/>
-                      <a:tailEnd type="none" w="med" len="med"/>
-                    </a:lnT>
-                    <a:lnB w="12700" cap="flat" cmpd="sng" algn="ctr">
-                      <a:solidFill>
-                        <a:schemeClr val="tx1"/>
-                      </a:solidFill>
-                      <a:prstDash val="solid"/>
-                      <a:round/>
-                      <a:headEnd type="none" w="med" len="med"/>
-                      <a:tailEnd type="none" w="med" len="med"/>
-                    </a:lnB>
-                    <a:noFill/>
-                  </a:tcPr>
-                </a:tc>
-                <a:extLst>
-                  <a:ext uri="{0D108BD9-81ED-4DB2-BD59-A6C34878D82A}">
-                    <a16:rowId xmlns:a16="http://schemas.microsoft.com/office/drawing/2014/main" val="143611511"/>
-                  </a:ext>
-                </a:extLst>
-              </a:tr>
-              <a:tr h="518400">
-                <a:tc>
-                  <a:txBody>
-                    <a:bodyPr/>
-                    <a:lstStyle/>
-                    <a:p>
-                      <a:pPr marL="0" marR="0" indent="0" algn="l" defTabSz="914400" rtl="0" eaLnBrk="1" fontAlgn="auto" latinLnBrk="0" hangingPunct="1">
-                        <a:lnSpc>
-                          <a:spcPct val="100000"/>
-                        </a:lnSpc>
-                        <a:spcBef>
-                          <a:spcPts val="0"/>
-                        </a:spcBef>
-                        <a:spcAft>
-                          <a:spcPts val="0"/>
-                        </a:spcAft>
-                        <a:buClrTx/>
-                        <a:buSzTx/>
-                        <a:buFontTx/>
-                        <a:buNone/>
-                        <a:tabLst/>
-                        <a:defRPr/>
-                      </a:pPr>
-                      <a:r>
-                        <a:rPr lang="en-US" altLang="ja-JP" sz="2800" b="1" dirty="0" smtClean="0"/>
-                        <a:t>PM</a:t>
-                      </a:r>
-                      <a:r>
-                        <a:rPr lang="ja-JP" altLang="en-US" sz="2800" b="1" dirty="0" smtClean="0"/>
-                        <a:t>学科の時間割</a:t>
-                      </a:r>
-                    </a:p>
-                  </a:txBody>
-                  <a:tcPr>
-                    <a:lnL w="12700" cap="flat" cmpd="sng" algn="ctr">
-                      <a:solidFill>
-                        <a:schemeClr val="tx1"/>
-                      </a:solidFill>
-                      <a:prstDash val="solid"/>
-                      <a:round/>
-                      <a:headEnd type="none" w="med" len="med"/>
-                      <a:tailEnd type="none" w="med" len="med"/>
-                    </a:lnL>
-                    <a:lnR w="12700" cap="flat" cmpd="sng" algn="ctr">
-                      <a:solidFill>
-                        <a:schemeClr val="tx1"/>
-                      </a:solidFill>
-                      <a:prstDash val="solid"/>
-                      <a:round/>
-                      <a:headEnd type="none" w="med" len="med"/>
-                      <a:tailEnd type="none" w="med" len="med"/>
-                    </a:lnR>
-                    <a:lnT w="12700" cap="flat" cmpd="sng" algn="ctr">
-                      <a:solidFill>
-                        <a:schemeClr val="tx1"/>
-                      </a:solidFill>
-                      <a:prstDash val="solid"/>
-                      <a:round/>
-                      <a:headEnd type="none" w="med" len="med"/>
-                      <a:tailEnd type="none" w="med" len="med"/>
-                    </a:lnT>
-                    <a:lnB w="12700" cap="flat" cmpd="sng" algn="ctr">
-                      <a:solidFill>
-                        <a:schemeClr val="tx1"/>
-                      </a:solidFill>
-                      <a:prstDash val="solid"/>
-                      <a:round/>
-                      <a:headEnd type="none" w="med" len="med"/>
-                      <a:tailEnd type="none" w="med" len="med"/>
-                    </a:lnB>
-                    <a:noFill/>
-                  </a:tcPr>
-                </a:tc>
-                <a:tc>
-                  <a:txBody>
-                    <a:bodyPr/>
-                    <a:lstStyle/>
-                    <a:p>
-                      <a:pPr algn="r"/>
-                      <a:r>
-                        <a:rPr kumimoji="1" lang="en-US" altLang="ja-JP" sz="2800" b="1" dirty="0" smtClean="0"/>
-                        <a:t>4</a:t>
-                      </a:r>
-                      <a:endParaRPr kumimoji="1" lang="ja-JP" altLang="en-US" sz="2800" b="1" dirty="0"/>
-                    </a:p>
-                  </a:txBody>
-                  <a:tcPr>
-                    <a:lnL w="12700" cap="flat" cmpd="sng" algn="ctr">
-                      <a:solidFill>
-                        <a:schemeClr val="tx1"/>
-                      </a:solidFill>
-                      <a:prstDash val="solid"/>
-                      <a:round/>
-                      <a:headEnd type="none" w="med" len="med"/>
-                      <a:tailEnd type="none" w="med" len="med"/>
-                    </a:lnL>
-                    <a:lnR w="12700" cap="flat" cmpd="sng" algn="ctr">
-                      <a:solidFill>
-                        <a:schemeClr val="tx1"/>
-                      </a:solidFill>
-                      <a:prstDash val="solid"/>
-                      <a:round/>
-                      <a:headEnd type="none" w="med" len="med"/>
-                      <a:tailEnd type="none" w="med" len="med"/>
-                    </a:lnR>
-                    <a:lnT w="12700" cap="flat" cmpd="sng" algn="ctr">
-                      <a:solidFill>
-                        <a:schemeClr val="tx1"/>
-                      </a:solidFill>
-                      <a:prstDash val="solid"/>
-                      <a:round/>
-                      <a:headEnd type="none" w="med" len="med"/>
-                      <a:tailEnd type="none" w="med" len="med"/>
-                    </a:lnT>
-                    <a:lnB w="12700" cap="flat" cmpd="sng" algn="ctr">
-                      <a:solidFill>
-                        <a:schemeClr val="tx1"/>
-                      </a:solidFill>
-                      <a:prstDash val="solid"/>
-                      <a:round/>
-                      <a:headEnd type="none" w="med" len="med"/>
-                      <a:tailEnd type="none" w="med" len="med"/>
-                    </a:lnB>
-                    <a:noFill/>
-                  </a:tcPr>
-                </a:tc>
-                <a:tc>
-                  <a:txBody>
-                    <a:bodyPr/>
-                    <a:lstStyle/>
-                    <a:p>
-                      <a:pPr algn="r"/>
-                      <a:r>
-                        <a:rPr kumimoji="1" lang="en-US" altLang="ja-JP" sz="2800" b="1" dirty="0" smtClean="0"/>
-                        <a:t>5</a:t>
-                      </a:r>
-                      <a:endParaRPr kumimoji="1" lang="ja-JP" altLang="en-US" sz="2800" b="1" dirty="0"/>
-                    </a:p>
-                  </a:txBody>
-                  <a:tcPr>
-                    <a:lnL w="12700" cap="flat" cmpd="sng" algn="ctr">
-                      <a:solidFill>
-                        <a:schemeClr val="tx1"/>
-                      </a:solidFill>
-                      <a:prstDash val="solid"/>
-                      <a:round/>
-                      <a:headEnd type="none" w="med" len="med"/>
-                      <a:tailEnd type="none" w="med" len="med"/>
-                    </a:lnL>
-                    <a:lnR w="12700" cap="flat" cmpd="sng" algn="ctr">
-                      <a:solidFill>
-                        <a:schemeClr val="tx1"/>
-                      </a:solidFill>
-                      <a:prstDash val="solid"/>
-                      <a:round/>
-                      <a:headEnd type="none" w="med" len="med"/>
-                      <a:tailEnd type="none" w="med" len="med"/>
-                    </a:lnR>
-                    <a:lnT w="12700" cap="flat" cmpd="sng" algn="ctr">
-                      <a:solidFill>
-                        <a:schemeClr val="tx1"/>
-                      </a:solidFill>
-                      <a:prstDash val="solid"/>
-                      <a:round/>
-                      <a:headEnd type="none" w="med" len="med"/>
-                      <a:tailEnd type="none" w="med" len="med"/>
-                    </a:lnT>
-                    <a:lnB w="12700" cap="flat" cmpd="sng" algn="ctr">
-                      <a:solidFill>
-                        <a:schemeClr val="tx1"/>
-                      </a:solidFill>
-                      <a:prstDash val="solid"/>
-                      <a:round/>
-                      <a:headEnd type="none" w="med" len="med"/>
-                      <a:tailEnd type="none" w="med" len="med"/>
-                    </a:lnB>
-                    <a:noFill/>
-                  </a:tcPr>
-                </a:tc>
-                <a:extLst>
-                  <a:ext uri="{0D108BD9-81ED-4DB2-BD59-A6C34878D82A}">
-                    <a16:rowId xmlns:a16="http://schemas.microsoft.com/office/drawing/2014/main" val="1322407502"/>
-                  </a:ext>
-                </a:extLst>
-              </a:tr>
-            </a:tbl>
-          </a:graphicData>
-        </a:graphic>
-      </p:graphicFrame>
-      <p:sp>
-        <p:nvSpPr>
-          <p:cNvPr id="8" name="スライド番号プレースホルダー 7"/>
-          <p:cNvSpPr>
-            <a:spLocks noGrp="1"/>
-          </p:cNvSpPr>
-          <p:nvPr>
-            <p:ph type="sldNum" sz="quarter" idx="12"/>
-          </p:nvPr>
-        </p:nvSpPr>
-        <p:spPr/>
-        <p:txBody>
-          <a:bodyPr/>
-          <a:lstStyle/>
-          <a:p>
-            <a:r>
-              <a:rPr kumimoji="1" lang="ja-JP" altLang="en-US" sz="3600" dirty="0" smtClean="0"/>
-              <a:t>　　</a:t>
-            </a:r>
-            <a:r>
-              <a:rPr kumimoji="1" lang="en-US" altLang="ja-JP" sz="3600" dirty="0" smtClean="0"/>
-              <a:t>12</a:t>
-            </a:r>
-            <a:endParaRPr kumimoji="1" lang="ja-JP" altLang="en-US" sz="3600" dirty="0"/>
-          </a:p>
-        </p:txBody>
-      </p:sp>
-    </p:spTree>
-    <p:extLst>
-      <p:ext uri="{BB962C8B-B14F-4D97-AF65-F5344CB8AC3E}">
-        <p14:creationId xmlns:p14="http://schemas.microsoft.com/office/powerpoint/2010/main" val="1188981526"/>
-      </p:ext>
-    </p:extLst>
-  </p:cSld>
-  <p:clrMapOvr>
-    <a:masterClrMapping/>
-  </p:clrMapOvr>
-  <mc:AlternateContent xmlns:mc="http://schemas.openxmlformats.org/markup-compatibility/2006" xmlns:p14="http://schemas.microsoft.com/office/powerpoint/2010/main">
-    <mc:Choice Requires="p14">
-      <p:transition p14:dur="10"/>
-    </mc:Choice>
-    <mc:Fallback xmlns="">
-      <p:transition/>
-    </mc:Fallback>
-  </mc:AlternateContent>
-  <p:timing>
-    <p:tnLst>
-      <p:par>
-        <p:cTn id="1" dur="indefinite" restart="never" nodeType="tmRoot"/>
-      </p:par>
-    </p:tnLst>
-  </p:timing>
-</p:sld>
-</file>
-
-<file path=ppt/slides/slide18.xml><?xml version="1.0" encoding="utf-8"?>
 <p:sld xmlns:a="http://schemas.openxmlformats.org/drawingml/2006/main" xmlns:r="http://schemas.openxmlformats.org/officeDocument/2006/relationships" xmlns:p="http://schemas.openxmlformats.org/presentationml/2006/main">
   <p:cSld>
     <p:spTree>
@@ -15152,7 +15173,7 @@
 </p:sld>
 </file>
 
-<file path=ppt/slides/slide19.xml><?xml version="1.0" encoding="utf-8"?>
+<file path=ppt/slides/slide18.xml><?xml version="1.0" encoding="utf-8"?>
 <p:sld xmlns:a="http://schemas.openxmlformats.org/drawingml/2006/main" xmlns:r="http://schemas.openxmlformats.org/officeDocument/2006/relationships" xmlns:p="http://schemas.openxmlformats.org/presentationml/2006/main">
   <p:cSld>
     <p:spTree>
@@ -15250,6 +15271,129 @@
     <p:extLst>
       <p:ext uri="{BB962C8B-B14F-4D97-AF65-F5344CB8AC3E}">
         <p14:creationId xmlns:p14="http://schemas.microsoft.com/office/powerpoint/2010/main" val="2403032415"/>
+      </p:ext>
+    </p:extLst>
+  </p:cSld>
+  <p:clrMapOvr>
+    <a:masterClrMapping/>
+  </p:clrMapOvr>
+  <p:timing>
+    <p:tnLst>
+      <p:par>
+        <p:cTn id="1" dur="indefinite" restart="never" nodeType="tmRoot"/>
+      </p:par>
+    </p:tnLst>
+  </p:timing>
+</p:sld>
+</file>
+
+<file path=ppt/slides/slide19.xml><?xml version="1.0" encoding="utf-8"?>
+<p:sld xmlns:a="http://schemas.openxmlformats.org/drawingml/2006/main" xmlns:r="http://schemas.openxmlformats.org/officeDocument/2006/relationships" xmlns:p="http://schemas.openxmlformats.org/presentationml/2006/main">
+  <p:cSld>
+    <p:spTree>
+      <p:nvGrpSpPr>
+        <p:cNvPr id="1" name=""/>
+        <p:cNvGrpSpPr/>
+        <p:nvPr/>
+      </p:nvGrpSpPr>
+      <p:grpSpPr>
+        <a:xfrm>
+          <a:off x="0" y="0"/>
+          <a:ext cx="0" cy="0"/>
+          <a:chOff x="0" y="0"/>
+          <a:chExt cx="0" cy="0"/>
+        </a:xfrm>
+      </p:grpSpPr>
+      <p:sp>
+        <p:nvSpPr>
+          <p:cNvPr id="7" name="スライド番号プレースホルダー 6"/>
+          <p:cNvSpPr>
+            <a:spLocks noGrp="1"/>
+          </p:cNvSpPr>
+          <p:nvPr>
+            <p:ph type="sldNum" sz="quarter" idx="12"/>
+          </p:nvPr>
+        </p:nvSpPr>
+        <p:spPr/>
+        <p:txBody>
+          <a:bodyPr/>
+          <a:lstStyle/>
+          <a:p>
+            <a:r>
+              <a:rPr lang="en-US" altLang="ja-JP" sz="3600" smtClean="0"/>
+              <a:t>16</a:t>
+            </a:r>
+            <a:endParaRPr kumimoji="1" lang="ja-JP" altLang="en-US" sz="3600" dirty="0"/>
+          </a:p>
+        </p:txBody>
+      </p:sp>
+      <p:sp>
+        <p:nvSpPr>
+          <p:cNvPr id="3" name="テキスト ボックス 2"/>
+          <p:cNvSpPr txBox="1"/>
+          <p:nvPr/>
+        </p:nvSpPr>
+        <p:spPr>
+          <a:xfrm>
+            <a:off x="1074466" y="1723252"/>
+            <a:ext cx="10116094" cy="2646878"/>
+          </a:xfrm>
+          <a:prstGeom prst="rect">
+            <a:avLst/>
+          </a:prstGeom>
+          <a:noFill/>
+        </p:spPr>
+        <p:txBody>
+          <a:bodyPr wrap="square" rtlCol="0">
+            <a:spAutoFit/>
+          </a:bodyPr>
+          <a:lstStyle/>
+          <a:p>
+            <a:r>
+              <a:rPr lang="en-US" altLang="ja-JP" sz="16600" b="1" dirty="0" smtClean="0">
+                <a:latin typeface="Chiller" panose="04020404031007020602" pitchFamily="82" charset="0"/>
+              </a:rPr>
+              <a:t> </a:t>
+            </a:r>
+            <a:r>
+              <a:rPr lang="ja-JP" altLang="en-US" sz="6600" b="1" dirty="0" smtClean="0">
+                <a:latin typeface="Chiller" panose="04020404031007020602" pitchFamily="82" charset="0"/>
+              </a:rPr>
+              <a:t>ありがとうございました</a:t>
+            </a:r>
+            <a:endParaRPr kumimoji="1" lang="ja-JP" altLang="en-US" sz="6600" b="1" dirty="0">
+              <a:latin typeface="Chiller" panose="04020404031007020602" pitchFamily="82" charset="0"/>
+            </a:endParaRPr>
+          </a:p>
+        </p:txBody>
+      </p:sp>
+      <p:pic>
+        <p:nvPicPr>
+          <p:cNvPr id="5" name="図 4"/>
+          <p:cNvPicPr>
+            <a:picLocks noChangeAspect="1"/>
+          </p:cNvPicPr>
+          <p:nvPr/>
+        </p:nvPicPr>
+        <p:blipFill rotWithShape="1">
+          <a:blip r:embed="rId3"/>
+          <a:srcRect t="-337" r="-337"/>
+          <a:stretch/>
+        </p:blipFill>
+        <p:spPr>
+          <a:xfrm>
+            <a:off x="0" y="4167050"/>
+            <a:ext cx="1554480" cy="2690949"/>
+          </a:xfrm>
+          <a:prstGeom prst="rect">
+            <a:avLst/>
+          </a:prstGeom>
+        </p:spPr>
+      </p:pic>
+    </p:spTree>
+    <p:extLst>
+      <p:ext uri="{BB962C8B-B14F-4D97-AF65-F5344CB8AC3E}">
+        <p14:creationId xmlns:p14="http://schemas.microsoft.com/office/powerpoint/2010/main" val="2012428149"/>
       </p:ext>
     </p:extLst>
   </p:cSld>
@@ -15492,129 +15636,6 @@
       <p:transition/>
     </mc:Fallback>
   </mc:AlternateContent>
-  <p:timing>
-    <p:tnLst>
-      <p:par>
-        <p:cTn id="1" dur="indefinite" restart="never" nodeType="tmRoot"/>
-      </p:par>
-    </p:tnLst>
-  </p:timing>
-</p:sld>
-</file>
-
-<file path=ppt/slides/slide20.xml><?xml version="1.0" encoding="utf-8"?>
-<p:sld xmlns:a="http://schemas.openxmlformats.org/drawingml/2006/main" xmlns:r="http://schemas.openxmlformats.org/officeDocument/2006/relationships" xmlns:p="http://schemas.openxmlformats.org/presentationml/2006/main">
-  <p:cSld>
-    <p:spTree>
-      <p:nvGrpSpPr>
-        <p:cNvPr id="1" name=""/>
-        <p:cNvGrpSpPr/>
-        <p:nvPr/>
-      </p:nvGrpSpPr>
-      <p:grpSpPr>
-        <a:xfrm>
-          <a:off x="0" y="0"/>
-          <a:ext cx="0" cy="0"/>
-          <a:chOff x="0" y="0"/>
-          <a:chExt cx="0" cy="0"/>
-        </a:xfrm>
-      </p:grpSpPr>
-      <p:sp>
-        <p:nvSpPr>
-          <p:cNvPr id="7" name="スライド番号プレースホルダー 6"/>
-          <p:cNvSpPr>
-            <a:spLocks noGrp="1"/>
-          </p:cNvSpPr>
-          <p:nvPr>
-            <p:ph type="sldNum" sz="quarter" idx="12"/>
-          </p:nvPr>
-        </p:nvSpPr>
-        <p:spPr/>
-        <p:txBody>
-          <a:bodyPr/>
-          <a:lstStyle/>
-          <a:p>
-            <a:r>
-              <a:rPr lang="en-US" altLang="ja-JP" sz="3600" smtClean="0"/>
-              <a:t>16</a:t>
-            </a:r>
-            <a:endParaRPr kumimoji="1" lang="ja-JP" altLang="en-US" sz="3600" dirty="0"/>
-          </a:p>
-        </p:txBody>
-      </p:sp>
-      <p:sp>
-        <p:nvSpPr>
-          <p:cNvPr id="3" name="テキスト ボックス 2"/>
-          <p:cNvSpPr txBox="1"/>
-          <p:nvPr/>
-        </p:nvSpPr>
-        <p:spPr>
-          <a:xfrm>
-            <a:off x="1074466" y="1723252"/>
-            <a:ext cx="10116094" cy="2646878"/>
-          </a:xfrm>
-          <a:prstGeom prst="rect">
-            <a:avLst/>
-          </a:prstGeom>
-          <a:noFill/>
-        </p:spPr>
-        <p:txBody>
-          <a:bodyPr wrap="square" rtlCol="0">
-            <a:spAutoFit/>
-          </a:bodyPr>
-          <a:lstStyle/>
-          <a:p>
-            <a:r>
-              <a:rPr lang="en-US" altLang="ja-JP" sz="16600" b="1" dirty="0" smtClean="0">
-                <a:latin typeface="Chiller" panose="04020404031007020602" pitchFamily="82" charset="0"/>
-              </a:rPr>
-              <a:t> </a:t>
-            </a:r>
-            <a:r>
-              <a:rPr lang="ja-JP" altLang="en-US" sz="6600" b="1" dirty="0" smtClean="0">
-                <a:latin typeface="Chiller" panose="04020404031007020602" pitchFamily="82" charset="0"/>
-              </a:rPr>
-              <a:t>ありがとうございました</a:t>
-            </a:r>
-            <a:endParaRPr kumimoji="1" lang="ja-JP" altLang="en-US" sz="6600" b="1" dirty="0">
-              <a:latin typeface="Chiller" panose="04020404031007020602" pitchFamily="82" charset="0"/>
-            </a:endParaRPr>
-          </a:p>
-        </p:txBody>
-      </p:sp>
-      <p:pic>
-        <p:nvPicPr>
-          <p:cNvPr id="5" name="図 4"/>
-          <p:cNvPicPr>
-            <a:picLocks noChangeAspect="1"/>
-          </p:cNvPicPr>
-          <p:nvPr/>
-        </p:nvPicPr>
-        <p:blipFill rotWithShape="1">
-          <a:blip r:embed="rId3"/>
-          <a:srcRect t="-337" r="-337"/>
-          <a:stretch/>
-        </p:blipFill>
-        <p:spPr>
-          <a:xfrm>
-            <a:off x="0" y="4167050"/>
-            <a:ext cx="1554480" cy="2690949"/>
-          </a:xfrm>
-          <a:prstGeom prst="rect">
-            <a:avLst/>
-          </a:prstGeom>
-        </p:spPr>
-      </p:pic>
-    </p:spTree>
-    <p:extLst>
-      <p:ext uri="{BB962C8B-B14F-4D97-AF65-F5344CB8AC3E}">
-        <p14:creationId xmlns:p14="http://schemas.microsoft.com/office/powerpoint/2010/main" val="2012428149"/>
-      </p:ext>
-    </p:extLst>
-  </p:cSld>
-  <p:clrMapOvr>
-    <a:masterClrMapping/>
-  </p:clrMapOvr>
   <p:timing>
     <p:tnLst>
       <p:par>
